--- a/수집요소.pptx
+++ b/수집요소.pptx
@@ -5,10 +5,12 @@
     <p:sldMasterId id="2147483648" r:id="rId1"/>
   </p:sldMasterIdLst>
   <p:notesMasterIdLst>
-    <p:notesMasterId r:id="rId3"/>
+    <p:notesMasterId r:id="rId5"/>
   </p:notesMasterIdLst>
   <p:sldIdLst>
     <p:sldId id="266" r:id="rId2"/>
+    <p:sldId id="267" r:id="rId3"/>
+    <p:sldId id="268" r:id="rId4"/>
   </p:sldIdLst>
   <p:sldSz cx="12192000" cy="6858000"/>
   <p:notesSz cx="6858000" cy="9144000"/>
@@ -107,6 +109,11 @@
       </a:defRPr>
     </a:lvl9pPr>
   </p:defaultTextStyle>
+  <p:extLst>
+    <p:ext uri="{EFAFB233-063F-42B5-8137-9DF3F51BA10A}">
+      <p15:sldGuideLst xmlns:p15="http://schemas.microsoft.com/office/powerpoint/2012/main"/>
+    </p:ext>
+  </p:extLst>
 </p:presentation>
 </file>
 
@@ -192,7 +199,7 @@
           <a:p>
             <a:fld id="{098D9883-1617-4681-BA43-91DCCEA255A3}" type="datetimeFigureOut">
               <a:rPr lang="ko-KR" altLang="en-US" smtClean="0"/>
-              <a:t>2024-03-25</a:t>
+              <a:t>2024-03-26</a:t>
             </a:fld>
             <a:endParaRPr lang="ko-KR" altLang="en-US"/>
           </a:p>
@@ -543,6 +550,174 @@
 </p:notes>
 </file>
 
+<file path=ppt/notesSlides/notesSlide2.xml><?xml version="1.0" encoding="utf-8"?>
+<p:notes xmlns:a="http://schemas.openxmlformats.org/drawingml/2006/main" xmlns:r="http://schemas.openxmlformats.org/officeDocument/2006/relationships" xmlns:p="http://schemas.openxmlformats.org/presentationml/2006/main">
+  <p:cSld>
+    <p:spTree>
+      <p:nvGrpSpPr>
+        <p:cNvPr id="1" name=""/>
+        <p:cNvGrpSpPr/>
+        <p:nvPr/>
+      </p:nvGrpSpPr>
+      <p:grpSpPr>
+        <a:xfrm>
+          <a:off x="0" y="0"/>
+          <a:ext cx="0" cy="0"/>
+          <a:chOff x="0" y="0"/>
+          <a:chExt cx="0" cy="0"/>
+        </a:xfrm>
+      </p:grpSpPr>
+      <p:sp>
+        <p:nvSpPr>
+          <p:cNvPr id="2" name="슬라이드 이미지 개체 틀 1"/>
+          <p:cNvSpPr>
+            <a:spLocks noGrp="1" noRot="1" noChangeAspect="1"/>
+          </p:cNvSpPr>
+          <p:nvPr>
+            <p:ph type="sldImg"/>
+          </p:nvPr>
+        </p:nvSpPr>
+        <p:spPr/>
+      </p:sp>
+      <p:sp>
+        <p:nvSpPr>
+          <p:cNvPr id="3" name="슬라이드 노트 개체 틀 2"/>
+          <p:cNvSpPr>
+            <a:spLocks noGrp="1"/>
+          </p:cNvSpPr>
+          <p:nvPr>
+            <p:ph type="body" idx="1"/>
+          </p:nvPr>
+        </p:nvSpPr>
+        <p:spPr/>
+        <p:txBody>
+          <a:bodyPr/>
+          <a:lstStyle/>
+          <a:p>
+            <a:endParaRPr lang="ko-KR" altLang="en-US" dirty="0"/>
+          </a:p>
+        </p:txBody>
+      </p:sp>
+      <p:sp>
+        <p:nvSpPr>
+          <p:cNvPr id="4" name="슬라이드 번호 개체 틀 3"/>
+          <p:cNvSpPr>
+            <a:spLocks noGrp="1"/>
+          </p:cNvSpPr>
+          <p:nvPr>
+            <p:ph type="sldNum" sz="quarter" idx="5"/>
+          </p:nvPr>
+        </p:nvSpPr>
+        <p:spPr/>
+        <p:txBody>
+          <a:bodyPr/>
+          <a:lstStyle/>
+          <a:p>
+            <a:fld id="{72032EB5-ABEB-49F2-BBDC-81C17B42AB0D}" type="slidenum">
+              <a:rPr lang="ko-KR" altLang="en-US" smtClean="0"/>
+              <a:t>2</a:t>
+            </a:fld>
+            <a:endParaRPr lang="ko-KR" altLang="en-US"/>
+          </a:p>
+        </p:txBody>
+      </p:sp>
+    </p:spTree>
+    <p:extLst>
+      <p:ext uri="{BB962C8B-B14F-4D97-AF65-F5344CB8AC3E}">
+        <p14:creationId xmlns:p14="http://schemas.microsoft.com/office/powerpoint/2010/main" val="2692393392"/>
+      </p:ext>
+    </p:extLst>
+  </p:cSld>
+  <p:clrMapOvr>
+    <a:masterClrMapping/>
+  </p:clrMapOvr>
+</p:notes>
+</file>
+
+<file path=ppt/notesSlides/notesSlide3.xml><?xml version="1.0" encoding="utf-8"?>
+<p:notes xmlns:a="http://schemas.openxmlformats.org/drawingml/2006/main" xmlns:r="http://schemas.openxmlformats.org/officeDocument/2006/relationships" xmlns:p="http://schemas.openxmlformats.org/presentationml/2006/main">
+  <p:cSld>
+    <p:spTree>
+      <p:nvGrpSpPr>
+        <p:cNvPr id="1" name=""/>
+        <p:cNvGrpSpPr/>
+        <p:nvPr/>
+      </p:nvGrpSpPr>
+      <p:grpSpPr>
+        <a:xfrm>
+          <a:off x="0" y="0"/>
+          <a:ext cx="0" cy="0"/>
+          <a:chOff x="0" y="0"/>
+          <a:chExt cx="0" cy="0"/>
+        </a:xfrm>
+      </p:grpSpPr>
+      <p:sp>
+        <p:nvSpPr>
+          <p:cNvPr id="2" name="슬라이드 이미지 개체 틀 1"/>
+          <p:cNvSpPr>
+            <a:spLocks noGrp="1" noRot="1" noChangeAspect="1"/>
+          </p:cNvSpPr>
+          <p:nvPr>
+            <p:ph type="sldImg"/>
+          </p:nvPr>
+        </p:nvSpPr>
+        <p:spPr/>
+      </p:sp>
+      <p:sp>
+        <p:nvSpPr>
+          <p:cNvPr id="3" name="슬라이드 노트 개체 틀 2"/>
+          <p:cNvSpPr>
+            <a:spLocks noGrp="1"/>
+          </p:cNvSpPr>
+          <p:nvPr>
+            <p:ph type="body" idx="1"/>
+          </p:nvPr>
+        </p:nvSpPr>
+        <p:spPr/>
+        <p:txBody>
+          <a:bodyPr/>
+          <a:lstStyle/>
+          <a:p>
+            <a:endParaRPr lang="ko-KR" altLang="en-US" dirty="0"/>
+          </a:p>
+        </p:txBody>
+      </p:sp>
+      <p:sp>
+        <p:nvSpPr>
+          <p:cNvPr id="4" name="슬라이드 번호 개체 틀 3"/>
+          <p:cNvSpPr>
+            <a:spLocks noGrp="1"/>
+          </p:cNvSpPr>
+          <p:nvPr>
+            <p:ph type="sldNum" sz="quarter" idx="5"/>
+          </p:nvPr>
+        </p:nvSpPr>
+        <p:spPr/>
+        <p:txBody>
+          <a:bodyPr/>
+          <a:lstStyle/>
+          <a:p>
+            <a:fld id="{72032EB5-ABEB-49F2-BBDC-81C17B42AB0D}" type="slidenum">
+              <a:rPr lang="ko-KR" altLang="en-US" smtClean="0"/>
+              <a:t>3</a:t>
+            </a:fld>
+            <a:endParaRPr lang="ko-KR" altLang="en-US"/>
+          </a:p>
+        </p:txBody>
+      </p:sp>
+    </p:spTree>
+    <p:extLst>
+      <p:ext uri="{BB962C8B-B14F-4D97-AF65-F5344CB8AC3E}">
+        <p14:creationId xmlns:p14="http://schemas.microsoft.com/office/powerpoint/2010/main" val="2020563335"/>
+      </p:ext>
+    </p:extLst>
+  </p:cSld>
+  <p:clrMapOvr>
+    <a:masterClrMapping/>
+  </p:clrMapOvr>
+</p:notes>
+</file>
+
 <file path=ppt/slideLayouts/slideLayout1.xml><?xml version="1.0" encoding="utf-8"?>
 <p:sldLayout xmlns:a="http://schemas.openxmlformats.org/drawingml/2006/main" xmlns:r="http://schemas.openxmlformats.org/officeDocument/2006/relationships" xmlns:p="http://schemas.openxmlformats.org/presentationml/2006/main" type="title" preserve="1">
   <p:cSld name="제목 슬라이드">
@@ -690,7 +865,7 @@
           <a:p>
             <a:fld id="{5FF1DCF6-4881-4944-A4DB-9A9C3A72CFA7}" type="datetimeFigureOut">
               <a:rPr lang="ko-KR" altLang="en-US" smtClean="0"/>
-              <a:t>2024-03-25</a:t>
+              <a:t>2024-03-26</a:t>
             </a:fld>
             <a:endParaRPr lang="ko-KR" altLang="en-US"/>
           </a:p>
@@ -888,7 +1063,7 @@
           <a:p>
             <a:fld id="{5FF1DCF6-4881-4944-A4DB-9A9C3A72CFA7}" type="datetimeFigureOut">
               <a:rPr lang="ko-KR" altLang="en-US" smtClean="0"/>
-              <a:t>2024-03-25</a:t>
+              <a:t>2024-03-26</a:t>
             </a:fld>
             <a:endParaRPr lang="ko-KR" altLang="en-US"/>
           </a:p>
@@ -1096,7 +1271,7 @@
           <a:p>
             <a:fld id="{5FF1DCF6-4881-4944-A4DB-9A9C3A72CFA7}" type="datetimeFigureOut">
               <a:rPr lang="ko-KR" altLang="en-US" smtClean="0"/>
-              <a:t>2024-03-25</a:t>
+              <a:t>2024-03-26</a:t>
             </a:fld>
             <a:endParaRPr lang="ko-KR" altLang="en-US"/>
           </a:p>
@@ -1294,7 +1469,7 @@
           <a:p>
             <a:fld id="{5FF1DCF6-4881-4944-A4DB-9A9C3A72CFA7}" type="datetimeFigureOut">
               <a:rPr lang="ko-KR" altLang="en-US" smtClean="0"/>
-              <a:t>2024-03-25</a:t>
+              <a:t>2024-03-26</a:t>
             </a:fld>
             <a:endParaRPr lang="ko-KR" altLang="en-US"/>
           </a:p>
@@ -1569,7 +1744,7 @@
           <a:p>
             <a:fld id="{5FF1DCF6-4881-4944-A4DB-9A9C3A72CFA7}" type="datetimeFigureOut">
               <a:rPr lang="ko-KR" altLang="en-US" smtClean="0"/>
-              <a:t>2024-03-25</a:t>
+              <a:t>2024-03-26</a:t>
             </a:fld>
             <a:endParaRPr lang="ko-KR" altLang="en-US"/>
           </a:p>
@@ -1834,7 +2009,7 @@
           <a:p>
             <a:fld id="{5FF1DCF6-4881-4944-A4DB-9A9C3A72CFA7}" type="datetimeFigureOut">
               <a:rPr lang="ko-KR" altLang="en-US" smtClean="0"/>
-              <a:t>2024-03-25</a:t>
+              <a:t>2024-03-26</a:t>
             </a:fld>
             <a:endParaRPr lang="ko-KR" altLang="en-US"/>
           </a:p>
@@ -2246,7 +2421,7 @@
           <a:p>
             <a:fld id="{5FF1DCF6-4881-4944-A4DB-9A9C3A72CFA7}" type="datetimeFigureOut">
               <a:rPr lang="ko-KR" altLang="en-US" smtClean="0"/>
-              <a:t>2024-03-25</a:t>
+              <a:t>2024-03-26</a:t>
             </a:fld>
             <a:endParaRPr lang="ko-KR" altLang="en-US"/>
           </a:p>
@@ -2387,7 +2562,7 @@
           <a:p>
             <a:fld id="{5FF1DCF6-4881-4944-A4DB-9A9C3A72CFA7}" type="datetimeFigureOut">
               <a:rPr lang="ko-KR" altLang="en-US" smtClean="0"/>
-              <a:t>2024-03-25</a:t>
+              <a:t>2024-03-26</a:t>
             </a:fld>
             <a:endParaRPr lang="ko-KR" altLang="en-US"/>
           </a:p>
@@ -2500,7 +2675,7 @@
           <a:p>
             <a:fld id="{5FF1DCF6-4881-4944-A4DB-9A9C3A72CFA7}" type="datetimeFigureOut">
               <a:rPr lang="ko-KR" altLang="en-US" smtClean="0"/>
-              <a:t>2024-03-25</a:t>
+              <a:t>2024-03-26</a:t>
             </a:fld>
             <a:endParaRPr lang="ko-KR" altLang="en-US"/>
           </a:p>
@@ -2811,7 +2986,7 @@
           <a:p>
             <a:fld id="{5FF1DCF6-4881-4944-A4DB-9A9C3A72CFA7}" type="datetimeFigureOut">
               <a:rPr lang="ko-KR" altLang="en-US" smtClean="0"/>
-              <a:t>2024-03-25</a:t>
+              <a:t>2024-03-26</a:t>
             </a:fld>
             <a:endParaRPr lang="ko-KR" altLang="en-US"/>
           </a:p>
@@ -3099,7 +3274,7 @@
           <a:p>
             <a:fld id="{5FF1DCF6-4881-4944-A4DB-9A9C3A72CFA7}" type="datetimeFigureOut">
               <a:rPr lang="ko-KR" altLang="en-US" smtClean="0"/>
-              <a:t>2024-03-25</a:t>
+              <a:t>2024-03-26</a:t>
             </a:fld>
             <a:endParaRPr lang="ko-KR" altLang="en-US"/>
           </a:p>
@@ -3340,7 +3515,7 @@
           <a:p>
             <a:fld id="{5FF1DCF6-4881-4944-A4DB-9A9C3A72CFA7}" type="datetimeFigureOut">
               <a:rPr lang="ko-KR" altLang="en-US" smtClean="0"/>
-              <a:t>2024-03-25</a:t>
+              <a:t>2024-03-26</a:t>
             </a:fld>
             <a:endParaRPr lang="ko-KR" altLang="en-US"/>
           </a:p>
@@ -3981,6 +4156,361 @@
     <p:extLst>
       <p:ext uri="{BB962C8B-B14F-4D97-AF65-F5344CB8AC3E}">
         <p14:creationId xmlns:p14="http://schemas.microsoft.com/office/powerpoint/2010/main" val="1062390423"/>
+      </p:ext>
+    </p:extLst>
+  </p:cSld>
+  <p:clrMapOvr>
+    <a:masterClrMapping/>
+  </p:clrMapOvr>
+</p:sld>
+</file>
+
+<file path=ppt/slides/slide2.xml><?xml version="1.0" encoding="utf-8"?>
+<p:sld xmlns:a="http://schemas.openxmlformats.org/drawingml/2006/main" xmlns:r="http://schemas.openxmlformats.org/officeDocument/2006/relationships" xmlns:p="http://schemas.openxmlformats.org/presentationml/2006/main">
+  <p:cSld>
+    <p:spTree>
+      <p:nvGrpSpPr>
+        <p:cNvPr id="1" name=""/>
+        <p:cNvGrpSpPr/>
+        <p:nvPr/>
+      </p:nvGrpSpPr>
+      <p:grpSpPr>
+        <a:xfrm>
+          <a:off x="0" y="0"/>
+          <a:ext cx="0" cy="0"/>
+          <a:chOff x="0" y="0"/>
+          <a:chExt cx="0" cy="0"/>
+        </a:xfrm>
+      </p:grpSpPr>
+      <p:sp>
+        <p:nvSpPr>
+          <p:cNvPr id="9" name="TextBox 8">
+            <a:extLst>
+              <a:ext uri="{FF2B5EF4-FFF2-40B4-BE49-F238E27FC236}">
+                <a16:creationId xmlns:a16="http://schemas.microsoft.com/office/drawing/2014/main" id="{7C3AEEB5-635B-CC9E-A34E-9221454EB919}"/>
+              </a:ext>
+            </a:extLst>
+          </p:cNvPr>
+          <p:cNvSpPr txBox="1"/>
+          <p:nvPr/>
+        </p:nvSpPr>
+        <p:spPr>
+          <a:xfrm>
+            <a:off x="574431" y="439615"/>
+            <a:ext cx="311304" cy="369332"/>
+          </a:xfrm>
+          <a:prstGeom prst="rect">
+            <a:avLst/>
+          </a:prstGeom>
+          <a:noFill/>
+        </p:spPr>
+        <p:txBody>
+          <a:bodyPr wrap="none" rtlCol="0">
+            <a:spAutoFit/>
+          </a:bodyPr>
+          <a:lstStyle/>
+          <a:p>
+            <a:r>
+              <a:rPr lang="en-US" altLang="ko-KR" dirty="0"/>
+              <a:t>2</a:t>
+            </a:r>
+            <a:endParaRPr lang="ko-KR" altLang="en-US" dirty="0"/>
+          </a:p>
+        </p:txBody>
+      </p:sp>
+      <p:sp>
+        <p:nvSpPr>
+          <p:cNvPr id="11" name="TextBox 10">
+            <a:extLst>
+              <a:ext uri="{FF2B5EF4-FFF2-40B4-BE49-F238E27FC236}">
+                <a16:creationId xmlns:a16="http://schemas.microsoft.com/office/drawing/2014/main" id="{BE1D231D-2F7F-F83F-96CF-2CDE57F99C49}"/>
+              </a:ext>
+            </a:extLst>
+          </p:cNvPr>
+          <p:cNvSpPr txBox="1"/>
+          <p:nvPr/>
+        </p:nvSpPr>
+        <p:spPr>
+          <a:xfrm>
+            <a:off x="487913" y="1003973"/>
+            <a:ext cx="11319388" cy="2585323"/>
+          </a:xfrm>
+          <a:prstGeom prst="rect">
+            <a:avLst/>
+          </a:prstGeom>
+          <a:noFill/>
+        </p:spPr>
+        <p:txBody>
+          <a:bodyPr wrap="square" rtlCol="0">
+            <a:spAutoFit/>
+          </a:bodyPr>
+          <a:lstStyle/>
+          <a:p>
+            <a:pPr marL="285750" indent="-285750">
+              <a:buFontTx/>
+              <a:buChar char="-"/>
+            </a:pPr>
+            <a:r>
+              <a:rPr lang="ko-KR" altLang="en-US" dirty="0"/>
+              <a:t>무한으로 챙길 수 있는 수집요소가 있는가 하면</a:t>
+            </a:r>
+            <a:r>
+              <a:rPr lang="en-US" altLang="ko-KR" dirty="0"/>
+              <a:t>, </a:t>
+            </a:r>
+            <a:r>
+              <a:rPr lang="ko-KR" altLang="en-US" dirty="0"/>
+              <a:t>단 하나만 착용 가능한 무기도 존재</a:t>
+            </a:r>
+            <a:r>
+              <a:rPr lang="en-US" altLang="ko-KR" dirty="0"/>
+              <a:t>.</a:t>
+            </a:r>
+          </a:p>
+          <a:p>
+            <a:pPr marL="285750" indent="-285750">
+              <a:buFontTx/>
+              <a:buChar char="-"/>
+            </a:pPr>
+            <a:r>
+              <a:rPr lang="ko-KR" altLang="en-US" dirty="0"/>
+              <a:t>무기는 유저의 전투 스타일을 결정하며</a:t>
+            </a:r>
+            <a:r>
+              <a:rPr lang="en-US" altLang="ko-KR" dirty="0"/>
+              <a:t>, </a:t>
+            </a:r>
+            <a:r>
+              <a:rPr lang="ko-KR" altLang="en-US" dirty="0"/>
+              <a:t>적들도 모두 무기를 착용하고 있다</a:t>
+            </a:r>
+            <a:r>
+              <a:rPr lang="en-US" altLang="ko-KR" dirty="0"/>
+              <a:t>.</a:t>
+            </a:r>
+          </a:p>
+          <a:p>
+            <a:pPr marL="285750" indent="-285750">
+              <a:buFontTx/>
+              <a:buChar char="-"/>
+            </a:pPr>
+            <a:r>
+              <a:rPr lang="ko-KR" altLang="en-US" dirty="0"/>
+              <a:t>무기는 종류가 많아서 종류별로</a:t>
+            </a:r>
+            <a:r>
+              <a:rPr lang="en-US" altLang="ko-KR" dirty="0"/>
+              <a:t>… </a:t>
+            </a:r>
+            <a:r>
+              <a:rPr lang="ko-KR" altLang="en-US" dirty="0" err="1"/>
+              <a:t>다섯개</a:t>
+            </a:r>
+            <a:r>
+              <a:rPr lang="ko-KR" altLang="en-US" dirty="0"/>
+              <a:t> 정도 있으면</a:t>
+            </a:r>
+            <a:r>
+              <a:rPr lang="en-US" altLang="ko-KR" dirty="0"/>
+              <a:t>…</a:t>
+            </a:r>
+          </a:p>
+          <a:p>
+            <a:endParaRPr lang="en-US" altLang="ko-KR" dirty="0"/>
+          </a:p>
+          <a:p>
+            <a:endParaRPr lang="en-US" altLang="ko-KR" dirty="0"/>
+          </a:p>
+          <a:p>
+            <a:endParaRPr lang="en-US" altLang="ko-KR" dirty="0"/>
+          </a:p>
+          <a:p>
+            <a:endParaRPr lang="en-US" altLang="ko-KR" dirty="0"/>
+          </a:p>
+          <a:p>
+            <a:endParaRPr lang="en-US" altLang="ko-KR" dirty="0"/>
+          </a:p>
+          <a:p>
+            <a:r>
+              <a:rPr lang="en-US" altLang="ko-KR" dirty="0"/>
+              <a:t>- </a:t>
+            </a:r>
+            <a:r>
+              <a:rPr lang="ko-KR" altLang="en-US" dirty="0"/>
+              <a:t>문장 하나를 통째로 옮길 수 있음</a:t>
+            </a:r>
+            <a:r>
+              <a:rPr lang="en-US" altLang="ko-KR" dirty="0"/>
+              <a:t>.(</a:t>
+            </a:r>
+            <a:r>
+              <a:rPr lang="ko-KR" altLang="en-US" dirty="0"/>
+              <a:t>확률 계산을 다시 해야 하고 승리 확률이 변함</a:t>
+            </a:r>
+            <a:r>
+              <a:rPr lang="en-US" altLang="ko-KR" dirty="0"/>
+              <a:t>.)</a:t>
+            </a:r>
+          </a:p>
+        </p:txBody>
+      </p:sp>
+    </p:spTree>
+    <p:extLst>
+      <p:ext uri="{BB962C8B-B14F-4D97-AF65-F5344CB8AC3E}">
+        <p14:creationId xmlns:p14="http://schemas.microsoft.com/office/powerpoint/2010/main" val="2657430295"/>
+      </p:ext>
+    </p:extLst>
+  </p:cSld>
+  <p:clrMapOvr>
+    <a:masterClrMapping/>
+  </p:clrMapOvr>
+</p:sld>
+</file>
+
+<file path=ppt/slides/slide3.xml><?xml version="1.0" encoding="utf-8"?>
+<p:sld xmlns:a="http://schemas.openxmlformats.org/drawingml/2006/main" xmlns:r="http://schemas.openxmlformats.org/officeDocument/2006/relationships" xmlns:p="http://schemas.openxmlformats.org/presentationml/2006/main">
+  <p:cSld>
+    <p:spTree>
+      <p:nvGrpSpPr>
+        <p:cNvPr id="1" name=""/>
+        <p:cNvGrpSpPr/>
+        <p:nvPr/>
+      </p:nvGrpSpPr>
+      <p:grpSpPr>
+        <a:xfrm>
+          <a:off x="0" y="0"/>
+          <a:ext cx="0" cy="0"/>
+          <a:chOff x="0" y="0"/>
+          <a:chExt cx="0" cy="0"/>
+        </a:xfrm>
+      </p:grpSpPr>
+      <p:sp>
+        <p:nvSpPr>
+          <p:cNvPr id="9" name="TextBox 8">
+            <a:extLst>
+              <a:ext uri="{FF2B5EF4-FFF2-40B4-BE49-F238E27FC236}">
+                <a16:creationId xmlns:a16="http://schemas.microsoft.com/office/drawing/2014/main" id="{7C3AEEB5-635B-CC9E-A34E-9221454EB919}"/>
+              </a:ext>
+            </a:extLst>
+          </p:cNvPr>
+          <p:cNvSpPr txBox="1"/>
+          <p:nvPr/>
+        </p:nvSpPr>
+        <p:spPr>
+          <a:xfrm>
+            <a:off x="574431" y="439615"/>
+            <a:ext cx="646331" cy="369332"/>
+          </a:xfrm>
+          <a:prstGeom prst="rect">
+            <a:avLst/>
+          </a:prstGeom>
+          <a:noFill/>
+        </p:spPr>
+        <p:txBody>
+          <a:bodyPr wrap="none" rtlCol="0">
+            <a:spAutoFit/>
+          </a:bodyPr>
+          <a:lstStyle/>
+          <a:p>
+            <a:r>
+              <a:rPr lang="ko-KR" altLang="en-US" dirty="0"/>
+              <a:t>무기</a:t>
+            </a:r>
+          </a:p>
+        </p:txBody>
+      </p:sp>
+      <p:sp>
+        <p:nvSpPr>
+          <p:cNvPr id="11" name="TextBox 10">
+            <a:extLst>
+              <a:ext uri="{FF2B5EF4-FFF2-40B4-BE49-F238E27FC236}">
+                <a16:creationId xmlns:a16="http://schemas.microsoft.com/office/drawing/2014/main" id="{BE1D231D-2F7F-F83F-96CF-2CDE57F99C49}"/>
+              </a:ext>
+            </a:extLst>
+          </p:cNvPr>
+          <p:cNvSpPr txBox="1"/>
+          <p:nvPr/>
+        </p:nvSpPr>
+        <p:spPr>
+          <a:xfrm>
+            <a:off x="487913" y="1003973"/>
+            <a:ext cx="11319388" cy="1200329"/>
+          </a:xfrm>
+          <a:prstGeom prst="rect">
+            <a:avLst/>
+          </a:prstGeom>
+          <a:noFill/>
+        </p:spPr>
+        <p:txBody>
+          <a:bodyPr wrap="square" rtlCol="0">
+            <a:spAutoFit/>
+          </a:bodyPr>
+          <a:lstStyle/>
+          <a:p>
+            <a:pPr marL="285750" indent="-285750">
+              <a:buFontTx/>
+              <a:buChar char="-"/>
+            </a:pPr>
+            <a:r>
+              <a:rPr lang="ko-KR" altLang="en-US" dirty="0"/>
+              <a:t>주먹</a:t>
+            </a:r>
+            <a:endParaRPr lang="en-US" altLang="ko-KR" dirty="0"/>
+          </a:p>
+          <a:p>
+            <a:pPr marL="285750" indent="-285750">
+              <a:buFontTx/>
+              <a:buChar char="-"/>
+            </a:pPr>
+            <a:r>
+              <a:rPr lang="ko-KR" altLang="en-US" dirty="0"/>
+              <a:t>각 타격마다 한번씩 더 때림</a:t>
+            </a:r>
+            <a:r>
+              <a:rPr lang="en-US" altLang="ko-KR" dirty="0"/>
+              <a:t>(ex. </a:t>
+            </a:r>
+            <a:r>
+              <a:rPr lang="ko-KR" altLang="en-US" dirty="0"/>
+              <a:t>수집 무기 수집 무기인데 수집 무기 </a:t>
+            </a:r>
+            <a:r>
+              <a:rPr lang="ko-KR" altLang="en-US" dirty="0" err="1"/>
+              <a:t>무기</a:t>
+            </a:r>
+            <a:r>
+              <a:rPr lang="ko-KR" altLang="en-US" dirty="0"/>
+              <a:t> 수집 무기 무기의 형식</a:t>
+            </a:r>
+            <a:r>
+              <a:rPr lang="en-US" altLang="ko-KR" dirty="0"/>
+              <a:t>)</a:t>
+            </a:r>
+          </a:p>
+          <a:p>
+            <a:pPr marL="285750" indent="-285750">
+              <a:buFontTx/>
+              <a:buChar char="-"/>
+            </a:pPr>
+            <a:r>
+              <a:rPr lang="ko-KR" altLang="en-US" dirty="0"/>
+              <a:t>할 모든 타격을 합쳐 자신의 공격 마지막 순간에 한방으로 때림</a:t>
+            </a:r>
+            <a:endParaRPr lang="en-US" altLang="ko-KR" dirty="0"/>
+          </a:p>
+          <a:p>
+            <a:pPr marL="285750" indent="-285750">
+              <a:buFontTx/>
+              <a:buChar char="-"/>
+            </a:pPr>
+            <a:endParaRPr lang="en-US" altLang="ko-KR" dirty="0"/>
+          </a:p>
+        </p:txBody>
+      </p:sp>
+    </p:spTree>
+    <p:extLst>
+      <p:ext uri="{BB962C8B-B14F-4D97-AF65-F5344CB8AC3E}">
+        <p14:creationId xmlns:p14="http://schemas.microsoft.com/office/powerpoint/2010/main" val="1507121529"/>
       </p:ext>
     </p:extLst>
   </p:cSld>

--- a/수집요소.pptx
+++ b/수집요소.pptx
@@ -199,7 +199,7 @@
           <a:p>
             <a:fld id="{098D9883-1617-4681-BA43-91DCCEA255A3}" type="datetimeFigureOut">
               <a:rPr lang="ko-KR" altLang="en-US" smtClean="0"/>
-              <a:t>2024-03-26</a:t>
+              <a:t>2024-03-27</a:t>
             </a:fld>
             <a:endParaRPr lang="ko-KR" altLang="en-US"/>
           </a:p>
@@ -865,7 +865,7 @@
           <a:p>
             <a:fld id="{5FF1DCF6-4881-4944-A4DB-9A9C3A72CFA7}" type="datetimeFigureOut">
               <a:rPr lang="ko-KR" altLang="en-US" smtClean="0"/>
-              <a:t>2024-03-26</a:t>
+              <a:t>2024-03-27</a:t>
             </a:fld>
             <a:endParaRPr lang="ko-KR" altLang="en-US"/>
           </a:p>
@@ -1063,7 +1063,7 @@
           <a:p>
             <a:fld id="{5FF1DCF6-4881-4944-A4DB-9A9C3A72CFA7}" type="datetimeFigureOut">
               <a:rPr lang="ko-KR" altLang="en-US" smtClean="0"/>
-              <a:t>2024-03-26</a:t>
+              <a:t>2024-03-27</a:t>
             </a:fld>
             <a:endParaRPr lang="ko-KR" altLang="en-US"/>
           </a:p>
@@ -1271,7 +1271,7 @@
           <a:p>
             <a:fld id="{5FF1DCF6-4881-4944-A4DB-9A9C3A72CFA7}" type="datetimeFigureOut">
               <a:rPr lang="ko-KR" altLang="en-US" smtClean="0"/>
-              <a:t>2024-03-26</a:t>
+              <a:t>2024-03-27</a:t>
             </a:fld>
             <a:endParaRPr lang="ko-KR" altLang="en-US"/>
           </a:p>
@@ -1469,7 +1469,7 @@
           <a:p>
             <a:fld id="{5FF1DCF6-4881-4944-A4DB-9A9C3A72CFA7}" type="datetimeFigureOut">
               <a:rPr lang="ko-KR" altLang="en-US" smtClean="0"/>
-              <a:t>2024-03-26</a:t>
+              <a:t>2024-03-27</a:t>
             </a:fld>
             <a:endParaRPr lang="ko-KR" altLang="en-US"/>
           </a:p>
@@ -1744,7 +1744,7 @@
           <a:p>
             <a:fld id="{5FF1DCF6-4881-4944-A4DB-9A9C3A72CFA7}" type="datetimeFigureOut">
               <a:rPr lang="ko-KR" altLang="en-US" smtClean="0"/>
-              <a:t>2024-03-26</a:t>
+              <a:t>2024-03-27</a:t>
             </a:fld>
             <a:endParaRPr lang="ko-KR" altLang="en-US"/>
           </a:p>
@@ -2009,7 +2009,7 @@
           <a:p>
             <a:fld id="{5FF1DCF6-4881-4944-A4DB-9A9C3A72CFA7}" type="datetimeFigureOut">
               <a:rPr lang="ko-KR" altLang="en-US" smtClean="0"/>
-              <a:t>2024-03-26</a:t>
+              <a:t>2024-03-27</a:t>
             </a:fld>
             <a:endParaRPr lang="ko-KR" altLang="en-US"/>
           </a:p>
@@ -2421,7 +2421,7 @@
           <a:p>
             <a:fld id="{5FF1DCF6-4881-4944-A4DB-9A9C3A72CFA7}" type="datetimeFigureOut">
               <a:rPr lang="ko-KR" altLang="en-US" smtClean="0"/>
-              <a:t>2024-03-26</a:t>
+              <a:t>2024-03-27</a:t>
             </a:fld>
             <a:endParaRPr lang="ko-KR" altLang="en-US"/>
           </a:p>
@@ -2562,7 +2562,7 @@
           <a:p>
             <a:fld id="{5FF1DCF6-4881-4944-A4DB-9A9C3A72CFA7}" type="datetimeFigureOut">
               <a:rPr lang="ko-KR" altLang="en-US" smtClean="0"/>
-              <a:t>2024-03-26</a:t>
+              <a:t>2024-03-27</a:t>
             </a:fld>
             <a:endParaRPr lang="ko-KR" altLang="en-US"/>
           </a:p>
@@ -2675,7 +2675,7 @@
           <a:p>
             <a:fld id="{5FF1DCF6-4881-4944-A4DB-9A9C3A72CFA7}" type="datetimeFigureOut">
               <a:rPr lang="ko-KR" altLang="en-US" smtClean="0"/>
-              <a:t>2024-03-26</a:t>
+              <a:t>2024-03-27</a:t>
             </a:fld>
             <a:endParaRPr lang="ko-KR" altLang="en-US"/>
           </a:p>
@@ -2986,7 +2986,7 @@
           <a:p>
             <a:fld id="{5FF1DCF6-4881-4944-A4DB-9A9C3A72CFA7}" type="datetimeFigureOut">
               <a:rPr lang="ko-KR" altLang="en-US" smtClean="0"/>
-              <a:t>2024-03-26</a:t>
+              <a:t>2024-03-27</a:t>
             </a:fld>
             <a:endParaRPr lang="ko-KR" altLang="en-US"/>
           </a:p>
@@ -3274,7 +3274,7 @@
           <a:p>
             <a:fld id="{5FF1DCF6-4881-4944-A4DB-9A9C3A72CFA7}" type="datetimeFigureOut">
               <a:rPr lang="ko-KR" altLang="en-US" smtClean="0"/>
-              <a:t>2024-03-26</a:t>
+              <a:t>2024-03-27</a:t>
             </a:fld>
             <a:endParaRPr lang="ko-KR" altLang="en-US"/>
           </a:p>
@@ -3515,7 +3515,7 @@
           <a:p>
             <a:fld id="{5FF1DCF6-4881-4944-A4DB-9A9C3A72CFA7}" type="datetimeFigureOut">
               <a:rPr lang="ko-KR" altLang="en-US" smtClean="0"/>
-              <a:t>2024-03-26</a:t>
+              <a:t>2024-03-27</a:t>
             </a:fld>
             <a:endParaRPr lang="ko-KR" altLang="en-US"/>
           </a:p>

--- a/수집요소.pptx
+++ b/수집요소.pptx
@@ -199,7 +199,7 @@
           <a:p>
             <a:fld id="{098D9883-1617-4681-BA43-91DCCEA255A3}" type="datetimeFigureOut">
               <a:rPr lang="ko-KR" altLang="en-US" smtClean="0"/>
-              <a:t>2024-03-27</a:t>
+              <a:t>2024-04-11</a:t>
             </a:fld>
             <a:endParaRPr lang="ko-KR" altLang="en-US"/>
           </a:p>
@@ -865,7 +865,7 @@
           <a:p>
             <a:fld id="{5FF1DCF6-4881-4944-A4DB-9A9C3A72CFA7}" type="datetimeFigureOut">
               <a:rPr lang="ko-KR" altLang="en-US" smtClean="0"/>
-              <a:t>2024-03-27</a:t>
+              <a:t>2024-04-11</a:t>
             </a:fld>
             <a:endParaRPr lang="ko-KR" altLang="en-US"/>
           </a:p>
@@ -1063,7 +1063,7 @@
           <a:p>
             <a:fld id="{5FF1DCF6-4881-4944-A4DB-9A9C3A72CFA7}" type="datetimeFigureOut">
               <a:rPr lang="ko-KR" altLang="en-US" smtClean="0"/>
-              <a:t>2024-03-27</a:t>
+              <a:t>2024-04-11</a:t>
             </a:fld>
             <a:endParaRPr lang="ko-KR" altLang="en-US"/>
           </a:p>
@@ -1271,7 +1271,7 @@
           <a:p>
             <a:fld id="{5FF1DCF6-4881-4944-A4DB-9A9C3A72CFA7}" type="datetimeFigureOut">
               <a:rPr lang="ko-KR" altLang="en-US" smtClean="0"/>
-              <a:t>2024-03-27</a:t>
+              <a:t>2024-04-11</a:t>
             </a:fld>
             <a:endParaRPr lang="ko-KR" altLang="en-US"/>
           </a:p>
@@ -1469,7 +1469,7 @@
           <a:p>
             <a:fld id="{5FF1DCF6-4881-4944-A4DB-9A9C3A72CFA7}" type="datetimeFigureOut">
               <a:rPr lang="ko-KR" altLang="en-US" smtClean="0"/>
-              <a:t>2024-03-27</a:t>
+              <a:t>2024-04-11</a:t>
             </a:fld>
             <a:endParaRPr lang="ko-KR" altLang="en-US"/>
           </a:p>
@@ -1744,7 +1744,7 @@
           <a:p>
             <a:fld id="{5FF1DCF6-4881-4944-A4DB-9A9C3A72CFA7}" type="datetimeFigureOut">
               <a:rPr lang="ko-KR" altLang="en-US" smtClean="0"/>
-              <a:t>2024-03-27</a:t>
+              <a:t>2024-04-11</a:t>
             </a:fld>
             <a:endParaRPr lang="ko-KR" altLang="en-US"/>
           </a:p>
@@ -2009,7 +2009,7 @@
           <a:p>
             <a:fld id="{5FF1DCF6-4881-4944-A4DB-9A9C3A72CFA7}" type="datetimeFigureOut">
               <a:rPr lang="ko-KR" altLang="en-US" smtClean="0"/>
-              <a:t>2024-03-27</a:t>
+              <a:t>2024-04-11</a:t>
             </a:fld>
             <a:endParaRPr lang="ko-KR" altLang="en-US"/>
           </a:p>
@@ -2421,7 +2421,7 @@
           <a:p>
             <a:fld id="{5FF1DCF6-4881-4944-A4DB-9A9C3A72CFA7}" type="datetimeFigureOut">
               <a:rPr lang="ko-KR" altLang="en-US" smtClean="0"/>
-              <a:t>2024-03-27</a:t>
+              <a:t>2024-04-11</a:t>
             </a:fld>
             <a:endParaRPr lang="ko-KR" altLang="en-US"/>
           </a:p>
@@ -2562,7 +2562,7 @@
           <a:p>
             <a:fld id="{5FF1DCF6-4881-4944-A4DB-9A9C3A72CFA7}" type="datetimeFigureOut">
               <a:rPr lang="ko-KR" altLang="en-US" smtClean="0"/>
-              <a:t>2024-03-27</a:t>
+              <a:t>2024-04-11</a:t>
             </a:fld>
             <a:endParaRPr lang="ko-KR" altLang="en-US"/>
           </a:p>
@@ -2675,7 +2675,7 @@
           <a:p>
             <a:fld id="{5FF1DCF6-4881-4944-A4DB-9A9C3A72CFA7}" type="datetimeFigureOut">
               <a:rPr lang="ko-KR" altLang="en-US" smtClean="0"/>
-              <a:t>2024-03-27</a:t>
+              <a:t>2024-04-11</a:t>
             </a:fld>
             <a:endParaRPr lang="ko-KR" altLang="en-US"/>
           </a:p>
@@ -2986,7 +2986,7 @@
           <a:p>
             <a:fld id="{5FF1DCF6-4881-4944-A4DB-9A9C3A72CFA7}" type="datetimeFigureOut">
               <a:rPr lang="ko-KR" altLang="en-US" smtClean="0"/>
-              <a:t>2024-03-27</a:t>
+              <a:t>2024-04-11</a:t>
             </a:fld>
             <a:endParaRPr lang="ko-KR" altLang="en-US"/>
           </a:p>
@@ -3274,7 +3274,7 @@
           <a:p>
             <a:fld id="{5FF1DCF6-4881-4944-A4DB-9A9C3A72CFA7}" type="datetimeFigureOut">
               <a:rPr lang="ko-KR" altLang="en-US" smtClean="0"/>
-              <a:t>2024-03-27</a:t>
+              <a:t>2024-04-11</a:t>
             </a:fld>
             <a:endParaRPr lang="ko-KR" altLang="en-US"/>
           </a:p>
@@ -3515,7 +3515,7 @@
           <a:p>
             <a:fld id="{5FF1DCF6-4881-4944-A4DB-9A9C3A72CFA7}" type="datetimeFigureOut">
               <a:rPr lang="ko-KR" altLang="en-US" smtClean="0"/>
-              <a:t>2024-03-27</a:t>
+              <a:t>2024-04-11</a:t>
             </a:fld>
             <a:endParaRPr lang="ko-KR" altLang="en-US"/>
           </a:p>

--- a/수집요소.pptx
+++ b/수집요소.pptx
@@ -5,12 +5,13 @@
     <p:sldMasterId id="2147483648" r:id="rId1"/>
   </p:sldMasterIdLst>
   <p:notesMasterIdLst>
-    <p:notesMasterId r:id="rId5"/>
+    <p:notesMasterId r:id="rId6"/>
   </p:notesMasterIdLst>
   <p:sldIdLst>
     <p:sldId id="266" r:id="rId2"/>
-    <p:sldId id="267" r:id="rId3"/>
-    <p:sldId id="268" r:id="rId4"/>
+    <p:sldId id="269" r:id="rId3"/>
+    <p:sldId id="267" r:id="rId4"/>
+    <p:sldId id="268" r:id="rId5"/>
   </p:sldIdLst>
   <p:sldSz cx="12192000" cy="6858000"/>
   <p:notesSz cx="6858000" cy="9144000"/>
@@ -199,7 +200,7 @@
           <a:p>
             <a:fld id="{098D9883-1617-4681-BA43-91DCCEA255A3}" type="datetimeFigureOut">
               <a:rPr lang="ko-KR" altLang="en-US" smtClean="0"/>
-              <a:t>2024-04-11</a:t>
+              <a:t>2024-04-12</a:t>
             </a:fld>
             <a:endParaRPr lang="ko-KR" altLang="en-US"/>
           </a:p>
@@ -624,7 +625,7 @@
     </p:spTree>
     <p:extLst>
       <p:ext uri="{BB962C8B-B14F-4D97-AF65-F5344CB8AC3E}">
-        <p14:creationId xmlns:p14="http://schemas.microsoft.com/office/powerpoint/2010/main" val="2692393392"/>
+        <p14:creationId xmlns:p14="http://schemas.microsoft.com/office/powerpoint/2010/main" val="4277800965"/>
       </p:ext>
     </p:extLst>
   </p:cSld>
@@ -700,6 +701,90 @@
             <a:fld id="{72032EB5-ABEB-49F2-BBDC-81C17B42AB0D}" type="slidenum">
               <a:rPr lang="ko-KR" altLang="en-US" smtClean="0"/>
               <a:t>3</a:t>
+            </a:fld>
+            <a:endParaRPr lang="ko-KR" altLang="en-US"/>
+          </a:p>
+        </p:txBody>
+      </p:sp>
+    </p:spTree>
+    <p:extLst>
+      <p:ext uri="{BB962C8B-B14F-4D97-AF65-F5344CB8AC3E}">
+        <p14:creationId xmlns:p14="http://schemas.microsoft.com/office/powerpoint/2010/main" val="2692393392"/>
+      </p:ext>
+    </p:extLst>
+  </p:cSld>
+  <p:clrMapOvr>
+    <a:masterClrMapping/>
+  </p:clrMapOvr>
+</p:notes>
+</file>
+
+<file path=ppt/notesSlides/notesSlide4.xml><?xml version="1.0" encoding="utf-8"?>
+<p:notes xmlns:a="http://schemas.openxmlformats.org/drawingml/2006/main" xmlns:r="http://schemas.openxmlformats.org/officeDocument/2006/relationships" xmlns:p="http://schemas.openxmlformats.org/presentationml/2006/main">
+  <p:cSld>
+    <p:spTree>
+      <p:nvGrpSpPr>
+        <p:cNvPr id="1" name=""/>
+        <p:cNvGrpSpPr/>
+        <p:nvPr/>
+      </p:nvGrpSpPr>
+      <p:grpSpPr>
+        <a:xfrm>
+          <a:off x="0" y="0"/>
+          <a:ext cx="0" cy="0"/>
+          <a:chOff x="0" y="0"/>
+          <a:chExt cx="0" cy="0"/>
+        </a:xfrm>
+      </p:grpSpPr>
+      <p:sp>
+        <p:nvSpPr>
+          <p:cNvPr id="2" name="슬라이드 이미지 개체 틀 1"/>
+          <p:cNvSpPr>
+            <a:spLocks noGrp="1" noRot="1" noChangeAspect="1"/>
+          </p:cNvSpPr>
+          <p:nvPr>
+            <p:ph type="sldImg"/>
+          </p:nvPr>
+        </p:nvSpPr>
+        <p:spPr/>
+      </p:sp>
+      <p:sp>
+        <p:nvSpPr>
+          <p:cNvPr id="3" name="슬라이드 노트 개체 틀 2"/>
+          <p:cNvSpPr>
+            <a:spLocks noGrp="1"/>
+          </p:cNvSpPr>
+          <p:nvPr>
+            <p:ph type="body" idx="1"/>
+          </p:nvPr>
+        </p:nvSpPr>
+        <p:spPr/>
+        <p:txBody>
+          <a:bodyPr/>
+          <a:lstStyle/>
+          <a:p>
+            <a:endParaRPr lang="ko-KR" altLang="en-US" dirty="0"/>
+          </a:p>
+        </p:txBody>
+      </p:sp>
+      <p:sp>
+        <p:nvSpPr>
+          <p:cNvPr id="4" name="슬라이드 번호 개체 틀 3"/>
+          <p:cNvSpPr>
+            <a:spLocks noGrp="1"/>
+          </p:cNvSpPr>
+          <p:nvPr>
+            <p:ph type="sldNum" sz="quarter" idx="5"/>
+          </p:nvPr>
+        </p:nvSpPr>
+        <p:spPr/>
+        <p:txBody>
+          <a:bodyPr/>
+          <a:lstStyle/>
+          <a:p>
+            <a:fld id="{72032EB5-ABEB-49F2-BBDC-81C17B42AB0D}" type="slidenum">
+              <a:rPr lang="ko-KR" altLang="en-US" smtClean="0"/>
+              <a:t>4</a:t>
             </a:fld>
             <a:endParaRPr lang="ko-KR" altLang="en-US"/>
           </a:p>
@@ -865,7 +950,7 @@
           <a:p>
             <a:fld id="{5FF1DCF6-4881-4944-A4DB-9A9C3A72CFA7}" type="datetimeFigureOut">
               <a:rPr lang="ko-KR" altLang="en-US" smtClean="0"/>
-              <a:t>2024-04-11</a:t>
+              <a:t>2024-04-12</a:t>
             </a:fld>
             <a:endParaRPr lang="ko-KR" altLang="en-US"/>
           </a:p>
@@ -1063,7 +1148,7 @@
           <a:p>
             <a:fld id="{5FF1DCF6-4881-4944-A4DB-9A9C3A72CFA7}" type="datetimeFigureOut">
               <a:rPr lang="ko-KR" altLang="en-US" smtClean="0"/>
-              <a:t>2024-04-11</a:t>
+              <a:t>2024-04-12</a:t>
             </a:fld>
             <a:endParaRPr lang="ko-KR" altLang="en-US"/>
           </a:p>
@@ -1271,7 +1356,7 @@
           <a:p>
             <a:fld id="{5FF1DCF6-4881-4944-A4DB-9A9C3A72CFA7}" type="datetimeFigureOut">
               <a:rPr lang="ko-KR" altLang="en-US" smtClean="0"/>
-              <a:t>2024-04-11</a:t>
+              <a:t>2024-04-12</a:t>
             </a:fld>
             <a:endParaRPr lang="ko-KR" altLang="en-US"/>
           </a:p>
@@ -1469,7 +1554,7 @@
           <a:p>
             <a:fld id="{5FF1DCF6-4881-4944-A4DB-9A9C3A72CFA7}" type="datetimeFigureOut">
               <a:rPr lang="ko-KR" altLang="en-US" smtClean="0"/>
-              <a:t>2024-04-11</a:t>
+              <a:t>2024-04-12</a:t>
             </a:fld>
             <a:endParaRPr lang="ko-KR" altLang="en-US"/>
           </a:p>
@@ -1744,7 +1829,7 @@
           <a:p>
             <a:fld id="{5FF1DCF6-4881-4944-A4DB-9A9C3A72CFA7}" type="datetimeFigureOut">
               <a:rPr lang="ko-KR" altLang="en-US" smtClean="0"/>
-              <a:t>2024-04-11</a:t>
+              <a:t>2024-04-12</a:t>
             </a:fld>
             <a:endParaRPr lang="ko-KR" altLang="en-US"/>
           </a:p>
@@ -2009,7 +2094,7 @@
           <a:p>
             <a:fld id="{5FF1DCF6-4881-4944-A4DB-9A9C3A72CFA7}" type="datetimeFigureOut">
               <a:rPr lang="ko-KR" altLang="en-US" smtClean="0"/>
-              <a:t>2024-04-11</a:t>
+              <a:t>2024-04-12</a:t>
             </a:fld>
             <a:endParaRPr lang="ko-KR" altLang="en-US"/>
           </a:p>
@@ -2421,7 +2506,7 @@
           <a:p>
             <a:fld id="{5FF1DCF6-4881-4944-A4DB-9A9C3A72CFA7}" type="datetimeFigureOut">
               <a:rPr lang="ko-KR" altLang="en-US" smtClean="0"/>
-              <a:t>2024-04-11</a:t>
+              <a:t>2024-04-12</a:t>
             </a:fld>
             <a:endParaRPr lang="ko-KR" altLang="en-US"/>
           </a:p>
@@ -2562,7 +2647,7 @@
           <a:p>
             <a:fld id="{5FF1DCF6-4881-4944-A4DB-9A9C3A72CFA7}" type="datetimeFigureOut">
               <a:rPr lang="ko-KR" altLang="en-US" smtClean="0"/>
-              <a:t>2024-04-11</a:t>
+              <a:t>2024-04-12</a:t>
             </a:fld>
             <a:endParaRPr lang="ko-KR" altLang="en-US"/>
           </a:p>
@@ -2675,7 +2760,7 @@
           <a:p>
             <a:fld id="{5FF1DCF6-4881-4944-A4DB-9A9C3A72CFA7}" type="datetimeFigureOut">
               <a:rPr lang="ko-KR" altLang="en-US" smtClean="0"/>
-              <a:t>2024-04-11</a:t>
+              <a:t>2024-04-12</a:t>
             </a:fld>
             <a:endParaRPr lang="ko-KR" altLang="en-US"/>
           </a:p>
@@ -2986,7 +3071,7 @@
           <a:p>
             <a:fld id="{5FF1DCF6-4881-4944-A4DB-9A9C3A72CFA7}" type="datetimeFigureOut">
               <a:rPr lang="ko-KR" altLang="en-US" smtClean="0"/>
-              <a:t>2024-04-11</a:t>
+              <a:t>2024-04-12</a:t>
             </a:fld>
             <a:endParaRPr lang="ko-KR" altLang="en-US"/>
           </a:p>
@@ -3274,7 +3359,7 @@
           <a:p>
             <a:fld id="{5FF1DCF6-4881-4944-A4DB-9A9C3A72CFA7}" type="datetimeFigureOut">
               <a:rPr lang="ko-KR" altLang="en-US" smtClean="0"/>
-              <a:t>2024-04-11</a:t>
+              <a:t>2024-04-12</a:t>
             </a:fld>
             <a:endParaRPr lang="ko-KR" altLang="en-US"/>
           </a:p>
@@ -3515,7 +3600,7 @@
           <a:p>
             <a:fld id="{5FF1DCF6-4881-4944-A4DB-9A9C3A72CFA7}" type="datetimeFigureOut">
               <a:rPr lang="ko-KR" altLang="en-US" smtClean="0"/>
-              <a:t>2024-04-11</a:t>
+              <a:t>2024-04-12</a:t>
             </a:fld>
             <a:endParaRPr lang="ko-KR" altLang="en-US"/>
           </a:p>
@@ -4212,7 +4297,7 @@
           <a:p>
             <a:r>
               <a:rPr lang="en-US" altLang="ko-KR" dirty="0"/>
-              <a:t>2</a:t>
+              <a:t>1</a:t>
             </a:r>
             <a:endParaRPr lang="ko-KR" altLang="en-US" dirty="0"/>
           </a:p>
@@ -4233,7 +4318,7 @@
         <p:spPr>
           <a:xfrm>
             <a:off x="487913" y="1003973"/>
-            <a:ext cx="11319388" cy="2585323"/>
+            <a:ext cx="11319388" cy="3139321"/>
           </a:xfrm>
           <a:prstGeom prst="rect">
             <a:avLst/>
@@ -4251,21 +4336,14 @@
               <a:buChar char="-"/>
             </a:pPr>
             <a:r>
-              <a:rPr lang="ko-KR" altLang="en-US" dirty="0"/>
-              <a:t>무한으로 챙길 수 있는 수집요소가 있는가 하면</a:t>
-            </a:r>
-            <a:r>
-              <a:rPr lang="en-US" altLang="ko-KR" dirty="0"/>
-              <a:t>, </a:t>
-            </a:r>
-            <a:r>
-              <a:rPr lang="ko-KR" altLang="en-US" dirty="0"/>
-              <a:t>단 하나만 착용 가능한 무기도 존재</a:t>
-            </a:r>
-            <a:r>
-              <a:rPr lang="en-US" altLang="ko-KR" dirty="0"/>
-              <a:t>.</a:t>
-            </a:r>
+              <a:rPr lang="en-US" altLang="ko-KR" dirty="0"/>
+              <a:t>1</a:t>
+            </a:r>
+            <a:r>
+              <a:rPr lang="ko-KR" altLang="en-US" dirty="0"/>
+              <a:t>번 수집요소의 후보 나열</a:t>
+            </a:r>
+            <a:endParaRPr lang="en-US" altLang="ko-KR" dirty="0"/>
           </a:p>
           <a:p>
             <a:pPr marL="285750" indent="-285750">
@@ -4274,19 +4352,19 @@
             </a:pPr>
             <a:r>
               <a:rPr lang="ko-KR" altLang="en-US" dirty="0"/>
-              <a:t>무기는 유저의 전투 스타일을 결정하며</a:t>
-            </a:r>
-            <a:r>
-              <a:rPr lang="en-US" altLang="ko-KR" dirty="0"/>
-              <a:t>, </a:t>
-            </a:r>
-            <a:r>
-              <a:rPr lang="ko-KR" altLang="en-US" dirty="0"/>
-              <a:t>적들도 모두 무기를 착용하고 있다</a:t>
-            </a:r>
-            <a:r>
-              <a:rPr lang="en-US" altLang="ko-KR" dirty="0"/>
-              <a:t>.</a:t>
+              <a:t>무기의 효율 증가</a:t>
+            </a:r>
+            <a:r>
+              <a:rPr lang="en-US" altLang="ko-KR" dirty="0"/>
+              <a:t>. </a:t>
+            </a:r>
+            <a:r>
+              <a:rPr lang="ko-KR" altLang="en-US" dirty="0"/>
+              <a:t>숫돌 모양의 장비</a:t>
+            </a:r>
+            <a:r>
+              <a:rPr lang="en-US" altLang="ko-KR" dirty="0"/>
+              <a:t>?</a:t>
             </a:r>
           </a:p>
           <a:p>
@@ -4296,68 +4374,174 @@
             </a:pPr>
             <a:r>
               <a:rPr lang="ko-KR" altLang="en-US" dirty="0"/>
-              <a:t>무기는 종류가 많아서 종류별로</a:t>
-            </a:r>
-            <a:r>
-              <a:rPr lang="en-US" altLang="ko-KR" dirty="0"/>
-              <a:t>… </a:t>
+              <a:t>육성 효율을 일정량 </a:t>
             </a:r>
             <a:r>
               <a:rPr lang="ko-KR" altLang="en-US" dirty="0" err="1"/>
-              <a:t>다섯개</a:t>
-            </a:r>
-            <a:r>
-              <a:rPr lang="ko-KR" altLang="en-US" dirty="0"/>
-              <a:t> 정도 있으면</a:t>
-            </a:r>
-            <a:r>
-              <a:rPr lang="en-US" altLang="ko-KR" dirty="0"/>
-              <a:t>…</a:t>
-            </a:r>
-          </a:p>
-          <a:p>
+              <a:t>곱연산</a:t>
+            </a:r>
+            <a:r>
+              <a:rPr lang="en-US" altLang="ko-KR" dirty="0"/>
+              <a:t>. </a:t>
+            </a:r>
+            <a:r>
+              <a:rPr lang="ko-KR" altLang="en-US" dirty="0"/>
+              <a:t>책</a:t>
+            </a:r>
+            <a:r>
+              <a:rPr lang="en-US" altLang="ko-KR" dirty="0"/>
+              <a:t>?</a:t>
+            </a:r>
+          </a:p>
+          <a:p>
+            <a:pPr marL="285750" indent="-285750">
+              <a:buFontTx/>
+              <a:buChar char="-"/>
+            </a:pPr>
+            <a:r>
+              <a:rPr lang="ko-KR" altLang="en-US" dirty="0"/>
+              <a:t>시설을 일정 수준 업그레이드 된 상태에서 시작하기</a:t>
+            </a:r>
+            <a:r>
+              <a:rPr lang="en-US" altLang="ko-KR" dirty="0"/>
+              <a:t>. </a:t>
+            </a:r>
+            <a:r>
+              <a:rPr lang="ko-KR" altLang="en-US" dirty="0"/>
+              <a:t>건물</a:t>
+            </a:r>
             <a:endParaRPr lang="en-US" altLang="ko-KR" dirty="0"/>
           </a:p>
           <a:p>
+            <a:pPr marL="285750" indent="-285750">
+              <a:buFontTx/>
+              <a:buChar char="-"/>
+            </a:pPr>
+            <a:r>
+              <a:rPr lang="ko-KR" altLang="en-US" dirty="0"/>
+              <a:t>다양한 것들을 한번 다시 뽑을 수 있는 도구</a:t>
+            </a:r>
+            <a:r>
+              <a:rPr lang="en-US" altLang="ko-KR" dirty="0"/>
+              <a:t>, </a:t>
+            </a:r>
+            <a:r>
+              <a:rPr lang="ko-KR" altLang="en-US" dirty="0"/>
+              <a:t>이벤트</a:t>
+            </a:r>
+            <a:r>
+              <a:rPr lang="en-US" altLang="ko-KR" dirty="0"/>
+              <a:t>, </a:t>
+            </a:r>
+            <a:r>
+              <a:rPr lang="ko-KR" altLang="en-US" dirty="0"/>
+              <a:t>적</a:t>
+            </a:r>
+            <a:r>
+              <a:rPr lang="en-US" altLang="ko-KR" dirty="0"/>
+              <a:t>, (</a:t>
+            </a:r>
+            <a:r>
+              <a:rPr lang="ko-KR" altLang="en-US" dirty="0"/>
+              <a:t>보스</a:t>
+            </a:r>
+            <a:r>
+              <a:rPr lang="en-US" altLang="ko-KR" dirty="0"/>
+              <a:t>), </a:t>
+            </a:r>
+            <a:r>
+              <a:rPr lang="ko-KR" altLang="en-US" dirty="0"/>
+              <a:t>예언</a:t>
+            </a:r>
+            <a:r>
+              <a:rPr lang="en-US" altLang="ko-KR" dirty="0"/>
+              <a:t>. </a:t>
+            </a:r>
+            <a:r>
+              <a:rPr lang="ko-KR" altLang="en-US" dirty="0"/>
+              <a:t>주사위</a:t>
+            </a:r>
             <a:endParaRPr lang="en-US" altLang="ko-KR" dirty="0"/>
           </a:p>
           <a:p>
+            <a:pPr marL="285750" indent="-285750">
+              <a:buFontTx/>
+              <a:buChar char="-"/>
+            </a:pPr>
+            <a:r>
+              <a:rPr lang="ko-KR" altLang="en-US" dirty="0" err="1"/>
+              <a:t>주특성</a:t>
+            </a:r>
+            <a:r>
+              <a:rPr lang="ko-KR" altLang="en-US" dirty="0"/>
+              <a:t> 부특성의 증가 폭을 늘려 줌</a:t>
+            </a:r>
+            <a:r>
+              <a:rPr lang="en-US" altLang="ko-KR" dirty="0"/>
+              <a:t>. </a:t>
+            </a:r>
+          </a:p>
+          <a:p>
+            <a:pPr marL="285750" indent="-285750">
+              <a:buFontTx/>
+              <a:buChar char="-"/>
+            </a:pPr>
+            <a:r>
+              <a:rPr lang="ko-KR" altLang="en-US" dirty="0" err="1"/>
+              <a:t>페이즈</a:t>
+            </a:r>
+            <a:r>
+              <a:rPr lang="ko-KR" altLang="en-US" dirty="0"/>
+              <a:t> 별 턴 수를 늘려 줌</a:t>
+            </a:r>
+            <a:r>
+              <a:rPr lang="en-US" altLang="ko-KR" dirty="0"/>
+              <a:t>. </a:t>
+            </a:r>
+            <a:r>
+              <a:rPr lang="ko-KR" altLang="en-US" dirty="0"/>
+              <a:t>회중시계</a:t>
+            </a:r>
             <a:endParaRPr lang="en-US" altLang="ko-KR" dirty="0"/>
           </a:p>
           <a:p>
+            <a:pPr marL="285750" indent="-285750">
+              <a:buFontTx/>
+              <a:buChar char="-"/>
+            </a:pPr>
             <a:endParaRPr lang="en-US" altLang="ko-KR" dirty="0"/>
           </a:p>
           <a:p>
+            <a:pPr marL="285750" indent="-285750">
+              <a:buFontTx/>
+              <a:buChar char="-"/>
+            </a:pPr>
             <a:endParaRPr lang="en-US" altLang="ko-KR" dirty="0"/>
           </a:p>
           <a:p>
-            <a:r>
-              <a:rPr lang="en-US" altLang="ko-KR" dirty="0"/>
-              <a:t>- </a:t>
-            </a:r>
-            <a:r>
-              <a:rPr lang="ko-KR" altLang="en-US" dirty="0"/>
-              <a:t>문장 하나를 통째로 옮길 수 있음</a:t>
-            </a:r>
-            <a:r>
-              <a:rPr lang="en-US" altLang="ko-KR" dirty="0"/>
-              <a:t>.(</a:t>
-            </a:r>
-            <a:r>
-              <a:rPr lang="ko-KR" altLang="en-US" dirty="0"/>
-              <a:t>확률 계산을 다시 해야 하고 승리 확률이 변함</a:t>
-            </a:r>
-            <a:r>
-              <a:rPr lang="en-US" altLang="ko-KR" dirty="0"/>
-              <a:t>.)</a:t>
-            </a:r>
+            <a:pPr marL="285750" indent="-285750">
+              <a:buFontTx/>
+              <a:buChar char="-"/>
+            </a:pPr>
+            <a:r>
+              <a:rPr lang="ko-KR" altLang="en-US" dirty="0"/>
+              <a:t> </a:t>
+            </a:r>
+            <a:endParaRPr lang="en-US" altLang="ko-KR" dirty="0"/>
+          </a:p>
+          <a:p>
+            <a:pPr marL="285750" indent="-285750">
+              <a:buFontTx/>
+              <a:buChar char="-"/>
+            </a:pPr>
+            <a:endParaRPr lang="en-US" altLang="ko-KR" dirty="0"/>
           </a:p>
         </p:txBody>
       </p:sp>
     </p:spTree>
     <p:extLst>
       <p:ext uri="{BB962C8B-B14F-4D97-AF65-F5344CB8AC3E}">
-        <p14:creationId xmlns:p14="http://schemas.microsoft.com/office/powerpoint/2010/main" val="2657430295"/>
+        <p14:creationId xmlns:p14="http://schemas.microsoft.com/office/powerpoint/2010/main" val="2901134630"/>
       </p:ext>
     </p:extLst>
   </p:cSld>
@@ -4399,6 +4583,228 @@
         <p:spPr>
           <a:xfrm>
             <a:off x="574431" y="439615"/>
+            <a:ext cx="311304" cy="369332"/>
+          </a:xfrm>
+          <a:prstGeom prst="rect">
+            <a:avLst/>
+          </a:prstGeom>
+          <a:noFill/>
+        </p:spPr>
+        <p:txBody>
+          <a:bodyPr wrap="none" rtlCol="0">
+            <a:spAutoFit/>
+          </a:bodyPr>
+          <a:lstStyle/>
+          <a:p>
+            <a:r>
+              <a:rPr lang="en-US" altLang="ko-KR" dirty="0"/>
+              <a:t>2</a:t>
+            </a:r>
+            <a:endParaRPr lang="ko-KR" altLang="en-US" dirty="0"/>
+          </a:p>
+        </p:txBody>
+      </p:sp>
+      <p:sp>
+        <p:nvSpPr>
+          <p:cNvPr id="11" name="TextBox 10">
+            <a:extLst>
+              <a:ext uri="{FF2B5EF4-FFF2-40B4-BE49-F238E27FC236}">
+                <a16:creationId xmlns:a16="http://schemas.microsoft.com/office/drawing/2014/main" id="{BE1D231D-2F7F-F83F-96CF-2CDE57F99C49}"/>
+              </a:ext>
+            </a:extLst>
+          </p:cNvPr>
+          <p:cNvSpPr txBox="1"/>
+          <p:nvPr/>
+        </p:nvSpPr>
+        <p:spPr>
+          <a:xfrm>
+            <a:off x="487913" y="1003973"/>
+            <a:ext cx="11319388" cy="2862322"/>
+          </a:xfrm>
+          <a:prstGeom prst="rect">
+            <a:avLst/>
+          </a:prstGeom>
+          <a:noFill/>
+        </p:spPr>
+        <p:txBody>
+          <a:bodyPr wrap="square" rtlCol="0">
+            <a:spAutoFit/>
+          </a:bodyPr>
+          <a:lstStyle/>
+          <a:p>
+            <a:pPr marL="285750" indent="-285750">
+              <a:buFontTx/>
+              <a:buChar char="-"/>
+            </a:pPr>
+            <a:r>
+              <a:rPr lang="ko-KR" altLang="en-US" dirty="0"/>
+              <a:t>무한으로 챙길 수 있는 수집요소가 있는가 하면</a:t>
+            </a:r>
+            <a:r>
+              <a:rPr lang="en-US" altLang="ko-KR" dirty="0"/>
+              <a:t>, </a:t>
+            </a:r>
+            <a:r>
+              <a:rPr lang="ko-KR" altLang="en-US" dirty="0"/>
+              <a:t>단 하나만 착용 가능한 무기도 존재</a:t>
+            </a:r>
+            <a:r>
+              <a:rPr lang="en-US" altLang="ko-KR" dirty="0"/>
+              <a:t>.</a:t>
+            </a:r>
+          </a:p>
+          <a:p>
+            <a:pPr marL="285750" indent="-285750">
+              <a:buFontTx/>
+              <a:buChar char="-"/>
+            </a:pPr>
+            <a:r>
+              <a:rPr lang="ko-KR" altLang="en-US" dirty="0"/>
+              <a:t>무기는 유저의 전투 스타일을 결정하며</a:t>
+            </a:r>
+            <a:r>
+              <a:rPr lang="en-US" altLang="ko-KR" dirty="0"/>
+              <a:t>, </a:t>
+            </a:r>
+            <a:r>
+              <a:rPr lang="ko-KR" altLang="en-US" dirty="0"/>
+              <a:t>적들도 모두 무기를 착용하고 있다</a:t>
+            </a:r>
+            <a:r>
+              <a:rPr lang="en-US" altLang="ko-KR" dirty="0"/>
+              <a:t>.</a:t>
+            </a:r>
+          </a:p>
+          <a:p>
+            <a:pPr marL="285750" indent="-285750">
+              <a:buFontTx/>
+              <a:buChar char="-"/>
+            </a:pPr>
+            <a:r>
+              <a:rPr lang="ko-KR" altLang="en-US" dirty="0"/>
+              <a:t>무기는 종류가 많아서 종류별로</a:t>
+            </a:r>
+            <a:r>
+              <a:rPr lang="en-US" altLang="ko-KR" dirty="0"/>
+              <a:t>… </a:t>
+            </a:r>
+            <a:r>
+              <a:rPr lang="ko-KR" altLang="en-US" dirty="0" err="1"/>
+              <a:t>다섯개</a:t>
+            </a:r>
+            <a:r>
+              <a:rPr lang="ko-KR" altLang="en-US" dirty="0"/>
+              <a:t> 정도 있으면</a:t>
+            </a:r>
+            <a:r>
+              <a:rPr lang="en-US" altLang="ko-KR" dirty="0"/>
+              <a:t>…</a:t>
+            </a:r>
+          </a:p>
+          <a:p>
+            <a:endParaRPr lang="en-US" altLang="ko-KR" dirty="0"/>
+          </a:p>
+          <a:p>
+            <a:endParaRPr lang="en-US" altLang="ko-KR" dirty="0"/>
+          </a:p>
+          <a:p>
+            <a:endParaRPr lang="en-US" altLang="ko-KR" dirty="0"/>
+          </a:p>
+          <a:p>
+            <a:endParaRPr lang="en-US" altLang="ko-KR" dirty="0"/>
+          </a:p>
+          <a:p>
+            <a:endParaRPr lang="en-US" altLang="ko-KR" dirty="0"/>
+          </a:p>
+          <a:p>
+            <a:pPr marL="285750" indent="-285750">
+              <a:buFontTx/>
+              <a:buChar char="-"/>
+            </a:pPr>
+            <a:r>
+              <a:rPr lang="ko-KR" altLang="en-US" dirty="0"/>
+              <a:t>문장 하나를 통째로 옮길 수 있음</a:t>
+            </a:r>
+            <a:r>
+              <a:rPr lang="en-US" altLang="ko-KR" dirty="0"/>
+              <a:t>.(</a:t>
+            </a:r>
+            <a:r>
+              <a:rPr lang="ko-KR" altLang="en-US" dirty="0"/>
+              <a:t>확률 계산을 다시 해야 하고 승리 확률이 변함</a:t>
+            </a:r>
+            <a:r>
+              <a:rPr lang="en-US" altLang="ko-KR" dirty="0"/>
+              <a:t>.)</a:t>
+            </a:r>
+            <a:r>
+              <a:rPr lang="ko-KR" altLang="en-US" dirty="0" err="1"/>
+              <a:t>사슬낫</a:t>
+            </a:r>
+            <a:endParaRPr lang="en-US" altLang="ko-KR" dirty="0"/>
+          </a:p>
+          <a:p>
+            <a:pPr marL="285750" indent="-285750">
+              <a:buFontTx/>
+              <a:buChar char="-"/>
+            </a:pPr>
+            <a:r>
+              <a:rPr lang="ko-KR" altLang="en-US" dirty="0"/>
+              <a:t>수집 시기에 모든 수치를 다시 찍을 수 있다</a:t>
+            </a:r>
+            <a:r>
+              <a:rPr lang="en-US" altLang="ko-KR"/>
+              <a:t>.</a:t>
+            </a:r>
+            <a:endParaRPr lang="en-US" altLang="ko-KR" dirty="0"/>
+          </a:p>
+        </p:txBody>
+      </p:sp>
+    </p:spTree>
+    <p:extLst>
+      <p:ext uri="{BB962C8B-B14F-4D97-AF65-F5344CB8AC3E}">
+        <p14:creationId xmlns:p14="http://schemas.microsoft.com/office/powerpoint/2010/main" val="2657430295"/>
+      </p:ext>
+    </p:extLst>
+  </p:cSld>
+  <p:clrMapOvr>
+    <a:masterClrMapping/>
+  </p:clrMapOvr>
+</p:sld>
+</file>
+
+<file path=ppt/slides/slide4.xml><?xml version="1.0" encoding="utf-8"?>
+<p:sld xmlns:a="http://schemas.openxmlformats.org/drawingml/2006/main" xmlns:r="http://schemas.openxmlformats.org/officeDocument/2006/relationships" xmlns:p="http://schemas.openxmlformats.org/presentationml/2006/main">
+  <p:cSld>
+    <p:spTree>
+      <p:nvGrpSpPr>
+        <p:cNvPr id="1" name=""/>
+        <p:cNvGrpSpPr/>
+        <p:nvPr/>
+      </p:nvGrpSpPr>
+      <p:grpSpPr>
+        <a:xfrm>
+          <a:off x="0" y="0"/>
+          <a:ext cx="0" cy="0"/>
+          <a:chOff x="0" y="0"/>
+          <a:chExt cx="0" cy="0"/>
+        </a:xfrm>
+      </p:grpSpPr>
+      <p:sp>
+        <p:nvSpPr>
+          <p:cNvPr id="9" name="TextBox 8">
+            <a:extLst>
+              <a:ext uri="{FF2B5EF4-FFF2-40B4-BE49-F238E27FC236}">
+                <a16:creationId xmlns:a16="http://schemas.microsoft.com/office/drawing/2014/main" id="{7C3AEEB5-635B-CC9E-A34E-9221454EB919}"/>
+              </a:ext>
+            </a:extLst>
+          </p:cNvPr>
+          <p:cNvSpPr txBox="1"/>
+          <p:nvPr/>
+        </p:nvSpPr>
+        <p:spPr>
+          <a:xfrm>
+            <a:off x="574431" y="439615"/>
             <a:ext cx="646331" cy="369332"/>
           </a:xfrm>
           <a:prstGeom prst="rect">
@@ -4434,7 +4840,7 @@
         <p:spPr>
           <a:xfrm>
             <a:off x="487913" y="1003973"/>
-            <a:ext cx="11319388" cy="1200329"/>
+            <a:ext cx="11319388" cy="4524315"/>
           </a:xfrm>
           <a:prstGeom prst="rect">
             <a:avLst/>
@@ -4446,6 +4852,279 @@
             <a:spAutoFit/>
           </a:bodyPr>
           <a:lstStyle/>
+          <a:p>
+            <a:pPr marL="285750" indent="-285750">
+              <a:buFontTx/>
+              <a:buChar char="-"/>
+            </a:pPr>
+            <a:r>
+              <a:rPr lang="ko-KR" altLang="en-US" dirty="0"/>
+              <a:t>단검</a:t>
+            </a:r>
+            <a:r>
+              <a:rPr lang="en-US" altLang="ko-KR" dirty="0"/>
+              <a:t>: </a:t>
+            </a:r>
+            <a:r>
+              <a:rPr lang="ko-KR" altLang="en-US" dirty="0"/>
+              <a:t>타수가 많은 대신 근력 보정 감소</a:t>
+            </a:r>
+            <a:r>
+              <a:rPr lang="en-US" altLang="ko-KR" dirty="0"/>
+              <a:t>. </a:t>
+            </a:r>
+            <a:r>
+              <a:rPr lang="ko-KR" altLang="en-US" dirty="0"/>
+              <a:t>능력 보정</a:t>
+            </a:r>
+            <a:r>
+              <a:rPr lang="en-US" altLang="ko-KR" dirty="0"/>
+              <a:t>: </a:t>
+            </a:r>
+            <a:r>
+              <a:rPr lang="ko-KR" altLang="en-US" dirty="0"/>
+              <a:t>타수 증가</a:t>
+            </a:r>
+            <a:r>
+              <a:rPr lang="en-US" altLang="ko-KR" dirty="0"/>
+              <a:t>.</a:t>
+            </a:r>
+          </a:p>
+          <a:p>
+            <a:pPr marL="285750" indent="-285750">
+              <a:buFontTx/>
+              <a:buChar char="-"/>
+            </a:pPr>
+            <a:r>
+              <a:rPr lang="ko-KR" altLang="en-US" dirty="0"/>
+              <a:t>활</a:t>
+            </a:r>
+            <a:r>
+              <a:rPr lang="en-US" altLang="ko-KR" dirty="0"/>
+              <a:t>: </a:t>
+            </a:r>
+            <a:r>
+              <a:rPr lang="ko-KR" altLang="en-US" dirty="0"/>
+              <a:t>좀 더 나중에 때릴 수 있게 하기</a:t>
+            </a:r>
+            <a:r>
+              <a:rPr lang="en-US" altLang="ko-KR" dirty="0"/>
+              <a:t>(</a:t>
+            </a:r>
+            <a:r>
+              <a:rPr lang="ko-KR" altLang="en-US" dirty="0"/>
+              <a:t>왜</a:t>
+            </a:r>
+            <a:r>
+              <a:rPr lang="en-US" altLang="ko-KR" dirty="0"/>
+              <a:t>? </a:t>
+            </a:r>
+            <a:r>
+              <a:rPr lang="ko-KR" altLang="en-US" dirty="0"/>
+              <a:t>확률이 극에 가까워질 수록 보정이 붙기 때문에</a:t>
+            </a:r>
+            <a:r>
+              <a:rPr lang="en-US" altLang="ko-KR" dirty="0"/>
+              <a:t>, </a:t>
+            </a:r>
+            <a:r>
+              <a:rPr lang="ko-KR" altLang="en-US" dirty="0"/>
+              <a:t>나중에 때리게 되면 더 많은 이득을 볼 수 있다</a:t>
+            </a:r>
+            <a:r>
+              <a:rPr lang="en-US" altLang="ko-KR" dirty="0"/>
+              <a:t>. </a:t>
+            </a:r>
+            <a:r>
+              <a:rPr lang="ko-KR" altLang="en-US" dirty="0"/>
+              <a:t>아니면 적의 스킬이 발동한 뒤에 사용하는 것도 좋은 효과</a:t>
+            </a:r>
+            <a:r>
+              <a:rPr lang="en-US" altLang="ko-KR" dirty="0"/>
+              <a:t>) </a:t>
+            </a:r>
+            <a:r>
+              <a:rPr lang="ko-KR" altLang="en-US" dirty="0"/>
+              <a:t>능력 보정</a:t>
+            </a:r>
+            <a:r>
+              <a:rPr lang="en-US" altLang="ko-KR" dirty="0"/>
+              <a:t>: </a:t>
+            </a:r>
+            <a:r>
+              <a:rPr lang="ko-KR" altLang="en-US" dirty="0"/>
+              <a:t>더 나중에 때릴 수 있음</a:t>
+            </a:r>
+            <a:r>
+              <a:rPr lang="en-US" altLang="ko-KR" dirty="0"/>
+              <a:t>.</a:t>
+            </a:r>
+          </a:p>
+          <a:p>
+            <a:pPr marL="285750" indent="-285750">
+              <a:buFontTx/>
+              <a:buChar char="-"/>
+            </a:pPr>
+            <a:r>
+              <a:rPr lang="ko-KR" altLang="en-US" dirty="0"/>
+              <a:t>대검</a:t>
+            </a:r>
+            <a:r>
+              <a:rPr lang="en-US" altLang="ko-KR" dirty="0"/>
+              <a:t>: </a:t>
+            </a:r>
+            <a:r>
+              <a:rPr lang="ko-KR" altLang="en-US" dirty="0"/>
+              <a:t>근력 보정 최대치</a:t>
+            </a:r>
+            <a:r>
+              <a:rPr lang="en-US" altLang="ko-KR" dirty="0"/>
+              <a:t>, </a:t>
+            </a:r>
+            <a:r>
+              <a:rPr lang="ko-KR" altLang="en-US" dirty="0"/>
+              <a:t>대신 타수가 적어 공격이 먼저 끝나게 될 듯</a:t>
+            </a:r>
+            <a:r>
+              <a:rPr lang="en-US" altLang="ko-KR" dirty="0"/>
+              <a:t>. </a:t>
+            </a:r>
+            <a:r>
+              <a:rPr lang="ko-KR" altLang="en-US" dirty="0"/>
+              <a:t>능력 보정</a:t>
+            </a:r>
+            <a:r>
+              <a:rPr lang="en-US" altLang="ko-KR" dirty="0"/>
+              <a:t>: </a:t>
+            </a:r>
+            <a:r>
+              <a:rPr lang="ko-KR" altLang="en-US" dirty="0"/>
+              <a:t>근력 보정 효율 증가</a:t>
+            </a:r>
+            <a:r>
+              <a:rPr lang="en-US" altLang="ko-KR" dirty="0"/>
+              <a:t>.</a:t>
+            </a:r>
+          </a:p>
+          <a:p>
+            <a:pPr marL="285750" indent="-285750">
+              <a:buFontTx/>
+              <a:buChar char="-"/>
+            </a:pPr>
+            <a:r>
+              <a:rPr lang="ko-KR" altLang="en-US" dirty="0"/>
+              <a:t>총</a:t>
+            </a:r>
+            <a:r>
+              <a:rPr lang="en-US" altLang="ko-KR" dirty="0"/>
+              <a:t>: </a:t>
+            </a:r>
+            <a:r>
+              <a:rPr lang="ko-KR" altLang="en-US" dirty="0"/>
+              <a:t>근력 보정은 없다시피</a:t>
+            </a:r>
+            <a:r>
+              <a:rPr lang="en-US" altLang="ko-KR" dirty="0"/>
+              <a:t>, </a:t>
+            </a:r>
+            <a:r>
+              <a:rPr lang="ko-KR" altLang="en-US" dirty="0"/>
+              <a:t>대신 능력 보정으로 </a:t>
+            </a:r>
+            <a:r>
+              <a:rPr lang="ko-KR" altLang="en-US" dirty="0" err="1"/>
+              <a:t>대미지</a:t>
+            </a:r>
+            <a:r>
+              <a:rPr lang="ko-KR" altLang="en-US" dirty="0"/>
+              <a:t> 증가</a:t>
+            </a:r>
+            <a:r>
+              <a:rPr lang="en-US" altLang="ko-KR" dirty="0"/>
+              <a:t>. </a:t>
+            </a:r>
+            <a:r>
+              <a:rPr lang="ko-KR" altLang="en-US" dirty="0"/>
+              <a:t>타수와 </a:t>
+            </a:r>
+            <a:r>
+              <a:rPr lang="ko-KR" altLang="en-US" dirty="0" err="1"/>
+              <a:t>늦춰짐</a:t>
+            </a:r>
+            <a:r>
+              <a:rPr lang="ko-KR" altLang="en-US" dirty="0"/>
+              <a:t> 효과가 단검과 활의 중간 수준 정도</a:t>
+            </a:r>
+            <a:r>
+              <a:rPr lang="en-US" altLang="ko-KR" dirty="0"/>
+              <a:t>?</a:t>
+            </a:r>
+          </a:p>
+          <a:p>
+            <a:pPr marL="285750" indent="-285750">
+              <a:buFontTx/>
+              <a:buChar char="-"/>
+            </a:pPr>
+            <a:r>
+              <a:rPr lang="ko-KR" altLang="en-US" dirty="0"/>
+              <a:t>주먹</a:t>
+            </a:r>
+            <a:r>
+              <a:rPr lang="en-US" altLang="ko-KR" dirty="0"/>
+              <a:t>: </a:t>
+            </a:r>
+            <a:r>
+              <a:rPr lang="ko-KR" altLang="en-US" dirty="0"/>
+              <a:t>무기의 효과를 다른 수집요소들의 효과와 번갈아 가며 사용</a:t>
+            </a:r>
+            <a:r>
+              <a:rPr lang="en-US" altLang="ko-KR" dirty="0"/>
+              <a:t>.</a:t>
+            </a:r>
+          </a:p>
+          <a:p>
+            <a:pPr marL="285750" indent="-285750">
+              <a:buFontTx/>
+              <a:buChar char="-"/>
+            </a:pPr>
+            <a:r>
+              <a:rPr lang="ko-KR" altLang="en-US" dirty="0"/>
+              <a:t>채찍</a:t>
+            </a:r>
+            <a:r>
+              <a:rPr lang="en-US" altLang="ko-KR" dirty="0"/>
+              <a:t>: </a:t>
+            </a:r>
+            <a:r>
+              <a:rPr lang="ko-KR" altLang="en-US" dirty="0"/>
+              <a:t>전투가 길어질 수록 대미지가 커짐</a:t>
+            </a:r>
+            <a:r>
+              <a:rPr lang="en-US" altLang="ko-KR" dirty="0"/>
+              <a:t>?</a:t>
+            </a:r>
+          </a:p>
+          <a:p>
+            <a:pPr marL="285750" indent="-285750">
+              <a:buFontTx/>
+              <a:buChar char="-"/>
+            </a:pPr>
+            <a:endParaRPr lang="en-US" altLang="ko-KR" dirty="0"/>
+          </a:p>
+          <a:p>
+            <a:pPr marL="285750" indent="-285750">
+              <a:buFontTx/>
+              <a:buChar char="-"/>
+            </a:pPr>
+            <a:endParaRPr lang="en-US" altLang="ko-KR" dirty="0"/>
+          </a:p>
+          <a:p>
+            <a:pPr marL="285750" indent="-285750">
+              <a:buFontTx/>
+              <a:buChar char="-"/>
+            </a:pPr>
+            <a:endParaRPr lang="en-US" altLang="ko-KR" dirty="0"/>
+          </a:p>
           <a:p>
             <a:pPr marL="285750" indent="-285750">
               <a:buFontTx/>

--- a/수집요소.pptx
+++ b/수집요소.pptx
@@ -5,13 +5,19 @@
     <p:sldMasterId id="2147483648" r:id="rId1"/>
   </p:sldMasterIdLst>
   <p:notesMasterIdLst>
-    <p:notesMasterId r:id="rId6"/>
+    <p:notesMasterId r:id="rId12"/>
   </p:notesMasterIdLst>
   <p:sldIdLst>
     <p:sldId id="266" r:id="rId2"/>
     <p:sldId id="269" r:id="rId3"/>
     <p:sldId id="267" r:id="rId4"/>
     <p:sldId id="268" r:id="rId5"/>
+    <p:sldId id="272" r:id="rId6"/>
+    <p:sldId id="273" r:id="rId7"/>
+    <p:sldId id="271" r:id="rId8"/>
+    <p:sldId id="274" r:id="rId9"/>
+    <p:sldId id="270" r:id="rId10"/>
+    <p:sldId id="275" r:id="rId11"/>
   </p:sldIdLst>
   <p:sldSz cx="12192000" cy="6858000"/>
   <p:notesSz cx="6858000" cy="9144000"/>
@@ -551,6 +557,90 @@
 </p:notes>
 </file>
 
+<file path=ppt/notesSlides/notesSlide10.xml><?xml version="1.0" encoding="utf-8"?>
+<p:notes xmlns:a="http://schemas.openxmlformats.org/drawingml/2006/main" xmlns:r="http://schemas.openxmlformats.org/officeDocument/2006/relationships" xmlns:p="http://schemas.openxmlformats.org/presentationml/2006/main">
+  <p:cSld>
+    <p:spTree>
+      <p:nvGrpSpPr>
+        <p:cNvPr id="1" name=""/>
+        <p:cNvGrpSpPr/>
+        <p:nvPr/>
+      </p:nvGrpSpPr>
+      <p:grpSpPr>
+        <a:xfrm>
+          <a:off x="0" y="0"/>
+          <a:ext cx="0" cy="0"/>
+          <a:chOff x="0" y="0"/>
+          <a:chExt cx="0" cy="0"/>
+        </a:xfrm>
+      </p:grpSpPr>
+      <p:sp>
+        <p:nvSpPr>
+          <p:cNvPr id="2" name="슬라이드 이미지 개체 틀 1"/>
+          <p:cNvSpPr>
+            <a:spLocks noGrp="1" noRot="1" noChangeAspect="1"/>
+          </p:cNvSpPr>
+          <p:nvPr>
+            <p:ph type="sldImg"/>
+          </p:nvPr>
+        </p:nvSpPr>
+        <p:spPr/>
+      </p:sp>
+      <p:sp>
+        <p:nvSpPr>
+          <p:cNvPr id="3" name="슬라이드 노트 개체 틀 2"/>
+          <p:cNvSpPr>
+            <a:spLocks noGrp="1"/>
+          </p:cNvSpPr>
+          <p:nvPr>
+            <p:ph type="body" idx="1"/>
+          </p:nvPr>
+        </p:nvSpPr>
+        <p:spPr/>
+        <p:txBody>
+          <a:bodyPr/>
+          <a:lstStyle/>
+          <a:p>
+            <a:endParaRPr lang="ko-KR" altLang="en-US" dirty="0"/>
+          </a:p>
+        </p:txBody>
+      </p:sp>
+      <p:sp>
+        <p:nvSpPr>
+          <p:cNvPr id="4" name="슬라이드 번호 개체 틀 3"/>
+          <p:cNvSpPr>
+            <a:spLocks noGrp="1"/>
+          </p:cNvSpPr>
+          <p:nvPr>
+            <p:ph type="sldNum" sz="quarter" idx="5"/>
+          </p:nvPr>
+        </p:nvSpPr>
+        <p:spPr/>
+        <p:txBody>
+          <a:bodyPr/>
+          <a:lstStyle/>
+          <a:p>
+            <a:fld id="{72032EB5-ABEB-49F2-BBDC-81C17B42AB0D}" type="slidenum">
+              <a:rPr lang="ko-KR" altLang="en-US" smtClean="0"/>
+              <a:t>10</a:t>
+            </a:fld>
+            <a:endParaRPr lang="ko-KR" altLang="en-US"/>
+          </a:p>
+        </p:txBody>
+      </p:sp>
+    </p:spTree>
+    <p:extLst>
+      <p:ext uri="{BB962C8B-B14F-4D97-AF65-F5344CB8AC3E}">
+        <p14:creationId xmlns:p14="http://schemas.microsoft.com/office/powerpoint/2010/main" val="3684171993"/>
+      </p:ext>
+    </p:extLst>
+  </p:cSld>
+  <p:clrMapOvr>
+    <a:masterClrMapping/>
+  </p:clrMapOvr>
+</p:notes>
+</file>
+
 <file path=ppt/notesSlides/notesSlide2.xml><?xml version="1.0" encoding="utf-8"?>
 <p:notes xmlns:a="http://schemas.openxmlformats.org/drawingml/2006/main" xmlns:r="http://schemas.openxmlformats.org/officeDocument/2006/relationships" xmlns:p="http://schemas.openxmlformats.org/presentationml/2006/main">
   <p:cSld>
@@ -794,6 +884,426 @@
     <p:extLst>
       <p:ext uri="{BB962C8B-B14F-4D97-AF65-F5344CB8AC3E}">
         <p14:creationId xmlns:p14="http://schemas.microsoft.com/office/powerpoint/2010/main" val="2020563335"/>
+      </p:ext>
+    </p:extLst>
+  </p:cSld>
+  <p:clrMapOvr>
+    <a:masterClrMapping/>
+  </p:clrMapOvr>
+</p:notes>
+</file>
+
+<file path=ppt/notesSlides/notesSlide5.xml><?xml version="1.0" encoding="utf-8"?>
+<p:notes xmlns:a="http://schemas.openxmlformats.org/drawingml/2006/main" xmlns:r="http://schemas.openxmlformats.org/officeDocument/2006/relationships" xmlns:p="http://schemas.openxmlformats.org/presentationml/2006/main">
+  <p:cSld>
+    <p:spTree>
+      <p:nvGrpSpPr>
+        <p:cNvPr id="1" name=""/>
+        <p:cNvGrpSpPr/>
+        <p:nvPr/>
+      </p:nvGrpSpPr>
+      <p:grpSpPr>
+        <a:xfrm>
+          <a:off x="0" y="0"/>
+          <a:ext cx="0" cy="0"/>
+          <a:chOff x="0" y="0"/>
+          <a:chExt cx="0" cy="0"/>
+        </a:xfrm>
+      </p:grpSpPr>
+      <p:sp>
+        <p:nvSpPr>
+          <p:cNvPr id="2" name="슬라이드 이미지 개체 틀 1"/>
+          <p:cNvSpPr>
+            <a:spLocks noGrp="1" noRot="1" noChangeAspect="1"/>
+          </p:cNvSpPr>
+          <p:nvPr>
+            <p:ph type="sldImg"/>
+          </p:nvPr>
+        </p:nvSpPr>
+        <p:spPr/>
+      </p:sp>
+      <p:sp>
+        <p:nvSpPr>
+          <p:cNvPr id="3" name="슬라이드 노트 개체 틀 2"/>
+          <p:cNvSpPr>
+            <a:spLocks noGrp="1"/>
+          </p:cNvSpPr>
+          <p:nvPr>
+            <p:ph type="body" idx="1"/>
+          </p:nvPr>
+        </p:nvSpPr>
+        <p:spPr/>
+        <p:txBody>
+          <a:bodyPr/>
+          <a:lstStyle/>
+          <a:p>
+            <a:endParaRPr lang="ko-KR" altLang="en-US" dirty="0"/>
+          </a:p>
+        </p:txBody>
+      </p:sp>
+      <p:sp>
+        <p:nvSpPr>
+          <p:cNvPr id="4" name="슬라이드 번호 개체 틀 3"/>
+          <p:cNvSpPr>
+            <a:spLocks noGrp="1"/>
+          </p:cNvSpPr>
+          <p:nvPr>
+            <p:ph type="sldNum" sz="quarter" idx="5"/>
+          </p:nvPr>
+        </p:nvSpPr>
+        <p:spPr/>
+        <p:txBody>
+          <a:bodyPr/>
+          <a:lstStyle/>
+          <a:p>
+            <a:fld id="{72032EB5-ABEB-49F2-BBDC-81C17B42AB0D}" type="slidenum">
+              <a:rPr lang="ko-KR" altLang="en-US" smtClean="0"/>
+              <a:t>5</a:t>
+            </a:fld>
+            <a:endParaRPr lang="ko-KR" altLang="en-US"/>
+          </a:p>
+        </p:txBody>
+      </p:sp>
+    </p:spTree>
+    <p:extLst>
+      <p:ext uri="{BB962C8B-B14F-4D97-AF65-F5344CB8AC3E}">
+        <p14:creationId xmlns:p14="http://schemas.microsoft.com/office/powerpoint/2010/main" val="3669716897"/>
+      </p:ext>
+    </p:extLst>
+  </p:cSld>
+  <p:clrMapOvr>
+    <a:masterClrMapping/>
+  </p:clrMapOvr>
+</p:notes>
+</file>
+
+<file path=ppt/notesSlides/notesSlide6.xml><?xml version="1.0" encoding="utf-8"?>
+<p:notes xmlns:a="http://schemas.openxmlformats.org/drawingml/2006/main" xmlns:r="http://schemas.openxmlformats.org/officeDocument/2006/relationships" xmlns:p="http://schemas.openxmlformats.org/presentationml/2006/main">
+  <p:cSld>
+    <p:spTree>
+      <p:nvGrpSpPr>
+        <p:cNvPr id="1" name=""/>
+        <p:cNvGrpSpPr/>
+        <p:nvPr/>
+      </p:nvGrpSpPr>
+      <p:grpSpPr>
+        <a:xfrm>
+          <a:off x="0" y="0"/>
+          <a:ext cx="0" cy="0"/>
+          <a:chOff x="0" y="0"/>
+          <a:chExt cx="0" cy="0"/>
+        </a:xfrm>
+      </p:grpSpPr>
+      <p:sp>
+        <p:nvSpPr>
+          <p:cNvPr id="2" name="슬라이드 이미지 개체 틀 1"/>
+          <p:cNvSpPr>
+            <a:spLocks noGrp="1" noRot="1" noChangeAspect="1"/>
+          </p:cNvSpPr>
+          <p:nvPr>
+            <p:ph type="sldImg"/>
+          </p:nvPr>
+        </p:nvSpPr>
+        <p:spPr/>
+      </p:sp>
+      <p:sp>
+        <p:nvSpPr>
+          <p:cNvPr id="3" name="슬라이드 노트 개체 틀 2"/>
+          <p:cNvSpPr>
+            <a:spLocks noGrp="1"/>
+          </p:cNvSpPr>
+          <p:nvPr>
+            <p:ph type="body" idx="1"/>
+          </p:nvPr>
+        </p:nvSpPr>
+        <p:spPr/>
+        <p:txBody>
+          <a:bodyPr/>
+          <a:lstStyle/>
+          <a:p>
+            <a:endParaRPr lang="ko-KR" altLang="en-US" dirty="0"/>
+          </a:p>
+        </p:txBody>
+      </p:sp>
+      <p:sp>
+        <p:nvSpPr>
+          <p:cNvPr id="4" name="슬라이드 번호 개체 틀 3"/>
+          <p:cNvSpPr>
+            <a:spLocks noGrp="1"/>
+          </p:cNvSpPr>
+          <p:nvPr>
+            <p:ph type="sldNum" sz="quarter" idx="5"/>
+          </p:nvPr>
+        </p:nvSpPr>
+        <p:spPr/>
+        <p:txBody>
+          <a:bodyPr/>
+          <a:lstStyle/>
+          <a:p>
+            <a:fld id="{72032EB5-ABEB-49F2-BBDC-81C17B42AB0D}" type="slidenum">
+              <a:rPr lang="ko-KR" altLang="en-US" smtClean="0"/>
+              <a:t>6</a:t>
+            </a:fld>
+            <a:endParaRPr lang="ko-KR" altLang="en-US"/>
+          </a:p>
+        </p:txBody>
+      </p:sp>
+    </p:spTree>
+    <p:extLst>
+      <p:ext uri="{BB962C8B-B14F-4D97-AF65-F5344CB8AC3E}">
+        <p14:creationId xmlns:p14="http://schemas.microsoft.com/office/powerpoint/2010/main" val="454560180"/>
+      </p:ext>
+    </p:extLst>
+  </p:cSld>
+  <p:clrMapOvr>
+    <a:masterClrMapping/>
+  </p:clrMapOvr>
+</p:notes>
+</file>
+
+<file path=ppt/notesSlides/notesSlide7.xml><?xml version="1.0" encoding="utf-8"?>
+<p:notes xmlns:a="http://schemas.openxmlformats.org/drawingml/2006/main" xmlns:r="http://schemas.openxmlformats.org/officeDocument/2006/relationships" xmlns:p="http://schemas.openxmlformats.org/presentationml/2006/main">
+  <p:cSld>
+    <p:spTree>
+      <p:nvGrpSpPr>
+        <p:cNvPr id="1" name=""/>
+        <p:cNvGrpSpPr/>
+        <p:nvPr/>
+      </p:nvGrpSpPr>
+      <p:grpSpPr>
+        <a:xfrm>
+          <a:off x="0" y="0"/>
+          <a:ext cx="0" cy="0"/>
+          <a:chOff x="0" y="0"/>
+          <a:chExt cx="0" cy="0"/>
+        </a:xfrm>
+      </p:grpSpPr>
+      <p:sp>
+        <p:nvSpPr>
+          <p:cNvPr id="2" name="슬라이드 이미지 개체 틀 1"/>
+          <p:cNvSpPr>
+            <a:spLocks noGrp="1" noRot="1" noChangeAspect="1"/>
+          </p:cNvSpPr>
+          <p:nvPr>
+            <p:ph type="sldImg"/>
+          </p:nvPr>
+        </p:nvSpPr>
+        <p:spPr/>
+      </p:sp>
+      <p:sp>
+        <p:nvSpPr>
+          <p:cNvPr id="3" name="슬라이드 노트 개체 틀 2"/>
+          <p:cNvSpPr>
+            <a:spLocks noGrp="1"/>
+          </p:cNvSpPr>
+          <p:nvPr>
+            <p:ph type="body" idx="1"/>
+          </p:nvPr>
+        </p:nvSpPr>
+        <p:spPr/>
+        <p:txBody>
+          <a:bodyPr/>
+          <a:lstStyle/>
+          <a:p>
+            <a:endParaRPr lang="ko-KR" altLang="en-US" dirty="0"/>
+          </a:p>
+        </p:txBody>
+      </p:sp>
+      <p:sp>
+        <p:nvSpPr>
+          <p:cNvPr id="4" name="슬라이드 번호 개체 틀 3"/>
+          <p:cNvSpPr>
+            <a:spLocks noGrp="1"/>
+          </p:cNvSpPr>
+          <p:nvPr>
+            <p:ph type="sldNum" sz="quarter" idx="5"/>
+          </p:nvPr>
+        </p:nvSpPr>
+        <p:spPr/>
+        <p:txBody>
+          <a:bodyPr/>
+          <a:lstStyle/>
+          <a:p>
+            <a:fld id="{72032EB5-ABEB-49F2-BBDC-81C17B42AB0D}" type="slidenum">
+              <a:rPr lang="ko-KR" altLang="en-US" smtClean="0"/>
+              <a:t>7</a:t>
+            </a:fld>
+            <a:endParaRPr lang="ko-KR" altLang="en-US"/>
+          </a:p>
+        </p:txBody>
+      </p:sp>
+    </p:spTree>
+    <p:extLst>
+      <p:ext uri="{BB962C8B-B14F-4D97-AF65-F5344CB8AC3E}">
+        <p14:creationId xmlns:p14="http://schemas.microsoft.com/office/powerpoint/2010/main" val="329229784"/>
+      </p:ext>
+    </p:extLst>
+  </p:cSld>
+  <p:clrMapOvr>
+    <a:masterClrMapping/>
+  </p:clrMapOvr>
+</p:notes>
+</file>
+
+<file path=ppt/notesSlides/notesSlide8.xml><?xml version="1.0" encoding="utf-8"?>
+<p:notes xmlns:a="http://schemas.openxmlformats.org/drawingml/2006/main" xmlns:r="http://schemas.openxmlformats.org/officeDocument/2006/relationships" xmlns:p="http://schemas.openxmlformats.org/presentationml/2006/main">
+  <p:cSld>
+    <p:spTree>
+      <p:nvGrpSpPr>
+        <p:cNvPr id="1" name=""/>
+        <p:cNvGrpSpPr/>
+        <p:nvPr/>
+      </p:nvGrpSpPr>
+      <p:grpSpPr>
+        <a:xfrm>
+          <a:off x="0" y="0"/>
+          <a:ext cx="0" cy="0"/>
+          <a:chOff x="0" y="0"/>
+          <a:chExt cx="0" cy="0"/>
+        </a:xfrm>
+      </p:grpSpPr>
+      <p:sp>
+        <p:nvSpPr>
+          <p:cNvPr id="2" name="슬라이드 이미지 개체 틀 1"/>
+          <p:cNvSpPr>
+            <a:spLocks noGrp="1" noRot="1" noChangeAspect="1"/>
+          </p:cNvSpPr>
+          <p:nvPr>
+            <p:ph type="sldImg"/>
+          </p:nvPr>
+        </p:nvSpPr>
+        <p:spPr/>
+      </p:sp>
+      <p:sp>
+        <p:nvSpPr>
+          <p:cNvPr id="3" name="슬라이드 노트 개체 틀 2"/>
+          <p:cNvSpPr>
+            <a:spLocks noGrp="1"/>
+          </p:cNvSpPr>
+          <p:nvPr>
+            <p:ph type="body" idx="1"/>
+          </p:nvPr>
+        </p:nvSpPr>
+        <p:spPr/>
+        <p:txBody>
+          <a:bodyPr/>
+          <a:lstStyle/>
+          <a:p>
+            <a:endParaRPr lang="ko-KR" altLang="en-US" dirty="0"/>
+          </a:p>
+        </p:txBody>
+      </p:sp>
+      <p:sp>
+        <p:nvSpPr>
+          <p:cNvPr id="4" name="슬라이드 번호 개체 틀 3"/>
+          <p:cNvSpPr>
+            <a:spLocks noGrp="1"/>
+          </p:cNvSpPr>
+          <p:nvPr>
+            <p:ph type="sldNum" sz="quarter" idx="5"/>
+          </p:nvPr>
+        </p:nvSpPr>
+        <p:spPr/>
+        <p:txBody>
+          <a:bodyPr/>
+          <a:lstStyle/>
+          <a:p>
+            <a:fld id="{72032EB5-ABEB-49F2-BBDC-81C17B42AB0D}" type="slidenum">
+              <a:rPr lang="ko-KR" altLang="en-US" smtClean="0"/>
+              <a:t>8</a:t>
+            </a:fld>
+            <a:endParaRPr lang="ko-KR" altLang="en-US"/>
+          </a:p>
+        </p:txBody>
+      </p:sp>
+    </p:spTree>
+    <p:extLst>
+      <p:ext uri="{BB962C8B-B14F-4D97-AF65-F5344CB8AC3E}">
+        <p14:creationId xmlns:p14="http://schemas.microsoft.com/office/powerpoint/2010/main" val="1316060860"/>
+      </p:ext>
+    </p:extLst>
+  </p:cSld>
+  <p:clrMapOvr>
+    <a:masterClrMapping/>
+  </p:clrMapOvr>
+</p:notes>
+</file>
+
+<file path=ppt/notesSlides/notesSlide9.xml><?xml version="1.0" encoding="utf-8"?>
+<p:notes xmlns:a="http://schemas.openxmlformats.org/drawingml/2006/main" xmlns:r="http://schemas.openxmlformats.org/officeDocument/2006/relationships" xmlns:p="http://schemas.openxmlformats.org/presentationml/2006/main">
+  <p:cSld>
+    <p:spTree>
+      <p:nvGrpSpPr>
+        <p:cNvPr id="1" name=""/>
+        <p:cNvGrpSpPr/>
+        <p:nvPr/>
+      </p:nvGrpSpPr>
+      <p:grpSpPr>
+        <a:xfrm>
+          <a:off x="0" y="0"/>
+          <a:ext cx="0" cy="0"/>
+          <a:chOff x="0" y="0"/>
+          <a:chExt cx="0" cy="0"/>
+        </a:xfrm>
+      </p:grpSpPr>
+      <p:sp>
+        <p:nvSpPr>
+          <p:cNvPr id="2" name="슬라이드 이미지 개체 틀 1"/>
+          <p:cNvSpPr>
+            <a:spLocks noGrp="1" noRot="1" noChangeAspect="1"/>
+          </p:cNvSpPr>
+          <p:nvPr>
+            <p:ph type="sldImg"/>
+          </p:nvPr>
+        </p:nvSpPr>
+        <p:spPr/>
+      </p:sp>
+      <p:sp>
+        <p:nvSpPr>
+          <p:cNvPr id="3" name="슬라이드 노트 개체 틀 2"/>
+          <p:cNvSpPr>
+            <a:spLocks noGrp="1"/>
+          </p:cNvSpPr>
+          <p:nvPr>
+            <p:ph type="body" idx="1"/>
+          </p:nvPr>
+        </p:nvSpPr>
+        <p:spPr/>
+        <p:txBody>
+          <a:bodyPr/>
+          <a:lstStyle/>
+          <a:p>
+            <a:endParaRPr lang="ko-KR" altLang="en-US" dirty="0"/>
+          </a:p>
+        </p:txBody>
+      </p:sp>
+      <p:sp>
+        <p:nvSpPr>
+          <p:cNvPr id="4" name="슬라이드 번호 개체 틀 3"/>
+          <p:cNvSpPr>
+            <a:spLocks noGrp="1"/>
+          </p:cNvSpPr>
+          <p:nvPr>
+            <p:ph type="sldNum" sz="quarter" idx="5"/>
+          </p:nvPr>
+        </p:nvSpPr>
+        <p:spPr/>
+        <p:txBody>
+          <a:bodyPr/>
+          <a:lstStyle/>
+          <a:p>
+            <a:fld id="{72032EB5-ABEB-49F2-BBDC-81C17B42AB0D}" type="slidenum">
+              <a:rPr lang="ko-KR" altLang="en-US" smtClean="0"/>
+              <a:t>9</a:t>
+            </a:fld>
+            <a:endParaRPr lang="ko-KR" altLang="en-US"/>
+          </a:p>
+        </p:txBody>
+      </p:sp>
+    </p:spTree>
+    <p:extLst>
+      <p:ext uri="{BB962C8B-B14F-4D97-AF65-F5344CB8AC3E}">
+        <p14:creationId xmlns:p14="http://schemas.microsoft.com/office/powerpoint/2010/main" val="2906441372"/>
       </p:ext>
     </p:extLst>
   </p:cSld>
@@ -4250,6 +4760,195 @@
 </p:sld>
 </file>
 
+<file path=ppt/slides/slide10.xml><?xml version="1.0" encoding="utf-8"?>
+<p:sld xmlns:a="http://schemas.openxmlformats.org/drawingml/2006/main" xmlns:r="http://schemas.openxmlformats.org/officeDocument/2006/relationships" xmlns:p="http://schemas.openxmlformats.org/presentationml/2006/main">
+  <p:cSld>
+    <p:spTree>
+      <p:nvGrpSpPr>
+        <p:cNvPr id="1" name=""/>
+        <p:cNvGrpSpPr/>
+        <p:nvPr/>
+      </p:nvGrpSpPr>
+      <p:grpSpPr>
+        <a:xfrm>
+          <a:off x="0" y="0"/>
+          <a:ext cx="0" cy="0"/>
+          <a:chOff x="0" y="0"/>
+          <a:chExt cx="0" cy="0"/>
+        </a:xfrm>
+      </p:grpSpPr>
+      <p:sp>
+        <p:nvSpPr>
+          <p:cNvPr id="9" name="TextBox 8">
+            <a:extLst>
+              <a:ext uri="{FF2B5EF4-FFF2-40B4-BE49-F238E27FC236}">
+                <a16:creationId xmlns:a16="http://schemas.microsoft.com/office/drawing/2014/main" id="{7C3AEEB5-635B-CC9E-A34E-9221454EB919}"/>
+              </a:ext>
+            </a:extLst>
+          </p:cNvPr>
+          <p:cNvSpPr txBox="1"/>
+          <p:nvPr/>
+        </p:nvSpPr>
+        <p:spPr>
+          <a:xfrm>
+            <a:off x="574431" y="439615"/>
+            <a:ext cx="1241045" cy="369332"/>
+          </a:xfrm>
+          <a:prstGeom prst="rect">
+            <a:avLst/>
+          </a:prstGeom>
+          <a:noFill/>
+        </p:spPr>
+        <p:txBody>
+          <a:bodyPr wrap="none" rtlCol="0">
+            <a:spAutoFit/>
+          </a:bodyPr>
+          <a:lstStyle/>
+          <a:p>
+            <a:r>
+              <a:rPr lang="ko-KR" altLang="en-US" dirty="0"/>
+              <a:t>무기</a:t>
+            </a:r>
+            <a:r>
+              <a:rPr lang="en-US" altLang="ko-KR" dirty="0"/>
+              <a:t>:</a:t>
+            </a:r>
+            <a:r>
+              <a:rPr lang="ko-KR" altLang="en-US" dirty="0"/>
+              <a:t> 채찍</a:t>
+            </a:r>
+          </a:p>
+        </p:txBody>
+      </p:sp>
+      <p:sp>
+        <p:nvSpPr>
+          <p:cNvPr id="11" name="TextBox 10">
+            <a:extLst>
+              <a:ext uri="{FF2B5EF4-FFF2-40B4-BE49-F238E27FC236}">
+                <a16:creationId xmlns:a16="http://schemas.microsoft.com/office/drawing/2014/main" id="{BE1D231D-2F7F-F83F-96CF-2CDE57F99C49}"/>
+              </a:ext>
+            </a:extLst>
+          </p:cNvPr>
+          <p:cNvSpPr txBox="1"/>
+          <p:nvPr/>
+        </p:nvSpPr>
+        <p:spPr>
+          <a:xfrm>
+            <a:off x="487913" y="1003973"/>
+            <a:ext cx="11319388" cy="1477328"/>
+          </a:xfrm>
+          <a:prstGeom prst="rect">
+            <a:avLst/>
+          </a:prstGeom>
+          <a:noFill/>
+        </p:spPr>
+        <p:txBody>
+          <a:bodyPr wrap="square" rtlCol="0">
+            <a:spAutoFit/>
+          </a:bodyPr>
+          <a:lstStyle/>
+          <a:p>
+            <a:pPr marL="285750" indent="-285750">
+              <a:buFontTx/>
+              <a:buChar char="-"/>
+            </a:pPr>
+            <a:r>
+              <a:rPr lang="ko-KR" altLang="en-US" dirty="0"/>
+              <a:t>싸움이 길어질 수록 마지막에 강하게 때린다</a:t>
+            </a:r>
+            <a:r>
+              <a:rPr lang="en-US" altLang="ko-KR" dirty="0"/>
+              <a:t>. </a:t>
+            </a:r>
+            <a:r>
+              <a:rPr lang="ko-KR" altLang="en-US" dirty="0"/>
+              <a:t>능력 보정</a:t>
+            </a:r>
+            <a:r>
+              <a:rPr lang="en-US" altLang="ko-KR" dirty="0"/>
+              <a:t>: </a:t>
+            </a:r>
+            <a:r>
+              <a:rPr lang="ko-KR" altLang="en-US" dirty="0" err="1"/>
+              <a:t>곱연산</a:t>
+            </a:r>
+            <a:r>
+              <a:rPr lang="en-US" altLang="ko-KR" dirty="0"/>
+              <a:t>, </a:t>
+            </a:r>
+            <a:r>
+              <a:rPr lang="ko-KR" altLang="en-US" dirty="0"/>
+              <a:t>근력 보정</a:t>
+            </a:r>
+            <a:r>
+              <a:rPr lang="en-US" altLang="ko-KR" dirty="0"/>
+              <a:t>: </a:t>
+            </a:r>
+            <a:r>
+              <a:rPr lang="ko-KR" altLang="en-US" dirty="0" err="1"/>
+              <a:t>합연산</a:t>
+            </a:r>
+            <a:endParaRPr lang="en-US" altLang="ko-KR" dirty="0"/>
+          </a:p>
+          <a:p>
+            <a:pPr marL="285750" indent="-285750">
+              <a:buFontTx/>
+              <a:buChar char="-"/>
+            </a:pPr>
+            <a:r>
+              <a:rPr lang="ko-KR" altLang="en-US" dirty="0"/>
+              <a:t>맞는 횟수 만큼 강력하게 때린다</a:t>
+            </a:r>
+            <a:r>
+              <a:rPr lang="en-US" altLang="ko-KR" dirty="0"/>
+              <a:t>. </a:t>
+            </a:r>
+            <a:r>
+              <a:rPr lang="ko-KR" altLang="en-US" dirty="0" err="1"/>
+              <a:t>마조히스트의</a:t>
+            </a:r>
+            <a:r>
+              <a:rPr lang="ko-KR" altLang="en-US" dirty="0"/>
+              <a:t> 채찍</a:t>
+            </a:r>
+            <a:endParaRPr lang="en-US" altLang="ko-KR" dirty="0"/>
+          </a:p>
+          <a:p>
+            <a:pPr marL="285750" indent="-285750">
+              <a:buFontTx/>
+              <a:buChar char="-"/>
+            </a:pPr>
+            <a:endParaRPr lang="en-US" altLang="ko-KR" dirty="0"/>
+          </a:p>
+          <a:p>
+            <a:pPr marL="285750" indent="-285750">
+              <a:buFontTx/>
+              <a:buChar char="-"/>
+            </a:pPr>
+            <a:endParaRPr lang="en-US" altLang="ko-KR" dirty="0"/>
+          </a:p>
+          <a:p>
+            <a:pPr marL="285750" indent="-285750">
+              <a:buFontTx/>
+              <a:buChar char="-"/>
+            </a:pPr>
+            <a:endParaRPr lang="en-US" altLang="ko-KR" dirty="0"/>
+          </a:p>
+        </p:txBody>
+      </p:sp>
+    </p:spTree>
+    <p:extLst>
+      <p:ext uri="{BB962C8B-B14F-4D97-AF65-F5344CB8AC3E}">
+        <p14:creationId xmlns:p14="http://schemas.microsoft.com/office/powerpoint/2010/main" val="4156839488"/>
+      </p:ext>
+    </p:extLst>
+  </p:cSld>
+  <p:clrMapOvr>
+    <a:masterClrMapping/>
+  </p:clrMapOvr>
+</p:sld>
+</file>
+
 <file path=ppt/slides/slide2.xml><?xml version="1.0" encoding="utf-8"?>
 <p:sld xmlns:a="http://schemas.openxmlformats.org/drawingml/2006/main" xmlns:r="http://schemas.openxmlformats.org/officeDocument/2006/relationships" xmlns:p="http://schemas.openxmlformats.org/presentationml/2006/main">
   <p:cSld>
@@ -4619,7 +5318,7 @@
         <p:spPr>
           <a:xfrm>
             <a:off x="487913" y="1003973"/>
-            <a:ext cx="11319388" cy="2862322"/>
+            <a:ext cx="11319388" cy="5909310"/>
           </a:xfrm>
           <a:prstGeom prst="rect">
             <a:avLst/>
@@ -4638,15 +5337,15 @@
             </a:pPr>
             <a:r>
               <a:rPr lang="ko-KR" altLang="en-US" dirty="0"/>
-              <a:t>무한으로 챙길 수 있는 수집요소가 있는가 하면</a:t>
-            </a:r>
-            <a:r>
-              <a:rPr lang="en-US" altLang="ko-KR" dirty="0"/>
-              <a:t>, </a:t>
-            </a:r>
-            <a:r>
-              <a:rPr lang="ko-KR" altLang="en-US" dirty="0"/>
-              <a:t>단 하나만 착용 가능한 무기도 존재</a:t>
+              <a:t>이하는 </a:t>
+            </a:r>
+            <a:r>
+              <a:rPr lang="en-US" altLang="ko-KR" dirty="0"/>
+              <a:t>2</a:t>
+            </a:r>
+            <a:r>
+              <a:rPr lang="ko-KR" altLang="en-US" dirty="0"/>
+              <a:t>번 종류의 수집요소</a:t>
             </a:r>
             <a:r>
               <a:rPr lang="en-US" altLang="ko-KR" dirty="0"/>
@@ -4658,62 +5357,17 @@
               <a:buFontTx/>
               <a:buChar char="-"/>
             </a:pPr>
-            <a:r>
-              <a:rPr lang="ko-KR" altLang="en-US" dirty="0"/>
-              <a:t>무기는 유저의 전투 스타일을 결정하며</a:t>
-            </a:r>
-            <a:r>
-              <a:rPr lang="en-US" altLang="ko-KR" dirty="0"/>
-              <a:t>, </a:t>
-            </a:r>
-            <a:r>
-              <a:rPr lang="ko-KR" altLang="en-US" dirty="0"/>
-              <a:t>적들도 모두 무기를 착용하고 있다</a:t>
-            </a:r>
-            <a:r>
-              <a:rPr lang="en-US" altLang="ko-KR" dirty="0"/>
-              <a:t>.</a:t>
-            </a:r>
-          </a:p>
-          <a:p>
-            <a:pPr marL="285750" indent="-285750">
-              <a:buFontTx/>
-              <a:buChar char="-"/>
-            </a:pPr>
-            <a:r>
-              <a:rPr lang="ko-KR" altLang="en-US" dirty="0"/>
-              <a:t>무기는 종류가 많아서 종류별로</a:t>
-            </a:r>
-            <a:r>
-              <a:rPr lang="en-US" altLang="ko-KR" dirty="0"/>
-              <a:t>… </a:t>
-            </a:r>
-            <a:r>
-              <a:rPr lang="ko-KR" altLang="en-US" dirty="0" err="1"/>
-              <a:t>다섯개</a:t>
-            </a:r>
-            <a:r>
-              <a:rPr lang="ko-KR" altLang="en-US" dirty="0"/>
-              <a:t> 정도 있으면</a:t>
-            </a:r>
-            <a:r>
-              <a:rPr lang="en-US" altLang="ko-KR" dirty="0"/>
-              <a:t>…</a:t>
-            </a:r>
-          </a:p>
-          <a:p>
             <a:endParaRPr lang="en-US" altLang="ko-KR" dirty="0"/>
           </a:p>
           <a:p>
-            <a:endParaRPr lang="en-US" altLang="ko-KR" dirty="0"/>
-          </a:p>
-          <a:p>
-            <a:endParaRPr lang="en-US" altLang="ko-KR" dirty="0"/>
-          </a:p>
-          <a:p>
-            <a:endParaRPr lang="en-US" altLang="ko-KR" dirty="0"/>
-          </a:p>
-          <a:p>
+            <a:pPr marL="285750" indent="-285750">
+              <a:buFontTx/>
+              <a:buChar char="-"/>
+            </a:pPr>
+            <a:r>
+              <a:rPr lang="ko-KR" altLang="en-US" dirty="0"/>
+              <a:t>전투관련</a:t>
+            </a:r>
             <a:endParaRPr lang="en-US" altLang="ko-KR" dirty="0"/>
           </a:p>
           <a:p>
@@ -4750,12 +5404,350 @@
             </a:pPr>
             <a:r>
               <a:rPr lang="ko-KR" altLang="en-US" dirty="0"/>
+              <a:t>모든 공격과 방어가 랜덤화 됨</a:t>
+            </a:r>
+            <a:r>
+              <a:rPr lang="en-US" altLang="ko-KR" dirty="0"/>
+              <a:t>.(</a:t>
+            </a:r>
+            <a:r>
+              <a:rPr lang="ko-KR" altLang="en-US" dirty="0"/>
+              <a:t>수치는 </a:t>
+            </a:r>
+            <a:r>
+              <a:rPr lang="ko-KR" altLang="en-US" dirty="0" err="1"/>
+              <a:t>그대로지만</a:t>
+            </a:r>
+            <a:r>
+              <a:rPr lang="ko-KR" altLang="en-US" dirty="0"/>
+              <a:t> </a:t>
+            </a:r>
+            <a:r>
+              <a:rPr lang="en-US" altLang="ko-KR" dirty="0"/>
+              <a:t>+-</a:t>
+            </a:r>
+            <a:r>
+              <a:rPr lang="ko-KR" altLang="en-US" dirty="0"/>
+              <a:t>가 랜덤화</a:t>
+            </a:r>
+            <a:r>
+              <a:rPr lang="en-US" altLang="ko-KR" dirty="0"/>
+              <a:t>.)</a:t>
+            </a:r>
+          </a:p>
+          <a:p>
+            <a:pPr marL="285750" indent="-285750">
+              <a:buFontTx/>
+              <a:buChar char="-"/>
+            </a:pPr>
+            <a:r>
+              <a:rPr lang="ko-KR" altLang="en-US" dirty="0"/>
+              <a:t>적 별로 일정 턴 수를 씹는 아이템</a:t>
+            </a:r>
+            <a:r>
+              <a:rPr lang="en-US" altLang="ko-KR" dirty="0"/>
+              <a:t>. </a:t>
+            </a:r>
+            <a:r>
+              <a:rPr lang="ko-KR" altLang="en-US" dirty="0"/>
+              <a:t>강할수록 턴 수가 줄어듦</a:t>
+            </a:r>
+            <a:r>
+              <a:rPr lang="en-US" altLang="ko-KR" dirty="0"/>
+              <a:t>. </a:t>
+            </a:r>
+            <a:r>
+              <a:rPr lang="ko-KR" altLang="en-US" dirty="0"/>
+              <a:t>수면제</a:t>
+            </a:r>
+            <a:endParaRPr lang="en-US" altLang="ko-KR" dirty="0"/>
+          </a:p>
+          <a:p>
+            <a:pPr marL="285750" indent="-285750">
+              <a:buFontTx/>
+              <a:buChar char="-"/>
+            </a:pPr>
+            <a:r>
+              <a:rPr lang="ko-KR" altLang="en-US" dirty="0"/>
+              <a:t>적의 공격을 한 턴 반사</a:t>
+            </a:r>
+            <a:r>
+              <a:rPr lang="en-US" altLang="ko-KR" dirty="0"/>
+              <a:t>. </a:t>
+            </a:r>
+            <a:r>
+              <a:rPr lang="ko-KR" altLang="en-US" dirty="0"/>
+              <a:t>거울</a:t>
+            </a:r>
+            <a:endParaRPr lang="en-US" altLang="ko-KR" dirty="0"/>
+          </a:p>
+          <a:p>
+            <a:pPr marL="285750" indent="-285750">
+              <a:buFontTx/>
+              <a:buChar char="-"/>
+            </a:pPr>
+            <a:endParaRPr lang="en-US" altLang="ko-KR" dirty="0"/>
+          </a:p>
+          <a:p>
+            <a:pPr marL="285750" indent="-285750">
+              <a:buFontTx/>
+              <a:buChar char="-"/>
+            </a:pPr>
+            <a:endParaRPr lang="en-US" altLang="ko-KR" dirty="0"/>
+          </a:p>
+          <a:p>
+            <a:pPr marL="285750" indent="-285750">
+              <a:buFontTx/>
+              <a:buChar char="-"/>
+            </a:pPr>
+            <a:r>
+              <a:rPr lang="ko-KR" altLang="en-US" dirty="0"/>
+              <a:t>비전투관련</a:t>
+            </a:r>
+            <a:endParaRPr lang="en-US" altLang="ko-KR" dirty="0"/>
+          </a:p>
+          <a:p>
+            <a:pPr marL="285750" indent="-285750">
+              <a:buFontTx/>
+              <a:buChar char="-"/>
+            </a:pPr>
+            <a:r>
+              <a:rPr lang="ko-KR" altLang="en-US" dirty="0"/>
               <a:t>수집 시기에 모든 수치를 다시 찍을 수 있다</a:t>
             </a:r>
             <a:r>
-              <a:rPr lang="en-US" altLang="ko-KR"/>
+              <a:rPr lang="en-US" altLang="ko-KR" dirty="0"/>
               <a:t>.</a:t>
             </a:r>
+          </a:p>
+          <a:p>
+            <a:pPr marL="285750" indent="-285750">
+              <a:buFontTx/>
+              <a:buChar char="-"/>
+            </a:pPr>
+            <a:r>
+              <a:rPr lang="ko-KR" altLang="en-US" dirty="0"/>
+              <a:t>화술이 일정 수치 증가한다</a:t>
+            </a:r>
+            <a:r>
+              <a:rPr lang="en-US" altLang="ko-KR" dirty="0"/>
+              <a:t>. </a:t>
+            </a:r>
+            <a:r>
+              <a:rPr lang="ko-KR" altLang="en-US" dirty="0"/>
+              <a:t>발음교정기</a:t>
+            </a:r>
+            <a:endParaRPr lang="en-US" altLang="ko-KR" dirty="0"/>
+          </a:p>
+          <a:p>
+            <a:pPr marL="285750" indent="-285750">
+              <a:buFontTx/>
+              <a:buChar char="-"/>
+            </a:pPr>
+            <a:r>
+              <a:rPr lang="ko-KR" altLang="en-US" dirty="0"/>
+              <a:t>명상이 일정 수치 증가한다</a:t>
+            </a:r>
+            <a:r>
+              <a:rPr lang="en-US" altLang="ko-KR" dirty="0"/>
+              <a:t>. </a:t>
+            </a:r>
+            <a:r>
+              <a:rPr lang="ko-KR" altLang="en-US" dirty="0"/>
+              <a:t>탄생석</a:t>
+            </a:r>
+            <a:endParaRPr lang="en-US" altLang="ko-KR" dirty="0"/>
+          </a:p>
+          <a:p>
+            <a:pPr marL="285750" indent="-285750">
+              <a:buFontTx/>
+              <a:buChar char="-"/>
+            </a:pPr>
+            <a:r>
+              <a:rPr lang="ko-KR" altLang="en-US" dirty="0"/>
+              <a:t>지력이 일정 수치 증가한다</a:t>
+            </a:r>
+            <a:r>
+              <a:rPr lang="en-US" altLang="ko-KR" dirty="0"/>
+              <a:t>. </a:t>
+            </a:r>
+            <a:r>
+              <a:rPr lang="ko-KR" altLang="en-US" dirty="0"/>
+              <a:t>큐브</a:t>
+            </a:r>
+            <a:endParaRPr lang="en-US" altLang="ko-KR" dirty="0"/>
+          </a:p>
+          <a:p>
+            <a:pPr marL="285750" indent="-285750">
+              <a:buFontTx/>
+              <a:buChar char="-"/>
+            </a:pPr>
+            <a:r>
+              <a:rPr lang="ko-KR" altLang="en-US" dirty="0"/>
+              <a:t>지력에 비례하여 근력이 증가한다</a:t>
+            </a:r>
+            <a:r>
+              <a:rPr lang="en-US" altLang="ko-KR" dirty="0"/>
+              <a:t>. </a:t>
+            </a:r>
+            <a:r>
+              <a:rPr lang="ko-KR" altLang="en-US" dirty="0" err="1"/>
+              <a:t>개무거운책</a:t>
+            </a:r>
+            <a:endParaRPr lang="en-US" altLang="ko-KR" dirty="0"/>
+          </a:p>
+          <a:p>
+            <a:pPr marL="285750" indent="-285750">
+              <a:buFontTx/>
+              <a:buChar char="-"/>
+            </a:pPr>
+            <a:r>
+              <a:rPr lang="ko-KR" altLang="en-US" dirty="0"/>
+              <a:t>체력이 증가하는 대신 화술이 일정 수치 낮아진다</a:t>
+            </a:r>
+            <a:r>
+              <a:rPr lang="en-US" altLang="ko-KR" dirty="0"/>
+              <a:t>. </a:t>
+            </a:r>
+            <a:r>
+              <a:rPr lang="ko-KR" altLang="en-US" dirty="0"/>
+              <a:t>마우스피스</a:t>
+            </a:r>
+            <a:endParaRPr lang="en-US" altLang="ko-KR" dirty="0"/>
+          </a:p>
+          <a:p>
+            <a:pPr marL="285750" indent="-285750">
+              <a:buFontTx/>
+              <a:buChar char="-"/>
+            </a:pPr>
+            <a:r>
+              <a:rPr lang="ko-KR" altLang="en-US" dirty="0" err="1"/>
+              <a:t>매턴마다</a:t>
+            </a:r>
+            <a:r>
+              <a:rPr lang="ko-KR" altLang="en-US" dirty="0"/>
+              <a:t> 지력이 증가한다</a:t>
+            </a:r>
+            <a:r>
+              <a:rPr lang="en-US" altLang="ko-KR" dirty="0"/>
+              <a:t>. </a:t>
+            </a:r>
+            <a:r>
+              <a:rPr lang="ko-KR" altLang="en-US" dirty="0"/>
+              <a:t>하지만 최대 수치를 넘게 되면 </a:t>
+            </a:r>
+            <a:r>
+              <a:rPr lang="en-US" altLang="ko-KR" dirty="0"/>
+              <a:t>0</a:t>
+            </a:r>
+            <a:r>
+              <a:rPr lang="ko-KR" altLang="en-US" dirty="0"/>
+              <a:t>부터 시작한다</a:t>
+            </a:r>
+            <a:r>
+              <a:rPr lang="en-US" altLang="ko-KR" dirty="0"/>
+              <a:t>. </a:t>
+            </a:r>
+            <a:r>
+              <a:rPr lang="ko-KR" altLang="en-US" dirty="0"/>
+              <a:t>뫼비우스의 </a:t>
+            </a:r>
+            <a:r>
+              <a:rPr lang="ko-KR" altLang="en-US" dirty="0" err="1"/>
+              <a:t>띄</a:t>
+            </a:r>
+            <a:endParaRPr lang="en-US" altLang="ko-KR" dirty="0"/>
+          </a:p>
+          <a:p>
+            <a:pPr marL="285750" indent="-285750">
+              <a:buFontTx/>
+              <a:buChar char="-"/>
+            </a:pPr>
+            <a:r>
+              <a:rPr lang="ko-KR" altLang="en-US" dirty="0"/>
+              <a:t>동료 육성 효율이 크게 증가한다</a:t>
+            </a:r>
+            <a:r>
+              <a:rPr lang="en-US" altLang="ko-KR" dirty="0"/>
+              <a:t>. </a:t>
+            </a:r>
+            <a:r>
+              <a:rPr lang="ko-KR" altLang="en-US" dirty="0"/>
+              <a:t>그러나 일정 </a:t>
+            </a:r>
+            <a:r>
+              <a:rPr lang="ko-KR" altLang="en-US" dirty="0" err="1"/>
+              <a:t>턴수</a:t>
+            </a:r>
+            <a:r>
+              <a:rPr lang="ko-KR" altLang="en-US" dirty="0"/>
+              <a:t> </a:t>
+            </a:r>
+            <a:r>
+              <a:rPr lang="en-US" altLang="ko-KR" dirty="0"/>
+              <a:t>or </a:t>
+            </a:r>
+            <a:r>
+              <a:rPr lang="ko-KR" altLang="en-US" dirty="0"/>
+              <a:t>일정 수치를 </a:t>
+            </a:r>
+            <a:r>
+              <a:rPr lang="ko-KR" altLang="en-US" dirty="0" err="1"/>
+              <a:t>넘게되면</a:t>
+            </a:r>
+            <a:r>
+              <a:rPr lang="ko-KR" altLang="en-US" dirty="0"/>
+              <a:t> 동료가 랜덤으로 떠남</a:t>
+            </a:r>
+            <a:r>
+              <a:rPr lang="en-US" altLang="ko-KR" dirty="0"/>
+              <a:t>. </a:t>
+            </a:r>
+            <a:r>
+              <a:rPr lang="ko-KR" altLang="en-US" dirty="0" err="1"/>
+              <a:t>연설가의</a:t>
+            </a:r>
+            <a:r>
+              <a:rPr lang="ko-KR" altLang="en-US" dirty="0"/>
+              <a:t> 동상</a:t>
+            </a:r>
+            <a:endParaRPr lang="en-US" altLang="ko-KR" dirty="0"/>
+          </a:p>
+          <a:p>
+            <a:pPr marL="285750" indent="-285750">
+              <a:buFontTx/>
+              <a:buChar char="-"/>
+            </a:pPr>
+            <a:r>
+              <a:rPr lang="ko-KR" altLang="en-US" dirty="0"/>
+              <a:t>턴마다 랜덤하게 근력</a:t>
+            </a:r>
+            <a:r>
+              <a:rPr lang="en-US" altLang="ko-KR" dirty="0"/>
+              <a:t>, </a:t>
+            </a:r>
+            <a:r>
+              <a:rPr lang="ko-KR" altLang="en-US" dirty="0"/>
+              <a:t>체력 감소 </a:t>
+            </a:r>
+            <a:r>
+              <a:rPr lang="en-US" altLang="ko-KR" dirty="0"/>
+              <a:t>but </a:t>
+            </a:r>
+            <a:r>
+              <a:rPr lang="ko-KR" altLang="en-US" dirty="0"/>
+              <a:t>명상 증가</a:t>
+            </a:r>
+            <a:r>
+              <a:rPr lang="en-US" altLang="ko-KR" dirty="0"/>
+              <a:t>. LSD</a:t>
+            </a:r>
+          </a:p>
+          <a:p>
+            <a:pPr marL="285750" indent="-285750">
+              <a:buFontTx/>
+              <a:buChar char="-"/>
+            </a:pPr>
             <a:endParaRPr lang="en-US" altLang="ko-KR" dirty="0"/>
           </a:p>
         </p:txBody>
@@ -4840,7 +5832,7 @@
         <p:spPr>
           <a:xfrm>
             <a:off x="487913" y="1003973"/>
-            <a:ext cx="11319388" cy="4524315"/>
+            <a:ext cx="11319388" cy="4801314"/>
           </a:xfrm>
           <a:prstGeom prst="rect">
             <a:avLst/>
@@ -4859,6 +5851,83 @@
             </a:pPr>
             <a:r>
               <a:rPr lang="ko-KR" altLang="en-US" dirty="0"/>
+              <a:t>무한으로 챙길 수 있는 수집요소가 있는가 하면</a:t>
+            </a:r>
+            <a:r>
+              <a:rPr lang="en-US" altLang="ko-KR" dirty="0"/>
+              <a:t>, </a:t>
+            </a:r>
+            <a:r>
+              <a:rPr lang="ko-KR" altLang="en-US" dirty="0"/>
+              <a:t>단 하나만 착용 가능한 무기도 존재</a:t>
+            </a:r>
+            <a:r>
+              <a:rPr lang="en-US" altLang="ko-KR" dirty="0"/>
+              <a:t>.</a:t>
+            </a:r>
+          </a:p>
+          <a:p>
+            <a:pPr marL="285750" indent="-285750">
+              <a:buFontTx/>
+              <a:buChar char="-"/>
+            </a:pPr>
+            <a:r>
+              <a:rPr lang="ko-KR" altLang="en-US" dirty="0"/>
+              <a:t>무기는 유저의 전투 스타일을 결정하며</a:t>
+            </a:r>
+            <a:r>
+              <a:rPr lang="en-US" altLang="ko-KR" dirty="0"/>
+              <a:t>, </a:t>
+            </a:r>
+            <a:r>
+              <a:rPr lang="ko-KR" altLang="en-US" dirty="0"/>
+              <a:t>적들도 모두 무기를 착용하고 있다</a:t>
+            </a:r>
+            <a:r>
+              <a:rPr lang="en-US" altLang="ko-KR" dirty="0"/>
+              <a:t>.</a:t>
+            </a:r>
+          </a:p>
+          <a:p>
+            <a:pPr marL="285750" indent="-285750">
+              <a:buFontTx/>
+              <a:buChar char="-"/>
+            </a:pPr>
+            <a:r>
+              <a:rPr lang="ko-KR" altLang="en-US" dirty="0"/>
+              <a:t>무기는 종류가 많아서 종류별로</a:t>
+            </a:r>
+            <a:r>
+              <a:rPr lang="en-US" altLang="ko-KR" dirty="0"/>
+              <a:t>… </a:t>
+            </a:r>
+            <a:r>
+              <a:rPr lang="ko-KR" altLang="en-US" dirty="0" err="1"/>
+              <a:t>다섯개</a:t>
+            </a:r>
+            <a:r>
+              <a:rPr lang="ko-KR" altLang="en-US" dirty="0"/>
+              <a:t> 정도 있으면</a:t>
+            </a:r>
+            <a:r>
+              <a:rPr lang="en-US" altLang="ko-KR" dirty="0"/>
+              <a:t>…</a:t>
+            </a:r>
+          </a:p>
+          <a:p>
+            <a:pPr marL="285750" indent="-285750">
+              <a:buFontTx/>
+              <a:buChar char="-"/>
+            </a:pPr>
+            <a:endParaRPr lang="en-US" altLang="ko-KR" dirty="0"/>
+          </a:p>
+          <a:p>
+            <a:pPr marL="285750" indent="-285750">
+              <a:buFontTx/>
+              <a:buChar char="-"/>
+            </a:pPr>
+            <a:r>
+              <a:rPr lang="ko-KR" altLang="en-US" dirty="0"/>
               <a:t>단검</a:t>
             </a:r>
             <a:r>
@@ -5116,66 +6185,54 @@
               <a:buFontTx/>
               <a:buChar char="-"/>
             </a:pPr>
-            <a:endParaRPr lang="en-US" altLang="ko-KR" dirty="0"/>
-          </a:p>
-          <a:p>
-            <a:pPr marL="285750" indent="-285750">
-              <a:buFontTx/>
-              <a:buChar char="-"/>
-            </a:pPr>
-            <a:endParaRPr lang="en-US" altLang="ko-KR" dirty="0"/>
-          </a:p>
-          <a:p>
-            <a:pPr marL="285750" indent="-285750">
-              <a:buFontTx/>
-              <a:buChar char="-"/>
-            </a:pPr>
-            <a:r>
-              <a:rPr lang="ko-KR" altLang="en-US" dirty="0"/>
-              <a:t>주먹</a:t>
-            </a:r>
-            <a:endParaRPr lang="en-US" altLang="ko-KR" dirty="0"/>
-          </a:p>
-          <a:p>
-            <a:pPr marL="285750" indent="-285750">
-              <a:buFontTx/>
-              <a:buChar char="-"/>
-            </a:pPr>
-            <a:r>
-              <a:rPr lang="ko-KR" altLang="en-US" dirty="0"/>
-              <a:t>각 타격마다 한번씩 더 때림</a:t>
-            </a:r>
-            <a:r>
-              <a:rPr lang="en-US" altLang="ko-KR" dirty="0"/>
-              <a:t>(ex. </a:t>
-            </a:r>
-            <a:r>
-              <a:rPr lang="ko-KR" altLang="en-US" dirty="0"/>
-              <a:t>수집 무기 수집 무기인데 수집 무기 </a:t>
+            <a:r>
+              <a:rPr lang="ko-KR" altLang="en-US" dirty="0"/>
+              <a:t>기본적으로 무기는 각 효율과 근력</a:t>
+            </a:r>
+            <a:r>
+              <a:rPr lang="en-US" altLang="ko-KR" dirty="0"/>
+              <a:t>, </a:t>
+            </a:r>
+            <a:r>
+              <a:rPr lang="ko-KR" altLang="en-US" dirty="0"/>
+              <a:t>능력 보정 수치가 다르지만</a:t>
+            </a:r>
+            <a:r>
+              <a:rPr lang="en-US" altLang="ko-KR" dirty="0"/>
+              <a:t>, </a:t>
+            </a:r>
+            <a:r>
+              <a:rPr lang="ko-KR" altLang="en-US" dirty="0"/>
+              <a:t>성능 차이는 크게 없도록 </a:t>
             </a:r>
             <a:r>
               <a:rPr lang="ko-KR" altLang="en-US" dirty="0" err="1"/>
-              <a:t>무기</a:t>
-            </a:r>
-            <a:r>
-              <a:rPr lang="ko-KR" altLang="en-US" dirty="0"/>
-              <a:t> 수집 무기 무기의 형식</a:t>
-            </a:r>
-            <a:r>
-              <a:rPr lang="en-US" altLang="ko-KR" dirty="0"/>
-              <a:t>)</a:t>
-            </a:r>
-          </a:p>
-          <a:p>
-            <a:pPr marL="285750" indent="-285750">
-              <a:buFontTx/>
-              <a:buChar char="-"/>
-            </a:pPr>
-            <a:r>
-              <a:rPr lang="ko-KR" altLang="en-US" dirty="0"/>
-              <a:t>할 모든 타격을 합쳐 자신의 공격 마지막 순간에 한방으로 때림</a:t>
-            </a:r>
-            <a:endParaRPr lang="en-US" altLang="ko-KR" dirty="0"/>
+              <a:t>하려는게</a:t>
+            </a:r>
+            <a:r>
+              <a:rPr lang="ko-KR" altLang="en-US" dirty="0"/>
+              <a:t> 포인트다</a:t>
+            </a:r>
+            <a:r>
+              <a:rPr lang="en-US" altLang="ko-KR" dirty="0"/>
+              <a:t>. </a:t>
+            </a:r>
+            <a:r>
+              <a:rPr lang="ko-KR" altLang="en-US" dirty="0" err="1"/>
+              <a:t>다크소울의</a:t>
+            </a:r>
+            <a:r>
+              <a:rPr lang="ko-KR" altLang="en-US" dirty="0"/>
+              <a:t> 무기 시스템과 </a:t>
+            </a:r>
+            <a:r>
+              <a:rPr lang="ko-KR" altLang="en-US" dirty="0" err="1"/>
+              <a:t>비슷</a:t>
+            </a:r>
+            <a:r>
+              <a:rPr lang="en-US" altLang="ko-KR" dirty="0"/>
+              <a:t>.</a:t>
+            </a:r>
           </a:p>
           <a:p>
             <a:pPr marL="285750" indent="-285750">
@@ -5190,6 +6247,935 @@
     <p:extLst>
       <p:ext uri="{BB962C8B-B14F-4D97-AF65-F5344CB8AC3E}">
         <p14:creationId xmlns:p14="http://schemas.microsoft.com/office/powerpoint/2010/main" val="1507121529"/>
+      </p:ext>
+    </p:extLst>
+  </p:cSld>
+  <p:clrMapOvr>
+    <a:masterClrMapping/>
+  </p:clrMapOvr>
+</p:sld>
+</file>
+
+<file path=ppt/slides/slide5.xml><?xml version="1.0" encoding="utf-8"?>
+<p:sld xmlns:a="http://schemas.openxmlformats.org/drawingml/2006/main" xmlns:r="http://schemas.openxmlformats.org/officeDocument/2006/relationships" xmlns:p="http://schemas.openxmlformats.org/presentationml/2006/main">
+  <p:cSld>
+    <p:spTree>
+      <p:nvGrpSpPr>
+        <p:cNvPr id="1" name=""/>
+        <p:cNvGrpSpPr/>
+        <p:nvPr/>
+      </p:nvGrpSpPr>
+      <p:grpSpPr>
+        <a:xfrm>
+          <a:off x="0" y="0"/>
+          <a:ext cx="0" cy="0"/>
+          <a:chOff x="0" y="0"/>
+          <a:chExt cx="0" cy="0"/>
+        </a:xfrm>
+      </p:grpSpPr>
+      <p:sp>
+        <p:nvSpPr>
+          <p:cNvPr id="9" name="TextBox 8">
+            <a:extLst>
+              <a:ext uri="{FF2B5EF4-FFF2-40B4-BE49-F238E27FC236}">
+                <a16:creationId xmlns:a16="http://schemas.microsoft.com/office/drawing/2014/main" id="{7C3AEEB5-635B-CC9E-A34E-9221454EB919}"/>
+              </a:ext>
+            </a:extLst>
+          </p:cNvPr>
+          <p:cNvSpPr txBox="1"/>
+          <p:nvPr/>
+        </p:nvSpPr>
+        <p:spPr>
+          <a:xfrm>
+            <a:off x="574431" y="439615"/>
+            <a:ext cx="1241045" cy="369332"/>
+          </a:xfrm>
+          <a:prstGeom prst="rect">
+            <a:avLst/>
+          </a:prstGeom>
+          <a:noFill/>
+        </p:spPr>
+        <p:txBody>
+          <a:bodyPr wrap="none" rtlCol="0">
+            <a:spAutoFit/>
+          </a:bodyPr>
+          <a:lstStyle/>
+          <a:p>
+            <a:r>
+              <a:rPr lang="ko-KR" altLang="en-US" dirty="0"/>
+              <a:t>무기</a:t>
+            </a:r>
+            <a:r>
+              <a:rPr lang="en-US" altLang="ko-KR" dirty="0"/>
+              <a:t>:</a:t>
+            </a:r>
+            <a:r>
+              <a:rPr lang="ko-KR" altLang="en-US" dirty="0"/>
+              <a:t> 단검</a:t>
+            </a:r>
+          </a:p>
+        </p:txBody>
+      </p:sp>
+      <p:sp>
+        <p:nvSpPr>
+          <p:cNvPr id="11" name="TextBox 10">
+            <a:extLst>
+              <a:ext uri="{FF2B5EF4-FFF2-40B4-BE49-F238E27FC236}">
+                <a16:creationId xmlns:a16="http://schemas.microsoft.com/office/drawing/2014/main" id="{BE1D231D-2F7F-F83F-96CF-2CDE57F99C49}"/>
+              </a:ext>
+            </a:extLst>
+          </p:cNvPr>
+          <p:cNvSpPr txBox="1"/>
+          <p:nvPr/>
+        </p:nvSpPr>
+        <p:spPr>
+          <a:xfrm>
+            <a:off x="487913" y="1003973"/>
+            <a:ext cx="11319388" cy="2031325"/>
+          </a:xfrm>
+          <a:prstGeom prst="rect">
+            <a:avLst/>
+          </a:prstGeom>
+          <a:noFill/>
+        </p:spPr>
+        <p:txBody>
+          <a:bodyPr wrap="square" rtlCol="0">
+            <a:spAutoFit/>
+          </a:bodyPr>
+          <a:lstStyle/>
+          <a:p>
+            <a:pPr marL="285750" indent="-285750">
+              <a:buFontTx/>
+              <a:buChar char="-"/>
+            </a:pPr>
+            <a:r>
+              <a:rPr lang="ko-KR" altLang="en-US" dirty="0"/>
+              <a:t>처음에 타격을 몰아서 하는데</a:t>
+            </a:r>
+            <a:r>
+              <a:rPr lang="en-US" altLang="ko-KR" dirty="0"/>
+              <a:t>(</a:t>
+            </a:r>
+            <a:r>
+              <a:rPr lang="ko-KR" altLang="en-US" dirty="0"/>
+              <a:t>물론 상대와 순서대로임</a:t>
+            </a:r>
+            <a:r>
+              <a:rPr lang="en-US" altLang="ko-KR" dirty="0"/>
+              <a:t>), </a:t>
+            </a:r>
+            <a:r>
+              <a:rPr lang="ko-KR" altLang="en-US" dirty="0"/>
+              <a:t>횟수는 능력 수치에 비례</a:t>
+            </a:r>
+            <a:endParaRPr lang="en-US" altLang="ko-KR" dirty="0"/>
+          </a:p>
+          <a:p>
+            <a:pPr marL="285750" indent="-285750">
+              <a:buFontTx/>
+              <a:buChar char="-"/>
+            </a:pPr>
+            <a:r>
+              <a:rPr lang="ko-KR" altLang="en-US" dirty="0"/>
+              <a:t>각 타격별로 점진적으로 늘어나는 </a:t>
+            </a:r>
+            <a:r>
+              <a:rPr lang="ko-KR" altLang="en-US" dirty="0" err="1"/>
+              <a:t>대미지</a:t>
+            </a:r>
+            <a:endParaRPr lang="en-US" altLang="ko-KR" dirty="0"/>
+          </a:p>
+          <a:p>
+            <a:pPr marL="285750" indent="-285750">
+              <a:buFontTx/>
+              <a:buChar char="-"/>
+            </a:pPr>
+            <a:r>
+              <a:rPr lang="ko-KR" altLang="en-US" dirty="0"/>
+              <a:t>각 타격별로 랜덤하게 주어지는 </a:t>
+            </a:r>
+            <a:r>
+              <a:rPr lang="ko-KR" altLang="en-US" dirty="0" err="1"/>
+              <a:t>대미지</a:t>
+            </a:r>
+            <a:r>
+              <a:rPr lang="en-US" altLang="ko-KR" dirty="0"/>
+              <a:t>. </a:t>
+            </a:r>
+            <a:r>
+              <a:rPr lang="ko-KR" altLang="en-US" dirty="0"/>
+              <a:t>나이프</a:t>
+            </a:r>
+            <a:endParaRPr lang="en-US" altLang="ko-KR" dirty="0"/>
+          </a:p>
+          <a:p>
+            <a:pPr marL="285750" indent="-285750">
+              <a:buFontTx/>
+              <a:buChar char="-"/>
+            </a:pPr>
+            <a:endParaRPr lang="en-US" altLang="ko-KR" dirty="0"/>
+          </a:p>
+          <a:p>
+            <a:pPr marL="285750" indent="-285750">
+              <a:buFontTx/>
+              <a:buChar char="-"/>
+            </a:pPr>
+            <a:endParaRPr lang="en-US" altLang="ko-KR" dirty="0"/>
+          </a:p>
+          <a:p>
+            <a:pPr marL="285750" indent="-285750">
+              <a:buFontTx/>
+              <a:buChar char="-"/>
+            </a:pPr>
+            <a:endParaRPr lang="en-US" altLang="ko-KR" dirty="0"/>
+          </a:p>
+          <a:p>
+            <a:pPr marL="285750" indent="-285750">
+              <a:buFontTx/>
+              <a:buChar char="-"/>
+            </a:pPr>
+            <a:endParaRPr lang="en-US" altLang="ko-KR" dirty="0"/>
+          </a:p>
+        </p:txBody>
+      </p:sp>
+    </p:spTree>
+    <p:extLst>
+      <p:ext uri="{BB962C8B-B14F-4D97-AF65-F5344CB8AC3E}">
+        <p14:creationId xmlns:p14="http://schemas.microsoft.com/office/powerpoint/2010/main" val="296852205"/>
+      </p:ext>
+    </p:extLst>
+  </p:cSld>
+  <p:clrMapOvr>
+    <a:masterClrMapping/>
+  </p:clrMapOvr>
+</p:sld>
+</file>
+
+<file path=ppt/slides/slide6.xml><?xml version="1.0" encoding="utf-8"?>
+<p:sld xmlns:a="http://schemas.openxmlformats.org/drawingml/2006/main" xmlns:r="http://schemas.openxmlformats.org/officeDocument/2006/relationships" xmlns:p="http://schemas.openxmlformats.org/presentationml/2006/main">
+  <p:cSld>
+    <p:spTree>
+      <p:nvGrpSpPr>
+        <p:cNvPr id="1" name=""/>
+        <p:cNvGrpSpPr/>
+        <p:nvPr/>
+      </p:nvGrpSpPr>
+      <p:grpSpPr>
+        <a:xfrm>
+          <a:off x="0" y="0"/>
+          <a:ext cx="0" cy="0"/>
+          <a:chOff x="0" y="0"/>
+          <a:chExt cx="0" cy="0"/>
+        </a:xfrm>
+      </p:grpSpPr>
+      <p:sp>
+        <p:nvSpPr>
+          <p:cNvPr id="9" name="TextBox 8">
+            <a:extLst>
+              <a:ext uri="{FF2B5EF4-FFF2-40B4-BE49-F238E27FC236}">
+                <a16:creationId xmlns:a16="http://schemas.microsoft.com/office/drawing/2014/main" id="{7C3AEEB5-635B-CC9E-A34E-9221454EB919}"/>
+              </a:ext>
+            </a:extLst>
+          </p:cNvPr>
+          <p:cNvSpPr txBox="1"/>
+          <p:nvPr/>
+        </p:nvSpPr>
+        <p:spPr>
+          <a:xfrm>
+            <a:off x="574431" y="439615"/>
+            <a:ext cx="1010213" cy="369332"/>
+          </a:xfrm>
+          <a:prstGeom prst="rect">
+            <a:avLst/>
+          </a:prstGeom>
+          <a:noFill/>
+        </p:spPr>
+        <p:txBody>
+          <a:bodyPr wrap="none" rtlCol="0">
+            <a:spAutoFit/>
+          </a:bodyPr>
+          <a:lstStyle/>
+          <a:p>
+            <a:r>
+              <a:rPr lang="ko-KR" altLang="en-US" dirty="0"/>
+              <a:t>무기</a:t>
+            </a:r>
+            <a:r>
+              <a:rPr lang="en-US" altLang="ko-KR" dirty="0"/>
+              <a:t>:</a:t>
+            </a:r>
+            <a:r>
+              <a:rPr lang="ko-KR" altLang="en-US" dirty="0"/>
+              <a:t> 활</a:t>
+            </a:r>
+          </a:p>
+        </p:txBody>
+      </p:sp>
+      <p:sp>
+        <p:nvSpPr>
+          <p:cNvPr id="11" name="TextBox 10">
+            <a:extLst>
+              <a:ext uri="{FF2B5EF4-FFF2-40B4-BE49-F238E27FC236}">
+                <a16:creationId xmlns:a16="http://schemas.microsoft.com/office/drawing/2014/main" id="{BE1D231D-2F7F-F83F-96CF-2CDE57F99C49}"/>
+              </a:ext>
+            </a:extLst>
+          </p:cNvPr>
+          <p:cNvSpPr txBox="1"/>
+          <p:nvPr/>
+        </p:nvSpPr>
+        <p:spPr>
+          <a:xfrm>
+            <a:off x="487913" y="1003973"/>
+            <a:ext cx="11319388" cy="2031325"/>
+          </a:xfrm>
+          <a:prstGeom prst="rect">
+            <a:avLst/>
+          </a:prstGeom>
+          <a:noFill/>
+        </p:spPr>
+        <p:txBody>
+          <a:bodyPr wrap="square" rtlCol="0">
+            <a:spAutoFit/>
+          </a:bodyPr>
+          <a:lstStyle/>
+          <a:p>
+            <a:pPr marL="285750" indent="-285750">
+              <a:buFontTx/>
+              <a:buChar char="-"/>
+            </a:pPr>
+            <a:r>
+              <a:rPr lang="ko-KR" altLang="en-US" dirty="0"/>
+              <a:t>먼저 적이 때리도록 모든 공격을 기다림</a:t>
+            </a:r>
+            <a:r>
+              <a:rPr lang="en-US" altLang="ko-KR" dirty="0"/>
+              <a:t>. </a:t>
+            </a:r>
+            <a:r>
+              <a:rPr lang="ko-KR" altLang="en-US" dirty="0"/>
+              <a:t>문장 수는 능력 수치에 비례</a:t>
+            </a:r>
+            <a:endParaRPr lang="en-US" altLang="ko-KR" dirty="0"/>
+          </a:p>
+          <a:p>
+            <a:pPr marL="285750" indent="-285750">
+              <a:buFontTx/>
+              <a:buChar char="-"/>
+            </a:pPr>
+            <a:r>
+              <a:rPr lang="ko-KR" altLang="en-US" dirty="0"/>
+              <a:t>기다린 문구 수만큼 </a:t>
+            </a:r>
+            <a:r>
+              <a:rPr lang="ko-KR" altLang="en-US" dirty="0" err="1"/>
+              <a:t>대미지</a:t>
+            </a:r>
+            <a:r>
+              <a:rPr lang="ko-KR" altLang="en-US" dirty="0"/>
+              <a:t> 추가 증가</a:t>
+            </a:r>
+            <a:endParaRPr lang="en-US" altLang="ko-KR" dirty="0"/>
+          </a:p>
+          <a:p>
+            <a:pPr marL="285750" indent="-285750">
+              <a:buFontTx/>
+              <a:buChar char="-"/>
+            </a:pPr>
+            <a:r>
+              <a:rPr lang="ko-KR" altLang="en-US" dirty="0"/>
+              <a:t>기다린 문구 수만큼 적의 공격 일정 개수 무효화</a:t>
+            </a:r>
+            <a:r>
+              <a:rPr lang="en-US" altLang="ko-KR" dirty="0"/>
+              <a:t>. </a:t>
+            </a:r>
+            <a:r>
+              <a:rPr lang="ko-KR" altLang="en-US" dirty="0"/>
+              <a:t>큐피드의 화살</a:t>
+            </a:r>
+            <a:endParaRPr lang="en-US" altLang="ko-KR" dirty="0"/>
+          </a:p>
+          <a:p>
+            <a:pPr marL="285750" indent="-285750">
+              <a:buFontTx/>
+              <a:buChar char="-"/>
+            </a:pPr>
+            <a:endParaRPr lang="en-US" altLang="ko-KR" dirty="0"/>
+          </a:p>
+          <a:p>
+            <a:pPr marL="285750" indent="-285750">
+              <a:buFontTx/>
+              <a:buChar char="-"/>
+            </a:pPr>
+            <a:endParaRPr lang="en-US" altLang="ko-KR" dirty="0"/>
+          </a:p>
+          <a:p>
+            <a:pPr marL="285750" indent="-285750">
+              <a:buFontTx/>
+              <a:buChar char="-"/>
+            </a:pPr>
+            <a:endParaRPr lang="en-US" altLang="ko-KR" dirty="0"/>
+          </a:p>
+          <a:p>
+            <a:pPr marL="285750" indent="-285750">
+              <a:buFontTx/>
+              <a:buChar char="-"/>
+            </a:pPr>
+            <a:endParaRPr lang="en-US" altLang="ko-KR" dirty="0"/>
+          </a:p>
+        </p:txBody>
+      </p:sp>
+    </p:spTree>
+    <p:extLst>
+      <p:ext uri="{BB962C8B-B14F-4D97-AF65-F5344CB8AC3E}">
+        <p14:creationId xmlns:p14="http://schemas.microsoft.com/office/powerpoint/2010/main" val="1020166624"/>
+      </p:ext>
+    </p:extLst>
+  </p:cSld>
+  <p:clrMapOvr>
+    <a:masterClrMapping/>
+  </p:clrMapOvr>
+</p:sld>
+</file>
+
+<file path=ppt/slides/slide7.xml><?xml version="1.0" encoding="utf-8"?>
+<p:sld xmlns:a="http://schemas.openxmlformats.org/drawingml/2006/main" xmlns:r="http://schemas.openxmlformats.org/officeDocument/2006/relationships" xmlns:p="http://schemas.openxmlformats.org/presentationml/2006/main">
+  <p:cSld>
+    <p:spTree>
+      <p:nvGrpSpPr>
+        <p:cNvPr id="1" name=""/>
+        <p:cNvGrpSpPr/>
+        <p:nvPr/>
+      </p:nvGrpSpPr>
+      <p:grpSpPr>
+        <a:xfrm>
+          <a:off x="0" y="0"/>
+          <a:ext cx="0" cy="0"/>
+          <a:chOff x="0" y="0"/>
+          <a:chExt cx="0" cy="0"/>
+        </a:xfrm>
+      </p:grpSpPr>
+      <p:sp>
+        <p:nvSpPr>
+          <p:cNvPr id="9" name="TextBox 8">
+            <a:extLst>
+              <a:ext uri="{FF2B5EF4-FFF2-40B4-BE49-F238E27FC236}">
+                <a16:creationId xmlns:a16="http://schemas.microsoft.com/office/drawing/2014/main" id="{7C3AEEB5-635B-CC9E-A34E-9221454EB919}"/>
+              </a:ext>
+            </a:extLst>
+          </p:cNvPr>
+          <p:cNvSpPr txBox="1"/>
+          <p:nvPr/>
+        </p:nvSpPr>
+        <p:spPr>
+          <a:xfrm>
+            <a:off x="574431" y="439615"/>
+            <a:ext cx="1241045" cy="369332"/>
+          </a:xfrm>
+          <a:prstGeom prst="rect">
+            <a:avLst/>
+          </a:prstGeom>
+          <a:noFill/>
+        </p:spPr>
+        <p:txBody>
+          <a:bodyPr wrap="none" rtlCol="0">
+            <a:spAutoFit/>
+          </a:bodyPr>
+          <a:lstStyle/>
+          <a:p>
+            <a:r>
+              <a:rPr lang="ko-KR" altLang="en-US" dirty="0"/>
+              <a:t>무기</a:t>
+            </a:r>
+            <a:r>
+              <a:rPr lang="en-US" altLang="ko-KR" dirty="0"/>
+              <a:t>:</a:t>
+            </a:r>
+            <a:r>
+              <a:rPr lang="ko-KR" altLang="en-US" dirty="0"/>
+              <a:t> 대검</a:t>
+            </a:r>
+          </a:p>
+        </p:txBody>
+      </p:sp>
+      <p:sp>
+        <p:nvSpPr>
+          <p:cNvPr id="11" name="TextBox 10">
+            <a:extLst>
+              <a:ext uri="{FF2B5EF4-FFF2-40B4-BE49-F238E27FC236}">
+                <a16:creationId xmlns:a16="http://schemas.microsoft.com/office/drawing/2014/main" id="{BE1D231D-2F7F-F83F-96CF-2CDE57F99C49}"/>
+              </a:ext>
+            </a:extLst>
+          </p:cNvPr>
+          <p:cNvSpPr txBox="1"/>
+          <p:nvPr/>
+        </p:nvSpPr>
+        <p:spPr>
+          <a:xfrm>
+            <a:off x="487913" y="1003973"/>
+            <a:ext cx="11319388" cy="2031325"/>
+          </a:xfrm>
+          <a:prstGeom prst="rect">
+            <a:avLst/>
+          </a:prstGeom>
+          <a:noFill/>
+        </p:spPr>
+        <p:txBody>
+          <a:bodyPr wrap="square" rtlCol="0">
+            <a:spAutoFit/>
+          </a:bodyPr>
+          <a:lstStyle/>
+          <a:p>
+            <a:pPr marL="285750" indent="-285750">
+              <a:buFontTx/>
+              <a:buChar char="-"/>
+            </a:pPr>
+            <a:r>
+              <a:rPr lang="ko-KR" altLang="en-US" dirty="0"/>
+              <a:t>타격을 맨 처음과 맨 마지막에 걸쳐 때림</a:t>
+            </a:r>
+            <a:endParaRPr lang="en-US" altLang="ko-KR" dirty="0"/>
+          </a:p>
+          <a:p>
+            <a:pPr marL="285750" indent="-285750">
+              <a:buFontTx/>
+              <a:buChar char="-"/>
+            </a:pPr>
+            <a:r>
+              <a:rPr lang="ko-KR" altLang="en-US" dirty="0"/>
+              <a:t>사이에 있는 문구 수만큼 보정을 </a:t>
+            </a:r>
+            <a:r>
+              <a:rPr lang="ko-KR" altLang="en-US" dirty="0" err="1"/>
+              <a:t>곱연산</a:t>
+            </a:r>
+            <a:r>
+              <a:rPr lang="ko-KR" altLang="en-US" dirty="0"/>
+              <a:t> 추가로 받음</a:t>
+            </a:r>
+            <a:r>
+              <a:rPr lang="en-US" altLang="ko-KR" dirty="0"/>
+              <a:t>.</a:t>
+            </a:r>
+          </a:p>
+          <a:p>
+            <a:pPr marL="285750" indent="-285750">
+              <a:buFontTx/>
+              <a:buChar char="-"/>
+            </a:pPr>
+            <a:r>
+              <a:rPr lang="ko-KR" altLang="en-US" dirty="0"/>
+              <a:t>근력에 따라 타격 횟수가 늘어남</a:t>
+            </a:r>
+            <a:r>
+              <a:rPr lang="en-US" altLang="ko-KR" dirty="0"/>
+              <a:t>.</a:t>
+            </a:r>
+          </a:p>
+          <a:p>
+            <a:pPr marL="285750" indent="-285750">
+              <a:buFontTx/>
+              <a:buChar char="-"/>
+            </a:pPr>
+            <a:endParaRPr lang="en-US" altLang="ko-KR" dirty="0"/>
+          </a:p>
+          <a:p>
+            <a:pPr marL="285750" indent="-285750">
+              <a:buFontTx/>
+              <a:buChar char="-"/>
+            </a:pPr>
+            <a:endParaRPr lang="en-US" altLang="ko-KR" dirty="0"/>
+          </a:p>
+          <a:p>
+            <a:pPr marL="285750" indent="-285750">
+              <a:buFontTx/>
+              <a:buChar char="-"/>
+            </a:pPr>
+            <a:endParaRPr lang="en-US" altLang="ko-KR" dirty="0"/>
+          </a:p>
+          <a:p>
+            <a:pPr marL="285750" indent="-285750">
+              <a:buFontTx/>
+              <a:buChar char="-"/>
+            </a:pPr>
+            <a:endParaRPr lang="en-US" altLang="ko-KR" dirty="0"/>
+          </a:p>
+        </p:txBody>
+      </p:sp>
+    </p:spTree>
+    <p:extLst>
+      <p:ext uri="{BB962C8B-B14F-4D97-AF65-F5344CB8AC3E}">
+        <p14:creationId xmlns:p14="http://schemas.microsoft.com/office/powerpoint/2010/main" val="1335082132"/>
+      </p:ext>
+    </p:extLst>
+  </p:cSld>
+  <p:clrMapOvr>
+    <a:masterClrMapping/>
+  </p:clrMapOvr>
+</p:sld>
+</file>
+
+<file path=ppt/slides/slide8.xml><?xml version="1.0" encoding="utf-8"?>
+<p:sld xmlns:a="http://schemas.openxmlformats.org/drawingml/2006/main" xmlns:r="http://schemas.openxmlformats.org/officeDocument/2006/relationships" xmlns:p="http://schemas.openxmlformats.org/presentationml/2006/main">
+  <p:cSld>
+    <p:spTree>
+      <p:nvGrpSpPr>
+        <p:cNvPr id="1" name=""/>
+        <p:cNvGrpSpPr/>
+        <p:nvPr/>
+      </p:nvGrpSpPr>
+      <p:grpSpPr>
+        <a:xfrm>
+          <a:off x="0" y="0"/>
+          <a:ext cx="0" cy="0"/>
+          <a:chOff x="0" y="0"/>
+          <a:chExt cx="0" cy="0"/>
+        </a:xfrm>
+      </p:grpSpPr>
+      <p:sp>
+        <p:nvSpPr>
+          <p:cNvPr id="9" name="TextBox 8">
+            <a:extLst>
+              <a:ext uri="{FF2B5EF4-FFF2-40B4-BE49-F238E27FC236}">
+                <a16:creationId xmlns:a16="http://schemas.microsoft.com/office/drawing/2014/main" id="{7C3AEEB5-635B-CC9E-A34E-9221454EB919}"/>
+              </a:ext>
+            </a:extLst>
+          </p:cNvPr>
+          <p:cNvSpPr txBox="1"/>
+          <p:nvPr/>
+        </p:nvSpPr>
+        <p:spPr>
+          <a:xfrm>
+            <a:off x="574431" y="439615"/>
+            <a:ext cx="1010213" cy="369332"/>
+          </a:xfrm>
+          <a:prstGeom prst="rect">
+            <a:avLst/>
+          </a:prstGeom>
+          <a:noFill/>
+        </p:spPr>
+        <p:txBody>
+          <a:bodyPr wrap="none" rtlCol="0">
+            <a:spAutoFit/>
+          </a:bodyPr>
+          <a:lstStyle/>
+          <a:p>
+            <a:r>
+              <a:rPr lang="ko-KR" altLang="en-US" dirty="0"/>
+              <a:t>무기</a:t>
+            </a:r>
+            <a:r>
+              <a:rPr lang="en-US" altLang="ko-KR" dirty="0"/>
+              <a:t>:</a:t>
+            </a:r>
+            <a:r>
+              <a:rPr lang="ko-KR" altLang="en-US" dirty="0"/>
+              <a:t> 총</a:t>
+            </a:r>
+          </a:p>
+        </p:txBody>
+      </p:sp>
+      <p:sp>
+        <p:nvSpPr>
+          <p:cNvPr id="11" name="TextBox 10">
+            <a:extLst>
+              <a:ext uri="{FF2B5EF4-FFF2-40B4-BE49-F238E27FC236}">
+                <a16:creationId xmlns:a16="http://schemas.microsoft.com/office/drawing/2014/main" id="{BE1D231D-2F7F-F83F-96CF-2CDE57F99C49}"/>
+              </a:ext>
+            </a:extLst>
+          </p:cNvPr>
+          <p:cNvSpPr txBox="1"/>
+          <p:nvPr/>
+        </p:nvSpPr>
+        <p:spPr>
+          <a:xfrm>
+            <a:off x="487913" y="1003973"/>
+            <a:ext cx="11319388" cy="1754326"/>
+          </a:xfrm>
+          <a:prstGeom prst="rect">
+            <a:avLst/>
+          </a:prstGeom>
+          <a:noFill/>
+        </p:spPr>
+        <p:txBody>
+          <a:bodyPr wrap="square" rtlCol="0">
+            <a:spAutoFit/>
+          </a:bodyPr>
+          <a:lstStyle/>
+          <a:p>
+            <a:pPr marL="285750" indent="-285750">
+              <a:buFontTx/>
+              <a:buChar char="-"/>
+            </a:pPr>
+            <a:r>
+              <a:rPr lang="ko-KR" altLang="en-US" dirty="0"/>
+              <a:t>근력 없이 능력 보정만 올로 받음</a:t>
+            </a:r>
+            <a:r>
+              <a:rPr lang="en-US" altLang="ko-KR" dirty="0"/>
+              <a:t>.</a:t>
+            </a:r>
+          </a:p>
+          <a:p>
+            <a:pPr marL="285750" indent="-285750">
+              <a:buFontTx/>
+              <a:buChar char="-"/>
+            </a:pPr>
+            <a:r>
+              <a:rPr lang="ko-KR" altLang="en-US" dirty="0"/>
+              <a:t>휘는 총알</a:t>
+            </a:r>
+            <a:r>
+              <a:rPr lang="en-US" altLang="ko-KR" dirty="0"/>
+              <a:t>: </a:t>
+            </a:r>
+            <a:r>
+              <a:rPr lang="ko-KR" altLang="en-US" dirty="0"/>
+              <a:t>근력 수치에 따라 몇 개의 공격 회피</a:t>
+            </a:r>
+            <a:r>
+              <a:rPr lang="en-US" altLang="ko-KR" dirty="0"/>
+              <a:t>.</a:t>
+            </a:r>
+          </a:p>
+          <a:p>
+            <a:pPr marL="285750" indent="-285750">
+              <a:buFontTx/>
+              <a:buChar char="-"/>
+            </a:pPr>
+            <a:endParaRPr lang="en-US" altLang="ko-KR" dirty="0"/>
+          </a:p>
+          <a:p>
+            <a:pPr marL="285750" indent="-285750">
+              <a:buFontTx/>
+              <a:buChar char="-"/>
+            </a:pPr>
+            <a:endParaRPr lang="en-US" altLang="ko-KR" dirty="0"/>
+          </a:p>
+          <a:p>
+            <a:pPr marL="285750" indent="-285750">
+              <a:buFontTx/>
+              <a:buChar char="-"/>
+            </a:pPr>
+            <a:endParaRPr lang="en-US" altLang="ko-KR" dirty="0"/>
+          </a:p>
+          <a:p>
+            <a:pPr marL="285750" indent="-285750">
+              <a:buFontTx/>
+              <a:buChar char="-"/>
+            </a:pPr>
+            <a:endParaRPr lang="en-US" altLang="ko-KR" dirty="0"/>
+          </a:p>
+        </p:txBody>
+      </p:sp>
+    </p:spTree>
+    <p:extLst>
+      <p:ext uri="{BB962C8B-B14F-4D97-AF65-F5344CB8AC3E}">
+        <p14:creationId xmlns:p14="http://schemas.microsoft.com/office/powerpoint/2010/main" val="1788893303"/>
+      </p:ext>
+    </p:extLst>
+  </p:cSld>
+  <p:clrMapOvr>
+    <a:masterClrMapping/>
+  </p:clrMapOvr>
+</p:sld>
+</file>
+
+<file path=ppt/slides/slide9.xml><?xml version="1.0" encoding="utf-8"?>
+<p:sld xmlns:a="http://schemas.openxmlformats.org/drawingml/2006/main" xmlns:r="http://schemas.openxmlformats.org/officeDocument/2006/relationships" xmlns:p="http://schemas.openxmlformats.org/presentationml/2006/main">
+  <p:cSld>
+    <p:spTree>
+      <p:nvGrpSpPr>
+        <p:cNvPr id="1" name=""/>
+        <p:cNvGrpSpPr/>
+        <p:nvPr/>
+      </p:nvGrpSpPr>
+      <p:grpSpPr>
+        <a:xfrm>
+          <a:off x="0" y="0"/>
+          <a:ext cx="0" cy="0"/>
+          <a:chOff x="0" y="0"/>
+          <a:chExt cx="0" cy="0"/>
+        </a:xfrm>
+      </p:grpSpPr>
+      <p:sp>
+        <p:nvSpPr>
+          <p:cNvPr id="9" name="TextBox 8">
+            <a:extLst>
+              <a:ext uri="{FF2B5EF4-FFF2-40B4-BE49-F238E27FC236}">
+                <a16:creationId xmlns:a16="http://schemas.microsoft.com/office/drawing/2014/main" id="{7C3AEEB5-635B-CC9E-A34E-9221454EB919}"/>
+              </a:ext>
+            </a:extLst>
+          </p:cNvPr>
+          <p:cNvSpPr txBox="1"/>
+          <p:nvPr/>
+        </p:nvSpPr>
+        <p:spPr>
+          <a:xfrm>
+            <a:off x="574431" y="439615"/>
+            <a:ext cx="1241045" cy="369332"/>
+          </a:xfrm>
+          <a:prstGeom prst="rect">
+            <a:avLst/>
+          </a:prstGeom>
+          <a:noFill/>
+        </p:spPr>
+        <p:txBody>
+          <a:bodyPr wrap="none" rtlCol="0">
+            <a:spAutoFit/>
+          </a:bodyPr>
+          <a:lstStyle/>
+          <a:p>
+            <a:r>
+              <a:rPr lang="ko-KR" altLang="en-US" dirty="0"/>
+              <a:t>무기</a:t>
+            </a:r>
+            <a:r>
+              <a:rPr lang="en-US" altLang="ko-KR" dirty="0"/>
+              <a:t>:</a:t>
+            </a:r>
+            <a:r>
+              <a:rPr lang="ko-KR" altLang="en-US" dirty="0"/>
+              <a:t> 주먹</a:t>
+            </a:r>
+          </a:p>
+        </p:txBody>
+      </p:sp>
+      <p:sp>
+        <p:nvSpPr>
+          <p:cNvPr id="11" name="TextBox 10">
+            <a:extLst>
+              <a:ext uri="{FF2B5EF4-FFF2-40B4-BE49-F238E27FC236}">
+                <a16:creationId xmlns:a16="http://schemas.microsoft.com/office/drawing/2014/main" id="{BE1D231D-2F7F-F83F-96CF-2CDE57F99C49}"/>
+              </a:ext>
+            </a:extLst>
+          </p:cNvPr>
+          <p:cNvSpPr txBox="1"/>
+          <p:nvPr/>
+        </p:nvSpPr>
+        <p:spPr>
+          <a:xfrm>
+            <a:off x="487913" y="1003973"/>
+            <a:ext cx="11319388" cy="2308324"/>
+          </a:xfrm>
+          <a:prstGeom prst="rect">
+            <a:avLst/>
+          </a:prstGeom>
+          <a:noFill/>
+        </p:spPr>
+        <p:txBody>
+          <a:bodyPr wrap="square" rtlCol="0">
+            <a:spAutoFit/>
+          </a:bodyPr>
+          <a:lstStyle/>
+          <a:p>
+            <a:pPr marL="285750" indent="-285750">
+              <a:buFontTx/>
+              <a:buChar char="-"/>
+            </a:pPr>
+            <a:r>
+              <a:rPr lang="ko-KR" altLang="en-US" dirty="0"/>
+              <a:t>각 타격마다 한번씩 더 때림</a:t>
+            </a:r>
+            <a:r>
+              <a:rPr lang="en-US" altLang="ko-KR" dirty="0"/>
+              <a:t>(ex. </a:t>
+            </a:r>
+            <a:r>
+              <a:rPr lang="ko-KR" altLang="en-US" dirty="0"/>
+              <a:t>수집 무기 수집 무기인데 수집 무기 </a:t>
+            </a:r>
+            <a:r>
+              <a:rPr lang="ko-KR" altLang="en-US" dirty="0" err="1"/>
+              <a:t>무기</a:t>
+            </a:r>
+            <a:r>
+              <a:rPr lang="ko-KR" altLang="en-US" dirty="0"/>
+              <a:t> 수집 무기 무기의 형식</a:t>
+            </a:r>
+            <a:r>
+              <a:rPr lang="en-US" altLang="ko-KR" dirty="0"/>
+              <a:t>)</a:t>
+            </a:r>
+          </a:p>
+          <a:p>
+            <a:pPr marL="285750" indent="-285750">
+              <a:buFontTx/>
+              <a:buChar char="-"/>
+            </a:pPr>
+            <a:r>
+              <a:rPr lang="ko-KR" altLang="en-US" dirty="0"/>
+              <a:t>각 타격마다 다음 적의 공격을 태워 없앰</a:t>
+            </a:r>
+            <a:r>
+              <a:rPr lang="en-US" altLang="ko-KR" dirty="0"/>
+              <a:t>. </a:t>
+            </a:r>
+            <a:r>
+              <a:rPr lang="ko-KR" altLang="en-US" dirty="0" err="1"/>
+              <a:t>불주먹</a:t>
+            </a:r>
+            <a:endParaRPr lang="en-US" altLang="ko-KR" dirty="0"/>
+          </a:p>
+          <a:p>
+            <a:pPr marL="285750" indent="-285750">
+              <a:buFontTx/>
+              <a:buChar char="-"/>
+            </a:pPr>
+            <a:r>
+              <a:rPr lang="ko-KR" altLang="en-US" dirty="0"/>
+              <a:t>할 모든 타격을 합쳐 자신의 공격 마지막 순간에 한방으로 때림</a:t>
+            </a:r>
+            <a:endParaRPr lang="en-US" altLang="ko-KR" dirty="0"/>
+          </a:p>
+          <a:p>
+            <a:pPr marL="285750" indent="-285750">
+              <a:buFontTx/>
+              <a:buChar char="-"/>
+            </a:pPr>
+            <a:r>
+              <a:rPr lang="ko-KR" altLang="en-US" dirty="0"/>
+              <a:t>권투장갑</a:t>
+            </a:r>
+            <a:r>
+              <a:rPr lang="en-US" altLang="ko-KR" dirty="0"/>
+              <a:t>.</a:t>
+            </a:r>
+          </a:p>
+          <a:p>
+            <a:pPr marL="285750" indent="-285750">
+              <a:buFontTx/>
+              <a:buChar char="-"/>
+            </a:pPr>
+            <a:endParaRPr lang="en-US" altLang="ko-KR" dirty="0"/>
+          </a:p>
+          <a:p>
+            <a:pPr marL="285750" indent="-285750">
+              <a:buFontTx/>
+              <a:buChar char="-"/>
+            </a:pPr>
+            <a:endParaRPr lang="en-US" altLang="ko-KR" dirty="0"/>
+          </a:p>
+          <a:p>
+            <a:pPr marL="285750" indent="-285750">
+              <a:buFontTx/>
+              <a:buChar char="-"/>
+            </a:pPr>
+            <a:endParaRPr lang="en-US" altLang="ko-KR" dirty="0"/>
+          </a:p>
+          <a:p>
+            <a:pPr marL="285750" indent="-285750">
+              <a:buFontTx/>
+              <a:buChar char="-"/>
+            </a:pPr>
+            <a:endParaRPr lang="en-US" altLang="ko-KR" dirty="0"/>
+          </a:p>
+        </p:txBody>
+      </p:sp>
+    </p:spTree>
+    <p:extLst>
+      <p:ext uri="{BB962C8B-B14F-4D97-AF65-F5344CB8AC3E}">
+        <p14:creationId xmlns:p14="http://schemas.microsoft.com/office/powerpoint/2010/main" val="3338916468"/>
       </p:ext>
     </p:extLst>
   </p:cSld>

--- a/수집요소.pptx
+++ b/수집요소.pptx
@@ -5,19 +5,20 @@
     <p:sldMasterId id="2147483648" r:id="rId1"/>
   </p:sldMasterIdLst>
   <p:notesMasterIdLst>
-    <p:notesMasterId r:id="rId12"/>
+    <p:notesMasterId r:id="rId13"/>
   </p:notesMasterIdLst>
   <p:sldIdLst>
     <p:sldId id="266" r:id="rId2"/>
     <p:sldId id="269" r:id="rId3"/>
     <p:sldId id="267" r:id="rId4"/>
-    <p:sldId id="268" r:id="rId5"/>
-    <p:sldId id="272" r:id="rId6"/>
-    <p:sldId id="273" r:id="rId7"/>
-    <p:sldId id="271" r:id="rId8"/>
-    <p:sldId id="274" r:id="rId9"/>
-    <p:sldId id="270" r:id="rId10"/>
-    <p:sldId id="275" r:id="rId11"/>
+    <p:sldId id="276" r:id="rId5"/>
+    <p:sldId id="268" r:id="rId6"/>
+    <p:sldId id="272" r:id="rId7"/>
+    <p:sldId id="273" r:id="rId8"/>
+    <p:sldId id="271" r:id="rId9"/>
+    <p:sldId id="274" r:id="rId10"/>
+    <p:sldId id="270" r:id="rId11"/>
+    <p:sldId id="275" r:id="rId12"/>
   </p:sldIdLst>
   <p:sldSz cx="12192000" cy="6858000"/>
   <p:notesSz cx="6858000" cy="9144000"/>
@@ -206,7 +207,7 @@
           <a:p>
             <a:fld id="{098D9883-1617-4681-BA43-91DCCEA255A3}" type="datetimeFigureOut">
               <a:rPr lang="ko-KR" altLang="en-US" smtClean="0"/>
-              <a:t>2024-04-12</a:t>
+              <a:t>2024-04-17</a:t>
             </a:fld>
             <a:endParaRPr lang="ko-KR" altLang="en-US"/>
           </a:p>
@@ -631,6 +632,90 @@
     </p:spTree>
     <p:extLst>
       <p:ext uri="{BB962C8B-B14F-4D97-AF65-F5344CB8AC3E}">
+        <p14:creationId xmlns:p14="http://schemas.microsoft.com/office/powerpoint/2010/main" val="2906441372"/>
+      </p:ext>
+    </p:extLst>
+  </p:cSld>
+  <p:clrMapOvr>
+    <a:masterClrMapping/>
+  </p:clrMapOvr>
+</p:notes>
+</file>
+
+<file path=ppt/notesSlides/notesSlide11.xml><?xml version="1.0" encoding="utf-8"?>
+<p:notes xmlns:a="http://schemas.openxmlformats.org/drawingml/2006/main" xmlns:r="http://schemas.openxmlformats.org/officeDocument/2006/relationships" xmlns:p="http://schemas.openxmlformats.org/presentationml/2006/main">
+  <p:cSld>
+    <p:spTree>
+      <p:nvGrpSpPr>
+        <p:cNvPr id="1" name=""/>
+        <p:cNvGrpSpPr/>
+        <p:nvPr/>
+      </p:nvGrpSpPr>
+      <p:grpSpPr>
+        <a:xfrm>
+          <a:off x="0" y="0"/>
+          <a:ext cx="0" cy="0"/>
+          <a:chOff x="0" y="0"/>
+          <a:chExt cx="0" cy="0"/>
+        </a:xfrm>
+      </p:grpSpPr>
+      <p:sp>
+        <p:nvSpPr>
+          <p:cNvPr id="2" name="슬라이드 이미지 개체 틀 1"/>
+          <p:cNvSpPr>
+            <a:spLocks noGrp="1" noRot="1" noChangeAspect="1"/>
+          </p:cNvSpPr>
+          <p:nvPr>
+            <p:ph type="sldImg"/>
+          </p:nvPr>
+        </p:nvSpPr>
+        <p:spPr/>
+      </p:sp>
+      <p:sp>
+        <p:nvSpPr>
+          <p:cNvPr id="3" name="슬라이드 노트 개체 틀 2"/>
+          <p:cNvSpPr>
+            <a:spLocks noGrp="1"/>
+          </p:cNvSpPr>
+          <p:nvPr>
+            <p:ph type="body" idx="1"/>
+          </p:nvPr>
+        </p:nvSpPr>
+        <p:spPr/>
+        <p:txBody>
+          <a:bodyPr/>
+          <a:lstStyle/>
+          <a:p>
+            <a:endParaRPr lang="ko-KR" altLang="en-US" dirty="0"/>
+          </a:p>
+        </p:txBody>
+      </p:sp>
+      <p:sp>
+        <p:nvSpPr>
+          <p:cNvPr id="4" name="슬라이드 번호 개체 틀 3"/>
+          <p:cNvSpPr>
+            <a:spLocks noGrp="1"/>
+          </p:cNvSpPr>
+          <p:nvPr>
+            <p:ph type="sldNum" sz="quarter" idx="5"/>
+          </p:nvPr>
+        </p:nvSpPr>
+        <p:spPr/>
+        <p:txBody>
+          <a:bodyPr/>
+          <a:lstStyle/>
+          <a:p>
+            <a:fld id="{72032EB5-ABEB-49F2-BBDC-81C17B42AB0D}" type="slidenum">
+              <a:rPr lang="ko-KR" altLang="en-US" smtClean="0"/>
+              <a:t>11</a:t>
+            </a:fld>
+            <a:endParaRPr lang="ko-KR" altLang="en-US"/>
+          </a:p>
+        </p:txBody>
+      </p:sp>
+    </p:spTree>
+    <p:extLst>
+      <p:ext uri="{BB962C8B-B14F-4D97-AF65-F5344CB8AC3E}">
         <p14:creationId xmlns:p14="http://schemas.microsoft.com/office/powerpoint/2010/main" val="3684171993"/>
       </p:ext>
     </p:extLst>
@@ -883,7 +968,7 @@
     </p:spTree>
     <p:extLst>
       <p:ext uri="{BB962C8B-B14F-4D97-AF65-F5344CB8AC3E}">
-        <p14:creationId xmlns:p14="http://schemas.microsoft.com/office/powerpoint/2010/main" val="2020563335"/>
+        <p14:creationId xmlns:p14="http://schemas.microsoft.com/office/powerpoint/2010/main" val="2377183380"/>
       </p:ext>
     </p:extLst>
   </p:cSld>
@@ -967,7 +1052,7 @@
     </p:spTree>
     <p:extLst>
       <p:ext uri="{BB962C8B-B14F-4D97-AF65-F5344CB8AC3E}">
-        <p14:creationId xmlns:p14="http://schemas.microsoft.com/office/powerpoint/2010/main" val="3669716897"/>
+        <p14:creationId xmlns:p14="http://schemas.microsoft.com/office/powerpoint/2010/main" val="2020563335"/>
       </p:ext>
     </p:extLst>
   </p:cSld>
@@ -1051,7 +1136,7 @@
     </p:spTree>
     <p:extLst>
       <p:ext uri="{BB962C8B-B14F-4D97-AF65-F5344CB8AC3E}">
-        <p14:creationId xmlns:p14="http://schemas.microsoft.com/office/powerpoint/2010/main" val="454560180"/>
+        <p14:creationId xmlns:p14="http://schemas.microsoft.com/office/powerpoint/2010/main" val="3669716897"/>
       </p:ext>
     </p:extLst>
   </p:cSld>
@@ -1135,7 +1220,7 @@
     </p:spTree>
     <p:extLst>
       <p:ext uri="{BB962C8B-B14F-4D97-AF65-F5344CB8AC3E}">
-        <p14:creationId xmlns:p14="http://schemas.microsoft.com/office/powerpoint/2010/main" val="329229784"/>
+        <p14:creationId xmlns:p14="http://schemas.microsoft.com/office/powerpoint/2010/main" val="454560180"/>
       </p:ext>
     </p:extLst>
   </p:cSld>
@@ -1219,7 +1304,7 @@
     </p:spTree>
     <p:extLst>
       <p:ext uri="{BB962C8B-B14F-4D97-AF65-F5344CB8AC3E}">
-        <p14:creationId xmlns:p14="http://schemas.microsoft.com/office/powerpoint/2010/main" val="1316060860"/>
+        <p14:creationId xmlns:p14="http://schemas.microsoft.com/office/powerpoint/2010/main" val="329229784"/>
       </p:ext>
     </p:extLst>
   </p:cSld>
@@ -1303,7 +1388,7 @@
     </p:spTree>
     <p:extLst>
       <p:ext uri="{BB962C8B-B14F-4D97-AF65-F5344CB8AC3E}">
-        <p14:creationId xmlns:p14="http://schemas.microsoft.com/office/powerpoint/2010/main" val="2906441372"/>
+        <p14:creationId xmlns:p14="http://schemas.microsoft.com/office/powerpoint/2010/main" val="1316060860"/>
       </p:ext>
     </p:extLst>
   </p:cSld>
@@ -1460,7 +1545,7 @@
           <a:p>
             <a:fld id="{5FF1DCF6-4881-4944-A4DB-9A9C3A72CFA7}" type="datetimeFigureOut">
               <a:rPr lang="ko-KR" altLang="en-US" smtClean="0"/>
-              <a:t>2024-04-12</a:t>
+              <a:t>2024-04-17</a:t>
             </a:fld>
             <a:endParaRPr lang="ko-KR" altLang="en-US"/>
           </a:p>
@@ -1658,7 +1743,7 @@
           <a:p>
             <a:fld id="{5FF1DCF6-4881-4944-A4DB-9A9C3A72CFA7}" type="datetimeFigureOut">
               <a:rPr lang="ko-KR" altLang="en-US" smtClean="0"/>
-              <a:t>2024-04-12</a:t>
+              <a:t>2024-04-17</a:t>
             </a:fld>
             <a:endParaRPr lang="ko-KR" altLang="en-US"/>
           </a:p>
@@ -1866,7 +1951,7 @@
           <a:p>
             <a:fld id="{5FF1DCF6-4881-4944-A4DB-9A9C3A72CFA7}" type="datetimeFigureOut">
               <a:rPr lang="ko-KR" altLang="en-US" smtClean="0"/>
-              <a:t>2024-04-12</a:t>
+              <a:t>2024-04-17</a:t>
             </a:fld>
             <a:endParaRPr lang="ko-KR" altLang="en-US"/>
           </a:p>
@@ -2064,7 +2149,7 @@
           <a:p>
             <a:fld id="{5FF1DCF6-4881-4944-A4DB-9A9C3A72CFA7}" type="datetimeFigureOut">
               <a:rPr lang="ko-KR" altLang="en-US" smtClean="0"/>
-              <a:t>2024-04-12</a:t>
+              <a:t>2024-04-17</a:t>
             </a:fld>
             <a:endParaRPr lang="ko-KR" altLang="en-US"/>
           </a:p>
@@ -2339,7 +2424,7 @@
           <a:p>
             <a:fld id="{5FF1DCF6-4881-4944-A4DB-9A9C3A72CFA7}" type="datetimeFigureOut">
               <a:rPr lang="ko-KR" altLang="en-US" smtClean="0"/>
-              <a:t>2024-04-12</a:t>
+              <a:t>2024-04-17</a:t>
             </a:fld>
             <a:endParaRPr lang="ko-KR" altLang="en-US"/>
           </a:p>
@@ -2604,7 +2689,7 @@
           <a:p>
             <a:fld id="{5FF1DCF6-4881-4944-A4DB-9A9C3A72CFA7}" type="datetimeFigureOut">
               <a:rPr lang="ko-KR" altLang="en-US" smtClean="0"/>
-              <a:t>2024-04-12</a:t>
+              <a:t>2024-04-17</a:t>
             </a:fld>
             <a:endParaRPr lang="ko-KR" altLang="en-US"/>
           </a:p>
@@ -3016,7 +3101,7 @@
           <a:p>
             <a:fld id="{5FF1DCF6-4881-4944-A4DB-9A9C3A72CFA7}" type="datetimeFigureOut">
               <a:rPr lang="ko-KR" altLang="en-US" smtClean="0"/>
-              <a:t>2024-04-12</a:t>
+              <a:t>2024-04-17</a:t>
             </a:fld>
             <a:endParaRPr lang="ko-KR" altLang="en-US"/>
           </a:p>
@@ -3157,7 +3242,7 @@
           <a:p>
             <a:fld id="{5FF1DCF6-4881-4944-A4DB-9A9C3A72CFA7}" type="datetimeFigureOut">
               <a:rPr lang="ko-KR" altLang="en-US" smtClean="0"/>
-              <a:t>2024-04-12</a:t>
+              <a:t>2024-04-17</a:t>
             </a:fld>
             <a:endParaRPr lang="ko-KR" altLang="en-US"/>
           </a:p>
@@ -3270,7 +3355,7 @@
           <a:p>
             <a:fld id="{5FF1DCF6-4881-4944-A4DB-9A9C3A72CFA7}" type="datetimeFigureOut">
               <a:rPr lang="ko-KR" altLang="en-US" smtClean="0"/>
-              <a:t>2024-04-12</a:t>
+              <a:t>2024-04-17</a:t>
             </a:fld>
             <a:endParaRPr lang="ko-KR" altLang="en-US"/>
           </a:p>
@@ -3581,7 +3666,7 @@
           <a:p>
             <a:fld id="{5FF1DCF6-4881-4944-A4DB-9A9C3A72CFA7}" type="datetimeFigureOut">
               <a:rPr lang="ko-KR" altLang="en-US" smtClean="0"/>
-              <a:t>2024-04-12</a:t>
+              <a:t>2024-04-17</a:t>
             </a:fld>
             <a:endParaRPr lang="ko-KR" altLang="en-US"/>
           </a:p>
@@ -3869,7 +3954,7 @@
           <a:p>
             <a:fld id="{5FF1DCF6-4881-4944-A4DB-9A9C3A72CFA7}" type="datetimeFigureOut">
               <a:rPr lang="ko-KR" altLang="en-US" smtClean="0"/>
-              <a:t>2024-04-12</a:t>
+              <a:t>2024-04-17</a:t>
             </a:fld>
             <a:endParaRPr lang="ko-KR" altLang="en-US"/>
           </a:p>
@@ -4110,7 +4195,7 @@
           <a:p>
             <a:fld id="{5FF1DCF6-4881-4944-A4DB-9A9C3A72CFA7}" type="datetimeFigureOut">
               <a:rPr lang="ko-KR" altLang="en-US" smtClean="0"/>
-              <a:t>2024-04-12</a:t>
+              <a:t>2024-04-17</a:t>
             </a:fld>
             <a:endParaRPr lang="ko-KR" altLang="en-US"/>
           </a:p>
@@ -4815,7 +4900,7 @@
             </a:r>
             <a:r>
               <a:rPr lang="ko-KR" altLang="en-US" dirty="0"/>
-              <a:t> 채찍</a:t>
+              <a:t> 주먹</a:t>
             </a:r>
           </a:p>
         </p:txBody>
@@ -4835,7 +4920,7 @@
         <p:spPr>
           <a:xfrm>
             <a:off x="487913" y="1003973"/>
-            <a:ext cx="11319388" cy="1477328"/>
+            <a:ext cx="11319388" cy="2308324"/>
           </a:xfrm>
           <a:prstGeom prst="rect">
             <a:avLst/>
@@ -4854,6 +4939,210 @@
             </a:pPr>
             <a:r>
               <a:rPr lang="ko-KR" altLang="en-US" dirty="0"/>
+              <a:t>각 타격마다 한번씩 더 때림</a:t>
+            </a:r>
+            <a:r>
+              <a:rPr lang="en-US" altLang="ko-KR" dirty="0"/>
+              <a:t>(ex. </a:t>
+            </a:r>
+            <a:r>
+              <a:rPr lang="ko-KR" altLang="en-US" dirty="0"/>
+              <a:t>수집 무기 수집 무기인데 수집 무기 </a:t>
+            </a:r>
+            <a:r>
+              <a:rPr lang="ko-KR" altLang="en-US" dirty="0" err="1"/>
+              <a:t>무기</a:t>
+            </a:r>
+            <a:r>
+              <a:rPr lang="ko-KR" altLang="en-US" dirty="0"/>
+              <a:t> 수집 무기 무기의 형식</a:t>
+            </a:r>
+            <a:r>
+              <a:rPr lang="en-US" altLang="ko-KR" dirty="0"/>
+              <a:t>)</a:t>
+            </a:r>
+          </a:p>
+          <a:p>
+            <a:pPr marL="285750" indent="-285750">
+              <a:buFontTx/>
+              <a:buChar char="-"/>
+            </a:pPr>
+            <a:r>
+              <a:rPr lang="ko-KR" altLang="en-US" dirty="0"/>
+              <a:t>각 타격마다 다음 적의 공격을 태워 없앰</a:t>
+            </a:r>
+            <a:r>
+              <a:rPr lang="en-US" altLang="ko-KR" dirty="0"/>
+              <a:t>. </a:t>
+            </a:r>
+            <a:r>
+              <a:rPr lang="ko-KR" altLang="en-US" dirty="0" err="1"/>
+              <a:t>불주먹</a:t>
+            </a:r>
+            <a:endParaRPr lang="en-US" altLang="ko-KR" dirty="0"/>
+          </a:p>
+          <a:p>
+            <a:pPr marL="285750" indent="-285750">
+              <a:buFontTx/>
+              <a:buChar char="-"/>
+            </a:pPr>
+            <a:r>
+              <a:rPr lang="ko-KR" altLang="en-US" dirty="0"/>
+              <a:t>할 모든 타격을 합쳐 자신의 공격 마지막 순간에 한방으로 때림</a:t>
+            </a:r>
+            <a:endParaRPr lang="en-US" altLang="ko-KR" dirty="0"/>
+          </a:p>
+          <a:p>
+            <a:pPr marL="285750" indent="-285750">
+              <a:buFontTx/>
+              <a:buChar char="-"/>
+            </a:pPr>
+            <a:r>
+              <a:rPr lang="ko-KR" altLang="en-US" dirty="0"/>
+              <a:t>권투장갑</a:t>
+            </a:r>
+            <a:r>
+              <a:rPr lang="en-US" altLang="ko-KR" dirty="0"/>
+              <a:t>.</a:t>
+            </a:r>
+          </a:p>
+          <a:p>
+            <a:pPr marL="285750" indent="-285750">
+              <a:buFontTx/>
+              <a:buChar char="-"/>
+            </a:pPr>
+            <a:endParaRPr lang="en-US" altLang="ko-KR" dirty="0"/>
+          </a:p>
+          <a:p>
+            <a:pPr marL="285750" indent="-285750">
+              <a:buFontTx/>
+              <a:buChar char="-"/>
+            </a:pPr>
+            <a:endParaRPr lang="en-US" altLang="ko-KR" dirty="0"/>
+          </a:p>
+          <a:p>
+            <a:pPr marL="285750" indent="-285750">
+              <a:buFontTx/>
+              <a:buChar char="-"/>
+            </a:pPr>
+            <a:endParaRPr lang="en-US" altLang="ko-KR" dirty="0"/>
+          </a:p>
+          <a:p>
+            <a:pPr marL="285750" indent="-285750">
+              <a:buFontTx/>
+              <a:buChar char="-"/>
+            </a:pPr>
+            <a:endParaRPr lang="en-US" altLang="ko-KR" dirty="0"/>
+          </a:p>
+        </p:txBody>
+      </p:sp>
+    </p:spTree>
+    <p:extLst>
+      <p:ext uri="{BB962C8B-B14F-4D97-AF65-F5344CB8AC3E}">
+        <p14:creationId xmlns:p14="http://schemas.microsoft.com/office/powerpoint/2010/main" val="3338916468"/>
+      </p:ext>
+    </p:extLst>
+  </p:cSld>
+  <p:clrMapOvr>
+    <a:masterClrMapping/>
+  </p:clrMapOvr>
+</p:sld>
+</file>
+
+<file path=ppt/slides/slide11.xml><?xml version="1.0" encoding="utf-8"?>
+<p:sld xmlns:a="http://schemas.openxmlformats.org/drawingml/2006/main" xmlns:r="http://schemas.openxmlformats.org/officeDocument/2006/relationships" xmlns:p="http://schemas.openxmlformats.org/presentationml/2006/main">
+  <p:cSld>
+    <p:spTree>
+      <p:nvGrpSpPr>
+        <p:cNvPr id="1" name=""/>
+        <p:cNvGrpSpPr/>
+        <p:nvPr/>
+      </p:nvGrpSpPr>
+      <p:grpSpPr>
+        <a:xfrm>
+          <a:off x="0" y="0"/>
+          <a:ext cx="0" cy="0"/>
+          <a:chOff x="0" y="0"/>
+          <a:chExt cx="0" cy="0"/>
+        </a:xfrm>
+      </p:grpSpPr>
+      <p:sp>
+        <p:nvSpPr>
+          <p:cNvPr id="9" name="TextBox 8">
+            <a:extLst>
+              <a:ext uri="{FF2B5EF4-FFF2-40B4-BE49-F238E27FC236}">
+                <a16:creationId xmlns:a16="http://schemas.microsoft.com/office/drawing/2014/main" id="{7C3AEEB5-635B-CC9E-A34E-9221454EB919}"/>
+              </a:ext>
+            </a:extLst>
+          </p:cNvPr>
+          <p:cNvSpPr txBox="1"/>
+          <p:nvPr/>
+        </p:nvSpPr>
+        <p:spPr>
+          <a:xfrm>
+            <a:off x="574431" y="439615"/>
+            <a:ext cx="1241045" cy="369332"/>
+          </a:xfrm>
+          <a:prstGeom prst="rect">
+            <a:avLst/>
+          </a:prstGeom>
+          <a:noFill/>
+        </p:spPr>
+        <p:txBody>
+          <a:bodyPr wrap="none" rtlCol="0">
+            <a:spAutoFit/>
+          </a:bodyPr>
+          <a:lstStyle/>
+          <a:p>
+            <a:r>
+              <a:rPr lang="ko-KR" altLang="en-US" dirty="0"/>
+              <a:t>무기</a:t>
+            </a:r>
+            <a:r>
+              <a:rPr lang="en-US" altLang="ko-KR" dirty="0"/>
+              <a:t>:</a:t>
+            </a:r>
+            <a:r>
+              <a:rPr lang="ko-KR" altLang="en-US" dirty="0"/>
+              <a:t> 채찍</a:t>
+            </a:r>
+          </a:p>
+        </p:txBody>
+      </p:sp>
+      <p:sp>
+        <p:nvSpPr>
+          <p:cNvPr id="11" name="TextBox 10">
+            <a:extLst>
+              <a:ext uri="{FF2B5EF4-FFF2-40B4-BE49-F238E27FC236}">
+                <a16:creationId xmlns:a16="http://schemas.microsoft.com/office/drawing/2014/main" id="{BE1D231D-2F7F-F83F-96CF-2CDE57F99C49}"/>
+              </a:ext>
+            </a:extLst>
+          </p:cNvPr>
+          <p:cNvSpPr txBox="1"/>
+          <p:nvPr/>
+        </p:nvSpPr>
+        <p:spPr>
+          <a:xfrm>
+            <a:off x="487913" y="1003973"/>
+            <a:ext cx="11319388" cy="1754326"/>
+          </a:xfrm>
+          <a:prstGeom prst="rect">
+            <a:avLst/>
+          </a:prstGeom>
+          <a:noFill/>
+        </p:spPr>
+        <p:txBody>
+          <a:bodyPr wrap="square" rtlCol="0">
+            <a:spAutoFit/>
+          </a:bodyPr>
+          <a:lstStyle/>
+          <a:p>
+            <a:pPr marL="285750" indent="-285750">
+              <a:buFontTx/>
+              <a:buChar char="-"/>
+            </a:pPr>
+            <a:r>
+              <a:rPr lang="ko-KR" altLang="en-US" dirty="0"/>
               <a:t>싸움이 길어질 수록 마지막에 강하게 때린다</a:t>
             </a:r>
             <a:r>
@@ -4910,6 +5199,17 @@
             <a:r>
               <a:rPr lang="ko-KR" altLang="en-US" dirty="0"/>
               <a:t> 채찍</a:t>
+            </a:r>
+            <a:endParaRPr lang="en-US" altLang="ko-KR" dirty="0"/>
+          </a:p>
+          <a:p>
+            <a:pPr marL="285750" indent="-285750">
+              <a:buFontTx/>
+              <a:buChar char="-"/>
+            </a:pPr>
+            <a:r>
+              <a:rPr lang="ko-KR" altLang="en-US" dirty="0"/>
+              <a:t>공격 문구의 길이만큼 강하게 때린다</a:t>
             </a:r>
             <a:endParaRPr lang="en-US" altLang="ko-KR" dirty="0"/>
           </a:p>
@@ -5318,7 +5618,7 @@
         <p:spPr>
           <a:xfrm>
             <a:off x="487913" y="1003973"/>
-            <a:ext cx="11319388" cy="5909310"/>
+            <a:ext cx="11319388" cy="2585323"/>
           </a:xfrm>
           <a:prstGeom prst="rect">
             <a:avLst/>
@@ -5486,6 +5786,26 @@
               <a:buFontTx/>
               <a:buChar char="-"/>
             </a:pPr>
+            <a:r>
+              <a:rPr lang="ko-KR" altLang="en-US" dirty="0"/>
+              <a:t>매 전투 타격수마다 체력 </a:t>
+            </a:r>
+            <a:r>
+              <a:rPr lang="en-US" altLang="ko-KR" dirty="0"/>
+              <a:t>or </a:t>
+            </a:r>
+            <a:r>
+              <a:rPr lang="ko-KR" altLang="en-US" dirty="0"/>
+              <a:t>근력 값이 올라감</a:t>
+            </a:r>
+            <a:r>
+              <a:rPr lang="en-US" altLang="ko-KR" dirty="0"/>
+              <a:t>. </a:t>
+            </a:r>
+            <a:r>
+              <a:rPr lang="ko-KR" altLang="en-US" dirty="0"/>
+              <a:t>모래주머니</a:t>
+            </a:r>
             <a:endParaRPr lang="en-US" altLang="ko-KR" dirty="0"/>
           </a:p>
           <a:p>
@@ -5493,261 +5813,10 @@
               <a:buFontTx/>
               <a:buChar char="-"/>
             </a:pPr>
-            <a:endParaRPr lang="en-US" altLang="ko-KR" dirty="0"/>
-          </a:p>
-          <a:p>
-            <a:pPr marL="285750" indent="-285750">
-              <a:buFontTx/>
-              <a:buChar char="-"/>
-            </a:pPr>
-            <a:r>
-              <a:rPr lang="ko-KR" altLang="en-US" dirty="0"/>
-              <a:t>비전투관련</a:t>
-            </a:r>
-            <a:endParaRPr lang="en-US" altLang="ko-KR" dirty="0"/>
-          </a:p>
-          <a:p>
-            <a:pPr marL="285750" indent="-285750">
-              <a:buFontTx/>
-              <a:buChar char="-"/>
-            </a:pPr>
-            <a:r>
-              <a:rPr lang="ko-KR" altLang="en-US" dirty="0"/>
-              <a:t>수집 시기에 모든 수치를 다시 찍을 수 있다</a:t>
-            </a:r>
-            <a:r>
-              <a:rPr lang="en-US" altLang="ko-KR" dirty="0"/>
-              <a:t>.</a:t>
-            </a:r>
-          </a:p>
-          <a:p>
-            <a:pPr marL="285750" indent="-285750">
-              <a:buFontTx/>
-              <a:buChar char="-"/>
-            </a:pPr>
-            <a:r>
-              <a:rPr lang="ko-KR" altLang="en-US" dirty="0"/>
-              <a:t>화술이 일정 수치 증가한다</a:t>
-            </a:r>
-            <a:r>
-              <a:rPr lang="en-US" altLang="ko-KR" dirty="0"/>
-              <a:t>. </a:t>
-            </a:r>
-            <a:r>
-              <a:rPr lang="ko-KR" altLang="en-US" dirty="0"/>
-              <a:t>발음교정기</a:t>
-            </a:r>
-            <a:endParaRPr lang="en-US" altLang="ko-KR" dirty="0"/>
-          </a:p>
-          <a:p>
-            <a:pPr marL="285750" indent="-285750">
-              <a:buFontTx/>
-              <a:buChar char="-"/>
-            </a:pPr>
-            <a:r>
-              <a:rPr lang="ko-KR" altLang="en-US" dirty="0"/>
-              <a:t>명상이 일정 수치 증가한다</a:t>
-            </a:r>
-            <a:r>
-              <a:rPr lang="en-US" altLang="ko-KR" dirty="0"/>
-              <a:t>. </a:t>
-            </a:r>
-            <a:r>
-              <a:rPr lang="ko-KR" altLang="en-US" dirty="0"/>
-              <a:t>탄생석</a:t>
-            </a:r>
-            <a:endParaRPr lang="en-US" altLang="ko-KR" dirty="0"/>
-          </a:p>
-          <a:p>
-            <a:pPr marL="285750" indent="-285750">
-              <a:buFontTx/>
-              <a:buChar char="-"/>
-            </a:pPr>
-            <a:r>
-              <a:rPr lang="ko-KR" altLang="en-US" dirty="0"/>
-              <a:t>지력이 일정 수치 증가한다</a:t>
-            </a:r>
-            <a:r>
-              <a:rPr lang="en-US" altLang="ko-KR" dirty="0"/>
-              <a:t>. </a:t>
-            </a:r>
-            <a:r>
-              <a:rPr lang="ko-KR" altLang="en-US" dirty="0"/>
-              <a:t>큐브</a:t>
-            </a:r>
-            <a:endParaRPr lang="en-US" altLang="ko-KR" dirty="0"/>
-          </a:p>
-          <a:p>
-            <a:pPr marL="285750" indent="-285750">
-              <a:buFontTx/>
-              <a:buChar char="-"/>
-            </a:pPr>
-            <a:r>
-              <a:rPr lang="ko-KR" altLang="en-US" dirty="0"/>
-              <a:t>지력에 비례하여 근력이 증가한다</a:t>
-            </a:r>
-            <a:r>
-              <a:rPr lang="en-US" altLang="ko-KR" dirty="0"/>
-              <a:t>. </a:t>
-            </a:r>
-            <a:r>
-              <a:rPr lang="ko-KR" altLang="en-US" dirty="0" err="1"/>
-              <a:t>개무거운책</a:t>
-            </a:r>
-            <a:endParaRPr lang="en-US" altLang="ko-KR" dirty="0"/>
-          </a:p>
-          <a:p>
-            <a:pPr marL="285750" indent="-285750">
-              <a:buFontTx/>
-              <a:buChar char="-"/>
-            </a:pPr>
-            <a:r>
-              <a:rPr lang="ko-KR" altLang="en-US" dirty="0"/>
-              <a:t>체력이 증가하는 대신 화술이 일정 수치 낮아진다</a:t>
-            </a:r>
-            <a:r>
-              <a:rPr lang="en-US" altLang="ko-KR" dirty="0"/>
-              <a:t>. </a:t>
-            </a:r>
-            <a:r>
-              <a:rPr lang="ko-KR" altLang="en-US" dirty="0"/>
-              <a:t>마우스피스</a:t>
-            </a:r>
-            <a:endParaRPr lang="en-US" altLang="ko-KR" dirty="0"/>
-          </a:p>
-          <a:p>
-            <a:pPr marL="285750" indent="-285750">
-              <a:buFontTx/>
-              <a:buChar char="-"/>
-            </a:pPr>
-            <a:r>
-              <a:rPr lang="ko-KR" altLang="en-US" dirty="0" err="1"/>
-              <a:t>매턴마다</a:t>
-            </a:r>
-            <a:r>
-              <a:rPr lang="ko-KR" altLang="en-US" dirty="0"/>
-              <a:t> 지력이 증가한다</a:t>
-            </a:r>
-            <a:r>
-              <a:rPr lang="en-US" altLang="ko-KR" dirty="0"/>
-              <a:t>. </a:t>
-            </a:r>
-            <a:r>
-              <a:rPr lang="ko-KR" altLang="en-US" dirty="0"/>
-              <a:t>하지만 최대 수치를 넘게 되면 </a:t>
-            </a:r>
-            <a:r>
-              <a:rPr lang="en-US" altLang="ko-KR" dirty="0"/>
-              <a:t>0</a:t>
-            </a:r>
-            <a:r>
-              <a:rPr lang="ko-KR" altLang="en-US" dirty="0"/>
-              <a:t>부터 시작한다</a:t>
-            </a:r>
-            <a:r>
-              <a:rPr lang="en-US" altLang="ko-KR" dirty="0"/>
-              <a:t>. </a:t>
-            </a:r>
-            <a:r>
-              <a:rPr lang="ko-KR" altLang="en-US" dirty="0"/>
-              <a:t>뫼비우스의 </a:t>
-            </a:r>
-            <a:r>
-              <a:rPr lang="ko-KR" altLang="en-US" dirty="0" err="1"/>
-              <a:t>띄</a:t>
-            </a:r>
-            <a:endParaRPr lang="en-US" altLang="ko-KR" dirty="0"/>
-          </a:p>
-          <a:p>
-            <a:pPr marL="285750" indent="-285750">
-              <a:buFontTx/>
-              <a:buChar char="-"/>
-            </a:pPr>
-            <a:r>
-              <a:rPr lang="ko-KR" altLang="en-US" dirty="0"/>
-              <a:t>동료 육성 효율이 크게 증가한다</a:t>
-            </a:r>
-            <a:r>
-              <a:rPr lang="en-US" altLang="ko-KR" dirty="0"/>
-              <a:t>. </a:t>
-            </a:r>
-            <a:r>
-              <a:rPr lang="ko-KR" altLang="en-US" dirty="0"/>
-              <a:t>그러나 일정 </a:t>
-            </a:r>
-            <a:r>
-              <a:rPr lang="ko-KR" altLang="en-US" dirty="0" err="1"/>
-              <a:t>턴수</a:t>
-            </a:r>
-            <a:r>
-              <a:rPr lang="ko-KR" altLang="en-US" dirty="0"/>
-              <a:t> </a:t>
-            </a:r>
-            <a:r>
-              <a:rPr lang="en-US" altLang="ko-KR" dirty="0"/>
-              <a:t>or </a:t>
-            </a:r>
-            <a:r>
-              <a:rPr lang="ko-KR" altLang="en-US" dirty="0"/>
-              <a:t>일정 수치를 </a:t>
-            </a:r>
-            <a:r>
-              <a:rPr lang="ko-KR" altLang="en-US" dirty="0" err="1"/>
-              <a:t>넘게되면</a:t>
-            </a:r>
-            <a:r>
-              <a:rPr lang="ko-KR" altLang="en-US" dirty="0"/>
-              <a:t> 동료가 랜덤으로 떠남</a:t>
-            </a:r>
-            <a:r>
-              <a:rPr lang="en-US" altLang="ko-KR" dirty="0"/>
-              <a:t>. </a:t>
-            </a:r>
-            <a:r>
-              <a:rPr lang="ko-KR" altLang="en-US" dirty="0" err="1"/>
-              <a:t>연설가의</a:t>
-            </a:r>
-            <a:r>
-              <a:rPr lang="ko-KR" altLang="en-US" dirty="0"/>
-              <a:t> 동상</a:t>
-            </a:r>
-            <a:endParaRPr lang="en-US" altLang="ko-KR" dirty="0"/>
-          </a:p>
-          <a:p>
-            <a:pPr marL="285750" indent="-285750">
-              <a:buFontTx/>
-              <a:buChar char="-"/>
-            </a:pPr>
-            <a:r>
-              <a:rPr lang="ko-KR" altLang="en-US" dirty="0"/>
-              <a:t>턴마다 랜덤하게 근력</a:t>
-            </a:r>
-            <a:r>
-              <a:rPr lang="en-US" altLang="ko-KR" dirty="0"/>
-              <a:t>, </a:t>
-            </a:r>
-            <a:r>
-              <a:rPr lang="ko-KR" altLang="en-US" dirty="0"/>
-              <a:t>체력 감소 </a:t>
-            </a:r>
-            <a:r>
-              <a:rPr lang="en-US" altLang="ko-KR" dirty="0"/>
-              <a:t>but </a:t>
-            </a:r>
-            <a:r>
-              <a:rPr lang="ko-KR" altLang="en-US" dirty="0"/>
-              <a:t>명상 증가</a:t>
-            </a:r>
-            <a:r>
-              <a:rPr lang="en-US" altLang="ko-KR" dirty="0"/>
-              <a:t>. LSD</a:t>
-            </a:r>
-          </a:p>
-          <a:p>
-            <a:pPr marL="285750" indent="-285750">
-              <a:buFontTx/>
-              <a:buChar char="-"/>
-            </a:pPr>
+            <a:r>
+              <a:rPr lang="ko-KR" altLang="en-US" dirty="0"/>
+              <a:t>무기일지는 모르지만</a:t>
+            </a:r>
             <a:endParaRPr lang="en-US" altLang="ko-KR" dirty="0"/>
           </a:p>
         </p:txBody>
@@ -5797,7 +5866,7 @@
         <p:spPr>
           <a:xfrm>
             <a:off x="574431" y="439615"/>
-            <a:ext cx="646331" cy="369332"/>
+            <a:ext cx="311304" cy="369332"/>
           </a:xfrm>
           <a:prstGeom prst="rect">
             <a:avLst/>
@@ -5811,9 +5880,10 @@
           <a:lstStyle/>
           <a:p>
             <a:r>
-              <a:rPr lang="ko-KR" altLang="en-US" dirty="0"/>
-              <a:t>무기</a:t>
-            </a:r>
+              <a:rPr lang="en-US" altLang="ko-KR" dirty="0"/>
+              <a:t>2</a:t>
+            </a:r>
+            <a:endParaRPr lang="ko-KR" altLang="en-US" dirty="0"/>
           </a:p>
         </p:txBody>
       </p:sp>
@@ -5832,7 +5902,7 @@
         <p:spPr>
           <a:xfrm>
             <a:off x="487913" y="1003973"/>
-            <a:ext cx="11319388" cy="4801314"/>
+            <a:ext cx="11319388" cy="3416320"/>
           </a:xfrm>
           <a:prstGeom prst="rect">
             <a:avLst/>
@@ -5851,7 +5921,225 @@
             </a:pPr>
             <a:r>
               <a:rPr lang="ko-KR" altLang="en-US" dirty="0"/>
-              <a:t>무한으로 챙길 수 있는 수집요소가 있는가 하면</a:t>
+              <a:t>비전투관련</a:t>
+            </a:r>
+            <a:endParaRPr lang="en-US" altLang="ko-KR" dirty="0"/>
+          </a:p>
+          <a:p>
+            <a:pPr marL="285750" indent="-285750">
+              <a:buFontTx/>
+              <a:buChar char="-"/>
+            </a:pPr>
+            <a:r>
+              <a:rPr lang="ko-KR" altLang="en-US" dirty="0"/>
+              <a:t>수집 시기에 모든 수치를 다시 찍을 수 있다</a:t>
+            </a:r>
+            <a:r>
+              <a:rPr lang="en-US" altLang="ko-KR" dirty="0"/>
+              <a:t>.</a:t>
+            </a:r>
+          </a:p>
+          <a:p>
+            <a:pPr marL="285750" indent="-285750">
+              <a:buFontTx/>
+              <a:buChar char="-"/>
+            </a:pPr>
+            <a:r>
+              <a:rPr lang="ko-KR" altLang="en-US" dirty="0"/>
+              <a:t>화술이 일정 수치 증가한다</a:t>
+            </a:r>
+            <a:r>
+              <a:rPr lang="en-US" altLang="ko-KR" dirty="0"/>
+              <a:t>. </a:t>
+            </a:r>
+            <a:r>
+              <a:rPr lang="ko-KR" altLang="en-US" dirty="0"/>
+              <a:t>발음교정기</a:t>
+            </a:r>
+            <a:endParaRPr lang="en-US" altLang="ko-KR" dirty="0"/>
+          </a:p>
+          <a:p>
+            <a:pPr marL="285750" indent="-285750">
+              <a:buFontTx/>
+              <a:buChar char="-"/>
+            </a:pPr>
+            <a:r>
+              <a:rPr lang="ko-KR" altLang="en-US" dirty="0"/>
+              <a:t>명상이 일정 수치 증가한다</a:t>
+            </a:r>
+            <a:r>
+              <a:rPr lang="en-US" altLang="ko-KR" dirty="0"/>
+              <a:t>. </a:t>
+            </a:r>
+            <a:r>
+              <a:rPr lang="ko-KR" altLang="en-US" dirty="0"/>
+              <a:t>탄생석</a:t>
+            </a:r>
+            <a:endParaRPr lang="en-US" altLang="ko-KR" dirty="0"/>
+          </a:p>
+          <a:p>
+            <a:pPr marL="285750" indent="-285750">
+              <a:buFontTx/>
+              <a:buChar char="-"/>
+            </a:pPr>
+            <a:r>
+              <a:rPr lang="ko-KR" altLang="en-US" dirty="0"/>
+              <a:t>지력이 일정 수치 증가한다</a:t>
+            </a:r>
+            <a:r>
+              <a:rPr lang="en-US" altLang="ko-KR" dirty="0"/>
+              <a:t>. </a:t>
+            </a:r>
+            <a:r>
+              <a:rPr lang="ko-KR" altLang="en-US" dirty="0"/>
+              <a:t>큐브</a:t>
+            </a:r>
+            <a:endParaRPr lang="en-US" altLang="ko-KR" dirty="0"/>
+          </a:p>
+          <a:p>
+            <a:pPr marL="285750" indent="-285750">
+              <a:buFontTx/>
+              <a:buChar char="-"/>
+            </a:pPr>
+            <a:r>
+              <a:rPr lang="ko-KR" altLang="en-US" dirty="0"/>
+              <a:t>지력에 비례하여 근력이 증가한다</a:t>
+            </a:r>
+            <a:r>
+              <a:rPr lang="en-US" altLang="ko-KR" dirty="0"/>
+              <a:t>. </a:t>
+            </a:r>
+            <a:r>
+              <a:rPr lang="ko-KR" altLang="en-US" dirty="0" err="1"/>
+              <a:t>개무거운책</a:t>
+            </a:r>
+            <a:endParaRPr lang="en-US" altLang="ko-KR" dirty="0"/>
+          </a:p>
+          <a:p>
+            <a:pPr marL="285750" indent="-285750">
+              <a:buFontTx/>
+              <a:buChar char="-"/>
+            </a:pPr>
+            <a:r>
+              <a:rPr lang="ko-KR" altLang="en-US" dirty="0"/>
+              <a:t>체력이 증가하는 대신 화술이 일정 수치 낮아진다</a:t>
+            </a:r>
+            <a:r>
+              <a:rPr lang="en-US" altLang="ko-KR" dirty="0"/>
+              <a:t>. </a:t>
+            </a:r>
+            <a:r>
+              <a:rPr lang="ko-KR" altLang="en-US" dirty="0"/>
+              <a:t>마우스피스</a:t>
+            </a:r>
+            <a:endParaRPr lang="en-US" altLang="ko-KR" dirty="0"/>
+          </a:p>
+          <a:p>
+            <a:pPr marL="285750" indent="-285750">
+              <a:buFontTx/>
+              <a:buChar char="-"/>
+            </a:pPr>
+            <a:r>
+              <a:rPr lang="ko-KR" altLang="en-US" dirty="0" err="1"/>
+              <a:t>매턴마다</a:t>
+            </a:r>
+            <a:r>
+              <a:rPr lang="ko-KR" altLang="en-US" dirty="0"/>
+              <a:t> 지력이 증가한다</a:t>
+            </a:r>
+            <a:r>
+              <a:rPr lang="en-US" altLang="ko-KR" dirty="0"/>
+              <a:t>. </a:t>
+            </a:r>
+            <a:r>
+              <a:rPr lang="ko-KR" altLang="en-US" dirty="0"/>
+              <a:t>하지만 최대 수치를 넘게 되면 </a:t>
+            </a:r>
+            <a:r>
+              <a:rPr lang="en-US" altLang="ko-KR" dirty="0"/>
+              <a:t>0</a:t>
+            </a:r>
+            <a:r>
+              <a:rPr lang="ko-KR" altLang="en-US" dirty="0"/>
+              <a:t>부터 시작한다</a:t>
+            </a:r>
+            <a:r>
+              <a:rPr lang="en-US" altLang="ko-KR" dirty="0"/>
+              <a:t>. </a:t>
+            </a:r>
+            <a:r>
+              <a:rPr lang="ko-KR" altLang="en-US" dirty="0"/>
+              <a:t>뫼비우스의 </a:t>
+            </a:r>
+            <a:r>
+              <a:rPr lang="ko-KR" altLang="en-US" dirty="0" err="1"/>
+              <a:t>띄</a:t>
+            </a:r>
+            <a:endParaRPr lang="en-US" altLang="ko-KR" dirty="0"/>
+          </a:p>
+          <a:p>
+            <a:pPr marL="285750" indent="-285750">
+              <a:buFontTx/>
+              <a:buChar char="-"/>
+            </a:pPr>
+            <a:r>
+              <a:rPr lang="ko-KR" altLang="en-US" dirty="0"/>
+              <a:t>동료 육성 효율이 크게 증가한다</a:t>
+            </a:r>
+            <a:r>
+              <a:rPr lang="en-US" altLang="ko-KR" dirty="0"/>
+              <a:t>. </a:t>
+            </a:r>
+            <a:r>
+              <a:rPr lang="ko-KR" altLang="en-US" dirty="0"/>
+              <a:t>그러나 일정 </a:t>
+            </a:r>
+            <a:r>
+              <a:rPr lang="ko-KR" altLang="en-US" dirty="0" err="1"/>
+              <a:t>턴수</a:t>
+            </a:r>
+            <a:r>
+              <a:rPr lang="ko-KR" altLang="en-US" dirty="0"/>
+              <a:t> </a:t>
+            </a:r>
+            <a:r>
+              <a:rPr lang="en-US" altLang="ko-KR" dirty="0"/>
+              <a:t>or </a:t>
+            </a:r>
+            <a:r>
+              <a:rPr lang="ko-KR" altLang="en-US" dirty="0"/>
+              <a:t>일정 수치를 </a:t>
+            </a:r>
+            <a:r>
+              <a:rPr lang="ko-KR" altLang="en-US" dirty="0" err="1"/>
+              <a:t>넘게되면</a:t>
+            </a:r>
+            <a:r>
+              <a:rPr lang="ko-KR" altLang="en-US" dirty="0"/>
+              <a:t> 동료가 랜덤으로 떠남</a:t>
+            </a:r>
+            <a:r>
+              <a:rPr lang="en-US" altLang="ko-KR" dirty="0"/>
+              <a:t>. </a:t>
+            </a:r>
+            <a:r>
+              <a:rPr lang="ko-KR" altLang="en-US" dirty="0" err="1"/>
+              <a:t>연설가의</a:t>
+            </a:r>
+            <a:r>
+              <a:rPr lang="ko-KR" altLang="en-US" dirty="0"/>
+              <a:t> 동상</a:t>
+            </a:r>
+            <a:endParaRPr lang="en-US" altLang="ko-KR" dirty="0"/>
+          </a:p>
+          <a:p>
+            <a:pPr marL="285750" indent="-285750">
+              <a:buFontTx/>
+              <a:buChar char="-"/>
+            </a:pPr>
+            <a:r>
+              <a:rPr lang="ko-KR" altLang="en-US" dirty="0"/>
+              <a:t>턴마다 랜덤하게 근력</a:t>
             </a:r>
             <a:r>
               <a:rPr lang="en-US" altLang="ko-KR" dirty="0"/>
@@ -5859,379 +6147,19 @@
             </a:r>
             <a:r>
               <a:rPr lang="ko-KR" altLang="en-US" dirty="0"/>
-              <a:t>단 하나만 착용 가능한 무기도 존재</a:t>
-            </a:r>
-            <a:r>
-              <a:rPr lang="en-US" altLang="ko-KR" dirty="0"/>
-              <a:t>.</a:t>
-            </a:r>
-          </a:p>
-          <a:p>
-            <a:pPr marL="285750" indent="-285750">
-              <a:buFontTx/>
-              <a:buChar char="-"/>
-            </a:pPr>
-            <a:r>
-              <a:rPr lang="ko-KR" altLang="en-US" dirty="0"/>
-              <a:t>무기는 유저의 전투 스타일을 결정하며</a:t>
-            </a:r>
-            <a:r>
-              <a:rPr lang="en-US" altLang="ko-KR" dirty="0"/>
-              <a:t>, </a:t>
-            </a:r>
-            <a:r>
-              <a:rPr lang="ko-KR" altLang="en-US" dirty="0"/>
-              <a:t>적들도 모두 무기를 착용하고 있다</a:t>
-            </a:r>
-            <a:r>
-              <a:rPr lang="en-US" altLang="ko-KR" dirty="0"/>
-              <a:t>.</a:t>
-            </a:r>
-          </a:p>
-          <a:p>
-            <a:pPr marL="285750" indent="-285750">
-              <a:buFontTx/>
-              <a:buChar char="-"/>
-            </a:pPr>
-            <a:r>
-              <a:rPr lang="ko-KR" altLang="en-US" dirty="0"/>
-              <a:t>무기는 종류가 많아서 종류별로</a:t>
-            </a:r>
-            <a:r>
-              <a:rPr lang="en-US" altLang="ko-KR" dirty="0"/>
-              <a:t>… </a:t>
-            </a:r>
-            <a:r>
-              <a:rPr lang="ko-KR" altLang="en-US" dirty="0" err="1"/>
-              <a:t>다섯개</a:t>
-            </a:r>
-            <a:r>
-              <a:rPr lang="ko-KR" altLang="en-US" dirty="0"/>
-              <a:t> 정도 있으면</a:t>
-            </a:r>
-            <a:r>
-              <a:rPr lang="en-US" altLang="ko-KR" dirty="0"/>
-              <a:t>…</a:t>
-            </a:r>
-          </a:p>
-          <a:p>
-            <a:pPr marL="285750" indent="-285750">
-              <a:buFontTx/>
-              <a:buChar char="-"/>
-            </a:pPr>
-            <a:endParaRPr lang="en-US" altLang="ko-KR" dirty="0"/>
-          </a:p>
-          <a:p>
-            <a:pPr marL="285750" indent="-285750">
-              <a:buFontTx/>
-              <a:buChar char="-"/>
-            </a:pPr>
-            <a:r>
-              <a:rPr lang="ko-KR" altLang="en-US" dirty="0"/>
-              <a:t>단검</a:t>
-            </a:r>
-            <a:r>
-              <a:rPr lang="en-US" altLang="ko-KR" dirty="0"/>
-              <a:t>: </a:t>
-            </a:r>
-            <a:r>
-              <a:rPr lang="ko-KR" altLang="en-US" dirty="0"/>
-              <a:t>타수가 많은 대신 근력 보정 감소</a:t>
-            </a:r>
-            <a:r>
-              <a:rPr lang="en-US" altLang="ko-KR" dirty="0"/>
-              <a:t>. </a:t>
-            </a:r>
-            <a:r>
-              <a:rPr lang="ko-KR" altLang="en-US" dirty="0"/>
-              <a:t>능력 보정</a:t>
-            </a:r>
-            <a:r>
-              <a:rPr lang="en-US" altLang="ko-KR" dirty="0"/>
-              <a:t>: </a:t>
-            </a:r>
-            <a:r>
-              <a:rPr lang="ko-KR" altLang="en-US" dirty="0"/>
-              <a:t>타수 증가</a:t>
-            </a:r>
-            <a:r>
-              <a:rPr lang="en-US" altLang="ko-KR" dirty="0"/>
-              <a:t>.</a:t>
-            </a:r>
-          </a:p>
-          <a:p>
-            <a:pPr marL="285750" indent="-285750">
-              <a:buFontTx/>
-              <a:buChar char="-"/>
-            </a:pPr>
-            <a:r>
-              <a:rPr lang="ko-KR" altLang="en-US" dirty="0"/>
-              <a:t>활</a:t>
-            </a:r>
-            <a:r>
-              <a:rPr lang="en-US" altLang="ko-KR" dirty="0"/>
-              <a:t>: </a:t>
-            </a:r>
-            <a:r>
-              <a:rPr lang="ko-KR" altLang="en-US" dirty="0"/>
-              <a:t>좀 더 나중에 때릴 수 있게 하기</a:t>
-            </a:r>
-            <a:r>
-              <a:rPr lang="en-US" altLang="ko-KR" dirty="0"/>
-              <a:t>(</a:t>
-            </a:r>
-            <a:r>
-              <a:rPr lang="ko-KR" altLang="en-US" dirty="0"/>
-              <a:t>왜</a:t>
-            </a:r>
-            <a:r>
-              <a:rPr lang="en-US" altLang="ko-KR" dirty="0"/>
-              <a:t>? </a:t>
-            </a:r>
-            <a:r>
-              <a:rPr lang="ko-KR" altLang="en-US" dirty="0"/>
-              <a:t>확률이 극에 가까워질 수록 보정이 붙기 때문에</a:t>
-            </a:r>
-            <a:r>
-              <a:rPr lang="en-US" altLang="ko-KR" dirty="0"/>
-              <a:t>, </a:t>
-            </a:r>
-            <a:r>
-              <a:rPr lang="ko-KR" altLang="en-US" dirty="0"/>
-              <a:t>나중에 때리게 되면 더 많은 이득을 볼 수 있다</a:t>
-            </a:r>
-            <a:r>
-              <a:rPr lang="en-US" altLang="ko-KR" dirty="0"/>
-              <a:t>. </a:t>
-            </a:r>
-            <a:r>
-              <a:rPr lang="ko-KR" altLang="en-US" dirty="0"/>
-              <a:t>아니면 적의 스킬이 발동한 뒤에 사용하는 것도 좋은 효과</a:t>
-            </a:r>
-            <a:r>
-              <a:rPr lang="en-US" altLang="ko-KR" dirty="0"/>
-              <a:t>) </a:t>
-            </a:r>
-            <a:r>
-              <a:rPr lang="ko-KR" altLang="en-US" dirty="0"/>
-              <a:t>능력 보정</a:t>
-            </a:r>
-            <a:r>
-              <a:rPr lang="en-US" altLang="ko-KR" dirty="0"/>
-              <a:t>: </a:t>
-            </a:r>
-            <a:r>
-              <a:rPr lang="ko-KR" altLang="en-US" dirty="0"/>
-              <a:t>더 나중에 때릴 수 있음</a:t>
-            </a:r>
-            <a:r>
-              <a:rPr lang="en-US" altLang="ko-KR" dirty="0"/>
-              <a:t>.</a:t>
-            </a:r>
-          </a:p>
-          <a:p>
-            <a:pPr marL="285750" indent="-285750">
-              <a:buFontTx/>
-              <a:buChar char="-"/>
-            </a:pPr>
-            <a:r>
-              <a:rPr lang="ko-KR" altLang="en-US" dirty="0"/>
-              <a:t>대검</a:t>
-            </a:r>
-            <a:r>
-              <a:rPr lang="en-US" altLang="ko-KR" dirty="0"/>
-              <a:t>: </a:t>
-            </a:r>
-            <a:r>
-              <a:rPr lang="ko-KR" altLang="en-US" dirty="0"/>
-              <a:t>근력 보정 최대치</a:t>
-            </a:r>
-            <a:r>
-              <a:rPr lang="en-US" altLang="ko-KR" dirty="0"/>
-              <a:t>, </a:t>
-            </a:r>
-            <a:r>
-              <a:rPr lang="ko-KR" altLang="en-US" dirty="0"/>
-              <a:t>대신 타수가 적어 공격이 먼저 끝나게 될 듯</a:t>
-            </a:r>
-            <a:r>
-              <a:rPr lang="en-US" altLang="ko-KR" dirty="0"/>
-              <a:t>. </a:t>
-            </a:r>
-            <a:r>
-              <a:rPr lang="ko-KR" altLang="en-US" dirty="0"/>
-              <a:t>능력 보정</a:t>
-            </a:r>
-            <a:r>
-              <a:rPr lang="en-US" altLang="ko-KR" dirty="0"/>
-              <a:t>: </a:t>
-            </a:r>
-            <a:r>
-              <a:rPr lang="ko-KR" altLang="en-US" dirty="0"/>
-              <a:t>근력 보정 효율 증가</a:t>
-            </a:r>
-            <a:r>
-              <a:rPr lang="en-US" altLang="ko-KR" dirty="0"/>
-              <a:t>.</a:t>
-            </a:r>
-          </a:p>
-          <a:p>
-            <a:pPr marL="285750" indent="-285750">
-              <a:buFontTx/>
-              <a:buChar char="-"/>
-            </a:pPr>
-            <a:r>
-              <a:rPr lang="ko-KR" altLang="en-US" dirty="0"/>
-              <a:t>총</a:t>
-            </a:r>
-            <a:r>
-              <a:rPr lang="en-US" altLang="ko-KR" dirty="0"/>
-              <a:t>: </a:t>
-            </a:r>
-            <a:r>
-              <a:rPr lang="ko-KR" altLang="en-US" dirty="0"/>
-              <a:t>근력 보정은 없다시피</a:t>
-            </a:r>
-            <a:r>
-              <a:rPr lang="en-US" altLang="ko-KR" dirty="0"/>
-              <a:t>, </a:t>
-            </a:r>
-            <a:r>
-              <a:rPr lang="ko-KR" altLang="en-US" dirty="0"/>
-              <a:t>대신 능력 보정으로 </a:t>
-            </a:r>
-            <a:r>
-              <a:rPr lang="ko-KR" altLang="en-US" dirty="0" err="1"/>
-              <a:t>대미지</a:t>
-            </a:r>
-            <a:r>
-              <a:rPr lang="ko-KR" altLang="en-US" dirty="0"/>
-              <a:t> 증가</a:t>
-            </a:r>
-            <a:r>
-              <a:rPr lang="en-US" altLang="ko-KR" dirty="0"/>
-              <a:t>. </a:t>
-            </a:r>
-            <a:r>
-              <a:rPr lang="ko-KR" altLang="en-US" dirty="0"/>
-              <a:t>타수와 </a:t>
-            </a:r>
-            <a:r>
-              <a:rPr lang="ko-KR" altLang="en-US" dirty="0" err="1"/>
-              <a:t>늦춰짐</a:t>
-            </a:r>
-            <a:r>
-              <a:rPr lang="ko-KR" altLang="en-US" dirty="0"/>
-              <a:t> 효과가 단검과 활의 중간 수준 정도</a:t>
-            </a:r>
-            <a:r>
-              <a:rPr lang="en-US" altLang="ko-KR" dirty="0"/>
-              <a:t>?</a:t>
-            </a:r>
-          </a:p>
-          <a:p>
-            <a:pPr marL="285750" indent="-285750">
-              <a:buFontTx/>
-              <a:buChar char="-"/>
-            </a:pPr>
-            <a:r>
-              <a:rPr lang="ko-KR" altLang="en-US" dirty="0"/>
-              <a:t>주먹</a:t>
-            </a:r>
-            <a:r>
-              <a:rPr lang="en-US" altLang="ko-KR" dirty="0"/>
-              <a:t>: </a:t>
-            </a:r>
-            <a:r>
-              <a:rPr lang="ko-KR" altLang="en-US" dirty="0"/>
-              <a:t>무기의 효과를 다른 수집요소들의 효과와 번갈아 가며 사용</a:t>
-            </a:r>
-            <a:r>
-              <a:rPr lang="en-US" altLang="ko-KR" dirty="0"/>
-              <a:t>.</a:t>
-            </a:r>
-          </a:p>
-          <a:p>
-            <a:pPr marL="285750" indent="-285750">
-              <a:buFontTx/>
-              <a:buChar char="-"/>
-            </a:pPr>
-            <a:r>
-              <a:rPr lang="ko-KR" altLang="en-US" dirty="0"/>
-              <a:t>채찍</a:t>
-            </a:r>
-            <a:r>
-              <a:rPr lang="en-US" altLang="ko-KR" dirty="0"/>
-              <a:t>: </a:t>
-            </a:r>
-            <a:r>
-              <a:rPr lang="ko-KR" altLang="en-US" dirty="0"/>
-              <a:t>전투가 길어질 수록 대미지가 커짐</a:t>
-            </a:r>
-            <a:r>
-              <a:rPr lang="en-US" altLang="ko-KR" dirty="0"/>
-              <a:t>?</a:t>
-            </a:r>
-          </a:p>
-          <a:p>
-            <a:pPr marL="285750" indent="-285750">
-              <a:buFontTx/>
-              <a:buChar char="-"/>
-            </a:pPr>
-            <a:endParaRPr lang="en-US" altLang="ko-KR" dirty="0"/>
-          </a:p>
-          <a:p>
-            <a:pPr marL="285750" indent="-285750">
-              <a:buFontTx/>
-              <a:buChar char="-"/>
-            </a:pPr>
-            <a:r>
-              <a:rPr lang="ko-KR" altLang="en-US" dirty="0"/>
-              <a:t>기본적으로 무기는 각 효율과 근력</a:t>
-            </a:r>
-            <a:r>
-              <a:rPr lang="en-US" altLang="ko-KR" dirty="0"/>
-              <a:t>, </a:t>
-            </a:r>
-            <a:r>
-              <a:rPr lang="ko-KR" altLang="en-US" dirty="0"/>
-              <a:t>능력 보정 수치가 다르지만</a:t>
-            </a:r>
-            <a:r>
-              <a:rPr lang="en-US" altLang="ko-KR" dirty="0"/>
-              <a:t>, </a:t>
-            </a:r>
-            <a:r>
-              <a:rPr lang="ko-KR" altLang="en-US" dirty="0"/>
-              <a:t>성능 차이는 크게 없도록 </a:t>
-            </a:r>
-            <a:r>
-              <a:rPr lang="ko-KR" altLang="en-US" dirty="0" err="1"/>
-              <a:t>하려는게</a:t>
-            </a:r>
-            <a:r>
-              <a:rPr lang="ko-KR" altLang="en-US" dirty="0"/>
-              <a:t> 포인트다</a:t>
-            </a:r>
-            <a:r>
-              <a:rPr lang="en-US" altLang="ko-KR" dirty="0"/>
-              <a:t>. </a:t>
-            </a:r>
-            <a:r>
-              <a:rPr lang="ko-KR" altLang="en-US" dirty="0" err="1"/>
-              <a:t>다크소울의</a:t>
-            </a:r>
-            <a:r>
-              <a:rPr lang="ko-KR" altLang="en-US" dirty="0"/>
-              <a:t> 무기 시스템과 </a:t>
-            </a:r>
-            <a:r>
-              <a:rPr lang="ko-KR" altLang="en-US" dirty="0" err="1"/>
-              <a:t>비슷</a:t>
-            </a:r>
-            <a:r>
-              <a:rPr lang="en-US" altLang="ko-KR" dirty="0"/>
-              <a:t>.</a:t>
+              <a:t>체력 감소 </a:t>
+            </a:r>
+            <a:r>
+              <a:rPr lang="en-US" altLang="ko-KR" dirty="0"/>
+              <a:t>but </a:t>
+            </a:r>
+            <a:r>
+              <a:rPr lang="ko-KR" altLang="en-US" dirty="0"/>
+              <a:t>명상 증가</a:t>
+            </a:r>
+            <a:r>
+              <a:rPr lang="en-US" altLang="ko-KR" dirty="0"/>
+              <a:t>. LSD</a:t>
             </a:r>
           </a:p>
           <a:p>
@@ -6246,7 +6174,7 @@
     </p:spTree>
     <p:extLst>
       <p:ext uri="{BB962C8B-B14F-4D97-AF65-F5344CB8AC3E}">
-        <p14:creationId xmlns:p14="http://schemas.microsoft.com/office/powerpoint/2010/main" val="1507121529"/>
+        <p14:creationId xmlns:p14="http://schemas.microsoft.com/office/powerpoint/2010/main" val="2084516177"/>
       </p:ext>
     </p:extLst>
   </p:cSld>
@@ -6288,7 +6216,7 @@
         <p:spPr>
           <a:xfrm>
             <a:off x="574431" y="439615"/>
-            <a:ext cx="1241045" cy="369332"/>
+            <a:ext cx="646331" cy="369332"/>
           </a:xfrm>
           <a:prstGeom prst="rect">
             <a:avLst/>
@@ -6305,14 +6233,6 @@
               <a:rPr lang="ko-KR" altLang="en-US" dirty="0"/>
               <a:t>무기</a:t>
             </a:r>
-            <a:r>
-              <a:rPr lang="en-US" altLang="ko-KR" dirty="0"/>
-              <a:t>:</a:t>
-            </a:r>
-            <a:r>
-              <a:rPr lang="ko-KR" altLang="en-US" dirty="0"/>
-              <a:t> 단검</a:t>
-            </a:r>
           </a:p>
         </p:txBody>
       </p:sp>
@@ -6331,7 +6251,7 @@
         <p:spPr>
           <a:xfrm>
             <a:off x="487913" y="1003973"/>
-            <a:ext cx="11319388" cy="2031325"/>
+            <a:ext cx="11319388" cy="4801314"/>
           </a:xfrm>
           <a:prstGeom prst="rect">
             <a:avLst/>
@@ -6350,7 +6270,130 @@
             </a:pPr>
             <a:r>
               <a:rPr lang="ko-KR" altLang="en-US" dirty="0"/>
-              <a:t>처음에 타격을 몰아서 하는데</a:t>
+              <a:t>무한으로 챙길 수 있는 수집요소가 있는가 하면</a:t>
+            </a:r>
+            <a:r>
+              <a:rPr lang="en-US" altLang="ko-KR" dirty="0"/>
+              <a:t>, </a:t>
+            </a:r>
+            <a:r>
+              <a:rPr lang="ko-KR" altLang="en-US" dirty="0"/>
+              <a:t>단 하나만 착용 가능한 무기도 존재</a:t>
+            </a:r>
+            <a:r>
+              <a:rPr lang="en-US" altLang="ko-KR" dirty="0"/>
+              <a:t>.</a:t>
+            </a:r>
+          </a:p>
+          <a:p>
+            <a:pPr marL="285750" indent="-285750">
+              <a:buFontTx/>
+              <a:buChar char="-"/>
+            </a:pPr>
+            <a:r>
+              <a:rPr lang="ko-KR" altLang="en-US" dirty="0"/>
+              <a:t>무기는 유저의 전투 스타일을 결정하며</a:t>
+            </a:r>
+            <a:r>
+              <a:rPr lang="en-US" altLang="ko-KR" dirty="0"/>
+              <a:t>, </a:t>
+            </a:r>
+            <a:r>
+              <a:rPr lang="ko-KR" altLang="en-US" dirty="0"/>
+              <a:t>적들도 모두 무기를 착용하고 있다</a:t>
+            </a:r>
+            <a:r>
+              <a:rPr lang="en-US" altLang="ko-KR" dirty="0"/>
+              <a:t>.</a:t>
+            </a:r>
+          </a:p>
+          <a:p>
+            <a:pPr marL="285750" indent="-285750">
+              <a:buFontTx/>
+              <a:buChar char="-"/>
+            </a:pPr>
+            <a:r>
+              <a:rPr lang="ko-KR" altLang="en-US" dirty="0"/>
+              <a:t>무기는 종류가 많아서 종류별로</a:t>
+            </a:r>
+            <a:r>
+              <a:rPr lang="en-US" altLang="ko-KR" dirty="0"/>
+              <a:t>… </a:t>
+            </a:r>
+            <a:r>
+              <a:rPr lang="ko-KR" altLang="en-US" dirty="0" err="1"/>
+              <a:t>다섯개</a:t>
+            </a:r>
+            <a:r>
+              <a:rPr lang="ko-KR" altLang="en-US" dirty="0"/>
+              <a:t> 정도 있으면</a:t>
+            </a:r>
+            <a:r>
+              <a:rPr lang="en-US" altLang="ko-KR" dirty="0"/>
+              <a:t>…</a:t>
+            </a:r>
+          </a:p>
+          <a:p>
+            <a:pPr marL="285750" indent="-285750">
+              <a:buFontTx/>
+              <a:buChar char="-"/>
+            </a:pPr>
+            <a:endParaRPr lang="en-US" altLang="ko-KR" dirty="0"/>
+          </a:p>
+          <a:p>
+            <a:pPr marL="285750" indent="-285750">
+              <a:buFontTx/>
+              <a:buChar char="-"/>
+            </a:pPr>
+            <a:r>
+              <a:rPr lang="ko-KR" altLang="en-US" dirty="0"/>
+              <a:t>단검</a:t>
+            </a:r>
+            <a:r>
+              <a:rPr lang="en-US" altLang="ko-KR" dirty="0"/>
+              <a:t>: </a:t>
+            </a:r>
+            <a:r>
+              <a:rPr lang="ko-KR" altLang="en-US" dirty="0"/>
+              <a:t>타수가 많은 대신 근력 보정 감소</a:t>
+            </a:r>
+            <a:r>
+              <a:rPr lang="en-US" altLang="ko-KR" dirty="0"/>
+              <a:t>. </a:t>
+            </a:r>
+            <a:r>
+              <a:rPr lang="ko-KR" altLang="en-US" dirty="0"/>
+              <a:t>능력 보정</a:t>
+            </a:r>
+            <a:r>
+              <a:rPr lang="en-US" altLang="ko-KR" dirty="0"/>
+              <a:t>: </a:t>
+            </a:r>
+            <a:r>
+              <a:rPr lang="ko-KR" altLang="en-US" dirty="0"/>
+              <a:t>타수 증가</a:t>
+            </a:r>
+            <a:r>
+              <a:rPr lang="en-US" altLang="ko-KR" dirty="0"/>
+              <a:t>.</a:t>
+            </a:r>
+          </a:p>
+          <a:p>
+            <a:pPr marL="285750" indent="-285750">
+              <a:buFontTx/>
+              <a:buChar char="-"/>
+            </a:pPr>
+            <a:r>
+              <a:rPr lang="ko-KR" altLang="en-US" dirty="0"/>
+              <a:t>활</a:t>
+            </a:r>
+            <a:r>
+              <a:rPr lang="en-US" altLang="ko-KR" dirty="0"/>
+              <a:t>: </a:t>
+            </a:r>
+            <a:r>
+              <a:rPr lang="ko-KR" altLang="en-US" dirty="0"/>
+              <a:t>좀 더 나중에 때릴 수 있게 하기</a:t>
             </a:r>
             <a:r>
               <a:rPr lang="en-US" altLang="ko-KR" dirty="0"/>
@@ -6358,31 +6401,202 @@
             </a:r>
             <a:r>
               <a:rPr lang="ko-KR" altLang="en-US" dirty="0"/>
-              <a:t>물론 상대와 순서대로임</a:t>
-            </a:r>
-            <a:r>
-              <a:rPr lang="en-US" altLang="ko-KR" dirty="0"/>
-              <a:t>), </a:t>
-            </a:r>
-            <a:r>
-              <a:rPr lang="ko-KR" altLang="en-US" dirty="0"/>
-              <a:t>횟수는 능력 수치에 비례</a:t>
-            </a:r>
-            <a:endParaRPr lang="en-US" altLang="ko-KR" dirty="0"/>
-          </a:p>
-          <a:p>
-            <a:pPr marL="285750" indent="-285750">
-              <a:buFontTx/>
-              <a:buChar char="-"/>
-            </a:pPr>
-            <a:r>
-              <a:rPr lang="ko-KR" altLang="en-US" dirty="0"/>
-              <a:t>각 타격별로 점진적으로 늘어나는 </a:t>
+              <a:t>왜</a:t>
+            </a:r>
+            <a:r>
+              <a:rPr lang="en-US" altLang="ko-KR" dirty="0"/>
+              <a:t>? </a:t>
+            </a:r>
+            <a:r>
+              <a:rPr lang="ko-KR" altLang="en-US" dirty="0"/>
+              <a:t>확률이 극에 가까워질 수록 보정이 붙기 때문에</a:t>
+            </a:r>
+            <a:r>
+              <a:rPr lang="en-US" altLang="ko-KR" dirty="0"/>
+              <a:t>, </a:t>
+            </a:r>
+            <a:r>
+              <a:rPr lang="ko-KR" altLang="en-US" dirty="0"/>
+              <a:t>나중에 때리게 되면 더 많은 이득을 볼 수 있다</a:t>
+            </a:r>
+            <a:r>
+              <a:rPr lang="en-US" altLang="ko-KR" dirty="0"/>
+              <a:t>. </a:t>
+            </a:r>
+            <a:r>
+              <a:rPr lang="ko-KR" altLang="en-US" dirty="0"/>
+              <a:t>아니면 적의 스킬이 발동한 뒤에 사용하는 것도 좋은 효과</a:t>
+            </a:r>
+            <a:r>
+              <a:rPr lang="en-US" altLang="ko-KR" dirty="0"/>
+              <a:t>) </a:t>
+            </a:r>
+            <a:r>
+              <a:rPr lang="ko-KR" altLang="en-US" dirty="0"/>
+              <a:t>능력 보정</a:t>
+            </a:r>
+            <a:r>
+              <a:rPr lang="en-US" altLang="ko-KR" dirty="0"/>
+              <a:t>: </a:t>
+            </a:r>
+            <a:r>
+              <a:rPr lang="ko-KR" altLang="en-US" dirty="0"/>
+              <a:t>더 나중에 때릴 수 있음</a:t>
+            </a:r>
+            <a:r>
+              <a:rPr lang="en-US" altLang="ko-KR" dirty="0"/>
+              <a:t>.</a:t>
+            </a:r>
+          </a:p>
+          <a:p>
+            <a:pPr marL="285750" indent="-285750">
+              <a:buFontTx/>
+              <a:buChar char="-"/>
+            </a:pPr>
+            <a:r>
+              <a:rPr lang="ko-KR" altLang="en-US" dirty="0"/>
+              <a:t>대검</a:t>
+            </a:r>
+            <a:r>
+              <a:rPr lang="en-US" altLang="ko-KR" dirty="0"/>
+              <a:t>: </a:t>
+            </a:r>
+            <a:r>
+              <a:rPr lang="ko-KR" altLang="en-US" dirty="0"/>
+              <a:t>근력 보정 최대치</a:t>
+            </a:r>
+            <a:r>
+              <a:rPr lang="en-US" altLang="ko-KR" dirty="0"/>
+              <a:t>, </a:t>
+            </a:r>
+            <a:r>
+              <a:rPr lang="ko-KR" altLang="en-US" dirty="0"/>
+              <a:t>대신 타수가 적어 공격이 먼저 끝나게 될 듯</a:t>
+            </a:r>
+            <a:r>
+              <a:rPr lang="en-US" altLang="ko-KR" dirty="0"/>
+              <a:t>. </a:t>
+            </a:r>
+            <a:r>
+              <a:rPr lang="ko-KR" altLang="en-US" dirty="0"/>
+              <a:t>능력 보정</a:t>
+            </a:r>
+            <a:r>
+              <a:rPr lang="en-US" altLang="ko-KR" dirty="0"/>
+              <a:t>: </a:t>
+            </a:r>
+            <a:r>
+              <a:rPr lang="ko-KR" altLang="en-US" dirty="0"/>
+              <a:t>근력 보정 효율 증가</a:t>
+            </a:r>
+            <a:r>
+              <a:rPr lang="en-US" altLang="ko-KR" dirty="0"/>
+              <a:t>.</a:t>
+            </a:r>
+          </a:p>
+          <a:p>
+            <a:pPr marL="285750" indent="-285750">
+              <a:buFontTx/>
+              <a:buChar char="-"/>
+            </a:pPr>
+            <a:r>
+              <a:rPr lang="ko-KR" altLang="en-US" dirty="0"/>
+              <a:t>총</a:t>
+            </a:r>
+            <a:r>
+              <a:rPr lang="en-US" altLang="ko-KR" dirty="0"/>
+              <a:t>: </a:t>
+            </a:r>
+            <a:r>
+              <a:rPr lang="ko-KR" altLang="en-US" dirty="0"/>
+              <a:t>근력 보정은 없다시피</a:t>
+            </a:r>
+            <a:r>
+              <a:rPr lang="en-US" altLang="ko-KR" dirty="0"/>
+              <a:t>, </a:t>
+            </a:r>
+            <a:r>
+              <a:rPr lang="ko-KR" altLang="en-US" dirty="0"/>
+              <a:t>대신 능력 보정으로 </a:t>
             </a:r>
             <a:r>
               <a:rPr lang="ko-KR" altLang="en-US" dirty="0" err="1"/>
               <a:t>대미지</a:t>
             </a:r>
+            <a:r>
+              <a:rPr lang="ko-KR" altLang="en-US" dirty="0"/>
+              <a:t> 증가</a:t>
+            </a:r>
+            <a:r>
+              <a:rPr lang="en-US" altLang="ko-KR" dirty="0"/>
+              <a:t>. </a:t>
+            </a:r>
+            <a:r>
+              <a:rPr lang="ko-KR" altLang="en-US" dirty="0"/>
+              <a:t>타수와 </a:t>
+            </a:r>
+            <a:r>
+              <a:rPr lang="ko-KR" altLang="en-US" dirty="0" err="1"/>
+              <a:t>늦춰짐</a:t>
+            </a:r>
+            <a:r>
+              <a:rPr lang="ko-KR" altLang="en-US" dirty="0"/>
+              <a:t> 효과가 단검과 활의 중간 수준 정도</a:t>
+            </a:r>
+            <a:r>
+              <a:rPr lang="en-US" altLang="ko-KR" dirty="0"/>
+              <a:t>?</a:t>
+            </a:r>
+          </a:p>
+          <a:p>
+            <a:pPr marL="285750" indent="-285750">
+              <a:buFontTx/>
+              <a:buChar char="-"/>
+            </a:pPr>
+            <a:r>
+              <a:rPr lang="ko-KR" altLang="en-US" dirty="0"/>
+              <a:t>주먹</a:t>
+            </a:r>
+            <a:r>
+              <a:rPr lang="en-US" altLang="ko-KR" dirty="0"/>
+              <a:t>: </a:t>
+            </a:r>
+            <a:r>
+              <a:rPr lang="ko-KR" altLang="en-US" dirty="0"/>
+              <a:t>무기의 효과를 다른 수집요소들의 효과와 번갈아 가며 사용</a:t>
+            </a:r>
+            <a:r>
+              <a:rPr lang="en-US" altLang="ko-KR" dirty="0"/>
+              <a:t>.</a:t>
+            </a:r>
+          </a:p>
+          <a:p>
+            <a:pPr marL="285750" indent="-285750">
+              <a:buFontTx/>
+              <a:buChar char="-"/>
+            </a:pPr>
+            <a:r>
+              <a:rPr lang="ko-KR" altLang="en-US" dirty="0"/>
+              <a:t>채찍</a:t>
+            </a:r>
+            <a:r>
+              <a:rPr lang="en-US" altLang="ko-KR" dirty="0"/>
+              <a:t>: </a:t>
+            </a:r>
+            <a:r>
+              <a:rPr lang="ko-KR" altLang="en-US" dirty="0"/>
+              <a:t>전투가 길어질 수록 대미지가 커짐</a:t>
+            </a:r>
+            <a:r>
+              <a:rPr lang="en-US" altLang="ko-KR" dirty="0"/>
+              <a:t>?</a:t>
+            </a:r>
+          </a:p>
+          <a:p>
+            <a:pPr marL="285750" indent="-285750">
+              <a:buFontTx/>
+              <a:buChar char="-"/>
+            </a:pPr>
             <a:endParaRPr lang="en-US" altLang="ko-KR" dirty="0"/>
           </a:p>
           <a:p>
@@ -6392,42 +6606,52 @@
             </a:pPr>
             <a:r>
               <a:rPr lang="ko-KR" altLang="en-US" dirty="0"/>
-              <a:t>각 타격별로 랜덤하게 주어지는 </a:t>
+              <a:t>기본적으로 무기는 각 효율과 근력</a:t>
+            </a:r>
+            <a:r>
+              <a:rPr lang="en-US" altLang="ko-KR" dirty="0"/>
+              <a:t>, </a:t>
+            </a:r>
+            <a:r>
+              <a:rPr lang="ko-KR" altLang="en-US" dirty="0"/>
+              <a:t>능력 보정 수치가 다르지만</a:t>
+            </a:r>
+            <a:r>
+              <a:rPr lang="en-US" altLang="ko-KR" dirty="0"/>
+              <a:t>, </a:t>
+            </a:r>
+            <a:r>
+              <a:rPr lang="ko-KR" altLang="en-US" dirty="0"/>
+              <a:t>성능 차이는 크게 없도록 </a:t>
             </a:r>
             <a:r>
               <a:rPr lang="ko-KR" altLang="en-US" dirty="0" err="1"/>
-              <a:t>대미지</a:t>
+              <a:t>하려는게</a:t>
+            </a:r>
+            <a:r>
+              <a:rPr lang="ko-KR" altLang="en-US" dirty="0"/>
+              <a:t> 포인트다</a:t>
             </a:r>
             <a:r>
               <a:rPr lang="en-US" altLang="ko-KR" dirty="0"/>
               <a:t>. </a:t>
             </a:r>
             <a:r>
-              <a:rPr lang="ko-KR" altLang="en-US" dirty="0"/>
-              <a:t>나이프</a:t>
-            </a:r>
-            <a:endParaRPr lang="en-US" altLang="ko-KR" dirty="0"/>
-          </a:p>
-          <a:p>
-            <a:pPr marL="285750" indent="-285750">
-              <a:buFontTx/>
-              <a:buChar char="-"/>
-            </a:pPr>
-            <a:endParaRPr lang="en-US" altLang="ko-KR" dirty="0"/>
-          </a:p>
-          <a:p>
-            <a:pPr marL="285750" indent="-285750">
-              <a:buFontTx/>
-              <a:buChar char="-"/>
-            </a:pPr>
-            <a:endParaRPr lang="en-US" altLang="ko-KR" dirty="0"/>
-          </a:p>
-          <a:p>
-            <a:pPr marL="285750" indent="-285750">
-              <a:buFontTx/>
-              <a:buChar char="-"/>
-            </a:pPr>
-            <a:endParaRPr lang="en-US" altLang="ko-KR" dirty="0"/>
+              <a:rPr lang="ko-KR" altLang="en-US" dirty="0" err="1"/>
+              <a:t>다크소울의</a:t>
+            </a:r>
+            <a:r>
+              <a:rPr lang="ko-KR" altLang="en-US" dirty="0"/>
+              <a:t> 무기 시스템과 </a:t>
+            </a:r>
+            <a:r>
+              <a:rPr lang="ko-KR" altLang="en-US" dirty="0" err="1"/>
+              <a:t>비슷</a:t>
+            </a:r>
+            <a:r>
+              <a:rPr lang="en-US" altLang="ko-KR" dirty="0"/>
+              <a:t>.</a:t>
+            </a:r>
           </a:p>
           <a:p>
             <a:pPr marL="285750" indent="-285750">
@@ -6441,7 +6665,7 @@
     </p:spTree>
     <p:extLst>
       <p:ext uri="{BB962C8B-B14F-4D97-AF65-F5344CB8AC3E}">
-        <p14:creationId xmlns:p14="http://schemas.microsoft.com/office/powerpoint/2010/main" val="296852205"/>
+        <p14:creationId xmlns:p14="http://schemas.microsoft.com/office/powerpoint/2010/main" val="1507121529"/>
       </p:ext>
     </p:extLst>
   </p:cSld>
@@ -6483,7 +6707,7 @@
         <p:spPr>
           <a:xfrm>
             <a:off x="574431" y="439615"/>
-            <a:ext cx="1010213" cy="369332"/>
+            <a:ext cx="1241045" cy="369332"/>
           </a:xfrm>
           <a:prstGeom prst="rect">
             <a:avLst/>
@@ -6506,7 +6730,7 @@
             </a:r>
             <a:r>
               <a:rPr lang="ko-KR" altLang="en-US" dirty="0"/>
-              <a:t> 활</a:t>
+              <a:t> 단검</a:t>
             </a:r>
           </a:p>
         </p:txBody>
@@ -6526,7 +6750,7 @@
         <p:spPr>
           <a:xfrm>
             <a:off x="487913" y="1003973"/>
-            <a:ext cx="11319388" cy="2031325"/>
+            <a:ext cx="11319388" cy="3416320"/>
           </a:xfrm>
           <a:prstGeom prst="rect">
             <a:avLst/>
@@ -6545,16 +6769,90 @@
             </a:pPr>
             <a:r>
               <a:rPr lang="ko-KR" altLang="en-US" dirty="0"/>
-              <a:t>먼저 적이 때리도록 모든 공격을 기다림</a:t>
-            </a:r>
-            <a:r>
-              <a:rPr lang="en-US" altLang="ko-KR" dirty="0"/>
-              <a:t>. </a:t>
-            </a:r>
-            <a:r>
-              <a:rPr lang="ko-KR" altLang="en-US" dirty="0"/>
-              <a:t>문장 수는 능력 수치에 비례</a:t>
-            </a:r>
+              <a:t>기초 </a:t>
+            </a:r>
+            <a:r>
+              <a:rPr lang="ko-KR" altLang="en-US" dirty="0" err="1"/>
+              <a:t>스탯</a:t>
+            </a:r>
+            <a:r>
+              <a:rPr lang="en-US" altLang="ko-KR" dirty="0"/>
+              <a:t>: </a:t>
+            </a:r>
+            <a:r>
+              <a:rPr lang="ko-KR" altLang="en-US" dirty="0"/>
+              <a:t>근력 </a:t>
+            </a:r>
+            <a:r>
+              <a:rPr lang="en-US" altLang="ko-KR" dirty="0"/>
+              <a:t>0.005</a:t>
+            </a:r>
+            <a:r>
+              <a:rPr lang="ko-KR" altLang="en-US" dirty="0"/>
+              <a:t>배 데미지</a:t>
+            </a:r>
+            <a:r>
+              <a:rPr lang="en-US" altLang="ko-KR" dirty="0"/>
+              <a:t>, </a:t>
+            </a:r>
+            <a:r>
+              <a:rPr lang="ko-KR" altLang="en-US" dirty="0"/>
+              <a:t>능력 </a:t>
+            </a:r>
+            <a:r>
+              <a:rPr lang="en-US" altLang="ko-KR" dirty="0"/>
+              <a:t>0.02</a:t>
+            </a:r>
+            <a:r>
+              <a:rPr lang="ko-KR" altLang="en-US" dirty="0"/>
+              <a:t>배로 타수</a:t>
+            </a:r>
+            <a:r>
+              <a:rPr lang="en-US" altLang="ko-KR" dirty="0"/>
+              <a:t>.</a:t>
+            </a:r>
+          </a:p>
+          <a:p>
+            <a:pPr marL="285750" indent="-285750">
+              <a:buFontTx/>
+              <a:buChar char="-"/>
+            </a:pPr>
+            <a:r>
+              <a:rPr lang="ko-KR" altLang="en-US" dirty="0"/>
+              <a:t>최대 데미지 </a:t>
+            </a:r>
+            <a:r>
+              <a:rPr lang="en-US" altLang="ko-KR" dirty="0"/>
+              <a:t>5, </a:t>
+            </a:r>
+            <a:r>
+              <a:rPr lang="ko-KR" altLang="en-US" dirty="0"/>
+              <a:t>타수 </a:t>
+            </a:r>
+            <a:r>
+              <a:rPr lang="en-US" altLang="ko-KR" dirty="0"/>
+              <a:t>20</a:t>
+            </a:r>
+          </a:p>
+          <a:p>
+            <a:pPr marL="285750" indent="-285750">
+              <a:buFontTx/>
+              <a:buChar char="-"/>
+            </a:pPr>
+            <a:r>
+              <a:rPr lang="ko-KR" altLang="en-US" dirty="0"/>
+              <a:t>최소 </a:t>
+            </a:r>
+            <a:r>
+              <a:rPr lang="en-US" altLang="ko-KR" dirty="0"/>
+              <a:t>X</a:t>
+            </a:r>
+          </a:p>
+          <a:p>
+            <a:pPr marL="285750" indent="-285750">
+              <a:buFontTx/>
+              <a:buChar char="-"/>
+            </a:pPr>
             <a:endParaRPr lang="en-US" altLang="ko-KR" dirty="0"/>
           </a:p>
           <a:p>
@@ -6564,16 +6862,39 @@
             </a:pPr>
             <a:r>
               <a:rPr lang="ko-KR" altLang="en-US" dirty="0"/>
-              <a:t>기다린 문구 수만큼 </a:t>
+              <a:t>처음에 타격을 몰아서 하는데</a:t>
+            </a:r>
+            <a:r>
+              <a:rPr lang="en-US" altLang="ko-KR" dirty="0"/>
+              <a:t>(</a:t>
+            </a:r>
+            <a:r>
+              <a:rPr lang="ko-KR" altLang="en-US" dirty="0"/>
+              <a:t>물론 상대와 순서대로임</a:t>
+            </a:r>
+            <a:r>
+              <a:rPr lang="en-US" altLang="ko-KR" dirty="0"/>
+              <a:t>), </a:t>
+            </a:r>
+            <a:r>
+              <a:rPr lang="ko-KR" altLang="en-US" dirty="0"/>
+              <a:t>횟수는 능력 수치에 비례</a:t>
+            </a:r>
+            <a:endParaRPr lang="en-US" altLang="ko-KR" dirty="0"/>
+          </a:p>
+          <a:p>
+            <a:pPr marL="285750" indent="-285750">
+              <a:buFontTx/>
+              <a:buChar char="-"/>
+            </a:pPr>
+            <a:r>
+              <a:rPr lang="ko-KR" altLang="en-US" dirty="0"/>
+              <a:t>각 타격별로 점진적으로 늘어나는 </a:t>
             </a:r>
             <a:r>
               <a:rPr lang="ko-KR" altLang="en-US" dirty="0" err="1"/>
               <a:t>대미지</a:t>
             </a:r>
-            <a:r>
-              <a:rPr lang="ko-KR" altLang="en-US" dirty="0"/>
-              <a:t> 추가 증가</a:t>
-            </a:r>
             <a:endParaRPr lang="en-US" altLang="ko-KR" dirty="0"/>
           </a:p>
           <a:p>
@@ -6583,7 +6904,11 @@
             </a:pPr>
             <a:r>
               <a:rPr lang="ko-KR" altLang="en-US" dirty="0"/>
-              <a:t>기다린 문구 수만큼 적의 공격 일정 개수 무효화</a:t>
+              <a:t>각 타격별로 랜덤하게 주어지는 </a:t>
+            </a:r>
+            <a:r>
+              <a:rPr lang="ko-KR" altLang="en-US" dirty="0" err="1"/>
+              <a:t>대미지</a:t>
             </a:r>
             <a:r>
               <a:rPr lang="en-US" altLang="ko-KR" dirty="0"/>
@@ -6591,8 +6916,15 @@
             </a:r>
             <a:r>
               <a:rPr lang="ko-KR" altLang="en-US" dirty="0"/>
-              <a:t>큐피드의 화살</a:t>
-            </a:r>
+              <a:t>나이프</a:t>
+            </a:r>
+            <a:endParaRPr lang="en-US" altLang="ko-KR" dirty="0"/>
+          </a:p>
+          <a:p>
+            <a:pPr marL="285750" indent="-285750">
+              <a:buFontTx/>
+              <a:buChar char="-"/>
+            </a:pPr>
             <a:endParaRPr lang="en-US" altLang="ko-KR" dirty="0"/>
           </a:p>
           <a:p>
@@ -6628,7 +6960,7 @@
     </p:spTree>
     <p:extLst>
       <p:ext uri="{BB962C8B-B14F-4D97-AF65-F5344CB8AC3E}">
-        <p14:creationId xmlns:p14="http://schemas.microsoft.com/office/powerpoint/2010/main" val="1020166624"/>
+        <p14:creationId xmlns:p14="http://schemas.microsoft.com/office/powerpoint/2010/main" val="296852205"/>
       </p:ext>
     </p:extLst>
   </p:cSld>
@@ -6670,7 +7002,7 @@
         <p:spPr>
           <a:xfrm>
             <a:off x="574431" y="439615"/>
-            <a:ext cx="1241045" cy="369332"/>
+            <a:ext cx="1010213" cy="369332"/>
           </a:xfrm>
           <a:prstGeom prst="rect">
             <a:avLst/>
@@ -6693,7 +7025,7 @@
             </a:r>
             <a:r>
               <a:rPr lang="ko-KR" altLang="en-US" dirty="0"/>
-              <a:t> 대검</a:t>
+              <a:t> 활</a:t>
             </a:r>
           </a:p>
         </p:txBody>
@@ -6713,7 +7045,7 @@
         <p:spPr>
           <a:xfrm>
             <a:off x="487913" y="1003973"/>
-            <a:ext cx="11319388" cy="2031325"/>
+            <a:ext cx="11319388" cy="2308324"/>
           </a:xfrm>
           <a:prstGeom prst="rect">
             <a:avLst/>
@@ -6732,7 +7064,49 @@
             </a:pPr>
             <a:r>
               <a:rPr lang="ko-KR" altLang="en-US" dirty="0"/>
-              <a:t>타격을 맨 처음과 맨 마지막에 걸쳐 때림</a:t>
+              <a:t>기초 </a:t>
+            </a:r>
+            <a:r>
+              <a:rPr lang="ko-KR" altLang="en-US" dirty="0" err="1"/>
+              <a:t>스탯</a:t>
+            </a:r>
+            <a:r>
+              <a:rPr lang="en-US" altLang="ko-KR" dirty="0"/>
+              <a:t>: </a:t>
+            </a:r>
+            <a:r>
+              <a:rPr lang="ko-KR" altLang="en-US" dirty="0"/>
+              <a:t>근력 </a:t>
+            </a:r>
+            <a:r>
+              <a:rPr lang="en-US" altLang="ko-KR" dirty="0"/>
+              <a:t>500</a:t>
+            </a:r>
+            <a:r>
+              <a:rPr lang="ko-KR" altLang="en-US" dirty="0"/>
+              <a:t>까지만 상한선</a:t>
+            </a:r>
+            <a:r>
+              <a:rPr lang="en-US" altLang="ko-KR" dirty="0"/>
+              <a:t>, </a:t>
+            </a:r>
+          </a:p>
+          <a:p>
+            <a:pPr marL="285750" indent="-285750">
+              <a:buFontTx/>
+              <a:buChar char="-"/>
+            </a:pPr>
+            <a:r>
+              <a:rPr lang="ko-KR" altLang="en-US" dirty="0"/>
+              <a:t>먼저 적이 때리도록 모든 공격을 기다림</a:t>
+            </a:r>
+            <a:r>
+              <a:rPr lang="en-US" altLang="ko-KR" dirty="0"/>
+              <a:t>. </a:t>
+            </a:r>
+            <a:r>
+              <a:rPr lang="ko-KR" altLang="en-US" dirty="0"/>
+              <a:t>문장 수는 능력 수치에 비례</a:t>
             </a:r>
             <a:endParaRPr lang="en-US" altLang="ko-KR" dirty="0"/>
           </a:p>
@@ -6743,34 +7117,36 @@
             </a:pPr>
             <a:r>
               <a:rPr lang="ko-KR" altLang="en-US" dirty="0"/>
-              <a:t>사이에 있는 문구 수만큼 보정을 </a:t>
+              <a:t>기다린 문구 수만큼 </a:t>
             </a:r>
             <a:r>
               <a:rPr lang="ko-KR" altLang="en-US" dirty="0" err="1"/>
-              <a:t>곱연산</a:t>
-            </a:r>
-            <a:r>
-              <a:rPr lang="ko-KR" altLang="en-US" dirty="0"/>
-              <a:t> 추가로 받음</a:t>
-            </a:r>
-            <a:r>
-              <a:rPr lang="en-US" altLang="ko-KR" dirty="0"/>
-              <a:t>.</a:t>
-            </a:r>
-          </a:p>
-          <a:p>
-            <a:pPr marL="285750" indent="-285750">
-              <a:buFontTx/>
-              <a:buChar char="-"/>
-            </a:pPr>
-            <a:r>
-              <a:rPr lang="ko-KR" altLang="en-US" dirty="0"/>
-              <a:t>근력에 따라 타격 횟수가 늘어남</a:t>
-            </a:r>
-            <a:r>
-              <a:rPr lang="en-US" altLang="ko-KR" dirty="0"/>
-              <a:t>.</a:t>
-            </a:r>
+              <a:t>대미지</a:t>
+            </a:r>
+            <a:r>
+              <a:rPr lang="ko-KR" altLang="en-US" dirty="0"/>
+              <a:t> 추가 증가</a:t>
+            </a:r>
+            <a:endParaRPr lang="en-US" altLang="ko-KR" dirty="0"/>
+          </a:p>
+          <a:p>
+            <a:pPr marL="285750" indent="-285750">
+              <a:buFontTx/>
+              <a:buChar char="-"/>
+            </a:pPr>
+            <a:r>
+              <a:rPr lang="ko-KR" altLang="en-US" dirty="0"/>
+              <a:t>기다린 문구 수만큼 적의 공격 일정 개수 무효화</a:t>
+            </a:r>
+            <a:r>
+              <a:rPr lang="en-US" altLang="ko-KR" dirty="0"/>
+              <a:t>. </a:t>
+            </a:r>
+            <a:r>
+              <a:rPr lang="ko-KR" altLang="en-US" dirty="0"/>
+              <a:t>큐피드의 화살</a:t>
+            </a:r>
+            <a:endParaRPr lang="en-US" altLang="ko-KR" dirty="0"/>
           </a:p>
           <a:p>
             <a:pPr marL="285750" indent="-285750">
@@ -6805,7 +7181,7 @@
     </p:spTree>
     <p:extLst>
       <p:ext uri="{BB962C8B-B14F-4D97-AF65-F5344CB8AC3E}">
-        <p14:creationId xmlns:p14="http://schemas.microsoft.com/office/powerpoint/2010/main" val="1335082132"/>
+        <p14:creationId xmlns:p14="http://schemas.microsoft.com/office/powerpoint/2010/main" val="1020166624"/>
       </p:ext>
     </p:extLst>
   </p:cSld>
@@ -6847,7 +7223,7 @@
         <p:spPr>
           <a:xfrm>
             <a:off x="574431" y="439615"/>
-            <a:ext cx="1010213" cy="369332"/>
+            <a:ext cx="1241045" cy="369332"/>
           </a:xfrm>
           <a:prstGeom prst="rect">
             <a:avLst/>
@@ -6870,7 +7246,7 @@
             </a:r>
             <a:r>
               <a:rPr lang="ko-KR" altLang="en-US" dirty="0"/>
-              <a:t> 총</a:t>
+              <a:t> 대검</a:t>
             </a:r>
           </a:p>
         </p:txBody>
@@ -6890,7 +7266,7 @@
         <p:spPr>
           <a:xfrm>
             <a:off x="487913" y="1003973"/>
-            <a:ext cx="11319388" cy="1754326"/>
+            <a:ext cx="11319388" cy="2031325"/>
           </a:xfrm>
           <a:prstGeom prst="rect">
             <a:avLst/>
@@ -6909,7 +7285,26 @@
             </a:pPr>
             <a:r>
               <a:rPr lang="ko-KR" altLang="en-US" dirty="0"/>
-              <a:t>근력 없이 능력 보정만 올로 받음</a:t>
+              <a:t>타격을 맨 처음과 맨 마지막에 걸쳐 때림</a:t>
+            </a:r>
+            <a:endParaRPr lang="en-US" altLang="ko-KR" dirty="0"/>
+          </a:p>
+          <a:p>
+            <a:pPr marL="285750" indent="-285750">
+              <a:buFontTx/>
+              <a:buChar char="-"/>
+            </a:pPr>
+            <a:r>
+              <a:rPr lang="ko-KR" altLang="en-US" dirty="0"/>
+              <a:t>사이에 있는 문구 수만큼 보정을 </a:t>
+            </a:r>
+            <a:r>
+              <a:rPr lang="ko-KR" altLang="en-US" dirty="0" err="1"/>
+              <a:t>곱연산</a:t>
+            </a:r>
+            <a:r>
+              <a:rPr lang="ko-KR" altLang="en-US" dirty="0"/>
+              <a:t> 추가로 받음</a:t>
             </a:r>
             <a:r>
               <a:rPr lang="en-US" altLang="ko-KR" dirty="0"/>
@@ -6923,15 +7318,7 @@
             </a:pPr>
             <a:r>
               <a:rPr lang="ko-KR" altLang="en-US" dirty="0"/>
-              <a:t>휘는 총알</a:t>
-            </a:r>
-            <a:r>
-              <a:rPr lang="en-US" altLang="ko-KR" dirty="0"/>
-              <a:t>: </a:t>
-            </a:r>
-            <a:r>
-              <a:rPr lang="ko-KR" altLang="en-US" dirty="0"/>
-              <a:t>근력 수치에 따라 몇 개의 공격 회피</a:t>
+              <a:t>근력에 따라 타격 횟수가 늘어남</a:t>
             </a:r>
             <a:r>
               <a:rPr lang="en-US" altLang="ko-KR" dirty="0"/>
@@ -6971,7 +7358,7 @@
     </p:spTree>
     <p:extLst>
       <p:ext uri="{BB962C8B-B14F-4D97-AF65-F5344CB8AC3E}">
-        <p14:creationId xmlns:p14="http://schemas.microsoft.com/office/powerpoint/2010/main" val="1788893303"/>
+        <p14:creationId xmlns:p14="http://schemas.microsoft.com/office/powerpoint/2010/main" val="1335082132"/>
       </p:ext>
     </p:extLst>
   </p:cSld>
@@ -7013,7 +7400,7 @@
         <p:spPr>
           <a:xfrm>
             <a:off x="574431" y="439615"/>
-            <a:ext cx="1241045" cy="369332"/>
+            <a:ext cx="1010213" cy="369332"/>
           </a:xfrm>
           <a:prstGeom prst="rect">
             <a:avLst/>
@@ -7036,7 +7423,7 @@
             </a:r>
             <a:r>
               <a:rPr lang="ko-KR" altLang="en-US" dirty="0"/>
-              <a:t> 주먹</a:t>
+              <a:t> 총</a:t>
             </a:r>
           </a:p>
         </p:txBody>
@@ -7056,7 +7443,7 @@
         <p:spPr>
           <a:xfrm>
             <a:off x="487913" y="1003973"/>
-            <a:ext cx="11319388" cy="2308324"/>
+            <a:ext cx="11319388" cy="1754326"/>
           </a:xfrm>
           <a:prstGeom prst="rect">
             <a:avLst/>
@@ -7075,67 +7462,29 @@
             </a:pPr>
             <a:r>
               <a:rPr lang="ko-KR" altLang="en-US" dirty="0"/>
-              <a:t>각 타격마다 한번씩 더 때림</a:t>
-            </a:r>
-            <a:r>
-              <a:rPr lang="en-US" altLang="ko-KR" dirty="0"/>
-              <a:t>(ex. </a:t>
-            </a:r>
-            <a:r>
-              <a:rPr lang="ko-KR" altLang="en-US" dirty="0"/>
-              <a:t>수집 무기 수집 무기인데 수집 무기 </a:t>
-            </a:r>
-            <a:r>
-              <a:rPr lang="ko-KR" altLang="en-US" dirty="0" err="1"/>
-              <a:t>무기</a:t>
-            </a:r>
-            <a:r>
-              <a:rPr lang="ko-KR" altLang="en-US" dirty="0"/>
-              <a:t> 수집 무기 무기의 형식</a:t>
-            </a:r>
-            <a:r>
-              <a:rPr lang="en-US" altLang="ko-KR" dirty="0"/>
-              <a:t>)</a:t>
-            </a:r>
-          </a:p>
-          <a:p>
-            <a:pPr marL="285750" indent="-285750">
-              <a:buFontTx/>
-              <a:buChar char="-"/>
-            </a:pPr>
-            <a:r>
-              <a:rPr lang="ko-KR" altLang="en-US" dirty="0"/>
-              <a:t>각 타격마다 다음 적의 공격을 태워 없앰</a:t>
-            </a:r>
-            <a:r>
-              <a:rPr lang="en-US" altLang="ko-KR" dirty="0"/>
-              <a:t>. </a:t>
-            </a:r>
-            <a:r>
-              <a:rPr lang="ko-KR" altLang="en-US" dirty="0" err="1"/>
-              <a:t>불주먹</a:t>
-            </a:r>
-            <a:endParaRPr lang="en-US" altLang="ko-KR" dirty="0"/>
-          </a:p>
-          <a:p>
-            <a:pPr marL="285750" indent="-285750">
-              <a:buFontTx/>
-              <a:buChar char="-"/>
-            </a:pPr>
-            <a:r>
-              <a:rPr lang="ko-KR" altLang="en-US" dirty="0"/>
-              <a:t>할 모든 타격을 합쳐 자신의 공격 마지막 순간에 한방으로 때림</a:t>
-            </a:r>
-            <a:endParaRPr lang="en-US" altLang="ko-KR" dirty="0"/>
-          </a:p>
-          <a:p>
-            <a:pPr marL="285750" indent="-285750">
-              <a:buFontTx/>
-              <a:buChar char="-"/>
-            </a:pPr>
-            <a:r>
-              <a:rPr lang="ko-KR" altLang="en-US" dirty="0"/>
-              <a:t>권투장갑</a:t>
+              <a:t>근력 없이 능력 보정만 올로 받음</a:t>
+            </a:r>
+            <a:r>
+              <a:rPr lang="en-US" altLang="ko-KR" dirty="0"/>
+              <a:t>.</a:t>
+            </a:r>
+          </a:p>
+          <a:p>
+            <a:pPr marL="285750" indent="-285750">
+              <a:buFontTx/>
+              <a:buChar char="-"/>
+            </a:pPr>
+            <a:r>
+              <a:rPr lang="ko-KR" altLang="en-US" dirty="0"/>
+              <a:t>휘는 총알</a:t>
+            </a:r>
+            <a:r>
+              <a:rPr lang="en-US" altLang="ko-KR" dirty="0"/>
+              <a:t>: </a:t>
+            </a:r>
+            <a:r>
+              <a:rPr lang="ko-KR" altLang="en-US" dirty="0"/>
+              <a:t>근력 수치에 따라 몇 개의 공격 회피</a:t>
             </a:r>
             <a:r>
               <a:rPr lang="en-US" altLang="ko-KR" dirty="0"/>
@@ -7175,7 +7524,7 @@
     </p:spTree>
     <p:extLst>
       <p:ext uri="{BB962C8B-B14F-4D97-AF65-F5344CB8AC3E}">
-        <p14:creationId xmlns:p14="http://schemas.microsoft.com/office/powerpoint/2010/main" val="3338916468"/>
+        <p14:creationId xmlns:p14="http://schemas.microsoft.com/office/powerpoint/2010/main" val="1788893303"/>
       </p:ext>
     </p:extLst>
   </p:cSld>

--- a/수집요소.pptx
+++ b/수집요소.pptx
@@ -4920,7 +4920,7 @@
         <p:spPr>
           <a:xfrm>
             <a:off x="487913" y="1003973"/>
-            <a:ext cx="11319388" cy="2308324"/>
+            <a:ext cx="11319388" cy="2862322"/>
           </a:xfrm>
           <a:prstGeom prst="rect">
             <a:avLst/>
@@ -4932,6 +4932,48 @@
             <a:spAutoFit/>
           </a:bodyPr>
           <a:lstStyle/>
+          <a:p>
+            <a:pPr marL="285750" indent="-285750">
+              <a:buFontTx/>
+              <a:buChar char="-"/>
+            </a:pPr>
+            <a:r>
+              <a:rPr lang="ko-KR" altLang="en-US" dirty="0"/>
+              <a:t>근력 </a:t>
+            </a:r>
+            <a:r>
+              <a:rPr lang="en-US" altLang="ko-KR" dirty="0"/>
+              <a:t>0.01 </a:t>
+            </a:r>
+            <a:r>
+              <a:rPr lang="ko-KR" altLang="en-US" dirty="0" err="1"/>
+              <a:t>대미지</a:t>
+            </a:r>
+            <a:r>
+              <a:rPr lang="en-US" altLang="ko-KR" dirty="0"/>
+              <a:t>, </a:t>
+            </a:r>
+            <a:r>
+              <a:rPr lang="ko-KR" altLang="en-US" dirty="0"/>
+              <a:t>능력 </a:t>
+            </a:r>
+            <a:r>
+              <a:rPr lang="en-US" altLang="ko-KR" dirty="0"/>
+              <a:t>0.01 </a:t>
+            </a:r>
+            <a:r>
+              <a:rPr lang="ko-KR" altLang="en-US" dirty="0"/>
+              <a:t>타수</a:t>
+            </a:r>
+            <a:endParaRPr lang="en-US" altLang="ko-KR" dirty="0"/>
+          </a:p>
+          <a:p>
+            <a:pPr marL="285750" indent="-285750">
+              <a:buFontTx/>
+              <a:buChar char="-"/>
+            </a:pPr>
+            <a:endParaRPr lang="en-US" altLang="ko-KR" dirty="0"/>
+          </a:p>
           <a:p>
             <a:pPr marL="285750" indent="-285750">
               <a:buFontTx/>
@@ -5124,7 +5166,7 @@
         <p:spPr>
           <a:xfrm>
             <a:off x="487913" y="1003973"/>
-            <a:ext cx="11319388" cy="1754326"/>
+            <a:ext cx="11319388" cy="2308324"/>
           </a:xfrm>
           <a:prstGeom prst="rect">
             <a:avLst/>
@@ -5136,6 +5178,48 @@
             <a:spAutoFit/>
           </a:bodyPr>
           <a:lstStyle/>
+          <a:p>
+            <a:pPr marL="285750" indent="-285750">
+              <a:buFontTx/>
+              <a:buChar char="-"/>
+            </a:pPr>
+            <a:r>
+              <a:rPr lang="ko-KR" altLang="en-US" dirty="0"/>
+              <a:t>근력 </a:t>
+            </a:r>
+            <a:r>
+              <a:rPr lang="en-US" altLang="ko-KR" dirty="0"/>
+              <a:t>0.033 </a:t>
+            </a:r>
+            <a:r>
+              <a:rPr lang="ko-KR" altLang="en-US" dirty="0" err="1"/>
+              <a:t>대미지</a:t>
+            </a:r>
+            <a:r>
+              <a:rPr lang="en-US" altLang="ko-KR" dirty="0"/>
+              <a:t>, </a:t>
+            </a:r>
+            <a:r>
+              <a:rPr lang="ko-KR" altLang="en-US" dirty="0"/>
+              <a:t>능력 </a:t>
+            </a:r>
+            <a:r>
+              <a:rPr lang="en-US" altLang="ko-KR" dirty="0"/>
+              <a:t>0.033 </a:t>
+            </a:r>
+            <a:r>
+              <a:rPr lang="ko-KR" altLang="en-US" dirty="0"/>
+              <a:t>타수</a:t>
+            </a:r>
+            <a:endParaRPr lang="en-US" altLang="ko-KR" dirty="0"/>
+          </a:p>
+          <a:p>
+            <a:pPr marL="285750" indent="-285750">
+              <a:buFontTx/>
+              <a:buChar char="-"/>
+            </a:pPr>
+            <a:endParaRPr lang="en-US" altLang="ko-KR" dirty="0"/>
+          </a:p>
           <a:p>
             <a:pPr marL="285750" indent="-285750">
               <a:buFontTx/>
@@ -6809,7 +6893,15 @@
             </a:r>
             <a:r>
               <a:rPr lang="en-US" altLang="ko-KR" dirty="0"/>
-              <a:t>.</a:t>
+              <a:t>(</a:t>
+            </a:r>
+            <a:r>
+              <a:rPr lang="ko-KR" altLang="en-US" dirty="0"/>
+              <a:t>타수는 올림</a:t>
+            </a:r>
+            <a:r>
+              <a:rPr lang="en-US" altLang="ko-KR" dirty="0"/>
+              <a:t>).</a:t>
             </a:r>
           </a:p>
           <a:p>
@@ -7045,7 +7137,7 @@
         <p:spPr>
           <a:xfrm>
             <a:off x="487913" y="1003973"/>
-            <a:ext cx="11319388" cy="2308324"/>
+            <a:ext cx="11319388" cy="2862322"/>
           </a:xfrm>
           <a:prstGeom prst="rect">
             <a:avLst/>
@@ -7088,8 +7180,38 @@
             </a:r>
             <a:r>
               <a:rPr lang="en-US" altLang="ko-KR" dirty="0"/>
+              <a:t> + 0.025 </a:t>
+            </a:r>
+            <a:r>
+              <a:rPr lang="ko-KR" altLang="en-US" dirty="0" err="1"/>
+              <a:t>대미지</a:t>
+            </a:r>
+            <a:r>
+              <a:rPr lang="en-US" altLang="ko-KR" dirty="0"/>
               <a:t>, </a:t>
             </a:r>
+            <a:r>
+              <a:rPr lang="ko-KR" altLang="en-US" dirty="0"/>
+              <a:t>능력 </a:t>
+            </a:r>
+            <a:r>
+              <a:rPr lang="en-US" altLang="ko-KR" dirty="0"/>
+              <a:t>0.033</a:t>
+            </a:r>
+          </a:p>
+          <a:p>
+            <a:pPr marL="285750" indent="-285750">
+              <a:buFontTx/>
+              <a:buChar char="-"/>
+            </a:pPr>
+            <a:endParaRPr lang="en-US" altLang="ko-KR" dirty="0"/>
+          </a:p>
+          <a:p>
+            <a:pPr marL="285750" indent="-285750">
+              <a:buFontTx/>
+              <a:buChar char="-"/>
+            </a:pPr>
+            <a:endParaRPr lang="en-US" altLang="ko-KR" dirty="0"/>
           </a:p>
           <a:p>
             <a:pPr marL="285750" indent="-285750">
@@ -7266,7 +7388,7 @@
         <p:spPr>
           <a:xfrm>
             <a:off x="487913" y="1003973"/>
-            <a:ext cx="11319388" cy="2031325"/>
+            <a:ext cx="11319388" cy="2862322"/>
           </a:xfrm>
           <a:prstGeom prst="rect">
             <a:avLst/>
@@ -7278,6 +7400,89 @@
             <a:spAutoFit/>
           </a:bodyPr>
           <a:lstStyle/>
+          <a:p>
+            <a:pPr marL="285750" indent="-285750">
+              <a:buFontTx/>
+              <a:buChar char="-"/>
+            </a:pPr>
+            <a:r>
+              <a:rPr lang="ko-KR" altLang="en-US" dirty="0"/>
+              <a:t>근력 </a:t>
+            </a:r>
+            <a:r>
+              <a:rPr lang="en-US" altLang="ko-KR" dirty="0"/>
+              <a:t>0.05 </a:t>
+            </a:r>
+            <a:r>
+              <a:rPr lang="ko-KR" altLang="en-US" dirty="0" err="1"/>
+              <a:t>대미지</a:t>
+            </a:r>
+            <a:r>
+              <a:rPr lang="en-US" altLang="ko-KR" dirty="0"/>
+              <a:t>, </a:t>
+            </a:r>
+            <a:r>
+              <a:rPr lang="ko-KR" altLang="en-US" dirty="0"/>
+              <a:t>능력 </a:t>
+            </a:r>
+            <a:r>
+              <a:rPr lang="en-US" altLang="ko-KR" dirty="0"/>
+              <a:t>0.002</a:t>
+            </a:r>
+            <a:r>
+              <a:rPr lang="ko-KR" altLang="en-US" dirty="0"/>
+              <a:t>배로 타수</a:t>
+            </a:r>
+            <a:r>
+              <a:rPr lang="en-US" altLang="ko-KR" dirty="0"/>
+              <a:t>(</a:t>
+            </a:r>
+            <a:r>
+              <a:rPr lang="ko-KR" altLang="en-US" dirty="0"/>
+              <a:t>타수는 올림</a:t>
+            </a:r>
+            <a:r>
+              <a:rPr lang="en-US" altLang="ko-KR" dirty="0"/>
+              <a:t>)</a:t>
+            </a:r>
+          </a:p>
+          <a:p>
+            <a:pPr marL="285750" indent="-285750">
+              <a:buFontTx/>
+              <a:buChar char="-"/>
+            </a:pPr>
+            <a:r>
+              <a:rPr lang="ko-KR" altLang="en-US" dirty="0"/>
+              <a:t>최대 </a:t>
+            </a:r>
+            <a:r>
+              <a:rPr lang="ko-KR" altLang="en-US" dirty="0" err="1"/>
+              <a:t>대미지</a:t>
+            </a:r>
+            <a:r>
+              <a:rPr lang="ko-KR" altLang="en-US" dirty="0"/>
+              <a:t> </a:t>
+            </a:r>
+            <a:r>
+              <a:rPr lang="en-US" altLang="ko-KR" dirty="0"/>
+              <a:t>50, </a:t>
+            </a:r>
+            <a:r>
+              <a:rPr lang="ko-KR" altLang="en-US" dirty="0"/>
+              <a:t>타수 </a:t>
+            </a:r>
+            <a:r>
+              <a:rPr lang="en-US" altLang="ko-KR" dirty="0"/>
+              <a:t>2</a:t>
+            </a:r>
+          </a:p>
+          <a:p>
+            <a:pPr marL="285750" indent="-285750">
+              <a:buFontTx/>
+              <a:buChar char="-"/>
+            </a:pPr>
+            <a:endParaRPr lang="en-US" altLang="ko-KR" dirty="0"/>
+          </a:p>
           <a:p>
             <a:pPr marL="285750" indent="-285750">
               <a:buFontTx/>
@@ -7443,7 +7648,7 @@
         <p:spPr>
           <a:xfrm>
             <a:off x="487913" y="1003973"/>
-            <a:ext cx="11319388" cy="1754326"/>
+            <a:ext cx="11319388" cy="2308324"/>
           </a:xfrm>
           <a:prstGeom prst="rect">
             <a:avLst/>
@@ -7455,6 +7660,54 @@
             <a:spAutoFit/>
           </a:bodyPr>
           <a:lstStyle/>
+          <a:p>
+            <a:pPr marL="285750" indent="-285750">
+              <a:buFontTx/>
+              <a:buChar char="-"/>
+            </a:pPr>
+            <a:r>
+              <a:rPr lang="ko-KR" altLang="en-US" dirty="0"/>
+              <a:t>근력 </a:t>
+            </a:r>
+            <a:r>
+              <a:rPr lang="en-US" altLang="ko-KR" dirty="0"/>
+              <a:t>0. </a:t>
+            </a:r>
+            <a:r>
+              <a:rPr lang="ko-KR" altLang="en-US" dirty="0"/>
+              <a:t>능력 대미지는 총 별 고정</a:t>
+            </a:r>
+            <a:r>
+              <a:rPr lang="en-US" altLang="ko-KR" dirty="0"/>
+              <a:t>, </a:t>
+            </a:r>
+            <a:r>
+              <a:rPr lang="ko-KR" altLang="en-US" dirty="0"/>
+              <a:t>타수도 총 별 다른 설정</a:t>
+            </a:r>
+            <a:r>
+              <a:rPr lang="en-US" altLang="ko-KR" dirty="0"/>
+              <a:t>. 0.03</a:t>
+            </a:r>
+            <a:r>
+              <a:rPr lang="ko-KR" altLang="en-US" dirty="0"/>
+              <a:t>을 기본으로 잡자</a:t>
+            </a:r>
+            <a:r>
+              <a:rPr lang="en-US" altLang="ko-KR" dirty="0"/>
+              <a:t>.</a:t>
+            </a:r>
+          </a:p>
+          <a:p>
+            <a:pPr marL="285750" indent="-285750">
+              <a:buFontTx/>
+              <a:buChar char="-"/>
+            </a:pPr>
+            <a:r>
+              <a:rPr lang="en-US" altLang="ko-KR" dirty="0"/>
+              <a:t> </a:t>
+            </a:r>
+          </a:p>
           <a:p>
             <a:pPr marL="285750" indent="-285750">
               <a:buFontTx/>

--- a/수집요소.pptx
+++ b/수집요소.pptx
@@ -207,7 +207,7 @@
           <a:p>
             <a:fld id="{098D9883-1617-4681-BA43-91DCCEA255A3}" type="datetimeFigureOut">
               <a:rPr lang="ko-KR" altLang="en-US" smtClean="0"/>
-              <a:t>2024-04-17</a:t>
+              <a:t>2024-07-13</a:t>
             </a:fld>
             <a:endParaRPr lang="ko-KR" altLang="en-US"/>
           </a:p>
@@ -1545,7 +1545,7 @@
           <a:p>
             <a:fld id="{5FF1DCF6-4881-4944-A4DB-9A9C3A72CFA7}" type="datetimeFigureOut">
               <a:rPr lang="ko-KR" altLang="en-US" smtClean="0"/>
-              <a:t>2024-04-17</a:t>
+              <a:t>2024-07-13</a:t>
             </a:fld>
             <a:endParaRPr lang="ko-KR" altLang="en-US"/>
           </a:p>
@@ -1743,7 +1743,7 @@
           <a:p>
             <a:fld id="{5FF1DCF6-4881-4944-A4DB-9A9C3A72CFA7}" type="datetimeFigureOut">
               <a:rPr lang="ko-KR" altLang="en-US" smtClean="0"/>
-              <a:t>2024-04-17</a:t>
+              <a:t>2024-07-13</a:t>
             </a:fld>
             <a:endParaRPr lang="ko-KR" altLang="en-US"/>
           </a:p>
@@ -1951,7 +1951,7 @@
           <a:p>
             <a:fld id="{5FF1DCF6-4881-4944-A4DB-9A9C3A72CFA7}" type="datetimeFigureOut">
               <a:rPr lang="ko-KR" altLang="en-US" smtClean="0"/>
-              <a:t>2024-04-17</a:t>
+              <a:t>2024-07-13</a:t>
             </a:fld>
             <a:endParaRPr lang="ko-KR" altLang="en-US"/>
           </a:p>
@@ -2149,7 +2149,7 @@
           <a:p>
             <a:fld id="{5FF1DCF6-4881-4944-A4DB-9A9C3A72CFA7}" type="datetimeFigureOut">
               <a:rPr lang="ko-KR" altLang="en-US" smtClean="0"/>
-              <a:t>2024-04-17</a:t>
+              <a:t>2024-07-13</a:t>
             </a:fld>
             <a:endParaRPr lang="ko-KR" altLang="en-US"/>
           </a:p>
@@ -2424,7 +2424,7 @@
           <a:p>
             <a:fld id="{5FF1DCF6-4881-4944-A4DB-9A9C3A72CFA7}" type="datetimeFigureOut">
               <a:rPr lang="ko-KR" altLang="en-US" smtClean="0"/>
-              <a:t>2024-04-17</a:t>
+              <a:t>2024-07-13</a:t>
             </a:fld>
             <a:endParaRPr lang="ko-KR" altLang="en-US"/>
           </a:p>
@@ -2689,7 +2689,7 @@
           <a:p>
             <a:fld id="{5FF1DCF6-4881-4944-A4DB-9A9C3A72CFA7}" type="datetimeFigureOut">
               <a:rPr lang="ko-KR" altLang="en-US" smtClean="0"/>
-              <a:t>2024-04-17</a:t>
+              <a:t>2024-07-13</a:t>
             </a:fld>
             <a:endParaRPr lang="ko-KR" altLang="en-US"/>
           </a:p>
@@ -3101,7 +3101,7 @@
           <a:p>
             <a:fld id="{5FF1DCF6-4881-4944-A4DB-9A9C3A72CFA7}" type="datetimeFigureOut">
               <a:rPr lang="ko-KR" altLang="en-US" smtClean="0"/>
-              <a:t>2024-04-17</a:t>
+              <a:t>2024-07-13</a:t>
             </a:fld>
             <a:endParaRPr lang="ko-KR" altLang="en-US"/>
           </a:p>
@@ -3242,7 +3242,7 @@
           <a:p>
             <a:fld id="{5FF1DCF6-4881-4944-A4DB-9A9C3A72CFA7}" type="datetimeFigureOut">
               <a:rPr lang="ko-KR" altLang="en-US" smtClean="0"/>
-              <a:t>2024-04-17</a:t>
+              <a:t>2024-07-13</a:t>
             </a:fld>
             <a:endParaRPr lang="ko-KR" altLang="en-US"/>
           </a:p>
@@ -3355,7 +3355,7 @@
           <a:p>
             <a:fld id="{5FF1DCF6-4881-4944-A4DB-9A9C3A72CFA7}" type="datetimeFigureOut">
               <a:rPr lang="ko-KR" altLang="en-US" smtClean="0"/>
-              <a:t>2024-04-17</a:t>
+              <a:t>2024-07-13</a:t>
             </a:fld>
             <a:endParaRPr lang="ko-KR" altLang="en-US"/>
           </a:p>
@@ -3666,7 +3666,7 @@
           <a:p>
             <a:fld id="{5FF1DCF6-4881-4944-A4DB-9A9C3A72CFA7}" type="datetimeFigureOut">
               <a:rPr lang="ko-KR" altLang="en-US" smtClean="0"/>
-              <a:t>2024-04-17</a:t>
+              <a:t>2024-07-13</a:t>
             </a:fld>
             <a:endParaRPr lang="ko-KR" altLang="en-US"/>
           </a:p>
@@ -3954,7 +3954,7 @@
           <a:p>
             <a:fld id="{5FF1DCF6-4881-4944-A4DB-9A9C3A72CFA7}" type="datetimeFigureOut">
               <a:rPr lang="ko-KR" altLang="en-US" smtClean="0"/>
-              <a:t>2024-04-17</a:t>
+              <a:t>2024-07-13</a:t>
             </a:fld>
             <a:endParaRPr lang="ko-KR" altLang="en-US"/>
           </a:p>
@@ -4195,7 +4195,7 @@
           <a:p>
             <a:fld id="{5FF1DCF6-4881-4944-A4DB-9A9C3A72CFA7}" type="datetimeFigureOut">
               <a:rPr lang="ko-KR" altLang="en-US" smtClean="0"/>
-              <a:t>2024-04-17</a:t>
+              <a:t>2024-07-13</a:t>
             </a:fld>
             <a:endParaRPr lang="ko-KR" altLang="en-US"/>
           </a:p>
@@ -5752,7 +5752,26 @@
               <a:rPr lang="ko-KR" altLang="en-US" dirty="0"/>
               <a:t>전투관련</a:t>
             </a:r>
-            <a:endParaRPr lang="en-US" altLang="ko-KR" dirty="0"/>
+            <a:r>
+              <a:rPr lang="en-US" altLang="ko-KR" dirty="0"/>
+              <a:t>. </a:t>
+            </a:r>
+            <a:r>
+              <a:rPr lang="ko-KR" altLang="en-US" dirty="0"/>
+              <a:t>이건 장비 </a:t>
+            </a:r>
+            <a:r>
+              <a:rPr lang="en-US" altLang="ko-KR" dirty="0"/>
+              <a:t>or </a:t>
+            </a:r>
+            <a:r>
+              <a:rPr lang="ko-KR" altLang="en-US" dirty="0"/>
+              <a:t>도구 라고 칭해서 따로 관리하자</a:t>
+            </a:r>
+            <a:r>
+              <a:rPr lang="en-US" altLang="ko-KR" dirty="0"/>
+              <a:t>.</a:t>
+            </a:r>
           </a:p>
           <a:p>
             <a:pPr marL="285750" indent="-285750">

--- a/수집요소.pptx
+++ b/수집요소.pptx
@@ -5,20 +5,21 @@
     <p:sldMasterId id="2147483648" r:id="rId1"/>
   </p:sldMasterIdLst>
   <p:notesMasterIdLst>
-    <p:notesMasterId r:id="rId13"/>
+    <p:notesMasterId r:id="rId14"/>
   </p:notesMasterIdLst>
   <p:sldIdLst>
     <p:sldId id="266" r:id="rId2"/>
     <p:sldId id="269" r:id="rId3"/>
-    <p:sldId id="267" r:id="rId4"/>
-    <p:sldId id="276" r:id="rId5"/>
-    <p:sldId id="268" r:id="rId6"/>
-    <p:sldId id="272" r:id="rId7"/>
-    <p:sldId id="273" r:id="rId8"/>
-    <p:sldId id="271" r:id="rId9"/>
-    <p:sldId id="274" r:id="rId10"/>
-    <p:sldId id="270" r:id="rId11"/>
-    <p:sldId id="275" r:id="rId12"/>
+    <p:sldId id="277" r:id="rId4"/>
+    <p:sldId id="267" r:id="rId5"/>
+    <p:sldId id="276" r:id="rId6"/>
+    <p:sldId id="268" r:id="rId7"/>
+    <p:sldId id="272" r:id="rId8"/>
+    <p:sldId id="273" r:id="rId9"/>
+    <p:sldId id="271" r:id="rId10"/>
+    <p:sldId id="274" r:id="rId11"/>
+    <p:sldId id="270" r:id="rId12"/>
+    <p:sldId id="275" r:id="rId13"/>
   </p:sldIdLst>
   <p:sldSz cx="12192000" cy="6858000"/>
   <p:notesSz cx="6858000" cy="9144000"/>
@@ -207,7 +208,7 @@
           <a:p>
             <a:fld id="{098D9883-1617-4681-BA43-91DCCEA255A3}" type="datetimeFigureOut">
               <a:rPr lang="ko-KR" altLang="en-US" smtClean="0"/>
-              <a:t>2024-07-13</a:t>
+              <a:t>2024-09-13</a:t>
             </a:fld>
             <a:endParaRPr lang="ko-KR" altLang="en-US"/>
           </a:p>
@@ -632,7 +633,7 @@
     </p:spTree>
     <p:extLst>
       <p:ext uri="{BB962C8B-B14F-4D97-AF65-F5344CB8AC3E}">
-        <p14:creationId xmlns:p14="http://schemas.microsoft.com/office/powerpoint/2010/main" val="2906441372"/>
+        <p14:creationId xmlns:p14="http://schemas.microsoft.com/office/powerpoint/2010/main" val="1316060860"/>
       </p:ext>
     </p:extLst>
   </p:cSld>
@@ -708,6 +709,90 @@
             <a:fld id="{72032EB5-ABEB-49F2-BBDC-81C17B42AB0D}" type="slidenum">
               <a:rPr lang="ko-KR" altLang="en-US" smtClean="0"/>
               <a:t>11</a:t>
+            </a:fld>
+            <a:endParaRPr lang="ko-KR" altLang="en-US"/>
+          </a:p>
+        </p:txBody>
+      </p:sp>
+    </p:spTree>
+    <p:extLst>
+      <p:ext uri="{BB962C8B-B14F-4D97-AF65-F5344CB8AC3E}">
+        <p14:creationId xmlns:p14="http://schemas.microsoft.com/office/powerpoint/2010/main" val="2906441372"/>
+      </p:ext>
+    </p:extLst>
+  </p:cSld>
+  <p:clrMapOvr>
+    <a:masterClrMapping/>
+  </p:clrMapOvr>
+</p:notes>
+</file>
+
+<file path=ppt/notesSlides/notesSlide12.xml><?xml version="1.0" encoding="utf-8"?>
+<p:notes xmlns:a="http://schemas.openxmlformats.org/drawingml/2006/main" xmlns:r="http://schemas.openxmlformats.org/officeDocument/2006/relationships" xmlns:p="http://schemas.openxmlformats.org/presentationml/2006/main">
+  <p:cSld>
+    <p:spTree>
+      <p:nvGrpSpPr>
+        <p:cNvPr id="1" name=""/>
+        <p:cNvGrpSpPr/>
+        <p:nvPr/>
+      </p:nvGrpSpPr>
+      <p:grpSpPr>
+        <a:xfrm>
+          <a:off x="0" y="0"/>
+          <a:ext cx="0" cy="0"/>
+          <a:chOff x="0" y="0"/>
+          <a:chExt cx="0" cy="0"/>
+        </a:xfrm>
+      </p:grpSpPr>
+      <p:sp>
+        <p:nvSpPr>
+          <p:cNvPr id="2" name="슬라이드 이미지 개체 틀 1"/>
+          <p:cNvSpPr>
+            <a:spLocks noGrp="1" noRot="1" noChangeAspect="1"/>
+          </p:cNvSpPr>
+          <p:nvPr>
+            <p:ph type="sldImg"/>
+          </p:nvPr>
+        </p:nvSpPr>
+        <p:spPr/>
+      </p:sp>
+      <p:sp>
+        <p:nvSpPr>
+          <p:cNvPr id="3" name="슬라이드 노트 개체 틀 2"/>
+          <p:cNvSpPr>
+            <a:spLocks noGrp="1"/>
+          </p:cNvSpPr>
+          <p:nvPr>
+            <p:ph type="body" idx="1"/>
+          </p:nvPr>
+        </p:nvSpPr>
+        <p:spPr/>
+        <p:txBody>
+          <a:bodyPr/>
+          <a:lstStyle/>
+          <a:p>
+            <a:endParaRPr lang="ko-KR" altLang="en-US" dirty="0"/>
+          </a:p>
+        </p:txBody>
+      </p:sp>
+      <p:sp>
+        <p:nvSpPr>
+          <p:cNvPr id="4" name="슬라이드 번호 개체 틀 3"/>
+          <p:cNvSpPr>
+            <a:spLocks noGrp="1"/>
+          </p:cNvSpPr>
+          <p:nvPr>
+            <p:ph type="sldNum" sz="quarter" idx="5"/>
+          </p:nvPr>
+        </p:nvSpPr>
+        <p:spPr/>
+        <p:txBody>
+          <a:bodyPr/>
+          <a:lstStyle/>
+          <a:p>
+            <a:fld id="{72032EB5-ABEB-49F2-BBDC-81C17B42AB0D}" type="slidenum">
+              <a:rPr lang="ko-KR" altLang="en-US" smtClean="0"/>
+              <a:t>12</a:t>
             </a:fld>
             <a:endParaRPr lang="ko-KR" altLang="en-US"/>
           </a:p>
@@ -884,7 +969,7 @@
     </p:spTree>
     <p:extLst>
       <p:ext uri="{BB962C8B-B14F-4D97-AF65-F5344CB8AC3E}">
-        <p14:creationId xmlns:p14="http://schemas.microsoft.com/office/powerpoint/2010/main" val="2692393392"/>
+        <p14:creationId xmlns:p14="http://schemas.microsoft.com/office/powerpoint/2010/main" val="889203321"/>
       </p:ext>
     </p:extLst>
   </p:cSld>
@@ -968,7 +1053,7 @@
     </p:spTree>
     <p:extLst>
       <p:ext uri="{BB962C8B-B14F-4D97-AF65-F5344CB8AC3E}">
-        <p14:creationId xmlns:p14="http://schemas.microsoft.com/office/powerpoint/2010/main" val="2377183380"/>
+        <p14:creationId xmlns:p14="http://schemas.microsoft.com/office/powerpoint/2010/main" val="2692393392"/>
       </p:ext>
     </p:extLst>
   </p:cSld>
@@ -1052,7 +1137,7 @@
     </p:spTree>
     <p:extLst>
       <p:ext uri="{BB962C8B-B14F-4D97-AF65-F5344CB8AC3E}">
-        <p14:creationId xmlns:p14="http://schemas.microsoft.com/office/powerpoint/2010/main" val="2020563335"/>
+        <p14:creationId xmlns:p14="http://schemas.microsoft.com/office/powerpoint/2010/main" val="2377183380"/>
       </p:ext>
     </p:extLst>
   </p:cSld>
@@ -1136,7 +1221,7 @@
     </p:spTree>
     <p:extLst>
       <p:ext uri="{BB962C8B-B14F-4D97-AF65-F5344CB8AC3E}">
-        <p14:creationId xmlns:p14="http://schemas.microsoft.com/office/powerpoint/2010/main" val="3669716897"/>
+        <p14:creationId xmlns:p14="http://schemas.microsoft.com/office/powerpoint/2010/main" val="2020563335"/>
       </p:ext>
     </p:extLst>
   </p:cSld>
@@ -1220,7 +1305,7 @@
     </p:spTree>
     <p:extLst>
       <p:ext uri="{BB962C8B-B14F-4D97-AF65-F5344CB8AC3E}">
-        <p14:creationId xmlns:p14="http://schemas.microsoft.com/office/powerpoint/2010/main" val="454560180"/>
+        <p14:creationId xmlns:p14="http://schemas.microsoft.com/office/powerpoint/2010/main" val="3669716897"/>
       </p:ext>
     </p:extLst>
   </p:cSld>
@@ -1304,7 +1389,7 @@
     </p:spTree>
     <p:extLst>
       <p:ext uri="{BB962C8B-B14F-4D97-AF65-F5344CB8AC3E}">
-        <p14:creationId xmlns:p14="http://schemas.microsoft.com/office/powerpoint/2010/main" val="329229784"/>
+        <p14:creationId xmlns:p14="http://schemas.microsoft.com/office/powerpoint/2010/main" val="454560180"/>
       </p:ext>
     </p:extLst>
   </p:cSld>
@@ -1388,7 +1473,7 @@
     </p:spTree>
     <p:extLst>
       <p:ext uri="{BB962C8B-B14F-4D97-AF65-F5344CB8AC3E}">
-        <p14:creationId xmlns:p14="http://schemas.microsoft.com/office/powerpoint/2010/main" val="1316060860"/>
+        <p14:creationId xmlns:p14="http://schemas.microsoft.com/office/powerpoint/2010/main" val="329229784"/>
       </p:ext>
     </p:extLst>
   </p:cSld>
@@ -1545,7 +1630,7 @@
           <a:p>
             <a:fld id="{5FF1DCF6-4881-4944-A4DB-9A9C3A72CFA7}" type="datetimeFigureOut">
               <a:rPr lang="ko-KR" altLang="en-US" smtClean="0"/>
-              <a:t>2024-07-13</a:t>
+              <a:t>2024-09-13</a:t>
             </a:fld>
             <a:endParaRPr lang="ko-KR" altLang="en-US"/>
           </a:p>
@@ -1743,7 +1828,7 @@
           <a:p>
             <a:fld id="{5FF1DCF6-4881-4944-A4DB-9A9C3A72CFA7}" type="datetimeFigureOut">
               <a:rPr lang="ko-KR" altLang="en-US" smtClean="0"/>
-              <a:t>2024-07-13</a:t>
+              <a:t>2024-09-13</a:t>
             </a:fld>
             <a:endParaRPr lang="ko-KR" altLang="en-US"/>
           </a:p>
@@ -1951,7 +2036,7 @@
           <a:p>
             <a:fld id="{5FF1DCF6-4881-4944-A4DB-9A9C3A72CFA7}" type="datetimeFigureOut">
               <a:rPr lang="ko-KR" altLang="en-US" smtClean="0"/>
-              <a:t>2024-07-13</a:t>
+              <a:t>2024-09-13</a:t>
             </a:fld>
             <a:endParaRPr lang="ko-KR" altLang="en-US"/>
           </a:p>
@@ -2149,7 +2234,7 @@
           <a:p>
             <a:fld id="{5FF1DCF6-4881-4944-A4DB-9A9C3A72CFA7}" type="datetimeFigureOut">
               <a:rPr lang="ko-KR" altLang="en-US" smtClean="0"/>
-              <a:t>2024-07-13</a:t>
+              <a:t>2024-09-13</a:t>
             </a:fld>
             <a:endParaRPr lang="ko-KR" altLang="en-US"/>
           </a:p>
@@ -2424,7 +2509,7 @@
           <a:p>
             <a:fld id="{5FF1DCF6-4881-4944-A4DB-9A9C3A72CFA7}" type="datetimeFigureOut">
               <a:rPr lang="ko-KR" altLang="en-US" smtClean="0"/>
-              <a:t>2024-07-13</a:t>
+              <a:t>2024-09-13</a:t>
             </a:fld>
             <a:endParaRPr lang="ko-KR" altLang="en-US"/>
           </a:p>
@@ -2689,7 +2774,7 @@
           <a:p>
             <a:fld id="{5FF1DCF6-4881-4944-A4DB-9A9C3A72CFA7}" type="datetimeFigureOut">
               <a:rPr lang="ko-KR" altLang="en-US" smtClean="0"/>
-              <a:t>2024-07-13</a:t>
+              <a:t>2024-09-13</a:t>
             </a:fld>
             <a:endParaRPr lang="ko-KR" altLang="en-US"/>
           </a:p>
@@ -3101,7 +3186,7 @@
           <a:p>
             <a:fld id="{5FF1DCF6-4881-4944-A4DB-9A9C3A72CFA7}" type="datetimeFigureOut">
               <a:rPr lang="ko-KR" altLang="en-US" smtClean="0"/>
-              <a:t>2024-07-13</a:t>
+              <a:t>2024-09-13</a:t>
             </a:fld>
             <a:endParaRPr lang="ko-KR" altLang="en-US"/>
           </a:p>
@@ -3242,7 +3327,7 @@
           <a:p>
             <a:fld id="{5FF1DCF6-4881-4944-A4DB-9A9C3A72CFA7}" type="datetimeFigureOut">
               <a:rPr lang="ko-KR" altLang="en-US" smtClean="0"/>
-              <a:t>2024-07-13</a:t>
+              <a:t>2024-09-13</a:t>
             </a:fld>
             <a:endParaRPr lang="ko-KR" altLang="en-US"/>
           </a:p>
@@ -3355,7 +3440,7 @@
           <a:p>
             <a:fld id="{5FF1DCF6-4881-4944-A4DB-9A9C3A72CFA7}" type="datetimeFigureOut">
               <a:rPr lang="ko-KR" altLang="en-US" smtClean="0"/>
-              <a:t>2024-07-13</a:t>
+              <a:t>2024-09-13</a:t>
             </a:fld>
             <a:endParaRPr lang="ko-KR" altLang="en-US"/>
           </a:p>
@@ -3666,7 +3751,7 @@
           <a:p>
             <a:fld id="{5FF1DCF6-4881-4944-A4DB-9A9C3A72CFA7}" type="datetimeFigureOut">
               <a:rPr lang="ko-KR" altLang="en-US" smtClean="0"/>
-              <a:t>2024-07-13</a:t>
+              <a:t>2024-09-13</a:t>
             </a:fld>
             <a:endParaRPr lang="ko-KR" altLang="en-US"/>
           </a:p>
@@ -3954,7 +4039,7 @@
           <a:p>
             <a:fld id="{5FF1DCF6-4881-4944-A4DB-9A9C3A72CFA7}" type="datetimeFigureOut">
               <a:rPr lang="ko-KR" altLang="en-US" smtClean="0"/>
-              <a:t>2024-07-13</a:t>
+              <a:t>2024-09-13</a:t>
             </a:fld>
             <a:endParaRPr lang="ko-KR" altLang="en-US"/>
           </a:p>
@@ -4195,7 +4280,7 @@
           <a:p>
             <a:fld id="{5FF1DCF6-4881-4944-A4DB-9A9C3A72CFA7}" type="datetimeFigureOut">
               <a:rPr lang="ko-KR" altLang="en-US" smtClean="0"/>
-              <a:t>2024-07-13</a:t>
+              <a:t>2024-09-13</a:t>
             </a:fld>
             <a:endParaRPr lang="ko-KR" altLang="en-US"/>
           </a:p>
@@ -4877,6 +4962,220 @@
         <p:spPr>
           <a:xfrm>
             <a:off x="574431" y="439615"/>
+            <a:ext cx="1010213" cy="369332"/>
+          </a:xfrm>
+          <a:prstGeom prst="rect">
+            <a:avLst/>
+          </a:prstGeom>
+          <a:noFill/>
+        </p:spPr>
+        <p:txBody>
+          <a:bodyPr wrap="none" rtlCol="0">
+            <a:spAutoFit/>
+          </a:bodyPr>
+          <a:lstStyle/>
+          <a:p>
+            <a:r>
+              <a:rPr lang="ko-KR" altLang="en-US" dirty="0"/>
+              <a:t>무기</a:t>
+            </a:r>
+            <a:r>
+              <a:rPr lang="en-US" altLang="ko-KR" dirty="0"/>
+              <a:t>:</a:t>
+            </a:r>
+            <a:r>
+              <a:rPr lang="ko-KR" altLang="en-US" dirty="0"/>
+              <a:t> 총</a:t>
+            </a:r>
+          </a:p>
+        </p:txBody>
+      </p:sp>
+      <p:sp>
+        <p:nvSpPr>
+          <p:cNvPr id="11" name="TextBox 10">
+            <a:extLst>
+              <a:ext uri="{FF2B5EF4-FFF2-40B4-BE49-F238E27FC236}">
+                <a16:creationId xmlns:a16="http://schemas.microsoft.com/office/drawing/2014/main" id="{BE1D231D-2F7F-F83F-96CF-2CDE57F99C49}"/>
+              </a:ext>
+            </a:extLst>
+          </p:cNvPr>
+          <p:cNvSpPr txBox="1"/>
+          <p:nvPr/>
+        </p:nvSpPr>
+        <p:spPr>
+          <a:xfrm>
+            <a:off x="487913" y="1003973"/>
+            <a:ext cx="11319388" cy="2308324"/>
+          </a:xfrm>
+          <a:prstGeom prst="rect">
+            <a:avLst/>
+          </a:prstGeom>
+          <a:noFill/>
+        </p:spPr>
+        <p:txBody>
+          <a:bodyPr wrap="square" rtlCol="0">
+            <a:spAutoFit/>
+          </a:bodyPr>
+          <a:lstStyle/>
+          <a:p>
+            <a:pPr marL="285750" indent="-285750">
+              <a:buFontTx/>
+              <a:buChar char="-"/>
+            </a:pPr>
+            <a:r>
+              <a:rPr lang="ko-KR" altLang="en-US" dirty="0"/>
+              <a:t>근력 </a:t>
+            </a:r>
+            <a:r>
+              <a:rPr lang="en-US" altLang="ko-KR" dirty="0"/>
+              <a:t>0. </a:t>
+            </a:r>
+            <a:r>
+              <a:rPr lang="ko-KR" altLang="en-US" dirty="0"/>
+              <a:t>능력 대미지는 총 별 고정</a:t>
+            </a:r>
+            <a:r>
+              <a:rPr lang="en-US" altLang="ko-KR" dirty="0"/>
+              <a:t>, </a:t>
+            </a:r>
+            <a:r>
+              <a:rPr lang="ko-KR" altLang="en-US" dirty="0"/>
+              <a:t>타수도 총 별 다른 설정</a:t>
+            </a:r>
+            <a:r>
+              <a:rPr lang="en-US" altLang="ko-KR" dirty="0"/>
+              <a:t>. 0.03</a:t>
+            </a:r>
+            <a:r>
+              <a:rPr lang="ko-KR" altLang="en-US" dirty="0"/>
+              <a:t>을 기본으로 잡자</a:t>
+            </a:r>
+            <a:r>
+              <a:rPr lang="en-US" altLang="ko-KR" dirty="0"/>
+              <a:t>.</a:t>
+            </a:r>
+          </a:p>
+          <a:p>
+            <a:pPr marL="285750" indent="-285750">
+              <a:buFontTx/>
+              <a:buChar char="-"/>
+            </a:pPr>
+            <a:r>
+              <a:rPr lang="en-US" altLang="ko-KR" dirty="0"/>
+              <a:t> </a:t>
+            </a:r>
+          </a:p>
+          <a:p>
+            <a:pPr marL="285750" indent="-285750">
+              <a:buFontTx/>
+              <a:buChar char="-"/>
+            </a:pPr>
+            <a:r>
+              <a:rPr lang="ko-KR" altLang="en-US" dirty="0"/>
+              <a:t>근력 없이 능력 보정만 올로 받음</a:t>
+            </a:r>
+            <a:r>
+              <a:rPr lang="en-US" altLang="ko-KR" dirty="0"/>
+              <a:t>.</a:t>
+            </a:r>
+          </a:p>
+          <a:p>
+            <a:pPr marL="285750" indent="-285750">
+              <a:buFontTx/>
+              <a:buChar char="-"/>
+            </a:pPr>
+            <a:r>
+              <a:rPr lang="ko-KR" altLang="en-US" dirty="0"/>
+              <a:t>휘는 총알</a:t>
+            </a:r>
+            <a:r>
+              <a:rPr lang="en-US" altLang="ko-KR" dirty="0"/>
+              <a:t>: </a:t>
+            </a:r>
+            <a:r>
+              <a:rPr lang="ko-KR" altLang="en-US" dirty="0"/>
+              <a:t>근력 수치에 따라 몇 개의 공격 회피</a:t>
+            </a:r>
+            <a:r>
+              <a:rPr lang="en-US" altLang="ko-KR" dirty="0"/>
+              <a:t>.</a:t>
+            </a:r>
+          </a:p>
+          <a:p>
+            <a:pPr marL="285750" indent="-285750">
+              <a:buFontTx/>
+              <a:buChar char="-"/>
+            </a:pPr>
+            <a:endParaRPr lang="en-US" altLang="ko-KR" dirty="0"/>
+          </a:p>
+          <a:p>
+            <a:pPr marL="285750" indent="-285750">
+              <a:buFontTx/>
+              <a:buChar char="-"/>
+            </a:pPr>
+            <a:endParaRPr lang="en-US" altLang="ko-KR" dirty="0"/>
+          </a:p>
+          <a:p>
+            <a:pPr marL="285750" indent="-285750">
+              <a:buFontTx/>
+              <a:buChar char="-"/>
+            </a:pPr>
+            <a:endParaRPr lang="en-US" altLang="ko-KR" dirty="0"/>
+          </a:p>
+          <a:p>
+            <a:pPr marL="285750" indent="-285750">
+              <a:buFontTx/>
+              <a:buChar char="-"/>
+            </a:pPr>
+            <a:endParaRPr lang="en-US" altLang="ko-KR" dirty="0"/>
+          </a:p>
+        </p:txBody>
+      </p:sp>
+    </p:spTree>
+    <p:extLst>
+      <p:ext uri="{BB962C8B-B14F-4D97-AF65-F5344CB8AC3E}">
+        <p14:creationId xmlns:p14="http://schemas.microsoft.com/office/powerpoint/2010/main" val="1788893303"/>
+      </p:ext>
+    </p:extLst>
+  </p:cSld>
+  <p:clrMapOvr>
+    <a:masterClrMapping/>
+  </p:clrMapOvr>
+</p:sld>
+</file>
+
+<file path=ppt/slides/slide11.xml><?xml version="1.0" encoding="utf-8"?>
+<p:sld xmlns:a="http://schemas.openxmlformats.org/drawingml/2006/main" xmlns:r="http://schemas.openxmlformats.org/officeDocument/2006/relationships" xmlns:p="http://schemas.openxmlformats.org/presentationml/2006/main">
+  <p:cSld>
+    <p:spTree>
+      <p:nvGrpSpPr>
+        <p:cNvPr id="1" name=""/>
+        <p:cNvGrpSpPr/>
+        <p:nvPr/>
+      </p:nvGrpSpPr>
+      <p:grpSpPr>
+        <a:xfrm>
+          <a:off x="0" y="0"/>
+          <a:ext cx="0" cy="0"/>
+          <a:chOff x="0" y="0"/>
+          <a:chExt cx="0" cy="0"/>
+        </a:xfrm>
+      </p:grpSpPr>
+      <p:sp>
+        <p:nvSpPr>
+          <p:cNvPr id="9" name="TextBox 8">
+            <a:extLst>
+              <a:ext uri="{FF2B5EF4-FFF2-40B4-BE49-F238E27FC236}">
+                <a16:creationId xmlns:a16="http://schemas.microsoft.com/office/drawing/2014/main" id="{7C3AEEB5-635B-CC9E-A34E-9221454EB919}"/>
+              </a:ext>
+            </a:extLst>
+          </p:cNvPr>
+          <p:cNvSpPr txBox="1"/>
+          <p:nvPr/>
+        </p:nvSpPr>
+        <p:spPr>
+          <a:xfrm>
+            <a:off x="574431" y="439615"/>
             <a:ext cx="1241045" cy="369332"/>
           </a:xfrm>
           <a:prstGeom prst="rect">
@@ -5091,7 +5390,7 @@
 </p:sld>
 </file>
 
-<file path=ppt/slides/slide11.xml><?xml version="1.0" encoding="utf-8"?>
+<file path=ppt/slides/slide12.xml><?xml version="1.0" encoding="utf-8"?>
 <p:sld xmlns:a="http://schemas.openxmlformats.org/drawingml/2006/main" xmlns:r="http://schemas.openxmlformats.org/officeDocument/2006/relationships" xmlns:p="http://schemas.openxmlformats.org/presentationml/2006/main">
   <p:cSld>
     <p:spTree>
@@ -5681,7 +5980,7 @@
           <a:p>
             <a:r>
               <a:rPr lang="en-US" altLang="ko-KR" dirty="0"/>
-              <a:t>2</a:t>
+              <a:t>1</a:t>
             </a:r>
             <a:endParaRPr lang="ko-KR" altLang="en-US" dirty="0"/>
           </a:p>
@@ -5702,7 +6001,7 @@
         <p:spPr>
           <a:xfrm>
             <a:off x="487913" y="1003973"/>
-            <a:ext cx="11319388" cy="2585323"/>
+            <a:ext cx="11319388" cy="2031325"/>
           </a:xfrm>
           <a:prstGeom prst="rect">
             <a:avLst/>
@@ -5721,26 +6020,8 @@
             </a:pPr>
             <a:r>
               <a:rPr lang="ko-KR" altLang="en-US" dirty="0"/>
-              <a:t>이하는 </a:t>
-            </a:r>
-            <a:r>
-              <a:rPr lang="en-US" altLang="ko-KR" dirty="0"/>
-              <a:t>2</a:t>
-            </a:r>
-            <a:r>
-              <a:rPr lang="ko-KR" altLang="en-US" dirty="0"/>
-              <a:t>번 종류의 수집요소</a:t>
-            </a:r>
-            <a:r>
-              <a:rPr lang="en-US" altLang="ko-KR" dirty="0"/>
-              <a:t>.</a:t>
-            </a:r>
-          </a:p>
-          <a:p>
-            <a:pPr marL="285750" indent="-285750">
-              <a:buFontTx/>
-              <a:buChar char="-"/>
-            </a:pPr>
+              <a:t>무기 아이템의 저장 구조</a:t>
+            </a:r>
             <a:endParaRPr lang="en-US" altLang="ko-KR" dirty="0"/>
           </a:p>
           <a:p>
@@ -5748,56 +6029,6 @@
               <a:buFontTx/>
               <a:buChar char="-"/>
             </a:pPr>
-            <a:r>
-              <a:rPr lang="ko-KR" altLang="en-US" dirty="0"/>
-              <a:t>전투관련</a:t>
-            </a:r>
-            <a:r>
-              <a:rPr lang="en-US" altLang="ko-KR" dirty="0"/>
-              <a:t>. </a:t>
-            </a:r>
-            <a:r>
-              <a:rPr lang="ko-KR" altLang="en-US" dirty="0"/>
-              <a:t>이건 장비 </a:t>
-            </a:r>
-            <a:r>
-              <a:rPr lang="en-US" altLang="ko-KR" dirty="0"/>
-              <a:t>or </a:t>
-            </a:r>
-            <a:r>
-              <a:rPr lang="ko-KR" altLang="en-US" dirty="0"/>
-              <a:t>도구 라고 칭해서 따로 관리하자</a:t>
-            </a:r>
-            <a:r>
-              <a:rPr lang="en-US" altLang="ko-KR" dirty="0"/>
-              <a:t>.</a:t>
-            </a:r>
-          </a:p>
-          <a:p>
-            <a:pPr marL="285750" indent="-285750">
-              <a:buFontTx/>
-              <a:buChar char="-"/>
-            </a:pPr>
-            <a:r>
-              <a:rPr lang="ko-KR" altLang="en-US" dirty="0"/>
-              <a:t>문장 하나를 통째로 옮길 수 있음</a:t>
-            </a:r>
-            <a:r>
-              <a:rPr lang="en-US" altLang="ko-KR" dirty="0"/>
-              <a:t>.(</a:t>
-            </a:r>
-            <a:r>
-              <a:rPr lang="ko-KR" altLang="en-US" dirty="0"/>
-              <a:t>확률 계산을 다시 해야 하고 승리 확률이 변함</a:t>
-            </a:r>
-            <a:r>
-              <a:rPr lang="en-US" altLang="ko-KR" dirty="0"/>
-              <a:t>.)</a:t>
-            </a:r>
-            <a:r>
-              <a:rPr lang="ko-KR" altLang="en-US" dirty="0" err="1"/>
-              <a:t>사슬낫</a:t>
-            </a:r>
             <a:endParaRPr lang="en-US" altLang="ko-KR" dirty="0"/>
           </a:p>
           <a:p>
@@ -5807,61 +6038,55 @@
             </a:pPr>
             <a:r>
               <a:rPr lang="ko-KR" altLang="en-US" dirty="0"/>
-              <a:t>모든 공격과 방어가 랜덤화 됨</a:t>
-            </a:r>
-            <a:r>
-              <a:rPr lang="en-US" altLang="ko-KR" dirty="0"/>
-              <a:t>.(</a:t>
-            </a:r>
-            <a:r>
-              <a:rPr lang="ko-KR" altLang="en-US" dirty="0"/>
-              <a:t>수치는 </a:t>
-            </a:r>
-            <a:r>
-              <a:rPr lang="ko-KR" altLang="en-US" dirty="0" err="1"/>
-              <a:t>그대로지만</a:t>
-            </a:r>
-            <a:r>
-              <a:rPr lang="ko-KR" altLang="en-US" dirty="0"/>
+              <a:t>이름</a:t>
+            </a:r>
+            <a:r>
+              <a:rPr lang="en-US" altLang="ko-KR" dirty="0"/>
+              <a:t>, </a:t>
+            </a:r>
+            <a:r>
+              <a:rPr lang="ko-KR" altLang="en-US" dirty="0"/>
+              <a:t>근력</a:t>
+            </a:r>
+            <a:r>
+              <a:rPr lang="en-US" altLang="ko-KR" dirty="0"/>
               <a:t> </a:t>
             </a:r>
             <a:r>
-              <a:rPr lang="en-US" altLang="ko-KR" dirty="0"/>
-              <a:t>+-</a:t>
-            </a:r>
-            <a:r>
-              <a:rPr lang="ko-KR" altLang="en-US" dirty="0"/>
-              <a:t>가 랜덤화</a:t>
-            </a:r>
-            <a:r>
-              <a:rPr lang="en-US" altLang="ko-KR" dirty="0"/>
-              <a:t>.)</a:t>
-            </a:r>
-          </a:p>
-          <a:p>
-            <a:pPr marL="285750" indent="-285750">
-              <a:buFontTx/>
-              <a:buChar char="-"/>
-            </a:pPr>
-            <a:r>
-              <a:rPr lang="ko-KR" altLang="en-US" dirty="0"/>
-              <a:t>적 별로 일정 턴 수를 씹는 아이템</a:t>
-            </a:r>
-            <a:r>
-              <a:rPr lang="en-US" altLang="ko-KR" dirty="0"/>
-              <a:t>. </a:t>
-            </a:r>
-            <a:r>
-              <a:rPr lang="ko-KR" altLang="en-US" dirty="0"/>
-              <a:t>강할수록 턴 수가 줄어듦</a:t>
-            </a:r>
-            <a:r>
-              <a:rPr lang="en-US" altLang="ko-KR" dirty="0"/>
-              <a:t>. </a:t>
-            </a:r>
-            <a:r>
-              <a:rPr lang="ko-KR" altLang="en-US" dirty="0"/>
-              <a:t>수면제</a:t>
+              <a:rPr lang="ko-KR" altLang="en-US" dirty="0"/>
+              <a:t>계산 값</a:t>
+            </a:r>
+            <a:r>
+              <a:rPr lang="en-US" altLang="ko-KR" dirty="0"/>
+              <a:t>, </a:t>
+            </a:r>
+            <a:r>
+              <a:rPr lang="ko-KR" altLang="en-US" dirty="0"/>
+              <a:t>기술 계산 값</a:t>
+            </a:r>
+            <a:r>
+              <a:rPr lang="en-US" altLang="ko-KR" dirty="0"/>
+              <a:t>, </a:t>
+            </a:r>
+            <a:r>
+              <a:rPr lang="ko-KR" altLang="en-US" dirty="0"/>
+              <a:t>추가 능력</a:t>
+            </a:r>
+            <a:r>
+              <a:rPr lang="en-US" altLang="ko-KR" dirty="0"/>
+              <a:t>, </a:t>
+            </a:r>
+            <a:r>
+              <a:rPr lang="ko-KR" altLang="en-US" dirty="0"/>
+              <a:t>설명 텍스트</a:t>
+            </a:r>
+            <a:r>
+              <a:rPr lang="en-US" altLang="ko-KR" dirty="0"/>
+              <a:t>, </a:t>
+            </a:r>
+            <a:r>
+              <a:rPr lang="ko-KR" altLang="en-US" dirty="0"/>
+              <a:t>종류</a:t>
             </a:r>
             <a:endParaRPr lang="en-US" altLang="ko-KR" dirty="0"/>
           </a:p>
@@ -5870,18 +6095,6 @@
               <a:buFontTx/>
               <a:buChar char="-"/>
             </a:pPr>
-            <a:r>
-              <a:rPr lang="ko-KR" altLang="en-US" dirty="0"/>
-              <a:t>적의 공격을 한 턴 반사</a:t>
-            </a:r>
-            <a:r>
-              <a:rPr lang="en-US" altLang="ko-KR" dirty="0"/>
-              <a:t>. </a:t>
-            </a:r>
-            <a:r>
-              <a:rPr lang="ko-KR" altLang="en-US" dirty="0"/>
-              <a:t>거울</a:t>
-            </a:r>
             <a:endParaRPr lang="en-US" altLang="ko-KR" dirty="0"/>
           </a:p>
           <a:p>
@@ -5889,26 +6102,6 @@
               <a:buFontTx/>
               <a:buChar char="-"/>
             </a:pPr>
-            <a:r>
-              <a:rPr lang="ko-KR" altLang="en-US" dirty="0"/>
-              <a:t>매 전투 타격수마다 체력 </a:t>
-            </a:r>
-            <a:r>
-              <a:rPr lang="en-US" altLang="ko-KR" dirty="0"/>
-              <a:t>or </a:t>
-            </a:r>
-            <a:r>
-              <a:rPr lang="ko-KR" altLang="en-US" dirty="0"/>
-              <a:t>근력 값이 올라감</a:t>
-            </a:r>
-            <a:r>
-              <a:rPr lang="en-US" altLang="ko-KR" dirty="0"/>
-              <a:t>. </a:t>
-            </a:r>
-            <a:r>
-              <a:rPr lang="ko-KR" altLang="en-US" dirty="0"/>
-              <a:t>모래주머니</a:t>
-            </a:r>
             <a:endParaRPr lang="en-US" altLang="ko-KR" dirty="0"/>
           </a:p>
           <a:p>
@@ -5918,8 +6111,15 @@
             </a:pPr>
             <a:r>
               <a:rPr lang="ko-KR" altLang="en-US" dirty="0"/>
-              <a:t>무기일지는 모르지만</a:t>
-            </a:r>
+              <a:t> </a:t>
+            </a:r>
+            <a:endParaRPr lang="en-US" altLang="ko-KR" dirty="0"/>
+          </a:p>
+          <a:p>
+            <a:pPr marL="285750" indent="-285750">
+              <a:buFontTx/>
+              <a:buChar char="-"/>
+            </a:pPr>
             <a:endParaRPr lang="en-US" altLang="ko-KR" dirty="0"/>
           </a:p>
         </p:txBody>
@@ -5927,7 +6127,7 @@
     </p:spTree>
     <p:extLst>
       <p:ext uri="{BB962C8B-B14F-4D97-AF65-F5344CB8AC3E}">
-        <p14:creationId xmlns:p14="http://schemas.microsoft.com/office/powerpoint/2010/main" val="2657430295"/>
+        <p14:creationId xmlns:p14="http://schemas.microsoft.com/office/powerpoint/2010/main" val="2149382026"/>
       </p:ext>
     </p:extLst>
   </p:cSld>
@@ -6005,7 +6205,7 @@
         <p:spPr>
           <a:xfrm>
             <a:off x="487913" y="1003973"/>
-            <a:ext cx="11319388" cy="3416320"/>
+            <a:ext cx="11319388" cy="2585323"/>
           </a:xfrm>
           <a:prstGeom prst="rect">
             <a:avLst/>
@@ -6024,8 +6224,26 @@
             </a:pPr>
             <a:r>
               <a:rPr lang="ko-KR" altLang="en-US" dirty="0"/>
-              <a:t>비전투관련</a:t>
-            </a:r>
+              <a:t>이하는 </a:t>
+            </a:r>
+            <a:r>
+              <a:rPr lang="en-US" altLang="ko-KR" dirty="0"/>
+              <a:t>2</a:t>
+            </a:r>
+            <a:r>
+              <a:rPr lang="ko-KR" altLang="en-US" dirty="0"/>
+              <a:t>번 종류의 수집요소</a:t>
+            </a:r>
+            <a:r>
+              <a:rPr lang="en-US" altLang="ko-KR" dirty="0"/>
+              <a:t>.</a:t>
+            </a:r>
+          </a:p>
+          <a:p>
+            <a:pPr marL="285750" indent="-285750">
+              <a:buFontTx/>
+              <a:buChar char="-"/>
+            </a:pPr>
             <a:endParaRPr lang="en-US" altLang="ko-KR" dirty="0"/>
           </a:p>
           <a:p>
@@ -6035,7 +6253,23 @@
             </a:pPr>
             <a:r>
               <a:rPr lang="ko-KR" altLang="en-US" dirty="0"/>
-              <a:t>수집 시기에 모든 수치를 다시 찍을 수 있다</a:t>
+              <a:t>전투관련</a:t>
+            </a:r>
+            <a:r>
+              <a:rPr lang="en-US" altLang="ko-KR" dirty="0"/>
+              <a:t>. </a:t>
+            </a:r>
+            <a:r>
+              <a:rPr lang="ko-KR" altLang="en-US" dirty="0"/>
+              <a:t>이건 장비 </a:t>
+            </a:r>
+            <a:r>
+              <a:rPr lang="en-US" altLang="ko-KR" dirty="0"/>
+              <a:t>or </a:t>
+            </a:r>
+            <a:r>
+              <a:rPr lang="ko-KR" altLang="en-US" dirty="0"/>
+              <a:t>도구 라고 칭해서 따로 관리하자</a:t>
             </a:r>
             <a:r>
               <a:rPr lang="en-US" altLang="ko-KR" dirty="0"/>
@@ -6049,7 +6283,72 @@
             </a:pPr>
             <a:r>
               <a:rPr lang="ko-KR" altLang="en-US" dirty="0"/>
-              <a:t>화술이 일정 수치 증가한다</a:t>
+              <a:t>문장 하나를 통째로 옮길 수 있음</a:t>
+            </a:r>
+            <a:r>
+              <a:rPr lang="en-US" altLang="ko-KR" dirty="0"/>
+              <a:t>.(</a:t>
+            </a:r>
+            <a:r>
+              <a:rPr lang="ko-KR" altLang="en-US" dirty="0"/>
+              <a:t>확률 계산을 다시 해야 하고 승리 확률이 변함</a:t>
+            </a:r>
+            <a:r>
+              <a:rPr lang="en-US" altLang="ko-KR" dirty="0"/>
+              <a:t>.)</a:t>
+            </a:r>
+            <a:r>
+              <a:rPr lang="ko-KR" altLang="en-US" dirty="0" err="1"/>
+              <a:t>사슬낫</a:t>
+            </a:r>
+            <a:endParaRPr lang="en-US" altLang="ko-KR" dirty="0"/>
+          </a:p>
+          <a:p>
+            <a:pPr marL="285750" indent="-285750">
+              <a:buFontTx/>
+              <a:buChar char="-"/>
+            </a:pPr>
+            <a:r>
+              <a:rPr lang="ko-KR" altLang="en-US" dirty="0"/>
+              <a:t>모든 공격과 방어가 랜덤화 됨</a:t>
+            </a:r>
+            <a:r>
+              <a:rPr lang="en-US" altLang="ko-KR" dirty="0"/>
+              <a:t>.(</a:t>
+            </a:r>
+            <a:r>
+              <a:rPr lang="ko-KR" altLang="en-US" dirty="0"/>
+              <a:t>수치는 </a:t>
+            </a:r>
+            <a:r>
+              <a:rPr lang="ko-KR" altLang="en-US" dirty="0" err="1"/>
+              <a:t>그대로지만</a:t>
+            </a:r>
+            <a:r>
+              <a:rPr lang="ko-KR" altLang="en-US" dirty="0"/>
+              <a:t> </a:t>
+            </a:r>
+            <a:r>
+              <a:rPr lang="en-US" altLang="ko-KR" dirty="0"/>
+              <a:t>+-</a:t>
+            </a:r>
+            <a:r>
+              <a:rPr lang="ko-KR" altLang="en-US" dirty="0"/>
+              <a:t>가 랜덤화</a:t>
+            </a:r>
+            <a:r>
+              <a:rPr lang="en-US" altLang="ko-KR" dirty="0"/>
+              <a:t>.)</a:t>
+            </a:r>
+          </a:p>
+          <a:p>
+            <a:pPr marL="285750" indent="-285750">
+              <a:buFontTx/>
+              <a:buChar char="-"/>
+            </a:pPr>
+            <a:r>
+              <a:rPr lang="ko-KR" altLang="en-US" dirty="0"/>
+              <a:t>적 별로 일정 턴 수를 씹는 아이템</a:t>
             </a:r>
             <a:r>
               <a:rPr lang="en-US" altLang="ko-KR" dirty="0"/>
@@ -6057,7 +6356,15 @@
             </a:r>
             <a:r>
               <a:rPr lang="ko-KR" altLang="en-US" dirty="0"/>
-              <a:t>발음교정기</a:t>
+              <a:t>강할수록 턴 수가 줄어듦</a:t>
+            </a:r>
+            <a:r>
+              <a:rPr lang="en-US" altLang="ko-KR" dirty="0"/>
+              <a:t>. </a:t>
+            </a:r>
+            <a:r>
+              <a:rPr lang="ko-KR" altLang="en-US" dirty="0"/>
+              <a:t>수면제</a:t>
             </a:r>
             <a:endParaRPr lang="en-US" altLang="ko-KR" dirty="0"/>
           </a:p>
@@ -6068,7 +6375,7 @@
             </a:pPr>
             <a:r>
               <a:rPr lang="ko-KR" altLang="en-US" dirty="0"/>
-              <a:t>명상이 일정 수치 증가한다</a:t>
+              <a:t>적의 공격을 한 턴 반사</a:t>
             </a:r>
             <a:r>
               <a:rPr lang="en-US" altLang="ko-KR" dirty="0"/>
@@ -6076,7 +6383,7 @@
             </a:r>
             <a:r>
               <a:rPr lang="ko-KR" altLang="en-US" dirty="0"/>
-              <a:t>탄생석</a:t>
+              <a:t>거울</a:t>
             </a:r>
             <a:endParaRPr lang="en-US" altLang="ko-KR" dirty="0"/>
           </a:p>
@@ -6087,7 +6394,15 @@
             </a:pPr>
             <a:r>
               <a:rPr lang="ko-KR" altLang="en-US" dirty="0"/>
-              <a:t>지력이 일정 수치 증가한다</a:t>
+              <a:t>매 전투 타격수마다 체력 </a:t>
+            </a:r>
+            <a:r>
+              <a:rPr lang="en-US" altLang="ko-KR" dirty="0"/>
+              <a:t>or </a:t>
+            </a:r>
+            <a:r>
+              <a:rPr lang="ko-KR" altLang="en-US" dirty="0"/>
+              <a:t>근력 값이 올라감</a:t>
             </a:r>
             <a:r>
               <a:rPr lang="en-US" altLang="ko-KR" dirty="0"/>
@@ -6095,7 +6410,7 @@
             </a:r>
             <a:r>
               <a:rPr lang="ko-KR" altLang="en-US" dirty="0"/>
-              <a:t>큐브</a:t>
+              <a:t>모래주머니</a:t>
             </a:r>
             <a:endParaRPr lang="en-US" altLang="ko-KR" dirty="0"/>
           </a:p>
@@ -6106,170 +6421,8 @@
             </a:pPr>
             <a:r>
               <a:rPr lang="ko-KR" altLang="en-US" dirty="0"/>
-              <a:t>지력에 비례하여 근력이 증가한다</a:t>
-            </a:r>
-            <a:r>
-              <a:rPr lang="en-US" altLang="ko-KR" dirty="0"/>
-              <a:t>. </a:t>
-            </a:r>
-            <a:r>
-              <a:rPr lang="ko-KR" altLang="en-US" dirty="0" err="1"/>
-              <a:t>개무거운책</a:t>
-            </a:r>
-            <a:endParaRPr lang="en-US" altLang="ko-KR" dirty="0"/>
-          </a:p>
-          <a:p>
-            <a:pPr marL="285750" indent="-285750">
-              <a:buFontTx/>
-              <a:buChar char="-"/>
-            </a:pPr>
-            <a:r>
-              <a:rPr lang="ko-KR" altLang="en-US" dirty="0"/>
-              <a:t>체력이 증가하는 대신 화술이 일정 수치 낮아진다</a:t>
-            </a:r>
-            <a:r>
-              <a:rPr lang="en-US" altLang="ko-KR" dirty="0"/>
-              <a:t>. </a:t>
-            </a:r>
-            <a:r>
-              <a:rPr lang="ko-KR" altLang="en-US" dirty="0"/>
-              <a:t>마우스피스</a:t>
-            </a:r>
-            <a:endParaRPr lang="en-US" altLang="ko-KR" dirty="0"/>
-          </a:p>
-          <a:p>
-            <a:pPr marL="285750" indent="-285750">
-              <a:buFontTx/>
-              <a:buChar char="-"/>
-            </a:pPr>
-            <a:r>
-              <a:rPr lang="ko-KR" altLang="en-US" dirty="0" err="1"/>
-              <a:t>매턴마다</a:t>
-            </a:r>
-            <a:r>
-              <a:rPr lang="ko-KR" altLang="en-US" dirty="0"/>
-              <a:t> 지력이 증가한다</a:t>
-            </a:r>
-            <a:r>
-              <a:rPr lang="en-US" altLang="ko-KR" dirty="0"/>
-              <a:t>. </a:t>
-            </a:r>
-            <a:r>
-              <a:rPr lang="ko-KR" altLang="en-US" dirty="0"/>
-              <a:t>하지만 최대 수치를 넘게 되면 </a:t>
-            </a:r>
-            <a:r>
-              <a:rPr lang="en-US" altLang="ko-KR" dirty="0"/>
-              <a:t>0</a:t>
-            </a:r>
-            <a:r>
-              <a:rPr lang="ko-KR" altLang="en-US" dirty="0"/>
-              <a:t>부터 시작한다</a:t>
-            </a:r>
-            <a:r>
-              <a:rPr lang="en-US" altLang="ko-KR" dirty="0"/>
-              <a:t>. </a:t>
-            </a:r>
-            <a:r>
-              <a:rPr lang="ko-KR" altLang="en-US" dirty="0"/>
-              <a:t>뫼비우스의 </a:t>
-            </a:r>
-            <a:r>
-              <a:rPr lang="ko-KR" altLang="en-US" dirty="0" err="1"/>
-              <a:t>띄</a:t>
-            </a:r>
-            <a:endParaRPr lang="en-US" altLang="ko-KR" dirty="0"/>
-          </a:p>
-          <a:p>
-            <a:pPr marL="285750" indent="-285750">
-              <a:buFontTx/>
-              <a:buChar char="-"/>
-            </a:pPr>
-            <a:r>
-              <a:rPr lang="ko-KR" altLang="en-US" dirty="0"/>
-              <a:t>동료 육성 효율이 크게 증가한다</a:t>
-            </a:r>
-            <a:r>
-              <a:rPr lang="en-US" altLang="ko-KR" dirty="0"/>
-              <a:t>. </a:t>
-            </a:r>
-            <a:r>
-              <a:rPr lang="ko-KR" altLang="en-US" dirty="0"/>
-              <a:t>그러나 일정 </a:t>
-            </a:r>
-            <a:r>
-              <a:rPr lang="ko-KR" altLang="en-US" dirty="0" err="1"/>
-              <a:t>턴수</a:t>
-            </a:r>
-            <a:r>
-              <a:rPr lang="ko-KR" altLang="en-US" dirty="0"/>
-              <a:t> </a:t>
-            </a:r>
-            <a:r>
-              <a:rPr lang="en-US" altLang="ko-KR" dirty="0"/>
-              <a:t>or </a:t>
-            </a:r>
-            <a:r>
-              <a:rPr lang="ko-KR" altLang="en-US" dirty="0"/>
-              <a:t>일정 수치를 </a:t>
-            </a:r>
-            <a:r>
-              <a:rPr lang="ko-KR" altLang="en-US" dirty="0" err="1"/>
-              <a:t>넘게되면</a:t>
-            </a:r>
-            <a:r>
-              <a:rPr lang="ko-KR" altLang="en-US" dirty="0"/>
-              <a:t> 동료가 랜덤으로 떠남</a:t>
-            </a:r>
-            <a:r>
-              <a:rPr lang="en-US" altLang="ko-KR" dirty="0"/>
-              <a:t>. </a:t>
-            </a:r>
-            <a:r>
-              <a:rPr lang="ko-KR" altLang="en-US" dirty="0" err="1"/>
-              <a:t>연설가의</a:t>
-            </a:r>
-            <a:r>
-              <a:rPr lang="ko-KR" altLang="en-US" dirty="0"/>
-              <a:t> 동상</a:t>
-            </a:r>
-            <a:endParaRPr lang="en-US" altLang="ko-KR" dirty="0"/>
-          </a:p>
-          <a:p>
-            <a:pPr marL="285750" indent="-285750">
-              <a:buFontTx/>
-              <a:buChar char="-"/>
-            </a:pPr>
-            <a:r>
-              <a:rPr lang="ko-KR" altLang="en-US" dirty="0"/>
-              <a:t>턴마다 랜덤하게 근력</a:t>
-            </a:r>
-            <a:r>
-              <a:rPr lang="en-US" altLang="ko-KR" dirty="0"/>
-              <a:t>, </a:t>
-            </a:r>
-            <a:r>
-              <a:rPr lang="ko-KR" altLang="en-US" dirty="0"/>
-              <a:t>체력 감소 </a:t>
-            </a:r>
-            <a:r>
-              <a:rPr lang="en-US" altLang="ko-KR" dirty="0"/>
-              <a:t>but </a:t>
-            </a:r>
-            <a:r>
-              <a:rPr lang="ko-KR" altLang="en-US" dirty="0"/>
-              <a:t>명상 증가</a:t>
-            </a:r>
-            <a:r>
-              <a:rPr lang="en-US" altLang="ko-KR" dirty="0"/>
-              <a:t>. LSD</a:t>
-            </a:r>
-          </a:p>
-          <a:p>
-            <a:pPr marL="285750" indent="-285750">
-              <a:buFontTx/>
-              <a:buChar char="-"/>
-            </a:pPr>
+              <a:t>무기일지는 모르지만</a:t>
+            </a:r>
             <a:endParaRPr lang="en-US" altLang="ko-KR" dirty="0"/>
           </a:p>
         </p:txBody>
@@ -6277,7 +6430,7 @@
     </p:spTree>
     <p:extLst>
       <p:ext uri="{BB962C8B-B14F-4D97-AF65-F5344CB8AC3E}">
-        <p14:creationId xmlns:p14="http://schemas.microsoft.com/office/powerpoint/2010/main" val="2084516177"/>
+        <p14:creationId xmlns:p14="http://schemas.microsoft.com/office/powerpoint/2010/main" val="2657430295"/>
       </p:ext>
     </p:extLst>
   </p:cSld>
@@ -6319,7 +6472,7 @@
         <p:spPr>
           <a:xfrm>
             <a:off x="574431" y="439615"/>
-            <a:ext cx="646331" cy="369332"/>
+            <a:ext cx="311304" cy="369332"/>
           </a:xfrm>
           <a:prstGeom prst="rect">
             <a:avLst/>
@@ -6333,9 +6486,10 @@
           <a:lstStyle/>
           <a:p>
             <a:r>
-              <a:rPr lang="ko-KR" altLang="en-US" dirty="0"/>
-              <a:t>무기</a:t>
-            </a:r>
+              <a:rPr lang="en-US" altLang="ko-KR" dirty="0"/>
+              <a:t>2</a:t>
+            </a:r>
+            <a:endParaRPr lang="ko-KR" altLang="en-US" dirty="0"/>
           </a:p>
         </p:txBody>
       </p:sp>
@@ -6354,7 +6508,7 @@
         <p:spPr>
           <a:xfrm>
             <a:off x="487913" y="1003973"/>
-            <a:ext cx="11319388" cy="4801314"/>
+            <a:ext cx="11319388" cy="3416320"/>
           </a:xfrm>
           <a:prstGeom prst="rect">
             <a:avLst/>
@@ -6373,7 +6527,225 @@
             </a:pPr>
             <a:r>
               <a:rPr lang="ko-KR" altLang="en-US" dirty="0"/>
-              <a:t>무한으로 챙길 수 있는 수집요소가 있는가 하면</a:t>
+              <a:t>비전투관련</a:t>
+            </a:r>
+            <a:endParaRPr lang="en-US" altLang="ko-KR" dirty="0"/>
+          </a:p>
+          <a:p>
+            <a:pPr marL="285750" indent="-285750">
+              <a:buFontTx/>
+              <a:buChar char="-"/>
+            </a:pPr>
+            <a:r>
+              <a:rPr lang="ko-KR" altLang="en-US" dirty="0"/>
+              <a:t>수집 시기에 모든 수치를 다시 찍을 수 있다</a:t>
+            </a:r>
+            <a:r>
+              <a:rPr lang="en-US" altLang="ko-KR" dirty="0"/>
+              <a:t>.</a:t>
+            </a:r>
+          </a:p>
+          <a:p>
+            <a:pPr marL="285750" indent="-285750">
+              <a:buFontTx/>
+              <a:buChar char="-"/>
+            </a:pPr>
+            <a:r>
+              <a:rPr lang="ko-KR" altLang="en-US" dirty="0"/>
+              <a:t>화술이 일정 수치 증가한다</a:t>
+            </a:r>
+            <a:r>
+              <a:rPr lang="en-US" altLang="ko-KR" dirty="0"/>
+              <a:t>. </a:t>
+            </a:r>
+            <a:r>
+              <a:rPr lang="ko-KR" altLang="en-US" dirty="0"/>
+              <a:t>발음교정기</a:t>
+            </a:r>
+            <a:endParaRPr lang="en-US" altLang="ko-KR" dirty="0"/>
+          </a:p>
+          <a:p>
+            <a:pPr marL="285750" indent="-285750">
+              <a:buFontTx/>
+              <a:buChar char="-"/>
+            </a:pPr>
+            <a:r>
+              <a:rPr lang="ko-KR" altLang="en-US" dirty="0"/>
+              <a:t>명상이 일정 수치 증가한다</a:t>
+            </a:r>
+            <a:r>
+              <a:rPr lang="en-US" altLang="ko-KR" dirty="0"/>
+              <a:t>. </a:t>
+            </a:r>
+            <a:r>
+              <a:rPr lang="ko-KR" altLang="en-US" dirty="0"/>
+              <a:t>탄생석</a:t>
+            </a:r>
+            <a:endParaRPr lang="en-US" altLang="ko-KR" dirty="0"/>
+          </a:p>
+          <a:p>
+            <a:pPr marL="285750" indent="-285750">
+              <a:buFontTx/>
+              <a:buChar char="-"/>
+            </a:pPr>
+            <a:r>
+              <a:rPr lang="ko-KR" altLang="en-US" dirty="0"/>
+              <a:t>지력이 일정 수치 증가한다</a:t>
+            </a:r>
+            <a:r>
+              <a:rPr lang="en-US" altLang="ko-KR" dirty="0"/>
+              <a:t>. </a:t>
+            </a:r>
+            <a:r>
+              <a:rPr lang="ko-KR" altLang="en-US" dirty="0"/>
+              <a:t>큐브</a:t>
+            </a:r>
+            <a:endParaRPr lang="en-US" altLang="ko-KR" dirty="0"/>
+          </a:p>
+          <a:p>
+            <a:pPr marL="285750" indent="-285750">
+              <a:buFontTx/>
+              <a:buChar char="-"/>
+            </a:pPr>
+            <a:r>
+              <a:rPr lang="ko-KR" altLang="en-US" dirty="0"/>
+              <a:t>지력에 비례하여 근력이 증가한다</a:t>
+            </a:r>
+            <a:r>
+              <a:rPr lang="en-US" altLang="ko-KR" dirty="0"/>
+              <a:t>. </a:t>
+            </a:r>
+            <a:r>
+              <a:rPr lang="ko-KR" altLang="en-US" dirty="0" err="1"/>
+              <a:t>개무거운책</a:t>
+            </a:r>
+            <a:endParaRPr lang="en-US" altLang="ko-KR" dirty="0"/>
+          </a:p>
+          <a:p>
+            <a:pPr marL="285750" indent="-285750">
+              <a:buFontTx/>
+              <a:buChar char="-"/>
+            </a:pPr>
+            <a:r>
+              <a:rPr lang="ko-KR" altLang="en-US" dirty="0"/>
+              <a:t>체력이 증가하는 대신 화술이 일정 수치 낮아진다</a:t>
+            </a:r>
+            <a:r>
+              <a:rPr lang="en-US" altLang="ko-KR" dirty="0"/>
+              <a:t>. </a:t>
+            </a:r>
+            <a:r>
+              <a:rPr lang="ko-KR" altLang="en-US" dirty="0"/>
+              <a:t>마우스피스</a:t>
+            </a:r>
+            <a:endParaRPr lang="en-US" altLang="ko-KR" dirty="0"/>
+          </a:p>
+          <a:p>
+            <a:pPr marL="285750" indent="-285750">
+              <a:buFontTx/>
+              <a:buChar char="-"/>
+            </a:pPr>
+            <a:r>
+              <a:rPr lang="ko-KR" altLang="en-US" dirty="0" err="1"/>
+              <a:t>매턴마다</a:t>
+            </a:r>
+            <a:r>
+              <a:rPr lang="ko-KR" altLang="en-US" dirty="0"/>
+              <a:t> 지력이 증가한다</a:t>
+            </a:r>
+            <a:r>
+              <a:rPr lang="en-US" altLang="ko-KR" dirty="0"/>
+              <a:t>. </a:t>
+            </a:r>
+            <a:r>
+              <a:rPr lang="ko-KR" altLang="en-US" dirty="0"/>
+              <a:t>하지만 최대 수치를 넘게 되면 </a:t>
+            </a:r>
+            <a:r>
+              <a:rPr lang="en-US" altLang="ko-KR" dirty="0"/>
+              <a:t>0</a:t>
+            </a:r>
+            <a:r>
+              <a:rPr lang="ko-KR" altLang="en-US" dirty="0"/>
+              <a:t>부터 시작한다</a:t>
+            </a:r>
+            <a:r>
+              <a:rPr lang="en-US" altLang="ko-KR" dirty="0"/>
+              <a:t>. </a:t>
+            </a:r>
+            <a:r>
+              <a:rPr lang="ko-KR" altLang="en-US" dirty="0"/>
+              <a:t>뫼비우스의 </a:t>
+            </a:r>
+            <a:r>
+              <a:rPr lang="ko-KR" altLang="en-US" dirty="0" err="1"/>
+              <a:t>띄</a:t>
+            </a:r>
+            <a:endParaRPr lang="en-US" altLang="ko-KR" dirty="0"/>
+          </a:p>
+          <a:p>
+            <a:pPr marL="285750" indent="-285750">
+              <a:buFontTx/>
+              <a:buChar char="-"/>
+            </a:pPr>
+            <a:r>
+              <a:rPr lang="ko-KR" altLang="en-US" dirty="0"/>
+              <a:t>동료 육성 효율이 크게 증가한다</a:t>
+            </a:r>
+            <a:r>
+              <a:rPr lang="en-US" altLang="ko-KR" dirty="0"/>
+              <a:t>. </a:t>
+            </a:r>
+            <a:r>
+              <a:rPr lang="ko-KR" altLang="en-US" dirty="0"/>
+              <a:t>그러나 일정 </a:t>
+            </a:r>
+            <a:r>
+              <a:rPr lang="ko-KR" altLang="en-US" dirty="0" err="1"/>
+              <a:t>턴수</a:t>
+            </a:r>
+            <a:r>
+              <a:rPr lang="ko-KR" altLang="en-US" dirty="0"/>
+              <a:t> </a:t>
+            </a:r>
+            <a:r>
+              <a:rPr lang="en-US" altLang="ko-KR" dirty="0"/>
+              <a:t>or </a:t>
+            </a:r>
+            <a:r>
+              <a:rPr lang="ko-KR" altLang="en-US" dirty="0"/>
+              <a:t>일정 수치를 </a:t>
+            </a:r>
+            <a:r>
+              <a:rPr lang="ko-KR" altLang="en-US" dirty="0" err="1"/>
+              <a:t>넘게되면</a:t>
+            </a:r>
+            <a:r>
+              <a:rPr lang="ko-KR" altLang="en-US" dirty="0"/>
+              <a:t> 동료가 랜덤으로 떠남</a:t>
+            </a:r>
+            <a:r>
+              <a:rPr lang="en-US" altLang="ko-KR" dirty="0"/>
+              <a:t>. </a:t>
+            </a:r>
+            <a:r>
+              <a:rPr lang="ko-KR" altLang="en-US" dirty="0" err="1"/>
+              <a:t>연설가의</a:t>
+            </a:r>
+            <a:r>
+              <a:rPr lang="ko-KR" altLang="en-US" dirty="0"/>
+              <a:t> 동상</a:t>
+            </a:r>
+            <a:endParaRPr lang="en-US" altLang="ko-KR" dirty="0"/>
+          </a:p>
+          <a:p>
+            <a:pPr marL="285750" indent="-285750">
+              <a:buFontTx/>
+              <a:buChar char="-"/>
+            </a:pPr>
+            <a:r>
+              <a:rPr lang="ko-KR" altLang="en-US" dirty="0"/>
+              <a:t>턴마다 랜덤하게 근력</a:t>
             </a:r>
             <a:r>
               <a:rPr lang="en-US" altLang="ko-KR" dirty="0"/>
@@ -6381,379 +6753,19 @@
             </a:r>
             <a:r>
               <a:rPr lang="ko-KR" altLang="en-US" dirty="0"/>
-              <a:t>단 하나만 착용 가능한 무기도 존재</a:t>
-            </a:r>
-            <a:r>
-              <a:rPr lang="en-US" altLang="ko-KR" dirty="0"/>
-              <a:t>.</a:t>
-            </a:r>
-          </a:p>
-          <a:p>
-            <a:pPr marL="285750" indent="-285750">
-              <a:buFontTx/>
-              <a:buChar char="-"/>
-            </a:pPr>
-            <a:r>
-              <a:rPr lang="ko-KR" altLang="en-US" dirty="0"/>
-              <a:t>무기는 유저의 전투 스타일을 결정하며</a:t>
-            </a:r>
-            <a:r>
-              <a:rPr lang="en-US" altLang="ko-KR" dirty="0"/>
-              <a:t>, </a:t>
-            </a:r>
-            <a:r>
-              <a:rPr lang="ko-KR" altLang="en-US" dirty="0"/>
-              <a:t>적들도 모두 무기를 착용하고 있다</a:t>
-            </a:r>
-            <a:r>
-              <a:rPr lang="en-US" altLang="ko-KR" dirty="0"/>
-              <a:t>.</a:t>
-            </a:r>
-          </a:p>
-          <a:p>
-            <a:pPr marL="285750" indent="-285750">
-              <a:buFontTx/>
-              <a:buChar char="-"/>
-            </a:pPr>
-            <a:r>
-              <a:rPr lang="ko-KR" altLang="en-US" dirty="0"/>
-              <a:t>무기는 종류가 많아서 종류별로</a:t>
-            </a:r>
-            <a:r>
-              <a:rPr lang="en-US" altLang="ko-KR" dirty="0"/>
-              <a:t>… </a:t>
-            </a:r>
-            <a:r>
-              <a:rPr lang="ko-KR" altLang="en-US" dirty="0" err="1"/>
-              <a:t>다섯개</a:t>
-            </a:r>
-            <a:r>
-              <a:rPr lang="ko-KR" altLang="en-US" dirty="0"/>
-              <a:t> 정도 있으면</a:t>
-            </a:r>
-            <a:r>
-              <a:rPr lang="en-US" altLang="ko-KR" dirty="0"/>
-              <a:t>…</a:t>
-            </a:r>
-          </a:p>
-          <a:p>
-            <a:pPr marL="285750" indent="-285750">
-              <a:buFontTx/>
-              <a:buChar char="-"/>
-            </a:pPr>
-            <a:endParaRPr lang="en-US" altLang="ko-KR" dirty="0"/>
-          </a:p>
-          <a:p>
-            <a:pPr marL="285750" indent="-285750">
-              <a:buFontTx/>
-              <a:buChar char="-"/>
-            </a:pPr>
-            <a:r>
-              <a:rPr lang="ko-KR" altLang="en-US" dirty="0"/>
-              <a:t>단검</a:t>
-            </a:r>
-            <a:r>
-              <a:rPr lang="en-US" altLang="ko-KR" dirty="0"/>
-              <a:t>: </a:t>
-            </a:r>
-            <a:r>
-              <a:rPr lang="ko-KR" altLang="en-US" dirty="0"/>
-              <a:t>타수가 많은 대신 근력 보정 감소</a:t>
-            </a:r>
-            <a:r>
-              <a:rPr lang="en-US" altLang="ko-KR" dirty="0"/>
-              <a:t>. </a:t>
-            </a:r>
-            <a:r>
-              <a:rPr lang="ko-KR" altLang="en-US" dirty="0"/>
-              <a:t>능력 보정</a:t>
-            </a:r>
-            <a:r>
-              <a:rPr lang="en-US" altLang="ko-KR" dirty="0"/>
-              <a:t>: </a:t>
-            </a:r>
-            <a:r>
-              <a:rPr lang="ko-KR" altLang="en-US" dirty="0"/>
-              <a:t>타수 증가</a:t>
-            </a:r>
-            <a:r>
-              <a:rPr lang="en-US" altLang="ko-KR" dirty="0"/>
-              <a:t>.</a:t>
-            </a:r>
-          </a:p>
-          <a:p>
-            <a:pPr marL="285750" indent="-285750">
-              <a:buFontTx/>
-              <a:buChar char="-"/>
-            </a:pPr>
-            <a:r>
-              <a:rPr lang="ko-KR" altLang="en-US" dirty="0"/>
-              <a:t>활</a:t>
-            </a:r>
-            <a:r>
-              <a:rPr lang="en-US" altLang="ko-KR" dirty="0"/>
-              <a:t>: </a:t>
-            </a:r>
-            <a:r>
-              <a:rPr lang="ko-KR" altLang="en-US" dirty="0"/>
-              <a:t>좀 더 나중에 때릴 수 있게 하기</a:t>
-            </a:r>
-            <a:r>
-              <a:rPr lang="en-US" altLang="ko-KR" dirty="0"/>
-              <a:t>(</a:t>
-            </a:r>
-            <a:r>
-              <a:rPr lang="ko-KR" altLang="en-US" dirty="0"/>
-              <a:t>왜</a:t>
-            </a:r>
-            <a:r>
-              <a:rPr lang="en-US" altLang="ko-KR" dirty="0"/>
-              <a:t>? </a:t>
-            </a:r>
-            <a:r>
-              <a:rPr lang="ko-KR" altLang="en-US" dirty="0"/>
-              <a:t>확률이 극에 가까워질 수록 보정이 붙기 때문에</a:t>
-            </a:r>
-            <a:r>
-              <a:rPr lang="en-US" altLang="ko-KR" dirty="0"/>
-              <a:t>, </a:t>
-            </a:r>
-            <a:r>
-              <a:rPr lang="ko-KR" altLang="en-US" dirty="0"/>
-              <a:t>나중에 때리게 되면 더 많은 이득을 볼 수 있다</a:t>
-            </a:r>
-            <a:r>
-              <a:rPr lang="en-US" altLang="ko-KR" dirty="0"/>
-              <a:t>. </a:t>
-            </a:r>
-            <a:r>
-              <a:rPr lang="ko-KR" altLang="en-US" dirty="0"/>
-              <a:t>아니면 적의 스킬이 발동한 뒤에 사용하는 것도 좋은 효과</a:t>
-            </a:r>
-            <a:r>
-              <a:rPr lang="en-US" altLang="ko-KR" dirty="0"/>
-              <a:t>) </a:t>
-            </a:r>
-            <a:r>
-              <a:rPr lang="ko-KR" altLang="en-US" dirty="0"/>
-              <a:t>능력 보정</a:t>
-            </a:r>
-            <a:r>
-              <a:rPr lang="en-US" altLang="ko-KR" dirty="0"/>
-              <a:t>: </a:t>
-            </a:r>
-            <a:r>
-              <a:rPr lang="ko-KR" altLang="en-US" dirty="0"/>
-              <a:t>더 나중에 때릴 수 있음</a:t>
-            </a:r>
-            <a:r>
-              <a:rPr lang="en-US" altLang="ko-KR" dirty="0"/>
-              <a:t>.</a:t>
-            </a:r>
-          </a:p>
-          <a:p>
-            <a:pPr marL="285750" indent="-285750">
-              <a:buFontTx/>
-              <a:buChar char="-"/>
-            </a:pPr>
-            <a:r>
-              <a:rPr lang="ko-KR" altLang="en-US" dirty="0"/>
-              <a:t>대검</a:t>
-            </a:r>
-            <a:r>
-              <a:rPr lang="en-US" altLang="ko-KR" dirty="0"/>
-              <a:t>: </a:t>
-            </a:r>
-            <a:r>
-              <a:rPr lang="ko-KR" altLang="en-US" dirty="0"/>
-              <a:t>근력 보정 최대치</a:t>
-            </a:r>
-            <a:r>
-              <a:rPr lang="en-US" altLang="ko-KR" dirty="0"/>
-              <a:t>, </a:t>
-            </a:r>
-            <a:r>
-              <a:rPr lang="ko-KR" altLang="en-US" dirty="0"/>
-              <a:t>대신 타수가 적어 공격이 먼저 끝나게 될 듯</a:t>
-            </a:r>
-            <a:r>
-              <a:rPr lang="en-US" altLang="ko-KR" dirty="0"/>
-              <a:t>. </a:t>
-            </a:r>
-            <a:r>
-              <a:rPr lang="ko-KR" altLang="en-US" dirty="0"/>
-              <a:t>능력 보정</a:t>
-            </a:r>
-            <a:r>
-              <a:rPr lang="en-US" altLang="ko-KR" dirty="0"/>
-              <a:t>: </a:t>
-            </a:r>
-            <a:r>
-              <a:rPr lang="ko-KR" altLang="en-US" dirty="0"/>
-              <a:t>근력 보정 효율 증가</a:t>
-            </a:r>
-            <a:r>
-              <a:rPr lang="en-US" altLang="ko-KR" dirty="0"/>
-              <a:t>.</a:t>
-            </a:r>
-          </a:p>
-          <a:p>
-            <a:pPr marL="285750" indent="-285750">
-              <a:buFontTx/>
-              <a:buChar char="-"/>
-            </a:pPr>
-            <a:r>
-              <a:rPr lang="ko-KR" altLang="en-US" dirty="0"/>
-              <a:t>총</a:t>
-            </a:r>
-            <a:r>
-              <a:rPr lang="en-US" altLang="ko-KR" dirty="0"/>
-              <a:t>: </a:t>
-            </a:r>
-            <a:r>
-              <a:rPr lang="ko-KR" altLang="en-US" dirty="0"/>
-              <a:t>근력 보정은 없다시피</a:t>
-            </a:r>
-            <a:r>
-              <a:rPr lang="en-US" altLang="ko-KR" dirty="0"/>
-              <a:t>, </a:t>
-            </a:r>
-            <a:r>
-              <a:rPr lang="ko-KR" altLang="en-US" dirty="0"/>
-              <a:t>대신 능력 보정으로 </a:t>
-            </a:r>
-            <a:r>
-              <a:rPr lang="ko-KR" altLang="en-US" dirty="0" err="1"/>
-              <a:t>대미지</a:t>
-            </a:r>
-            <a:r>
-              <a:rPr lang="ko-KR" altLang="en-US" dirty="0"/>
-              <a:t> 증가</a:t>
-            </a:r>
-            <a:r>
-              <a:rPr lang="en-US" altLang="ko-KR" dirty="0"/>
-              <a:t>. </a:t>
-            </a:r>
-            <a:r>
-              <a:rPr lang="ko-KR" altLang="en-US" dirty="0"/>
-              <a:t>타수와 </a:t>
-            </a:r>
-            <a:r>
-              <a:rPr lang="ko-KR" altLang="en-US" dirty="0" err="1"/>
-              <a:t>늦춰짐</a:t>
-            </a:r>
-            <a:r>
-              <a:rPr lang="ko-KR" altLang="en-US" dirty="0"/>
-              <a:t> 효과가 단검과 활의 중간 수준 정도</a:t>
-            </a:r>
-            <a:r>
-              <a:rPr lang="en-US" altLang="ko-KR" dirty="0"/>
-              <a:t>?</a:t>
-            </a:r>
-          </a:p>
-          <a:p>
-            <a:pPr marL="285750" indent="-285750">
-              <a:buFontTx/>
-              <a:buChar char="-"/>
-            </a:pPr>
-            <a:r>
-              <a:rPr lang="ko-KR" altLang="en-US" dirty="0"/>
-              <a:t>주먹</a:t>
-            </a:r>
-            <a:r>
-              <a:rPr lang="en-US" altLang="ko-KR" dirty="0"/>
-              <a:t>: </a:t>
-            </a:r>
-            <a:r>
-              <a:rPr lang="ko-KR" altLang="en-US" dirty="0"/>
-              <a:t>무기의 효과를 다른 수집요소들의 효과와 번갈아 가며 사용</a:t>
-            </a:r>
-            <a:r>
-              <a:rPr lang="en-US" altLang="ko-KR" dirty="0"/>
-              <a:t>.</a:t>
-            </a:r>
-          </a:p>
-          <a:p>
-            <a:pPr marL="285750" indent="-285750">
-              <a:buFontTx/>
-              <a:buChar char="-"/>
-            </a:pPr>
-            <a:r>
-              <a:rPr lang="ko-KR" altLang="en-US" dirty="0"/>
-              <a:t>채찍</a:t>
-            </a:r>
-            <a:r>
-              <a:rPr lang="en-US" altLang="ko-KR" dirty="0"/>
-              <a:t>: </a:t>
-            </a:r>
-            <a:r>
-              <a:rPr lang="ko-KR" altLang="en-US" dirty="0"/>
-              <a:t>전투가 길어질 수록 대미지가 커짐</a:t>
-            </a:r>
-            <a:r>
-              <a:rPr lang="en-US" altLang="ko-KR" dirty="0"/>
-              <a:t>?</a:t>
-            </a:r>
-          </a:p>
-          <a:p>
-            <a:pPr marL="285750" indent="-285750">
-              <a:buFontTx/>
-              <a:buChar char="-"/>
-            </a:pPr>
-            <a:endParaRPr lang="en-US" altLang="ko-KR" dirty="0"/>
-          </a:p>
-          <a:p>
-            <a:pPr marL="285750" indent="-285750">
-              <a:buFontTx/>
-              <a:buChar char="-"/>
-            </a:pPr>
-            <a:r>
-              <a:rPr lang="ko-KR" altLang="en-US" dirty="0"/>
-              <a:t>기본적으로 무기는 각 효율과 근력</a:t>
-            </a:r>
-            <a:r>
-              <a:rPr lang="en-US" altLang="ko-KR" dirty="0"/>
-              <a:t>, </a:t>
-            </a:r>
-            <a:r>
-              <a:rPr lang="ko-KR" altLang="en-US" dirty="0"/>
-              <a:t>능력 보정 수치가 다르지만</a:t>
-            </a:r>
-            <a:r>
-              <a:rPr lang="en-US" altLang="ko-KR" dirty="0"/>
-              <a:t>, </a:t>
-            </a:r>
-            <a:r>
-              <a:rPr lang="ko-KR" altLang="en-US" dirty="0"/>
-              <a:t>성능 차이는 크게 없도록 </a:t>
-            </a:r>
-            <a:r>
-              <a:rPr lang="ko-KR" altLang="en-US" dirty="0" err="1"/>
-              <a:t>하려는게</a:t>
-            </a:r>
-            <a:r>
-              <a:rPr lang="ko-KR" altLang="en-US" dirty="0"/>
-              <a:t> 포인트다</a:t>
-            </a:r>
-            <a:r>
-              <a:rPr lang="en-US" altLang="ko-KR" dirty="0"/>
-              <a:t>. </a:t>
-            </a:r>
-            <a:r>
-              <a:rPr lang="ko-KR" altLang="en-US" dirty="0" err="1"/>
-              <a:t>다크소울의</a:t>
-            </a:r>
-            <a:r>
-              <a:rPr lang="ko-KR" altLang="en-US" dirty="0"/>
-              <a:t> 무기 시스템과 </a:t>
-            </a:r>
-            <a:r>
-              <a:rPr lang="ko-KR" altLang="en-US" dirty="0" err="1"/>
-              <a:t>비슷</a:t>
-            </a:r>
-            <a:r>
-              <a:rPr lang="en-US" altLang="ko-KR" dirty="0"/>
-              <a:t>.</a:t>
+              <a:t>체력 감소 </a:t>
+            </a:r>
+            <a:r>
+              <a:rPr lang="en-US" altLang="ko-KR" dirty="0"/>
+              <a:t>but </a:t>
+            </a:r>
+            <a:r>
+              <a:rPr lang="ko-KR" altLang="en-US" dirty="0"/>
+              <a:t>명상 증가</a:t>
+            </a:r>
+            <a:r>
+              <a:rPr lang="en-US" altLang="ko-KR" dirty="0"/>
+              <a:t>. LSD</a:t>
             </a:r>
           </a:p>
           <a:p>
@@ -6768,7 +6780,7 @@
     </p:spTree>
     <p:extLst>
       <p:ext uri="{BB962C8B-B14F-4D97-AF65-F5344CB8AC3E}">
-        <p14:creationId xmlns:p14="http://schemas.microsoft.com/office/powerpoint/2010/main" val="1507121529"/>
+        <p14:creationId xmlns:p14="http://schemas.microsoft.com/office/powerpoint/2010/main" val="2084516177"/>
       </p:ext>
     </p:extLst>
   </p:cSld>
@@ -6810,7 +6822,7 @@
         <p:spPr>
           <a:xfrm>
             <a:off x="574431" y="439615"/>
-            <a:ext cx="1241045" cy="369332"/>
+            <a:ext cx="646331" cy="369332"/>
           </a:xfrm>
           <a:prstGeom prst="rect">
             <a:avLst/>
@@ -6826,14 +6838,6 @@
             <a:r>
               <a:rPr lang="ko-KR" altLang="en-US" dirty="0"/>
               <a:t>무기</a:t>
-            </a:r>
-            <a:r>
-              <a:rPr lang="en-US" altLang="ko-KR" dirty="0"/>
-              <a:t>:</a:t>
-            </a:r>
-            <a:r>
-              <a:rPr lang="ko-KR" altLang="en-US" dirty="0"/>
-              <a:t> 단검</a:t>
             </a:r>
           </a:p>
         </p:txBody>
@@ -6853,7 +6857,7 @@
         <p:spPr>
           <a:xfrm>
             <a:off x="487913" y="1003973"/>
-            <a:ext cx="11319388" cy="3416320"/>
+            <a:ext cx="11319388" cy="4801314"/>
           </a:xfrm>
           <a:prstGeom prst="rect">
             <a:avLst/>
@@ -6872,11 +6876,84 @@
             </a:pPr>
             <a:r>
               <a:rPr lang="ko-KR" altLang="en-US" dirty="0"/>
-              <a:t>기초 </a:t>
+              <a:t>무한으로 챙길 수 있는 수집요소가 있는가 하면</a:t>
+            </a:r>
+            <a:r>
+              <a:rPr lang="en-US" altLang="ko-KR" dirty="0"/>
+              <a:t>, </a:t>
+            </a:r>
+            <a:r>
+              <a:rPr lang="ko-KR" altLang="en-US" dirty="0"/>
+              <a:t>단 하나만 착용 가능한 무기도 존재</a:t>
+            </a:r>
+            <a:r>
+              <a:rPr lang="en-US" altLang="ko-KR" dirty="0"/>
+              <a:t>.</a:t>
+            </a:r>
+          </a:p>
+          <a:p>
+            <a:pPr marL="285750" indent="-285750">
+              <a:buFontTx/>
+              <a:buChar char="-"/>
+            </a:pPr>
+            <a:r>
+              <a:rPr lang="ko-KR" altLang="en-US" dirty="0"/>
+              <a:t>무기는 유저의 전투 스타일을 결정하며</a:t>
+            </a:r>
+            <a:r>
+              <a:rPr lang="en-US" altLang="ko-KR" dirty="0"/>
+              <a:t>, </a:t>
+            </a:r>
+            <a:r>
+              <a:rPr lang="ko-KR" altLang="en-US" dirty="0"/>
+              <a:t>적들도 모두 무기를 착용하고 있다</a:t>
+            </a:r>
+            <a:r>
+              <a:rPr lang="en-US" altLang="ko-KR" dirty="0"/>
+              <a:t>.</a:t>
+            </a:r>
+          </a:p>
+          <a:p>
+            <a:pPr marL="285750" indent="-285750">
+              <a:buFontTx/>
+              <a:buChar char="-"/>
+            </a:pPr>
+            <a:r>
+              <a:rPr lang="ko-KR" altLang="en-US" dirty="0"/>
+              <a:t>무기는 종류가 많아서 종류별로</a:t>
+            </a:r>
+            <a:r>
+              <a:rPr lang="en-US" altLang="ko-KR" dirty="0"/>
+              <a:t>… </a:t>
             </a:r>
             <a:r>
               <a:rPr lang="ko-KR" altLang="en-US" dirty="0" err="1"/>
-              <a:t>스탯</a:t>
+              <a:t>다섯개</a:t>
+            </a:r>
+            <a:r>
+              <a:rPr lang="ko-KR" altLang="en-US" dirty="0"/>
+              <a:t> 정도 있으면</a:t>
+            </a:r>
+            <a:r>
+              <a:rPr lang="en-US" altLang="ko-KR" dirty="0"/>
+              <a:t>…</a:t>
+            </a:r>
+          </a:p>
+          <a:p>
+            <a:pPr marL="285750" indent="-285750">
+              <a:buFontTx/>
+              <a:buChar char="-"/>
+            </a:pPr>
+            <a:endParaRPr lang="en-US" altLang="ko-KR" dirty="0"/>
+          </a:p>
+          <a:p>
+            <a:pPr marL="285750" indent="-285750">
+              <a:buFontTx/>
+              <a:buChar char="-"/>
+            </a:pPr>
+            <a:r>
+              <a:rPr lang="ko-KR" altLang="en-US" dirty="0"/>
+              <a:t>단검</a:t>
             </a:r>
             <a:r>
               <a:rPr lang="en-US" altLang="ko-KR" dirty="0"/>
@@ -6884,15 +6961,61 @@
             </a:r>
             <a:r>
               <a:rPr lang="ko-KR" altLang="en-US" dirty="0"/>
-              <a:t>근력 </a:t>
-            </a:r>
-            <a:r>
-              <a:rPr lang="en-US" altLang="ko-KR" dirty="0"/>
-              <a:t>0.005</a:t>
-            </a:r>
-            <a:r>
-              <a:rPr lang="ko-KR" altLang="en-US" dirty="0"/>
-              <a:t>배 데미지</a:t>
+              <a:t>타수가 많은 대신 근력 보정 감소</a:t>
+            </a:r>
+            <a:r>
+              <a:rPr lang="en-US" altLang="ko-KR" dirty="0"/>
+              <a:t>. </a:t>
+            </a:r>
+            <a:r>
+              <a:rPr lang="ko-KR" altLang="en-US" dirty="0"/>
+              <a:t>능력 보정</a:t>
+            </a:r>
+            <a:r>
+              <a:rPr lang="en-US" altLang="ko-KR" dirty="0"/>
+              <a:t>: </a:t>
+            </a:r>
+            <a:r>
+              <a:rPr lang="ko-KR" altLang="en-US" dirty="0"/>
+              <a:t>타수 증가</a:t>
+            </a:r>
+            <a:r>
+              <a:rPr lang="en-US" altLang="ko-KR" dirty="0"/>
+              <a:t>.</a:t>
+            </a:r>
+          </a:p>
+          <a:p>
+            <a:pPr marL="285750" indent="-285750">
+              <a:buFontTx/>
+              <a:buChar char="-"/>
+            </a:pPr>
+            <a:r>
+              <a:rPr lang="ko-KR" altLang="en-US" dirty="0"/>
+              <a:t>활</a:t>
+            </a:r>
+            <a:r>
+              <a:rPr lang="en-US" altLang="ko-KR" dirty="0"/>
+              <a:t>: </a:t>
+            </a:r>
+            <a:r>
+              <a:rPr lang="ko-KR" altLang="en-US" dirty="0"/>
+              <a:t>좀 더 나중에 때릴 수 있게 하기</a:t>
+            </a:r>
+            <a:r>
+              <a:rPr lang="en-US" altLang="ko-KR" dirty="0"/>
+              <a:t>(</a:t>
+            </a:r>
+            <a:r>
+              <a:rPr lang="ko-KR" altLang="en-US" dirty="0"/>
+              <a:t>왜</a:t>
+            </a:r>
+            <a:r>
+              <a:rPr lang="en-US" altLang="ko-KR" dirty="0"/>
+              <a:t>? </a:t>
+            </a:r>
+            <a:r>
+              <a:rPr lang="ko-KR" altLang="en-US" dirty="0"/>
+              <a:t>확률이 극에 가까워질 수록 보정이 붙기 때문에</a:t>
             </a:r>
             <a:r>
               <a:rPr lang="en-US" altLang="ko-KR" dirty="0"/>
@@ -6900,112 +7023,186 @@
             </a:r>
             <a:r>
               <a:rPr lang="ko-KR" altLang="en-US" dirty="0"/>
-              <a:t>능력 </a:t>
-            </a:r>
-            <a:r>
-              <a:rPr lang="en-US" altLang="ko-KR" dirty="0"/>
-              <a:t>0.02</a:t>
-            </a:r>
-            <a:r>
-              <a:rPr lang="ko-KR" altLang="en-US" dirty="0"/>
-              <a:t>배로 타수</a:t>
-            </a:r>
-            <a:r>
-              <a:rPr lang="en-US" altLang="ko-KR" dirty="0"/>
-              <a:t>(</a:t>
-            </a:r>
-            <a:r>
-              <a:rPr lang="ko-KR" altLang="en-US" dirty="0"/>
-              <a:t>타수는 올림</a:t>
-            </a:r>
-            <a:r>
-              <a:rPr lang="en-US" altLang="ko-KR" dirty="0"/>
-              <a:t>).</a:t>
-            </a:r>
-          </a:p>
-          <a:p>
-            <a:pPr marL="285750" indent="-285750">
-              <a:buFontTx/>
-              <a:buChar char="-"/>
-            </a:pPr>
-            <a:r>
-              <a:rPr lang="ko-KR" altLang="en-US" dirty="0"/>
-              <a:t>최대 데미지 </a:t>
-            </a:r>
-            <a:r>
-              <a:rPr lang="en-US" altLang="ko-KR" dirty="0"/>
-              <a:t>5, </a:t>
-            </a:r>
-            <a:r>
-              <a:rPr lang="ko-KR" altLang="en-US" dirty="0"/>
-              <a:t>타수 </a:t>
-            </a:r>
-            <a:r>
-              <a:rPr lang="en-US" altLang="ko-KR" dirty="0"/>
-              <a:t>20</a:t>
-            </a:r>
-          </a:p>
-          <a:p>
-            <a:pPr marL="285750" indent="-285750">
-              <a:buFontTx/>
-              <a:buChar char="-"/>
-            </a:pPr>
-            <a:r>
-              <a:rPr lang="ko-KR" altLang="en-US" dirty="0"/>
-              <a:t>최소 </a:t>
-            </a:r>
-            <a:r>
-              <a:rPr lang="en-US" altLang="ko-KR" dirty="0"/>
-              <a:t>X</a:t>
-            </a:r>
-          </a:p>
-          <a:p>
-            <a:pPr marL="285750" indent="-285750">
-              <a:buFontTx/>
-              <a:buChar char="-"/>
-            </a:pPr>
-            <a:endParaRPr lang="en-US" altLang="ko-KR" dirty="0"/>
-          </a:p>
-          <a:p>
-            <a:pPr marL="285750" indent="-285750">
-              <a:buFontTx/>
-              <a:buChar char="-"/>
-            </a:pPr>
-            <a:r>
-              <a:rPr lang="ko-KR" altLang="en-US" dirty="0"/>
-              <a:t>처음에 타격을 몰아서 하는데</a:t>
-            </a:r>
-            <a:r>
-              <a:rPr lang="en-US" altLang="ko-KR" dirty="0"/>
-              <a:t>(</a:t>
-            </a:r>
-            <a:r>
-              <a:rPr lang="ko-KR" altLang="en-US" dirty="0"/>
-              <a:t>물론 상대와 순서대로임</a:t>
-            </a:r>
-            <a:r>
-              <a:rPr lang="en-US" altLang="ko-KR" dirty="0"/>
-              <a:t>), </a:t>
-            </a:r>
-            <a:r>
-              <a:rPr lang="ko-KR" altLang="en-US" dirty="0"/>
-              <a:t>횟수는 능력 수치에 비례</a:t>
-            </a:r>
-            <a:endParaRPr lang="en-US" altLang="ko-KR" dirty="0"/>
-          </a:p>
-          <a:p>
-            <a:pPr marL="285750" indent="-285750">
-              <a:buFontTx/>
-              <a:buChar char="-"/>
-            </a:pPr>
-            <a:r>
-              <a:rPr lang="ko-KR" altLang="en-US" dirty="0"/>
-              <a:t>각 타격별로 점진적으로 늘어나는 </a:t>
+              <a:t>나중에 때리게 되면 더 많은 이득을 볼 수 있다</a:t>
+            </a:r>
+            <a:r>
+              <a:rPr lang="en-US" altLang="ko-KR" dirty="0"/>
+              <a:t>. </a:t>
+            </a:r>
+            <a:r>
+              <a:rPr lang="ko-KR" altLang="en-US" dirty="0"/>
+              <a:t>아니면 적의 스킬이 발동한 뒤에 사용하는 것도 좋은 효과</a:t>
+            </a:r>
+            <a:r>
+              <a:rPr lang="en-US" altLang="ko-KR" dirty="0"/>
+              <a:t>) </a:t>
+            </a:r>
+            <a:r>
+              <a:rPr lang="ko-KR" altLang="en-US" dirty="0"/>
+              <a:t>능력 보정</a:t>
+            </a:r>
+            <a:r>
+              <a:rPr lang="en-US" altLang="ko-KR" dirty="0"/>
+              <a:t>: </a:t>
+            </a:r>
+            <a:r>
+              <a:rPr lang="ko-KR" altLang="en-US" dirty="0"/>
+              <a:t>더 나중에 때릴 수 있음</a:t>
+            </a:r>
+            <a:r>
+              <a:rPr lang="en-US" altLang="ko-KR" dirty="0"/>
+              <a:t>.</a:t>
+            </a:r>
+          </a:p>
+          <a:p>
+            <a:pPr marL="285750" indent="-285750">
+              <a:buFontTx/>
+              <a:buChar char="-"/>
+            </a:pPr>
+            <a:r>
+              <a:rPr lang="ko-KR" altLang="en-US" dirty="0"/>
+              <a:t>대검</a:t>
+            </a:r>
+            <a:r>
+              <a:rPr lang="en-US" altLang="ko-KR" dirty="0"/>
+              <a:t>: </a:t>
+            </a:r>
+            <a:r>
+              <a:rPr lang="ko-KR" altLang="en-US" dirty="0"/>
+              <a:t>근력 보정 최대치</a:t>
+            </a:r>
+            <a:r>
+              <a:rPr lang="en-US" altLang="ko-KR" dirty="0"/>
+              <a:t>, </a:t>
+            </a:r>
+            <a:r>
+              <a:rPr lang="ko-KR" altLang="en-US" dirty="0"/>
+              <a:t>대신 타수가 적어 공격이 먼저 끝나게 될 듯</a:t>
+            </a:r>
+            <a:r>
+              <a:rPr lang="en-US" altLang="ko-KR" dirty="0"/>
+              <a:t>. </a:t>
+            </a:r>
+            <a:r>
+              <a:rPr lang="ko-KR" altLang="en-US" dirty="0"/>
+              <a:t>능력 보정</a:t>
+            </a:r>
+            <a:r>
+              <a:rPr lang="en-US" altLang="ko-KR" dirty="0"/>
+              <a:t>: </a:t>
+            </a:r>
+            <a:r>
+              <a:rPr lang="ko-KR" altLang="en-US" dirty="0"/>
+              <a:t>근력 보정 효율 증가</a:t>
+            </a:r>
+            <a:r>
+              <a:rPr lang="en-US" altLang="ko-KR" dirty="0"/>
+              <a:t>.</a:t>
+            </a:r>
+          </a:p>
+          <a:p>
+            <a:pPr marL="285750" indent="-285750">
+              <a:buFontTx/>
+              <a:buChar char="-"/>
+            </a:pPr>
+            <a:r>
+              <a:rPr lang="ko-KR" altLang="en-US" dirty="0"/>
+              <a:t>총</a:t>
+            </a:r>
+            <a:r>
+              <a:rPr lang="en-US" altLang="ko-KR" dirty="0"/>
+              <a:t>: </a:t>
+            </a:r>
+            <a:r>
+              <a:rPr lang="ko-KR" altLang="en-US" dirty="0"/>
+              <a:t>근력 보정은 없다시피</a:t>
+            </a:r>
+            <a:r>
+              <a:rPr lang="en-US" altLang="ko-KR" dirty="0"/>
+              <a:t>, </a:t>
+            </a:r>
+            <a:r>
+              <a:rPr lang="ko-KR" altLang="en-US" dirty="0"/>
+              <a:t>대신 능력 보정으로 </a:t>
             </a:r>
             <a:r>
               <a:rPr lang="ko-KR" altLang="en-US" dirty="0" err="1"/>
               <a:t>대미지</a:t>
             </a:r>
+            <a:r>
+              <a:rPr lang="ko-KR" altLang="en-US" dirty="0"/>
+              <a:t> 증가</a:t>
+            </a:r>
+            <a:r>
+              <a:rPr lang="en-US" altLang="ko-KR" dirty="0"/>
+              <a:t>. </a:t>
+            </a:r>
+            <a:r>
+              <a:rPr lang="ko-KR" altLang="en-US" dirty="0"/>
+              <a:t>타수와 </a:t>
+            </a:r>
+            <a:r>
+              <a:rPr lang="ko-KR" altLang="en-US" dirty="0" err="1"/>
+              <a:t>늦춰짐</a:t>
+            </a:r>
+            <a:r>
+              <a:rPr lang="ko-KR" altLang="en-US" dirty="0"/>
+              <a:t> 효과가 단검과 활의 중간 수준 정도</a:t>
+            </a:r>
+            <a:r>
+              <a:rPr lang="en-US" altLang="ko-KR" dirty="0"/>
+              <a:t>?</a:t>
+            </a:r>
+          </a:p>
+          <a:p>
+            <a:pPr marL="285750" indent="-285750">
+              <a:buFontTx/>
+              <a:buChar char="-"/>
+            </a:pPr>
+            <a:r>
+              <a:rPr lang="ko-KR" altLang="en-US" dirty="0"/>
+              <a:t>주먹</a:t>
+            </a:r>
+            <a:r>
+              <a:rPr lang="en-US" altLang="ko-KR" dirty="0"/>
+              <a:t>: </a:t>
+            </a:r>
+            <a:r>
+              <a:rPr lang="ko-KR" altLang="en-US" dirty="0"/>
+              <a:t>무기의 효과를 다른 수집요소들의 효과와 번갈아 가며 사용</a:t>
+            </a:r>
+            <a:r>
+              <a:rPr lang="en-US" altLang="ko-KR" dirty="0"/>
+              <a:t>.</a:t>
+            </a:r>
+          </a:p>
+          <a:p>
+            <a:pPr marL="285750" indent="-285750">
+              <a:buFontTx/>
+              <a:buChar char="-"/>
+            </a:pPr>
+            <a:r>
+              <a:rPr lang="ko-KR" altLang="en-US" dirty="0"/>
+              <a:t>채찍</a:t>
+            </a:r>
+            <a:r>
+              <a:rPr lang="en-US" altLang="ko-KR" dirty="0"/>
+              <a:t>: </a:t>
+            </a:r>
+            <a:r>
+              <a:rPr lang="ko-KR" altLang="en-US" dirty="0"/>
+              <a:t>전투가 길어질 수록 대미지가 커짐</a:t>
+            </a:r>
+            <a:r>
+              <a:rPr lang="en-US" altLang="ko-KR" dirty="0"/>
+              <a:t>?</a:t>
+            </a:r>
+          </a:p>
+          <a:p>
+            <a:pPr marL="285750" indent="-285750">
+              <a:buFontTx/>
+              <a:buChar char="-"/>
+            </a:pPr>
             <a:endParaRPr lang="en-US" altLang="ko-KR" dirty="0"/>
           </a:p>
           <a:p>
@@ -7015,49 +7212,52 @@
             </a:pPr>
             <a:r>
               <a:rPr lang="ko-KR" altLang="en-US" dirty="0"/>
-              <a:t>각 타격별로 랜덤하게 주어지는 </a:t>
+              <a:t>기본적으로 무기는 각 효율과 근력</a:t>
+            </a:r>
+            <a:r>
+              <a:rPr lang="en-US" altLang="ko-KR" dirty="0"/>
+              <a:t>, </a:t>
+            </a:r>
+            <a:r>
+              <a:rPr lang="ko-KR" altLang="en-US" dirty="0"/>
+              <a:t>능력 보정 수치가 다르지만</a:t>
+            </a:r>
+            <a:r>
+              <a:rPr lang="en-US" altLang="ko-KR" dirty="0"/>
+              <a:t>, </a:t>
+            </a:r>
+            <a:r>
+              <a:rPr lang="ko-KR" altLang="en-US" dirty="0"/>
+              <a:t>성능 차이는 크게 없도록 </a:t>
             </a:r>
             <a:r>
               <a:rPr lang="ko-KR" altLang="en-US" dirty="0" err="1"/>
-              <a:t>대미지</a:t>
+              <a:t>하려는게</a:t>
+            </a:r>
+            <a:r>
+              <a:rPr lang="ko-KR" altLang="en-US" dirty="0"/>
+              <a:t> 포인트다</a:t>
             </a:r>
             <a:r>
               <a:rPr lang="en-US" altLang="ko-KR" dirty="0"/>
               <a:t>. </a:t>
             </a:r>
             <a:r>
-              <a:rPr lang="ko-KR" altLang="en-US" dirty="0"/>
-              <a:t>나이프</a:t>
-            </a:r>
-            <a:endParaRPr lang="en-US" altLang="ko-KR" dirty="0"/>
-          </a:p>
-          <a:p>
-            <a:pPr marL="285750" indent="-285750">
-              <a:buFontTx/>
-              <a:buChar char="-"/>
-            </a:pPr>
-            <a:endParaRPr lang="en-US" altLang="ko-KR" dirty="0"/>
-          </a:p>
-          <a:p>
-            <a:pPr marL="285750" indent="-285750">
-              <a:buFontTx/>
-              <a:buChar char="-"/>
-            </a:pPr>
-            <a:endParaRPr lang="en-US" altLang="ko-KR" dirty="0"/>
-          </a:p>
-          <a:p>
-            <a:pPr marL="285750" indent="-285750">
-              <a:buFontTx/>
-              <a:buChar char="-"/>
-            </a:pPr>
-            <a:endParaRPr lang="en-US" altLang="ko-KR" dirty="0"/>
-          </a:p>
-          <a:p>
-            <a:pPr marL="285750" indent="-285750">
-              <a:buFontTx/>
-              <a:buChar char="-"/>
-            </a:pPr>
-            <a:endParaRPr lang="en-US" altLang="ko-KR" dirty="0"/>
+              <a:rPr lang="ko-KR" altLang="en-US" dirty="0" err="1"/>
+              <a:t>다크소울의</a:t>
+            </a:r>
+            <a:r>
+              <a:rPr lang="ko-KR" altLang="en-US" dirty="0"/>
+              <a:t> 무기 시스템과 </a:t>
+            </a:r>
+            <a:r>
+              <a:rPr lang="ko-KR" altLang="en-US" dirty="0" err="1"/>
+              <a:t>비슷</a:t>
+            </a:r>
+            <a:r>
+              <a:rPr lang="en-US" altLang="ko-KR" dirty="0"/>
+              <a:t>.</a:t>
+            </a:r>
           </a:p>
           <a:p>
             <a:pPr marL="285750" indent="-285750">
@@ -7071,7 +7271,7 @@
     </p:spTree>
     <p:extLst>
       <p:ext uri="{BB962C8B-B14F-4D97-AF65-F5344CB8AC3E}">
-        <p14:creationId xmlns:p14="http://schemas.microsoft.com/office/powerpoint/2010/main" val="296852205"/>
+        <p14:creationId xmlns:p14="http://schemas.microsoft.com/office/powerpoint/2010/main" val="1507121529"/>
       </p:ext>
     </p:extLst>
   </p:cSld>
@@ -7113,7 +7313,7 @@
         <p:spPr>
           <a:xfrm>
             <a:off x="574431" y="439615"/>
-            <a:ext cx="1010213" cy="369332"/>
+            <a:ext cx="1241045" cy="369332"/>
           </a:xfrm>
           <a:prstGeom prst="rect">
             <a:avLst/>
@@ -7136,7 +7336,7 @@
             </a:r>
             <a:r>
               <a:rPr lang="ko-KR" altLang="en-US" dirty="0"/>
-              <a:t> 활</a:t>
+              <a:t> 단검</a:t>
             </a:r>
           </a:p>
         </p:txBody>
@@ -7156,7 +7356,7 @@
         <p:spPr>
           <a:xfrm>
             <a:off x="487913" y="1003973"/>
-            <a:ext cx="11319388" cy="2862322"/>
+            <a:ext cx="11319388" cy="3416320"/>
           </a:xfrm>
           <a:prstGeom prst="rect">
             <a:avLst/>
@@ -7191,38 +7391,124 @@
             </a:r>
             <a:r>
               <a:rPr lang="en-US" altLang="ko-KR" dirty="0"/>
-              <a:t>500</a:t>
-            </a:r>
-            <a:r>
-              <a:rPr lang="ko-KR" altLang="en-US" dirty="0"/>
-              <a:t>까지만 상한선</a:t>
-            </a:r>
-            <a:r>
-              <a:rPr lang="en-US" altLang="ko-KR" dirty="0"/>
-              <a:t> + 0.025 </a:t>
+              <a:t>0.005</a:t>
+            </a:r>
+            <a:r>
+              <a:rPr lang="ko-KR" altLang="en-US" dirty="0"/>
+              <a:t>배 데미지</a:t>
+            </a:r>
+            <a:r>
+              <a:rPr lang="en-US" altLang="ko-KR" dirty="0"/>
+              <a:t>, </a:t>
+            </a:r>
+            <a:r>
+              <a:rPr lang="ko-KR" altLang="en-US" dirty="0"/>
+              <a:t>능력 </a:t>
+            </a:r>
+            <a:r>
+              <a:rPr lang="en-US" altLang="ko-KR" dirty="0"/>
+              <a:t>0.02</a:t>
+            </a:r>
+            <a:r>
+              <a:rPr lang="ko-KR" altLang="en-US" dirty="0"/>
+              <a:t>배로 타수</a:t>
+            </a:r>
+            <a:r>
+              <a:rPr lang="en-US" altLang="ko-KR" dirty="0"/>
+              <a:t>(</a:t>
+            </a:r>
+            <a:r>
+              <a:rPr lang="ko-KR" altLang="en-US" dirty="0"/>
+              <a:t>타수는 올림</a:t>
+            </a:r>
+            <a:r>
+              <a:rPr lang="en-US" altLang="ko-KR" dirty="0"/>
+              <a:t>).</a:t>
+            </a:r>
+          </a:p>
+          <a:p>
+            <a:pPr marL="285750" indent="-285750">
+              <a:buFontTx/>
+              <a:buChar char="-"/>
+            </a:pPr>
+            <a:r>
+              <a:rPr lang="ko-KR" altLang="en-US" dirty="0"/>
+              <a:t>최대 데미지 </a:t>
+            </a:r>
+            <a:r>
+              <a:rPr lang="en-US" altLang="ko-KR" dirty="0"/>
+              <a:t>5, </a:t>
+            </a:r>
+            <a:r>
+              <a:rPr lang="ko-KR" altLang="en-US" dirty="0"/>
+              <a:t>타수 </a:t>
+            </a:r>
+            <a:r>
+              <a:rPr lang="en-US" altLang="ko-KR" dirty="0"/>
+              <a:t>20</a:t>
+            </a:r>
+          </a:p>
+          <a:p>
+            <a:pPr marL="285750" indent="-285750">
+              <a:buFontTx/>
+              <a:buChar char="-"/>
+            </a:pPr>
+            <a:r>
+              <a:rPr lang="ko-KR" altLang="en-US" dirty="0"/>
+              <a:t>최소 </a:t>
+            </a:r>
+            <a:r>
+              <a:rPr lang="en-US" altLang="ko-KR" dirty="0"/>
+              <a:t>X</a:t>
+            </a:r>
+          </a:p>
+          <a:p>
+            <a:pPr marL="285750" indent="-285750">
+              <a:buFontTx/>
+              <a:buChar char="-"/>
+            </a:pPr>
+            <a:endParaRPr lang="en-US" altLang="ko-KR" dirty="0"/>
+          </a:p>
+          <a:p>
+            <a:pPr marL="285750" indent="-285750">
+              <a:buFontTx/>
+              <a:buChar char="-"/>
+            </a:pPr>
+            <a:r>
+              <a:rPr lang="ko-KR" altLang="en-US" dirty="0"/>
+              <a:t>처음에 타격을 몰아서 하는데</a:t>
+            </a:r>
+            <a:r>
+              <a:rPr lang="en-US" altLang="ko-KR" dirty="0"/>
+              <a:t>(</a:t>
+            </a:r>
+            <a:r>
+              <a:rPr lang="ko-KR" altLang="en-US" dirty="0"/>
+              <a:t>물론 상대와 순서대로임</a:t>
+            </a:r>
+            <a:r>
+              <a:rPr lang="en-US" altLang="ko-KR" dirty="0"/>
+              <a:t>), </a:t>
+            </a:r>
+            <a:r>
+              <a:rPr lang="ko-KR" altLang="en-US" dirty="0"/>
+              <a:t>횟수는 능력 수치에 비례</a:t>
+            </a:r>
+            <a:endParaRPr lang="en-US" altLang="ko-KR" dirty="0"/>
+          </a:p>
+          <a:p>
+            <a:pPr marL="285750" indent="-285750">
+              <a:buFontTx/>
+              <a:buChar char="-"/>
+            </a:pPr>
+            <a:r>
+              <a:rPr lang="ko-KR" altLang="en-US" dirty="0"/>
+              <a:t>각 타격별로 점진적으로 늘어나는 </a:t>
             </a:r>
             <a:r>
               <a:rPr lang="ko-KR" altLang="en-US" dirty="0" err="1"/>
               <a:t>대미지</a:t>
             </a:r>
-            <a:r>
-              <a:rPr lang="en-US" altLang="ko-KR" dirty="0"/>
-              <a:t>, </a:t>
-            </a:r>
-            <a:r>
-              <a:rPr lang="ko-KR" altLang="en-US" dirty="0"/>
-              <a:t>능력 </a:t>
-            </a:r>
-            <a:r>
-              <a:rPr lang="en-US" altLang="ko-KR" dirty="0"/>
-              <a:t>0.033</a:t>
-            </a:r>
-          </a:p>
-          <a:p>
-            <a:pPr marL="285750" indent="-285750">
-              <a:buFontTx/>
-              <a:buChar char="-"/>
-            </a:pPr>
             <a:endParaRPr lang="en-US" altLang="ko-KR" dirty="0"/>
           </a:p>
           <a:p>
@@ -7230,43 +7516,21 @@
               <a:buFontTx/>
               <a:buChar char="-"/>
             </a:pPr>
-            <a:endParaRPr lang="en-US" altLang="ko-KR" dirty="0"/>
-          </a:p>
-          <a:p>
-            <a:pPr marL="285750" indent="-285750">
-              <a:buFontTx/>
-              <a:buChar char="-"/>
-            </a:pPr>
-            <a:r>
-              <a:rPr lang="ko-KR" altLang="en-US" dirty="0"/>
-              <a:t>먼저 적이 때리도록 모든 공격을 기다림</a:t>
-            </a:r>
-            <a:r>
-              <a:rPr lang="en-US" altLang="ko-KR" dirty="0"/>
-              <a:t>. </a:t>
-            </a:r>
-            <a:r>
-              <a:rPr lang="ko-KR" altLang="en-US" dirty="0"/>
-              <a:t>문장 수는 능력 수치에 비례</a:t>
-            </a:r>
-            <a:endParaRPr lang="en-US" altLang="ko-KR" dirty="0"/>
-          </a:p>
-          <a:p>
-            <a:pPr marL="285750" indent="-285750">
-              <a:buFontTx/>
-              <a:buChar char="-"/>
-            </a:pPr>
-            <a:r>
-              <a:rPr lang="ko-KR" altLang="en-US" dirty="0"/>
-              <a:t>기다린 문구 수만큼 </a:t>
+            <a:r>
+              <a:rPr lang="ko-KR" altLang="en-US" dirty="0"/>
+              <a:t>각 타격별로 랜덤하게 주어지는 </a:t>
             </a:r>
             <a:r>
               <a:rPr lang="ko-KR" altLang="en-US" dirty="0" err="1"/>
               <a:t>대미지</a:t>
             </a:r>
             <a:r>
-              <a:rPr lang="ko-KR" altLang="en-US" dirty="0"/>
-              <a:t> 추가 증가</a:t>
+              <a:rPr lang="en-US" altLang="ko-KR" dirty="0"/>
+              <a:t>. </a:t>
+            </a:r>
+            <a:r>
+              <a:rPr lang="ko-KR" altLang="en-US" dirty="0"/>
+              <a:t>나이프</a:t>
             </a:r>
             <a:endParaRPr lang="en-US" altLang="ko-KR" dirty="0"/>
           </a:p>
@@ -7275,18 +7539,6 @@
               <a:buFontTx/>
               <a:buChar char="-"/>
             </a:pPr>
-            <a:r>
-              <a:rPr lang="ko-KR" altLang="en-US" dirty="0"/>
-              <a:t>기다린 문구 수만큼 적의 공격 일정 개수 무효화</a:t>
-            </a:r>
-            <a:r>
-              <a:rPr lang="en-US" altLang="ko-KR" dirty="0"/>
-              <a:t>. </a:t>
-            </a:r>
-            <a:r>
-              <a:rPr lang="ko-KR" altLang="en-US" dirty="0"/>
-              <a:t>큐피드의 화살</a:t>
-            </a:r>
             <a:endParaRPr lang="en-US" altLang="ko-KR" dirty="0"/>
           </a:p>
           <a:p>
@@ -7322,7 +7574,7 @@
     </p:spTree>
     <p:extLst>
       <p:ext uri="{BB962C8B-B14F-4D97-AF65-F5344CB8AC3E}">
-        <p14:creationId xmlns:p14="http://schemas.microsoft.com/office/powerpoint/2010/main" val="1020166624"/>
+        <p14:creationId xmlns:p14="http://schemas.microsoft.com/office/powerpoint/2010/main" val="296852205"/>
       </p:ext>
     </p:extLst>
   </p:cSld>
@@ -7364,7 +7616,7 @@
         <p:spPr>
           <a:xfrm>
             <a:off x="574431" y="439615"/>
-            <a:ext cx="1241045" cy="369332"/>
+            <a:ext cx="1010213" cy="369332"/>
           </a:xfrm>
           <a:prstGeom prst="rect">
             <a:avLst/>
@@ -7387,7 +7639,7 @@
             </a:r>
             <a:r>
               <a:rPr lang="ko-KR" altLang="en-US" dirty="0"/>
-              <a:t> 대검</a:t>
+              <a:t> 활</a:t>
             </a:r>
           </a:p>
         </p:txBody>
@@ -7426,11 +7678,31 @@
             </a:pPr>
             <a:r>
               <a:rPr lang="ko-KR" altLang="en-US" dirty="0"/>
+              <a:t>기초 </a:t>
+            </a:r>
+            <a:r>
+              <a:rPr lang="ko-KR" altLang="en-US" dirty="0" err="1"/>
+              <a:t>스탯</a:t>
+            </a:r>
+            <a:r>
+              <a:rPr lang="en-US" altLang="ko-KR" dirty="0"/>
+              <a:t>: </a:t>
+            </a:r>
+            <a:r>
+              <a:rPr lang="ko-KR" altLang="en-US" dirty="0"/>
               <a:t>근력 </a:t>
             </a:r>
             <a:r>
               <a:rPr lang="en-US" altLang="ko-KR" dirty="0"/>
-              <a:t>0.05 </a:t>
+              <a:t>500</a:t>
+            </a:r>
+            <a:r>
+              <a:rPr lang="ko-KR" altLang="en-US" dirty="0"/>
+              <a:t>까지만 상한선</a:t>
+            </a:r>
+            <a:r>
+              <a:rPr lang="en-US" altLang="ko-KR" dirty="0"/>
+              <a:t> + 0.025 </a:t>
             </a:r>
             <a:r>
               <a:rPr lang="ko-KR" altLang="en-US" dirty="0" err="1"/>
@@ -7446,33 +7718,50 @@
             </a:r>
             <a:r>
               <a:rPr lang="en-US" altLang="ko-KR" dirty="0"/>
-              <a:t>0.002</a:t>
-            </a:r>
-            <a:r>
-              <a:rPr lang="ko-KR" altLang="en-US" dirty="0"/>
-              <a:t>배로 타수</a:t>
-            </a:r>
-            <a:r>
-              <a:rPr lang="en-US" altLang="ko-KR" dirty="0"/>
-              <a:t>(</a:t>
-            </a:r>
-            <a:r>
-              <a:rPr lang="ko-KR" altLang="en-US" dirty="0"/>
-              <a:t>타수는 올림</a:t>
-            </a:r>
-            <a:r>
-              <a:rPr lang="en-US" altLang="ko-KR" dirty="0"/>
-              <a:t>)</a:t>
-            </a:r>
-          </a:p>
-          <a:p>
-            <a:pPr marL="285750" indent="-285750">
-              <a:buFontTx/>
-              <a:buChar char="-"/>
-            </a:pPr>
-            <a:r>
-              <a:rPr lang="ko-KR" altLang="en-US" dirty="0"/>
-              <a:t>최대 </a:t>
+              <a:t>0.033</a:t>
+            </a:r>
+          </a:p>
+          <a:p>
+            <a:pPr marL="285750" indent="-285750">
+              <a:buFontTx/>
+              <a:buChar char="-"/>
+            </a:pPr>
+            <a:endParaRPr lang="en-US" altLang="ko-KR" dirty="0"/>
+          </a:p>
+          <a:p>
+            <a:pPr marL="285750" indent="-285750">
+              <a:buFontTx/>
+              <a:buChar char="-"/>
+            </a:pPr>
+            <a:endParaRPr lang="en-US" altLang="ko-KR" dirty="0"/>
+          </a:p>
+          <a:p>
+            <a:pPr marL="285750" indent="-285750">
+              <a:buFontTx/>
+              <a:buChar char="-"/>
+            </a:pPr>
+            <a:r>
+              <a:rPr lang="ko-KR" altLang="en-US" dirty="0"/>
+              <a:t>먼저 적이 때리도록 모든 공격을 기다림</a:t>
+            </a:r>
+            <a:r>
+              <a:rPr lang="en-US" altLang="ko-KR" dirty="0"/>
+              <a:t>. </a:t>
+            </a:r>
+            <a:r>
+              <a:rPr lang="ko-KR" altLang="en-US" dirty="0"/>
+              <a:t>문장 수는 능력 수치에 비례</a:t>
+            </a:r>
+            <a:endParaRPr lang="en-US" altLang="ko-KR" dirty="0"/>
+          </a:p>
+          <a:p>
+            <a:pPr marL="285750" indent="-285750">
+              <a:buFontTx/>
+              <a:buChar char="-"/>
+            </a:pPr>
+            <a:r>
+              <a:rPr lang="ko-KR" altLang="en-US" dirty="0"/>
+              <a:t>기다린 문구 수만큼 </a:t>
             </a:r>
             <a:r>
               <a:rPr lang="ko-KR" altLang="en-US" dirty="0" err="1"/>
@@ -7480,26 +7769,8 @@
             </a:r>
             <a:r>
               <a:rPr lang="ko-KR" altLang="en-US" dirty="0"/>
-              <a:t> </a:t>
-            </a:r>
-            <a:r>
-              <a:rPr lang="en-US" altLang="ko-KR" dirty="0"/>
-              <a:t>50, </a:t>
-            </a:r>
-            <a:r>
-              <a:rPr lang="ko-KR" altLang="en-US" dirty="0"/>
-              <a:t>타수 </a:t>
-            </a:r>
-            <a:r>
-              <a:rPr lang="en-US" altLang="ko-KR" dirty="0"/>
-              <a:t>2</a:t>
-            </a:r>
-          </a:p>
-          <a:p>
-            <a:pPr marL="285750" indent="-285750">
-              <a:buFontTx/>
-              <a:buChar char="-"/>
-            </a:pPr>
+              <a:t> 추가 증가</a:t>
+            </a:r>
             <a:endParaRPr lang="en-US" altLang="ko-KR" dirty="0"/>
           </a:p>
           <a:p>
@@ -7509,45 +7780,17 @@
             </a:pPr>
             <a:r>
               <a:rPr lang="ko-KR" altLang="en-US" dirty="0"/>
-              <a:t>타격을 맨 처음과 맨 마지막에 걸쳐 때림</a:t>
+              <a:t>기다린 문구 수만큼 적의 공격 일정 개수 무효화</a:t>
+            </a:r>
+            <a:r>
+              <a:rPr lang="en-US" altLang="ko-KR" dirty="0"/>
+              <a:t>. </a:t>
+            </a:r>
+            <a:r>
+              <a:rPr lang="ko-KR" altLang="en-US" dirty="0"/>
+              <a:t>큐피드의 화살</a:t>
             </a:r>
             <a:endParaRPr lang="en-US" altLang="ko-KR" dirty="0"/>
-          </a:p>
-          <a:p>
-            <a:pPr marL="285750" indent="-285750">
-              <a:buFontTx/>
-              <a:buChar char="-"/>
-            </a:pPr>
-            <a:r>
-              <a:rPr lang="ko-KR" altLang="en-US" dirty="0"/>
-              <a:t>사이에 있는 문구 수만큼 보정을 </a:t>
-            </a:r>
-            <a:r>
-              <a:rPr lang="ko-KR" altLang="en-US" dirty="0" err="1"/>
-              <a:t>곱연산</a:t>
-            </a:r>
-            <a:r>
-              <a:rPr lang="ko-KR" altLang="en-US" dirty="0"/>
-              <a:t> 추가로 받음</a:t>
-            </a:r>
-            <a:r>
-              <a:rPr lang="en-US" altLang="ko-KR" dirty="0"/>
-              <a:t>.</a:t>
-            </a:r>
-          </a:p>
-          <a:p>
-            <a:pPr marL="285750" indent="-285750">
-              <a:buFontTx/>
-              <a:buChar char="-"/>
-            </a:pPr>
-            <a:r>
-              <a:rPr lang="ko-KR" altLang="en-US" dirty="0"/>
-              <a:t>근력에 따라 타격 횟수가 늘어남</a:t>
-            </a:r>
-            <a:r>
-              <a:rPr lang="en-US" altLang="ko-KR" dirty="0"/>
-              <a:t>.</a:t>
-            </a:r>
           </a:p>
           <a:p>
             <a:pPr marL="285750" indent="-285750">
@@ -7582,7 +7825,7 @@
     </p:spTree>
     <p:extLst>
       <p:ext uri="{BB962C8B-B14F-4D97-AF65-F5344CB8AC3E}">
-        <p14:creationId xmlns:p14="http://schemas.microsoft.com/office/powerpoint/2010/main" val="1335082132"/>
+        <p14:creationId xmlns:p14="http://schemas.microsoft.com/office/powerpoint/2010/main" val="1020166624"/>
       </p:ext>
     </p:extLst>
   </p:cSld>
@@ -7624,7 +7867,7 @@
         <p:spPr>
           <a:xfrm>
             <a:off x="574431" y="439615"/>
-            <a:ext cx="1010213" cy="369332"/>
+            <a:ext cx="1241045" cy="369332"/>
           </a:xfrm>
           <a:prstGeom prst="rect">
             <a:avLst/>
@@ -7647,7 +7890,7 @@
             </a:r>
             <a:r>
               <a:rPr lang="ko-KR" altLang="en-US" dirty="0"/>
-              <a:t> 총</a:t>
+              <a:t> 대검</a:t>
             </a:r>
           </a:p>
         </p:txBody>
@@ -7667,7 +7910,7 @@
         <p:spPr>
           <a:xfrm>
             <a:off x="487913" y="1003973"/>
-            <a:ext cx="11319388" cy="2308324"/>
+            <a:ext cx="11319388" cy="2862322"/>
           </a:xfrm>
           <a:prstGeom prst="rect">
             <a:avLst/>
@@ -7690,11 +7933,11 @@
             </a:r>
             <a:r>
               <a:rPr lang="en-US" altLang="ko-KR" dirty="0"/>
-              <a:t>0. </a:t>
-            </a:r>
-            <a:r>
-              <a:rPr lang="ko-KR" altLang="en-US" dirty="0"/>
-              <a:t>능력 대미지는 총 별 고정</a:t>
+              <a:t>0.05 </a:t>
+            </a:r>
+            <a:r>
+              <a:rPr lang="ko-KR" altLang="en-US" dirty="0" err="1"/>
+              <a:t>대미지</a:t>
             </a:r>
             <a:r>
               <a:rPr lang="en-US" altLang="ko-KR" dirty="0"/>
@@ -7702,15 +7945,93 @@
             </a:r>
             <a:r>
               <a:rPr lang="ko-KR" altLang="en-US" dirty="0"/>
-              <a:t>타수도 총 별 다른 설정</a:t>
-            </a:r>
-            <a:r>
-              <a:rPr lang="en-US" altLang="ko-KR" dirty="0"/>
-              <a:t>. 0.03</a:t>
-            </a:r>
-            <a:r>
-              <a:rPr lang="ko-KR" altLang="en-US" dirty="0"/>
-              <a:t>을 기본으로 잡자</a:t>
+              <a:t>능력 </a:t>
+            </a:r>
+            <a:r>
+              <a:rPr lang="en-US" altLang="ko-KR" dirty="0"/>
+              <a:t>0.002</a:t>
+            </a:r>
+            <a:r>
+              <a:rPr lang="ko-KR" altLang="en-US" dirty="0"/>
+              <a:t>배로 타수</a:t>
+            </a:r>
+            <a:r>
+              <a:rPr lang="en-US" altLang="ko-KR" dirty="0"/>
+              <a:t>(</a:t>
+            </a:r>
+            <a:r>
+              <a:rPr lang="ko-KR" altLang="en-US" dirty="0"/>
+              <a:t>타수는 올림</a:t>
+            </a:r>
+            <a:r>
+              <a:rPr lang="en-US" altLang="ko-KR" dirty="0"/>
+              <a:t>)</a:t>
+            </a:r>
+          </a:p>
+          <a:p>
+            <a:pPr marL="285750" indent="-285750">
+              <a:buFontTx/>
+              <a:buChar char="-"/>
+            </a:pPr>
+            <a:r>
+              <a:rPr lang="ko-KR" altLang="en-US" dirty="0"/>
+              <a:t>최대 </a:t>
+            </a:r>
+            <a:r>
+              <a:rPr lang="ko-KR" altLang="en-US" dirty="0" err="1"/>
+              <a:t>대미지</a:t>
+            </a:r>
+            <a:r>
+              <a:rPr lang="ko-KR" altLang="en-US" dirty="0"/>
+              <a:t> </a:t>
+            </a:r>
+            <a:r>
+              <a:rPr lang="en-US" altLang="ko-KR" dirty="0"/>
+              <a:t>50, </a:t>
+            </a:r>
+            <a:r>
+              <a:rPr lang="ko-KR" altLang="en-US" dirty="0"/>
+              <a:t>타수 </a:t>
+            </a:r>
+            <a:r>
+              <a:rPr lang="en-US" altLang="ko-KR" dirty="0"/>
+              <a:t>2</a:t>
+            </a:r>
+          </a:p>
+          <a:p>
+            <a:pPr marL="285750" indent="-285750">
+              <a:buFontTx/>
+              <a:buChar char="-"/>
+            </a:pPr>
+            <a:endParaRPr lang="en-US" altLang="ko-KR" dirty="0"/>
+          </a:p>
+          <a:p>
+            <a:pPr marL="285750" indent="-285750">
+              <a:buFontTx/>
+              <a:buChar char="-"/>
+            </a:pPr>
+            <a:r>
+              <a:rPr lang="ko-KR" altLang="en-US" dirty="0"/>
+              <a:t>타격을 맨 처음과 맨 마지막에 걸쳐 때림</a:t>
+            </a:r>
+            <a:endParaRPr lang="en-US" altLang="ko-KR" dirty="0"/>
+          </a:p>
+          <a:p>
+            <a:pPr marL="285750" indent="-285750">
+              <a:buFontTx/>
+              <a:buChar char="-"/>
+            </a:pPr>
+            <a:r>
+              <a:rPr lang="ko-KR" altLang="en-US" dirty="0"/>
+              <a:t>사이에 있는 문구 수만큼 보정을 </a:t>
+            </a:r>
+            <a:r>
+              <a:rPr lang="ko-KR" altLang="en-US" dirty="0" err="1"/>
+              <a:t>곱연산</a:t>
+            </a:r>
+            <a:r>
+              <a:rPr lang="ko-KR" altLang="en-US" dirty="0"/>
+              <a:t> 추가로 받음</a:t>
             </a:r>
             <a:r>
               <a:rPr lang="en-US" altLang="ko-KR" dirty="0"/>
@@ -7723,40 +8044,8 @@
               <a:buChar char="-"/>
             </a:pPr>
             <a:r>
-              <a:rPr lang="en-US" altLang="ko-KR" dirty="0"/>
-              <a:t> </a:t>
-            </a:r>
-          </a:p>
-          <a:p>
-            <a:pPr marL="285750" indent="-285750">
-              <a:buFontTx/>
-              <a:buChar char="-"/>
-            </a:pPr>
-            <a:r>
-              <a:rPr lang="ko-KR" altLang="en-US" dirty="0"/>
-              <a:t>근력 없이 능력 보정만 올로 받음</a:t>
-            </a:r>
-            <a:r>
-              <a:rPr lang="en-US" altLang="ko-KR" dirty="0"/>
-              <a:t>.</a:t>
-            </a:r>
-          </a:p>
-          <a:p>
-            <a:pPr marL="285750" indent="-285750">
-              <a:buFontTx/>
-              <a:buChar char="-"/>
-            </a:pPr>
-            <a:r>
-              <a:rPr lang="ko-KR" altLang="en-US" dirty="0"/>
-              <a:t>휘는 총알</a:t>
-            </a:r>
-            <a:r>
-              <a:rPr lang="en-US" altLang="ko-KR" dirty="0"/>
-              <a:t>: </a:t>
-            </a:r>
-            <a:r>
-              <a:rPr lang="ko-KR" altLang="en-US" dirty="0"/>
-              <a:t>근력 수치에 따라 몇 개의 공격 회피</a:t>
+              <a:rPr lang="ko-KR" altLang="en-US" dirty="0"/>
+              <a:t>근력에 따라 타격 횟수가 늘어남</a:t>
             </a:r>
             <a:r>
               <a:rPr lang="en-US" altLang="ko-KR" dirty="0"/>
@@ -7796,7 +8085,7 @@
     </p:spTree>
     <p:extLst>
       <p:ext uri="{BB962C8B-B14F-4D97-AF65-F5344CB8AC3E}">
-        <p14:creationId xmlns:p14="http://schemas.microsoft.com/office/powerpoint/2010/main" val="1788893303"/>
+        <p14:creationId xmlns:p14="http://schemas.microsoft.com/office/powerpoint/2010/main" val="1335082132"/>
       </p:ext>
     </p:extLst>
   </p:cSld>

--- a/수집요소.pptx
+++ b/수집요소.pptx
@@ -208,7 +208,7 @@
           <a:p>
             <a:fld id="{098D9883-1617-4681-BA43-91DCCEA255A3}" type="datetimeFigureOut">
               <a:rPr lang="ko-KR" altLang="en-US" smtClean="0"/>
-              <a:t>2024-09-13</a:t>
+              <a:t>2024-09-24</a:t>
             </a:fld>
             <a:endParaRPr lang="ko-KR" altLang="en-US"/>
           </a:p>
@@ -1630,7 +1630,7 @@
           <a:p>
             <a:fld id="{5FF1DCF6-4881-4944-A4DB-9A9C3A72CFA7}" type="datetimeFigureOut">
               <a:rPr lang="ko-KR" altLang="en-US" smtClean="0"/>
-              <a:t>2024-09-13</a:t>
+              <a:t>2024-09-24</a:t>
             </a:fld>
             <a:endParaRPr lang="ko-KR" altLang="en-US"/>
           </a:p>
@@ -1828,7 +1828,7 @@
           <a:p>
             <a:fld id="{5FF1DCF6-4881-4944-A4DB-9A9C3A72CFA7}" type="datetimeFigureOut">
               <a:rPr lang="ko-KR" altLang="en-US" smtClean="0"/>
-              <a:t>2024-09-13</a:t>
+              <a:t>2024-09-24</a:t>
             </a:fld>
             <a:endParaRPr lang="ko-KR" altLang="en-US"/>
           </a:p>
@@ -2036,7 +2036,7 @@
           <a:p>
             <a:fld id="{5FF1DCF6-4881-4944-A4DB-9A9C3A72CFA7}" type="datetimeFigureOut">
               <a:rPr lang="ko-KR" altLang="en-US" smtClean="0"/>
-              <a:t>2024-09-13</a:t>
+              <a:t>2024-09-24</a:t>
             </a:fld>
             <a:endParaRPr lang="ko-KR" altLang="en-US"/>
           </a:p>
@@ -2234,7 +2234,7 @@
           <a:p>
             <a:fld id="{5FF1DCF6-4881-4944-A4DB-9A9C3A72CFA7}" type="datetimeFigureOut">
               <a:rPr lang="ko-KR" altLang="en-US" smtClean="0"/>
-              <a:t>2024-09-13</a:t>
+              <a:t>2024-09-24</a:t>
             </a:fld>
             <a:endParaRPr lang="ko-KR" altLang="en-US"/>
           </a:p>
@@ -2509,7 +2509,7 @@
           <a:p>
             <a:fld id="{5FF1DCF6-4881-4944-A4DB-9A9C3A72CFA7}" type="datetimeFigureOut">
               <a:rPr lang="ko-KR" altLang="en-US" smtClean="0"/>
-              <a:t>2024-09-13</a:t>
+              <a:t>2024-09-24</a:t>
             </a:fld>
             <a:endParaRPr lang="ko-KR" altLang="en-US"/>
           </a:p>
@@ -2774,7 +2774,7 @@
           <a:p>
             <a:fld id="{5FF1DCF6-4881-4944-A4DB-9A9C3A72CFA7}" type="datetimeFigureOut">
               <a:rPr lang="ko-KR" altLang="en-US" smtClean="0"/>
-              <a:t>2024-09-13</a:t>
+              <a:t>2024-09-24</a:t>
             </a:fld>
             <a:endParaRPr lang="ko-KR" altLang="en-US"/>
           </a:p>
@@ -3186,7 +3186,7 @@
           <a:p>
             <a:fld id="{5FF1DCF6-4881-4944-A4DB-9A9C3A72CFA7}" type="datetimeFigureOut">
               <a:rPr lang="ko-KR" altLang="en-US" smtClean="0"/>
-              <a:t>2024-09-13</a:t>
+              <a:t>2024-09-24</a:t>
             </a:fld>
             <a:endParaRPr lang="ko-KR" altLang="en-US"/>
           </a:p>
@@ -3327,7 +3327,7 @@
           <a:p>
             <a:fld id="{5FF1DCF6-4881-4944-A4DB-9A9C3A72CFA7}" type="datetimeFigureOut">
               <a:rPr lang="ko-KR" altLang="en-US" smtClean="0"/>
-              <a:t>2024-09-13</a:t>
+              <a:t>2024-09-24</a:t>
             </a:fld>
             <a:endParaRPr lang="ko-KR" altLang="en-US"/>
           </a:p>
@@ -3440,7 +3440,7 @@
           <a:p>
             <a:fld id="{5FF1DCF6-4881-4944-A4DB-9A9C3A72CFA7}" type="datetimeFigureOut">
               <a:rPr lang="ko-KR" altLang="en-US" smtClean="0"/>
-              <a:t>2024-09-13</a:t>
+              <a:t>2024-09-24</a:t>
             </a:fld>
             <a:endParaRPr lang="ko-KR" altLang="en-US"/>
           </a:p>
@@ -3751,7 +3751,7 @@
           <a:p>
             <a:fld id="{5FF1DCF6-4881-4944-A4DB-9A9C3A72CFA7}" type="datetimeFigureOut">
               <a:rPr lang="ko-KR" altLang="en-US" smtClean="0"/>
-              <a:t>2024-09-13</a:t>
+              <a:t>2024-09-24</a:t>
             </a:fld>
             <a:endParaRPr lang="ko-KR" altLang="en-US"/>
           </a:p>
@@ -4039,7 +4039,7 @@
           <a:p>
             <a:fld id="{5FF1DCF6-4881-4944-A4DB-9A9C3A72CFA7}" type="datetimeFigureOut">
               <a:rPr lang="ko-KR" altLang="en-US" smtClean="0"/>
-              <a:t>2024-09-13</a:t>
+              <a:t>2024-09-24</a:t>
             </a:fld>
             <a:endParaRPr lang="ko-KR" altLang="en-US"/>
           </a:p>
@@ -4280,7 +4280,7 @@
           <a:p>
             <a:fld id="{5FF1DCF6-4881-4944-A4DB-9A9C3A72CFA7}" type="datetimeFigureOut">
               <a:rPr lang="ko-KR" altLang="en-US" smtClean="0"/>
-              <a:t>2024-09-13</a:t>
+              <a:t>2024-09-24</a:t>
             </a:fld>
             <a:endParaRPr lang="ko-KR" altLang="en-US"/>
           </a:p>
@@ -7048,6 +7048,22 @@
             <a:r>
               <a:rPr lang="ko-KR" altLang="en-US" dirty="0"/>
               <a:t>더 나중에 때릴 수 있음</a:t>
+            </a:r>
+            <a:r>
+              <a:rPr lang="en-US" altLang="ko-KR" dirty="0"/>
+              <a:t>. </a:t>
+            </a:r>
+            <a:r>
+              <a:rPr lang="ko-KR" altLang="en-US" dirty="0"/>
+              <a:t>이걸 능력 보정에 따라 내가 하나 할 때 적이 몇 개를 </a:t>
+            </a:r>
+            <a:r>
+              <a:rPr lang="ko-KR" altLang="en-US" dirty="0" err="1"/>
+              <a:t>해야하는지를</a:t>
+            </a:r>
+            <a:r>
+              <a:rPr lang="ko-KR" altLang="en-US" dirty="0"/>
+              <a:t> 정해주자</a:t>
             </a:r>
             <a:r>
               <a:rPr lang="en-US" altLang="ko-KR" dirty="0"/>

--- a/수집요소.pptx
+++ b/수집요소.pptx
@@ -208,7 +208,7 @@
           <a:p>
             <a:fld id="{098D9883-1617-4681-BA43-91DCCEA255A3}" type="datetimeFigureOut">
               <a:rPr lang="ko-KR" altLang="en-US" smtClean="0"/>
-              <a:t>2024-09-24</a:t>
+              <a:t>2024-10-15</a:t>
             </a:fld>
             <a:endParaRPr lang="ko-KR" altLang="en-US"/>
           </a:p>
@@ -1630,7 +1630,7 @@
           <a:p>
             <a:fld id="{5FF1DCF6-4881-4944-A4DB-9A9C3A72CFA7}" type="datetimeFigureOut">
               <a:rPr lang="ko-KR" altLang="en-US" smtClean="0"/>
-              <a:t>2024-09-24</a:t>
+              <a:t>2024-10-15</a:t>
             </a:fld>
             <a:endParaRPr lang="ko-KR" altLang="en-US"/>
           </a:p>
@@ -1828,7 +1828,7 @@
           <a:p>
             <a:fld id="{5FF1DCF6-4881-4944-A4DB-9A9C3A72CFA7}" type="datetimeFigureOut">
               <a:rPr lang="ko-KR" altLang="en-US" smtClean="0"/>
-              <a:t>2024-09-24</a:t>
+              <a:t>2024-10-15</a:t>
             </a:fld>
             <a:endParaRPr lang="ko-KR" altLang="en-US"/>
           </a:p>
@@ -2036,7 +2036,7 @@
           <a:p>
             <a:fld id="{5FF1DCF6-4881-4944-A4DB-9A9C3A72CFA7}" type="datetimeFigureOut">
               <a:rPr lang="ko-KR" altLang="en-US" smtClean="0"/>
-              <a:t>2024-09-24</a:t>
+              <a:t>2024-10-15</a:t>
             </a:fld>
             <a:endParaRPr lang="ko-KR" altLang="en-US"/>
           </a:p>
@@ -2234,7 +2234,7 @@
           <a:p>
             <a:fld id="{5FF1DCF6-4881-4944-A4DB-9A9C3A72CFA7}" type="datetimeFigureOut">
               <a:rPr lang="ko-KR" altLang="en-US" smtClean="0"/>
-              <a:t>2024-09-24</a:t>
+              <a:t>2024-10-15</a:t>
             </a:fld>
             <a:endParaRPr lang="ko-KR" altLang="en-US"/>
           </a:p>
@@ -2509,7 +2509,7 @@
           <a:p>
             <a:fld id="{5FF1DCF6-4881-4944-A4DB-9A9C3A72CFA7}" type="datetimeFigureOut">
               <a:rPr lang="ko-KR" altLang="en-US" smtClean="0"/>
-              <a:t>2024-09-24</a:t>
+              <a:t>2024-10-15</a:t>
             </a:fld>
             <a:endParaRPr lang="ko-KR" altLang="en-US"/>
           </a:p>
@@ -2774,7 +2774,7 @@
           <a:p>
             <a:fld id="{5FF1DCF6-4881-4944-A4DB-9A9C3A72CFA7}" type="datetimeFigureOut">
               <a:rPr lang="ko-KR" altLang="en-US" smtClean="0"/>
-              <a:t>2024-09-24</a:t>
+              <a:t>2024-10-15</a:t>
             </a:fld>
             <a:endParaRPr lang="ko-KR" altLang="en-US"/>
           </a:p>
@@ -3186,7 +3186,7 @@
           <a:p>
             <a:fld id="{5FF1DCF6-4881-4944-A4DB-9A9C3A72CFA7}" type="datetimeFigureOut">
               <a:rPr lang="ko-KR" altLang="en-US" smtClean="0"/>
-              <a:t>2024-09-24</a:t>
+              <a:t>2024-10-15</a:t>
             </a:fld>
             <a:endParaRPr lang="ko-KR" altLang="en-US"/>
           </a:p>
@@ -3327,7 +3327,7 @@
           <a:p>
             <a:fld id="{5FF1DCF6-4881-4944-A4DB-9A9C3A72CFA7}" type="datetimeFigureOut">
               <a:rPr lang="ko-KR" altLang="en-US" smtClean="0"/>
-              <a:t>2024-09-24</a:t>
+              <a:t>2024-10-15</a:t>
             </a:fld>
             <a:endParaRPr lang="ko-KR" altLang="en-US"/>
           </a:p>
@@ -3440,7 +3440,7 @@
           <a:p>
             <a:fld id="{5FF1DCF6-4881-4944-A4DB-9A9C3A72CFA7}" type="datetimeFigureOut">
               <a:rPr lang="ko-KR" altLang="en-US" smtClean="0"/>
-              <a:t>2024-09-24</a:t>
+              <a:t>2024-10-15</a:t>
             </a:fld>
             <a:endParaRPr lang="ko-KR" altLang="en-US"/>
           </a:p>
@@ -3751,7 +3751,7 @@
           <a:p>
             <a:fld id="{5FF1DCF6-4881-4944-A4DB-9A9C3A72CFA7}" type="datetimeFigureOut">
               <a:rPr lang="ko-KR" altLang="en-US" smtClean="0"/>
-              <a:t>2024-09-24</a:t>
+              <a:t>2024-10-15</a:t>
             </a:fld>
             <a:endParaRPr lang="ko-KR" altLang="en-US"/>
           </a:p>
@@ -4039,7 +4039,7 @@
           <a:p>
             <a:fld id="{5FF1DCF6-4881-4944-A4DB-9A9C3A72CFA7}" type="datetimeFigureOut">
               <a:rPr lang="ko-KR" altLang="en-US" smtClean="0"/>
-              <a:t>2024-09-24</a:t>
+              <a:t>2024-10-15</a:t>
             </a:fld>
             <a:endParaRPr lang="ko-KR" altLang="en-US"/>
           </a:p>
@@ -4280,7 +4280,7 @@
           <a:p>
             <a:fld id="{5FF1DCF6-4881-4944-A4DB-9A9C3A72CFA7}" type="datetimeFigureOut">
               <a:rPr lang="ko-KR" altLang="en-US" smtClean="0"/>
-              <a:t>2024-09-24</a:t>
+              <a:t>2024-10-15</a:t>
             </a:fld>
             <a:endParaRPr lang="ko-KR" altLang="en-US"/>
           </a:p>
